--- a/Homework Printouts.pptx
+++ b/Homework Printouts.pptx
@@ -106,6 +106,11 @@
       </a:defRPr>
     </a:lvl9pPr>
   </p:defaultTextStyle>
+  <p:extLst>
+    <p:ext uri="{EFAFB233-063F-42B5-8137-9DF3F51BA10A}">
+      <p15:sldGuideLst xmlns:p15="http://schemas.microsoft.com/office/powerpoint/2012/main"/>
+    </p:ext>
+  </p:extLst>
 </p:presentation>
 </file>
 
@@ -240,7 +245,7 @@
           <a:p>
             <a:fld id="{9BAD008B-C58F-DC47-9BDF-ACF9484DF185}" type="datetimeFigureOut">
               <a:rPr lang="en-GB" smtClean="0"/>
-              <a:t>30/10/2020</a:t>
+              <a:t>05/11/2020</a:t>
             </a:fld>
             <a:endParaRPr lang="en-GB"/>
           </a:p>
@@ -410,7 +415,7 @@
           <a:p>
             <a:fld id="{9BAD008B-C58F-DC47-9BDF-ACF9484DF185}" type="datetimeFigureOut">
               <a:rPr lang="en-GB" smtClean="0"/>
-              <a:t>30/10/2020</a:t>
+              <a:t>05/11/2020</a:t>
             </a:fld>
             <a:endParaRPr lang="en-GB"/>
           </a:p>
@@ -590,7 +595,7 @@
           <a:p>
             <a:fld id="{9BAD008B-C58F-DC47-9BDF-ACF9484DF185}" type="datetimeFigureOut">
               <a:rPr lang="en-GB" smtClean="0"/>
-              <a:t>30/10/2020</a:t>
+              <a:t>05/11/2020</a:t>
             </a:fld>
             <a:endParaRPr lang="en-GB"/>
           </a:p>
@@ -760,7 +765,7 @@
           <a:p>
             <a:fld id="{9BAD008B-C58F-DC47-9BDF-ACF9484DF185}" type="datetimeFigureOut">
               <a:rPr lang="en-GB" smtClean="0"/>
-              <a:t>30/10/2020</a:t>
+              <a:t>05/11/2020</a:t>
             </a:fld>
             <a:endParaRPr lang="en-GB"/>
           </a:p>
@@ -1004,7 +1009,7 @@
           <a:p>
             <a:fld id="{9BAD008B-C58F-DC47-9BDF-ACF9484DF185}" type="datetimeFigureOut">
               <a:rPr lang="en-GB" smtClean="0"/>
-              <a:t>30/10/2020</a:t>
+              <a:t>05/11/2020</a:t>
             </a:fld>
             <a:endParaRPr lang="en-GB"/>
           </a:p>
@@ -1236,7 +1241,7 @@
           <a:p>
             <a:fld id="{9BAD008B-C58F-DC47-9BDF-ACF9484DF185}" type="datetimeFigureOut">
               <a:rPr lang="en-GB" smtClean="0"/>
-              <a:t>30/10/2020</a:t>
+              <a:t>05/11/2020</a:t>
             </a:fld>
             <a:endParaRPr lang="en-GB"/>
           </a:p>
@@ -1603,7 +1608,7 @@
           <a:p>
             <a:fld id="{9BAD008B-C58F-DC47-9BDF-ACF9484DF185}" type="datetimeFigureOut">
               <a:rPr lang="en-GB" smtClean="0"/>
-              <a:t>30/10/2020</a:t>
+              <a:t>05/11/2020</a:t>
             </a:fld>
             <a:endParaRPr lang="en-GB"/>
           </a:p>
@@ -1721,7 +1726,7 @@
           <a:p>
             <a:fld id="{9BAD008B-C58F-DC47-9BDF-ACF9484DF185}" type="datetimeFigureOut">
               <a:rPr lang="en-GB" smtClean="0"/>
-              <a:t>30/10/2020</a:t>
+              <a:t>05/11/2020</a:t>
             </a:fld>
             <a:endParaRPr lang="en-GB"/>
           </a:p>
@@ -1816,7 +1821,7 @@
           <a:p>
             <a:fld id="{9BAD008B-C58F-DC47-9BDF-ACF9484DF185}" type="datetimeFigureOut">
               <a:rPr lang="en-GB" smtClean="0"/>
-              <a:t>30/10/2020</a:t>
+              <a:t>05/11/2020</a:t>
             </a:fld>
             <a:endParaRPr lang="en-GB"/>
           </a:p>
@@ -2093,7 +2098,7 @@
           <a:p>
             <a:fld id="{9BAD008B-C58F-DC47-9BDF-ACF9484DF185}" type="datetimeFigureOut">
               <a:rPr lang="en-GB" smtClean="0"/>
-              <a:t>30/10/2020</a:t>
+              <a:t>05/11/2020</a:t>
             </a:fld>
             <a:endParaRPr lang="en-GB"/>
           </a:p>
@@ -2350,7 +2355,7 @@
           <a:p>
             <a:fld id="{9BAD008B-C58F-DC47-9BDF-ACF9484DF185}" type="datetimeFigureOut">
               <a:rPr lang="en-GB" smtClean="0"/>
-              <a:t>30/10/2020</a:t>
+              <a:t>05/11/2020</a:t>
             </a:fld>
             <a:endParaRPr lang="en-GB"/>
           </a:p>
@@ -2563,7 +2568,7 @@
           <a:p>
             <a:fld id="{9BAD008B-C58F-DC47-9BDF-ACF9484DF185}" type="datetimeFigureOut">
               <a:rPr lang="en-GB" smtClean="0"/>
-              <a:t>30/10/2020</a:t>
+              <a:t>05/11/2020</a:t>
             </a:fld>
             <a:endParaRPr lang="en-GB"/>
           </a:p>
@@ -6264,7 +6269,7 @@
           <a:p>
             <a:r>
               <a:rPr lang="en-GB" dirty="0"/>
-              <a:t>Testing stories (if you test):</a:t>
+              <a:t>Classes I wish had printers:</a:t>
             </a:r>
           </a:p>
         </p:txBody>
@@ -6600,10 +6605,10 @@
         </p:nvGrpSpPr>
         <p:grpSpPr>
           <a:xfrm>
-            <a:off x="633452" y="5203767"/>
-            <a:ext cx="5734097" cy="1457407"/>
+            <a:off x="633452" y="4293438"/>
+            <a:ext cx="5734097" cy="867203"/>
             <a:chOff x="633452" y="3200400"/>
-            <a:chExt cx="5734097" cy="1457407"/>
+            <a:chExt cx="5734097" cy="867203"/>
           </a:xfrm>
         </p:grpSpPr>
         <p:sp>
@@ -6642,7 +6647,7 @@
                     </a:schemeClr>
                   </a:solidFill>
                 </a:rPr>
-                <a:t>Today I tested ______ and</a:t>
+                <a:t>ClassName3,       ClassName4</a:t>
               </a:r>
             </a:p>
           </p:txBody>
@@ -6750,369 +6755,6 @@
           <p:spPr>
             <a:xfrm>
               <a:off x="633452" y="4067603"/>
-              <a:ext cx="5734097" cy="0"/>
-            </a:xfrm>
-            <a:prstGeom prst="line">
-              <a:avLst/>
-            </a:prstGeom>
-            <a:ln>
-              <a:solidFill>
-                <a:schemeClr val="tx1"/>
-              </a:solidFill>
-            </a:ln>
-          </p:spPr>
-          <p:style>
-            <a:lnRef idx="1">
-              <a:schemeClr val="accent1"/>
-            </a:lnRef>
-            <a:fillRef idx="0">
-              <a:schemeClr val="accent1"/>
-            </a:fillRef>
-            <a:effectRef idx="0">
-              <a:schemeClr val="accent1"/>
-            </a:effectRef>
-            <a:fontRef idx="minor">
-              <a:schemeClr val="tx1"/>
-            </a:fontRef>
-          </p:style>
-        </p:cxnSp>
-        <p:cxnSp>
-          <p:nvCxnSpPr>
-            <p:cNvPr id="88" name="Straight Connector 87">
-              <a:extLst>
-                <a:ext uri="{FF2B5EF4-FFF2-40B4-BE49-F238E27FC236}">
-                  <a16:creationId xmlns:a16="http://schemas.microsoft.com/office/drawing/2014/main" id="{FDB8A382-E0F4-D94F-8B0C-C24E0B493A9D}"/>
-                </a:ext>
-              </a:extLst>
-            </p:cNvPr>
-            <p:cNvCxnSpPr>
-              <a:cxnSpLocks/>
-            </p:cNvCxnSpPr>
-            <p:nvPr/>
-          </p:nvCxnSpPr>
-          <p:spPr>
-            <a:xfrm>
-              <a:off x="633452" y="4657807"/>
-              <a:ext cx="5734097" cy="0"/>
-            </a:xfrm>
-            <a:prstGeom prst="line">
-              <a:avLst/>
-            </a:prstGeom>
-            <a:ln>
-              <a:solidFill>
-                <a:schemeClr val="tx1"/>
-              </a:solidFill>
-            </a:ln>
-          </p:spPr>
-          <p:style>
-            <a:lnRef idx="1">
-              <a:schemeClr val="accent1"/>
-            </a:lnRef>
-            <a:fillRef idx="0">
-              <a:schemeClr val="accent1"/>
-            </a:fillRef>
-            <a:effectRef idx="0">
-              <a:schemeClr val="accent1"/>
-            </a:effectRef>
-            <a:fontRef idx="minor">
-              <a:schemeClr val="tx1"/>
-            </a:fontRef>
-          </p:style>
-        </p:cxnSp>
-        <p:cxnSp>
-          <p:nvCxnSpPr>
-            <p:cNvPr id="89" name="Straight Connector 88">
-              <a:extLst>
-                <a:ext uri="{FF2B5EF4-FFF2-40B4-BE49-F238E27FC236}">
-                  <a16:creationId xmlns:a16="http://schemas.microsoft.com/office/drawing/2014/main" id="{513FE733-6216-964B-8B09-BEDD95C73BD2}"/>
-                </a:ext>
-              </a:extLst>
-            </p:cNvPr>
-            <p:cNvCxnSpPr>
-              <a:cxnSpLocks/>
-            </p:cNvCxnSpPr>
-            <p:nvPr/>
-          </p:nvCxnSpPr>
-          <p:spPr>
-            <a:xfrm>
-              <a:off x="633452" y="4362705"/>
-              <a:ext cx="5734097" cy="0"/>
-            </a:xfrm>
-            <a:prstGeom prst="line">
-              <a:avLst/>
-            </a:prstGeom>
-            <a:ln>
-              <a:solidFill>
-                <a:schemeClr val="tx1"/>
-              </a:solidFill>
-            </a:ln>
-          </p:spPr>
-          <p:style>
-            <a:lnRef idx="1">
-              <a:schemeClr val="accent1"/>
-            </a:lnRef>
-            <a:fillRef idx="0">
-              <a:schemeClr val="accent1"/>
-            </a:fillRef>
-            <a:effectRef idx="0">
-              <a:schemeClr val="accent1"/>
-            </a:effectRef>
-            <a:fontRef idx="minor">
-              <a:schemeClr val="tx1"/>
-            </a:fontRef>
-          </p:style>
-        </p:cxnSp>
-      </p:grpSp>
-      <p:grpSp>
-        <p:nvGrpSpPr>
-          <p:cNvPr id="90" name="Group 89">
-            <a:extLst>
-              <a:ext uri="{FF2B5EF4-FFF2-40B4-BE49-F238E27FC236}">
-                <a16:creationId xmlns:a16="http://schemas.microsoft.com/office/drawing/2014/main" id="{9E0BFDFB-A67F-074F-AE70-331FBD5F7E77}"/>
-              </a:ext>
-            </a:extLst>
-          </p:cNvPr>
-          <p:cNvGrpSpPr/>
-          <p:nvPr/>
-        </p:nvGrpSpPr>
-        <p:grpSpPr>
-          <a:xfrm>
-            <a:off x="633452" y="7207134"/>
-            <a:ext cx="5734097" cy="1457407"/>
-            <a:chOff x="633452" y="3200400"/>
-            <a:chExt cx="5734097" cy="1457407"/>
-          </a:xfrm>
-        </p:grpSpPr>
-        <p:sp>
-          <p:nvSpPr>
-            <p:cNvPr id="91" name="TextBox 90">
-              <a:extLst>
-                <a:ext uri="{FF2B5EF4-FFF2-40B4-BE49-F238E27FC236}">
-                  <a16:creationId xmlns:a16="http://schemas.microsoft.com/office/drawing/2014/main" id="{8B7A63AF-4C14-1441-A635-631CCF700A4B}"/>
-                </a:ext>
-              </a:extLst>
-            </p:cNvPr>
-            <p:cNvSpPr txBox="1"/>
-            <p:nvPr/>
-          </p:nvSpPr>
-          <p:spPr>
-            <a:xfrm>
-              <a:off x="1047404" y="3200400"/>
-              <a:ext cx="3794760" cy="276999"/>
-            </a:xfrm>
-            <a:prstGeom prst="rect">
-              <a:avLst/>
-            </a:prstGeom>
-            <a:noFill/>
-          </p:spPr>
-          <p:txBody>
-            <a:bodyPr wrap="square" rtlCol="0">
-              <a:spAutoFit/>
-            </a:bodyPr>
-            <a:lstStyle/>
-            <a:p>
-              <a:r>
-                <a:rPr lang="en-GB" sz="1200" dirty="0">
-                  <a:solidFill>
-                    <a:schemeClr val="bg1">
-                      <a:lumMod val="75000"/>
-                    </a:schemeClr>
-                  </a:solidFill>
-                </a:rPr>
-                <a:t>Today I tested ______ and</a:t>
-              </a:r>
-            </a:p>
-          </p:txBody>
-        </p:sp>
-        <p:cxnSp>
-          <p:nvCxnSpPr>
-            <p:cNvPr id="92" name="Straight Connector 91">
-              <a:extLst>
-                <a:ext uri="{FF2B5EF4-FFF2-40B4-BE49-F238E27FC236}">
-                  <a16:creationId xmlns:a16="http://schemas.microsoft.com/office/drawing/2014/main" id="{AE203220-2664-C244-B1D0-0F4FBE0ED6D5}"/>
-                </a:ext>
-              </a:extLst>
-            </p:cNvPr>
-            <p:cNvCxnSpPr>
-              <a:cxnSpLocks/>
-            </p:cNvCxnSpPr>
-            <p:nvPr/>
-          </p:nvCxnSpPr>
-          <p:spPr>
-            <a:xfrm>
-              <a:off x="633452" y="3477399"/>
-              <a:ext cx="5734097" cy="0"/>
-            </a:xfrm>
-            <a:prstGeom prst="line">
-              <a:avLst/>
-            </a:prstGeom>
-            <a:ln>
-              <a:solidFill>
-                <a:schemeClr val="tx1"/>
-              </a:solidFill>
-            </a:ln>
-          </p:spPr>
-          <p:style>
-            <a:lnRef idx="1">
-              <a:schemeClr val="accent1"/>
-            </a:lnRef>
-            <a:fillRef idx="0">
-              <a:schemeClr val="accent1"/>
-            </a:fillRef>
-            <a:effectRef idx="0">
-              <a:schemeClr val="accent1"/>
-            </a:effectRef>
-            <a:fontRef idx="minor">
-              <a:schemeClr val="tx1"/>
-            </a:fontRef>
-          </p:style>
-        </p:cxnSp>
-        <p:cxnSp>
-          <p:nvCxnSpPr>
-            <p:cNvPr id="93" name="Straight Connector 92">
-              <a:extLst>
-                <a:ext uri="{FF2B5EF4-FFF2-40B4-BE49-F238E27FC236}">
-                  <a16:creationId xmlns:a16="http://schemas.microsoft.com/office/drawing/2014/main" id="{8945653C-90A5-3245-822F-3088D74CED99}"/>
-                </a:ext>
-              </a:extLst>
-            </p:cNvPr>
-            <p:cNvCxnSpPr>
-              <a:cxnSpLocks/>
-            </p:cNvCxnSpPr>
-            <p:nvPr/>
-          </p:nvCxnSpPr>
-          <p:spPr>
-            <a:xfrm>
-              <a:off x="633452" y="3772501"/>
-              <a:ext cx="5734097" cy="0"/>
-            </a:xfrm>
-            <a:prstGeom prst="line">
-              <a:avLst/>
-            </a:prstGeom>
-            <a:ln>
-              <a:solidFill>
-                <a:schemeClr val="tx1"/>
-              </a:solidFill>
-            </a:ln>
-          </p:spPr>
-          <p:style>
-            <a:lnRef idx="1">
-              <a:schemeClr val="accent1"/>
-            </a:lnRef>
-            <a:fillRef idx="0">
-              <a:schemeClr val="accent1"/>
-            </a:fillRef>
-            <a:effectRef idx="0">
-              <a:schemeClr val="accent1"/>
-            </a:effectRef>
-            <a:fontRef idx="minor">
-              <a:schemeClr val="tx1"/>
-            </a:fontRef>
-          </p:style>
-        </p:cxnSp>
-        <p:cxnSp>
-          <p:nvCxnSpPr>
-            <p:cNvPr id="94" name="Straight Connector 93">
-              <a:extLst>
-                <a:ext uri="{FF2B5EF4-FFF2-40B4-BE49-F238E27FC236}">
-                  <a16:creationId xmlns:a16="http://schemas.microsoft.com/office/drawing/2014/main" id="{5511C019-C8DB-164C-993E-6DF8C7C561CF}"/>
-                </a:ext>
-              </a:extLst>
-            </p:cNvPr>
-            <p:cNvCxnSpPr>
-              <a:cxnSpLocks/>
-            </p:cNvCxnSpPr>
-            <p:nvPr/>
-          </p:nvCxnSpPr>
-          <p:spPr>
-            <a:xfrm>
-              <a:off x="633452" y="4067603"/>
-              <a:ext cx="5734097" cy="0"/>
-            </a:xfrm>
-            <a:prstGeom prst="line">
-              <a:avLst/>
-            </a:prstGeom>
-            <a:ln>
-              <a:solidFill>
-                <a:schemeClr val="tx1"/>
-              </a:solidFill>
-            </a:ln>
-          </p:spPr>
-          <p:style>
-            <a:lnRef idx="1">
-              <a:schemeClr val="accent1"/>
-            </a:lnRef>
-            <a:fillRef idx="0">
-              <a:schemeClr val="accent1"/>
-            </a:fillRef>
-            <a:effectRef idx="0">
-              <a:schemeClr val="accent1"/>
-            </a:effectRef>
-            <a:fontRef idx="minor">
-              <a:schemeClr val="tx1"/>
-            </a:fontRef>
-          </p:style>
-        </p:cxnSp>
-        <p:cxnSp>
-          <p:nvCxnSpPr>
-            <p:cNvPr id="95" name="Straight Connector 94">
-              <a:extLst>
-                <a:ext uri="{FF2B5EF4-FFF2-40B4-BE49-F238E27FC236}">
-                  <a16:creationId xmlns:a16="http://schemas.microsoft.com/office/drawing/2014/main" id="{73FA85BD-E5C7-8F4D-845D-A6C7F0E5EAE9}"/>
-                </a:ext>
-              </a:extLst>
-            </p:cNvPr>
-            <p:cNvCxnSpPr>
-              <a:cxnSpLocks/>
-            </p:cNvCxnSpPr>
-            <p:nvPr/>
-          </p:nvCxnSpPr>
-          <p:spPr>
-            <a:xfrm>
-              <a:off x="633452" y="4657807"/>
-              <a:ext cx="5734097" cy="0"/>
-            </a:xfrm>
-            <a:prstGeom prst="line">
-              <a:avLst/>
-            </a:prstGeom>
-            <a:ln>
-              <a:solidFill>
-                <a:schemeClr val="tx1"/>
-              </a:solidFill>
-            </a:ln>
-          </p:spPr>
-          <p:style>
-            <a:lnRef idx="1">
-              <a:schemeClr val="accent1"/>
-            </a:lnRef>
-            <a:fillRef idx="0">
-              <a:schemeClr val="accent1"/>
-            </a:fillRef>
-            <a:effectRef idx="0">
-              <a:schemeClr val="accent1"/>
-            </a:effectRef>
-            <a:fontRef idx="minor">
-              <a:schemeClr val="tx1"/>
-            </a:fontRef>
-          </p:style>
-        </p:cxnSp>
-        <p:cxnSp>
-          <p:nvCxnSpPr>
-            <p:cNvPr id="96" name="Straight Connector 95">
-              <a:extLst>
-                <a:ext uri="{FF2B5EF4-FFF2-40B4-BE49-F238E27FC236}">
-                  <a16:creationId xmlns:a16="http://schemas.microsoft.com/office/drawing/2014/main" id="{EDA28E50-4522-C44E-BB3A-A9DEEB032F81}"/>
-                </a:ext>
-              </a:extLst>
-            </p:cNvPr>
-            <p:cNvCxnSpPr>
-              <a:cxnSpLocks/>
-            </p:cNvCxnSpPr>
-            <p:nvPr/>
-          </p:nvCxnSpPr>
-          <p:spPr>
-            <a:xfrm>
-              <a:off x="633452" y="4362705"/>
               <a:ext cx="5734097" cy="0"/>
             </a:xfrm>
             <a:prstGeom prst="line">
@@ -7316,6 +6958,1025 @@
           </a:p>
         </p:txBody>
       </p:sp>
+      <p:sp>
+        <p:nvSpPr>
+          <p:cNvPr id="29" name="TextBox 28">
+            <a:extLst>
+              <a:ext uri="{FF2B5EF4-FFF2-40B4-BE49-F238E27FC236}">
+                <a16:creationId xmlns:a16="http://schemas.microsoft.com/office/drawing/2014/main" id="{48AE2099-CF8C-E847-B5E4-28F6585550FC}"/>
+              </a:ext>
+            </a:extLst>
+          </p:cNvPr>
+          <p:cNvSpPr txBox="1"/>
+          <p:nvPr/>
+        </p:nvSpPr>
+        <p:spPr>
+          <a:xfrm>
+            <a:off x="922713" y="5547516"/>
+            <a:ext cx="5128952" cy="369332"/>
+          </a:xfrm>
+          <a:prstGeom prst="rect">
+            <a:avLst/>
+          </a:prstGeom>
+          <a:noFill/>
+        </p:spPr>
+        <p:txBody>
+          <a:bodyPr wrap="square" rtlCol="0">
+            <a:spAutoFit/>
+          </a:bodyPr>
+          <a:lstStyle/>
+          <a:p>
+            <a:r>
+              <a:rPr lang="en-GB" dirty="0"/>
+              <a:t>Printer ideas (examples):</a:t>
+            </a:r>
+          </a:p>
+        </p:txBody>
+      </p:sp>
+      <p:grpSp>
+        <p:nvGrpSpPr>
+          <p:cNvPr id="2" name="Group 1">
+            <a:extLst>
+              <a:ext uri="{FF2B5EF4-FFF2-40B4-BE49-F238E27FC236}">
+                <a16:creationId xmlns:a16="http://schemas.microsoft.com/office/drawing/2014/main" id="{24987F36-C8D7-C54A-A7BD-50EC341E87C7}"/>
+              </a:ext>
+            </a:extLst>
+          </p:cNvPr>
+          <p:cNvGrpSpPr/>
+          <p:nvPr/>
+        </p:nvGrpSpPr>
+        <p:grpSpPr>
+          <a:xfrm>
+            <a:off x="633452" y="6031579"/>
+            <a:ext cx="2693900" cy="2633064"/>
+            <a:chOff x="633452" y="6031579"/>
+            <a:chExt cx="2693900" cy="2633064"/>
+          </a:xfrm>
+        </p:grpSpPr>
+        <p:sp>
+          <p:nvSpPr>
+            <p:cNvPr id="91" name="TextBox 90">
+              <a:extLst>
+                <a:ext uri="{FF2B5EF4-FFF2-40B4-BE49-F238E27FC236}">
+                  <a16:creationId xmlns:a16="http://schemas.microsoft.com/office/drawing/2014/main" id="{8B7A63AF-4C14-1441-A635-631CCF700A4B}"/>
+                </a:ext>
+              </a:extLst>
+            </p:cNvPr>
+            <p:cNvSpPr txBox="1"/>
+            <p:nvPr/>
+          </p:nvSpPr>
+          <p:spPr>
+            <a:xfrm>
+              <a:off x="814834" y="6031579"/>
+              <a:ext cx="2512518" cy="276999"/>
+            </a:xfrm>
+            <a:prstGeom prst="rect">
+              <a:avLst/>
+            </a:prstGeom>
+            <a:noFill/>
+          </p:spPr>
+          <p:txBody>
+            <a:bodyPr wrap="square" rtlCol="0">
+              <a:spAutoFit/>
+            </a:bodyPr>
+            <a:lstStyle/>
+            <a:p>
+              <a:r>
+                <a:rPr lang="en-GB" sz="1200" dirty="0">
+                  <a:solidFill>
+                    <a:schemeClr val="bg1">
+                      <a:lumMod val="75000"/>
+                    </a:schemeClr>
+                  </a:solidFill>
+                </a:rPr>
+                <a:t>Example format for ClassName5</a:t>
+              </a:r>
+            </a:p>
+          </p:txBody>
+        </p:sp>
+        <p:cxnSp>
+          <p:nvCxnSpPr>
+            <p:cNvPr id="92" name="Straight Connector 91">
+              <a:extLst>
+                <a:ext uri="{FF2B5EF4-FFF2-40B4-BE49-F238E27FC236}">
+                  <a16:creationId xmlns:a16="http://schemas.microsoft.com/office/drawing/2014/main" id="{AE203220-2664-C244-B1D0-0F4FBE0ED6D5}"/>
+                </a:ext>
+              </a:extLst>
+            </p:cNvPr>
+            <p:cNvCxnSpPr>
+              <a:cxnSpLocks/>
+            </p:cNvCxnSpPr>
+            <p:nvPr/>
+          </p:nvCxnSpPr>
+          <p:spPr>
+            <a:xfrm>
+              <a:off x="633452" y="6308578"/>
+              <a:ext cx="2512519" cy="0"/>
+            </a:xfrm>
+            <a:prstGeom prst="line">
+              <a:avLst/>
+            </a:prstGeom>
+            <a:ln>
+              <a:solidFill>
+                <a:schemeClr val="tx1"/>
+              </a:solidFill>
+            </a:ln>
+          </p:spPr>
+          <p:style>
+            <a:lnRef idx="1">
+              <a:schemeClr val="accent1"/>
+            </a:lnRef>
+            <a:fillRef idx="0">
+              <a:schemeClr val="accent1"/>
+            </a:fillRef>
+            <a:effectRef idx="0">
+              <a:schemeClr val="accent1"/>
+            </a:effectRef>
+            <a:fontRef idx="minor">
+              <a:schemeClr val="tx1"/>
+            </a:fontRef>
+          </p:style>
+        </p:cxnSp>
+        <p:cxnSp>
+          <p:nvCxnSpPr>
+            <p:cNvPr id="93" name="Straight Connector 92">
+              <a:extLst>
+                <a:ext uri="{FF2B5EF4-FFF2-40B4-BE49-F238E27FC236}">
+                  <a16:creationId xmlns:a16="http://schemas.microsoft.com/office/drawing/2014/main" id="{8945653C-90A5-3245-822F-3088D74CED99}"/>
+                </a:ext>
+              </a:extLst>
+            </p:cNvPr>
+            <p:cNvCxnSpPr>
+              <a:cxnSpLocks/>
+            </p:cNvCxnSpPr>
+            <p:nvPr/>
+          </p:nvCxnSpPr>
+          <p:spPr>
+            <a:xfrm>
+              <a:off x="633452" y="6603680"/>
+              <a:ext cx="2512519" cy="0"/>
+            </a:xfrm>
+            <a:prstGeom prst="line">
+              <a:avLst/>
+            </a:prstGeom>
+            <a:ln>
+              <a:solidFill>
+                <a:schemeClr val="tx1"/>
+              </a:solidFill>
+            </a:ln>
+          </p:spPr>
+          <p:style>
+            <a:lnRef idx="1">
+              <a:schemeClr val="accent1"/>
+            </a:lnRef>
+            <a:fillRef idx="0">
+              <a:schemeClr val="accent1"/>
+            </a:fillRef>
+            <a:effectRef idx="0">
+              <a:schemeClr val="accent1"/>
+            </a:effectRef>
+            <a:fontRef idx="minor">
+              <a:schemeClr val="tx1"/>
+            </a:fontRef>
+          </p:style>
+        </p:cxnSp>
+        <p:cxnSp>
+          <p:nvCxnSpPr>
+            <p:cNvPr id="94" name="Straight Connector 93">
+              <a:extLst>
+                <a:ext uri="{FF2B5EF4-FFF2-40B4-BE49-F238E27FC236}">
+                  <a16:creationId xmlns:a16="http://schemas.microsoft.com/office/drawing/2014/main" id="{5511C019-C8DB-164C-993E-6DF8C7C561CF}"/>
+                </a:ext>
+              </a:extLst>
+            </p:cNvPr>
+            <p:cNvCxnSpPr>
+              <a:cxnSpLocks/>
+            </p:cNvCxnSpPr>
+            <p:nvPr/>
+          </p:nvCxnSpPr>
+          <p:spPr>
+            <a:xfrm>
+              <a:off x="633452" y="6898782"/>
+              <a:ext cx="2512519" cy="0"/>
+            </a:xfrm>
+            <a:prstGeom prst="line">
+              <a:avLst/>
+            </a:prstGeom>
+            <a:ln>
+              <a:solidFill>
+                <a:schemeClr val="tx1"/>
+              </a:solidFill>
+            </a:ln>
+          </p:spPr>
+          <p:style>
+            <a:lnRef idx="1">
+              <a:schemeClr val="accent1"/>
+            </a:lnRef>
+            <a:fillRef idx="0">
+              <a:schemeClr val="accent1"/>
+            </a:fillRef>
+            <a:effectRef idx="0">
+              <a:schemeClr val="accent1"/>
+            </a:effectRef>
+            <a:fontRef idx="minor">
+              <a:schemeClr val="tx1"/>
+            </a:fontRef>
+          </p:style>
+        </p:cxnSp>
+        <p:cxnSp>
+          <p:nvCxnSpPr>
+            <p:cNvPr id="95" name="Straight Connector 94">
+              <a:extLst>
+                <a:ext uri="{FF2B5EF4-FFF2-40B4-BE49-F238E27FC236}">
+                  <a16:creationId xmlns:a16="http://schemas.microsoft.com/office/drawing/2014/main" id="{73FA85BD-E5C7-8F4D-845D-A6C7F0E5EAE9}"/>
+                </a:ext>
+              </a:extLst>
+            </p:cNvPr>
+            <p:cNvCxnSpPr>
+              <a:cxnSpLocks/>
+            </p:cNvCxnSpPr>
+            <p:nvPr/>
+          </p:nvCxnSpPr>
+          <p:spPr>
+            <a:xfrm>
+              <a:off x="633452" y="7488986"/>
+              <a:ext cx="2512519" cy="0"/>
+            </a:xfrm>
+            <a:prstGeom prst="line">
+              <a:avLst/>
+            </a:prstGeom>
+            <a:ln>
+              <a:solidFill>
+                <a:schemeClr val="tx1"/>
+              </a:solidFill>
+            </a:ln>
+          </p:spPr>
+          <p:style>
+            <a:lnRef idx="1">
+              <a:schemeClr val="accent1"/>
+            </a:lnRef>
+            <a:fillRef idx="0">
+              <a:schemeClr val="accent1"/>
+            </a:fillRef>
+            <a:effectRef idx="0">
+              <a:schemeClr val="accent1"/>
+            </a:effectRef>
+            <a:fontRef idx="minor">
+              <a:schemeClr val="tx1"/>
+            </a:fontRef>
+          </p:style>
+        </p:cxnSp>
+        <p:cxnSp>
+          <p:nvCxnSpPr>
+            <p:cNvPr id="96" name="Straight Connector 95">
+              <a:extLst>
+                <a:ext uri="{FF2B5EF4-FFF2-40B4-BE49-F238E27FC236}">
+                  <a16:creationId xmlns:a16="http://schemas.microsoft.com/office/drawing/2014/main" id="{EDA28E50-4522-C44E-BB3A-A9DEEB032F81}"/>
+                </a:ext>
+              </a:extLst>
+            </p:cNvPr>
+            <p:cNvCxnSpPr>
+              <a:cxnSpLocks/>
+            </p:cNvCxnSpPr>
+            <p:nvPr/>
+          </p:nvCxnSpPr>
+          <p:spPr>
+            <a:xfrm>
+              <a:off x="633452" y="7193884"/>
+              <a:ext cx="2512519" cy="0"/>
+            </a:xfrm>
+            <a:prstGeom prst="line">
+              <a:avLst/>
+            </a:prstGeom>
+            <a:ln>
+              <a:solidFill>
+                <a:schemeClr val="tx1"/>
+              </a:solidFill>
+            </a:ln>
+          </p:spPr>
+          <p:style>
+            <a:lnRef idx="1">
+              <a:schemeClr val="accent1"/>
+            </a:lnRef>
+            <a:fillRef idx="0">
+              <a:schemeClr val="accent1"/>
+            </a:fillRef>
+            <a:effectRef idx="0">
+              <a:schemeClr val="accent1"/>
+            </a:effectRef>
+            <a:fontRef idx="minor">
+              <a:schemeClr val="tx1"/>
+            </a:fontRef>
+          </p:style>
+        </p:cxnSp>
+        <p:cxnSp>
+          <p:nvCxnSpPr>
+            <p:cNvPr id="30" name="Straight Connector 29">
+              <a:extLst>
+                <a:ext uri="{FF2B5EF4-FFF2-40B4-BE49-F238E27FC236}">
+                  <a16:creationId xmlns:a16="http://schemas.microsoft.com/office/drawing/2014/main" id="{125AB048-6580-A34D-AD24-8C1A984B7CE6}"/>
+                </a:ext>
+              </a:extLst>
+            </p:cNvPr>
+            <p:cNvCxnSpPr>
+              <a:cxnSpLocks/>
+            </p:cNvCxnSpPr>
+            <p:nvPr/>
+          </p:nvCxnSpPr>
+          <p:spPr>
+            <a:xfrm>
+              <a:off x="633452" y="7484235"/>
+              <a:ext cx="2512519" cy="0"/>
+            </a:xfrm>
+            <a:prstGeom prst="line">
+              <a:avLst/>
+            </a:prstGeom>
+            <a:ln>
+              <a:solidFill>
+                <a:schemeClr val="tx1"/>
+              </a:solidFill>
+            </a:ln>
+          </p:spPr>
+          <p:style>
+            <a:lnRef idx="1">
+              <a:schemeClr val="accent1"/>
+            </a:lnRef>
+            <a:fillRef idx="0">
+              <a:schemeClr val="accent1"/>
+            </a:fillRef>
+            <a:effectRef idx="0">
+              <a:schemeClr val="accent1"/>
+            </a:effectRef>
+            <a:fontRef idx="minor">
+              <a:schemeClr val="tx1"/>
+            </a:fontRef>
+          </p:style>
+        </p:cxnSp>
+        <p:cxnSp>
+          <p:nvCxnSpPr>
+            <p:cNvPr id="31" name="Straight Connector 30">
+              <a:extLst>
+                <a:ext uri="{FF2B5EF4-FFF2-40B4-BE49-F238E27FC236}">
+                  <a16:creationId xmlns:a16="http://schemas.microsoft.com/office/drawing/2014/main" id="{116A72F3-D6EE-D240-B2AF-8BF7D24EF9DB}"/>
+                </a:ext>
+              </a:extLst>
+            </p:cNvPr>
+            <p:cNvCxnSpPr>
+              <a:cxnSpLocks/>
+            </p:cNvCxnSpPr>
+            <p:nvPr/>
+          </p:nvCxnSpPr>
+          <p:spPr>
+            <a:xfrm>
+              <a:off x="633452" y="7779337"/>
+              <a:ext cx="2512519" cy="0"/>
+            </a:xfrm>
+            <a:prstGeom prst="line">
+              <a:avLst/>
+            </a:prstGeom>
+            <a:ln>
+              <a:solidFill>
+                <a:schemeClr val="tx1"/>
+              </a:solidFill>
+            </a:ln>
+          </p:spPr>
+          <p:style>
+            <a:lnRef idx="1">
+              <a:schemeClr val="accent1"/>
+            </a:lnRef>
+            <a:fillRef idx="0">
+              <a:schemeClr val="accent1"/>
+            </a:fillRef>
+            <a:effectRef idx="0">
+              <a:schemeClr val="accent1"/>
+            </a:effectRef>
+            <a:fontRef idx="minor">
+              <a:schemeClr val="tx1"/>
+            </a:fontRef>
+          </p:style>
+        </p:cxnSp>
+        <p:cxnSp>
+          <p:nvCxnSpPr>
+            <p:cNvPr id="32" name="Straight Connector 31">
+              <a:extLst>
+                <a:ext uri="{FF2B5EF4-FFF2-40B4-BE49-F238E27FC236}">
+                  <a16:creationId xmlns:a16="http://schemas.microsoft.com/office/drawing/2014/main" id="{7F46A698-A8D2-0B44-91F8-9C0820A5D99B}"/>
+                </a:ext>
+              </a:extLst>
+            </p:cNvPr>
+            <p:cNvCxnSpPr>
+              <a:cxnSpLocks/>
+            </p:cNvCxnSpPr>
+            <p:nvPr/>
+          </p:nvCxnSpPr>
+          <p:spPr>
+            <a:xfrm>
+              <a:off x="633452" y="8074439"/>
+              <a:ext cx="2512519" cy="0"/>
+            </a:xfrm>
+            <a:prstGeom prst="line">
+              <a:avLst/>
+            </a:prstGeom>
+            <a:ln>
+              <a:solidFill>
+                <a:schemeClr val="tx1"/>
+              </a:solidFill>
+            </a:ln>
+          </p:spPr>
+          <p:style>
+            <a:lnRef idx="1">
+              <a:schemeClr val="accent1"/>
+            </a:lnRef>
+            <a:fillRef idx="0">
+              <a:schemeClr val="accent1"/>
+            </a:fillRef>
+            <a:effectRef idx="0">
+              <a:schemeClr val="accent1"/>
+            </a:effectRef>
+            <a:fontRef idx="minor">
+              <a:schemeClr val="tx1"/>
+            </a:fontRef>
+          </p:style>
+        </p:cxnSp>
+        <p:cxnSp>
+          <p:nvCxnSpPr>
+            <p:cNvPr id="33" name="Straight Connector 32">
+              <a:extLst>
+                <a:ext uri="{FF2B5EF4-FFF2-40B4-BE49-F238E27FC236}">
+                  <a16:creationId xmlns:a16="http://schemas.microsoft.com/office/drawing/2014/main" id="{1FD7DDE6-1BF1-BB49-91CB-4C693A5110C5}"/>
+                </a:ext>
+              </a:extLst>
+            </p:cNvPr>
+            <p:cNvCxnSpPr>
+              <a:cxnSpLocks/>
+            </p:cNvCxnSpPr>
+            <p:nvPr/>
+          </p:nvCxnSpPr>
+          <p:spPr>
+            <a:xfrm>
+              <a:off x="633452" y="8664643"/>
+              <a:ext cx="2512519" cy="0"/>
+            </a:xfrm>
+            <a:prstGeom prst="line">
+              <a:avLst/>
+            </a:prstGeom>
+            <a:ln>
+              <a:solidFill>
+                <a:schemeClr val="tx1"/>
+              </a:solidFill>
+            </a:ln>
+          </p:spPr>
+          <p:style>
+            <a:lnRef idx="1">
+              <a:schemeClr val="accent1"/>
+            </a:lnRef>
+            <a:fillRef idx="0">
+              <a:schemeClr val="accent1"/>
+            </a:fillRef>
+            <a:effectRef idx="0">
+              <a:schemeClr val="accent1"/>
+            </a:effectRef>
+            <a:fontRef idx="minor">
+              <a:schemeClr val="tx1"/>
+            </a:fontRef>
+          </p:style>
+        </p:cxnSp>
+        <p:cxnSp>
+          <p:nvCxnSpPr>
+            <p:cNvPr id="34" name="Straight Connector 33">
+              <a:extLst>
+                <a:ext uri="{FF2B5EF4-FFF2-40B4-BE49-F238E27FC236}">
+                  <a16:creationId xmlns:a16="http://schemas.microsoft.com/office/drawing/2014/main" id="{69E81771-9F47-F442-AFC4-6DD1BF13D91D}"/>
+                </a:ext>
+              </a:extLst>
+            </p:cNvPr>
+            <p:cNvCxnSpPr>
+              <a:cxnSpLocks/>
+            </p:cNvCxnSpPr>
+            <p:nvPr/>
+          </p:nvCxnSpPr>
+          <p:spPr>
+            <a:xfrm>
+              <a:off x="633452" y="8369541"/>
+              <a:ext cx="2512519" cy="0"/>
+            </a:xfrm>
+            <a:prstGeom prst="line">
+              <a:avLst/>
+            </a:prstGeom>
+            <a:ln>
+              <a:solidFill>
+                <a:schemeClr val="tx1"/>
+              </a:solidFill>
+            </a:ln>
+          </p:spPr>
+          <p:style>
+            <a:lnRef idx="1">
+              <a:schemeClr val="accent1"/>
+            </a:lnRef>
+            <a:fillRef idx="0">
+              <a:schemeClr val="accent1"/>
+            </a:fillRef>
+            <a:effectRef idx="0">
+              <a:schemeClr val="accent1"/>
+            </a:effectRef>
+            <a:fontRef idx="minor">
+              <a:schemeClr val="tx1"/>
+            </a:fontRef>
+          </p:style>
+        </p:cxnSp>
+      </p:grpSp>
+      <p:grpSp>
+        <p:nvGrpSpPr>
+          <p:cNvPr id="36" name="Group 35">
+            <a:extLst>
+              <a:ext uri="{FF2B5EF4-FFF2-40B4-BE49-F238E27FC236}">
+                <a16:creationId xmlns:a16="http://schemas.microsoft.com/office/drawing/2014/main" id="{76B5DBD1-EA6B-DC45-9E6F-B94D64AFDC88}"/>
+              </a:ext>
+            </a:extLst>
+          </p:cNvPr>
+          <p:cNvGrpSpPr/>
+          <p:nvPr/>
+        </p:nvGrpSpPr>
+        <p:grpSpPr>
+          <a:xfrm>
+            <a:off x="3463738" y="6031579"/>
+            <a:ext cx="2693900" cy="2633064"/>
+            <a:chOff x="633452" y="6031579"/>
+            <a:chExt cx="2693900" cy="2633064"/>
+          </a:xfrm>
+        </p:grpSpPr>
+        <p:sp>
+          <p:nvSpPr>
+            <p:cNvPr id="37" name="TextBox 36">
+              <a:extLst>
+                <a:ext uri="{FF2B5EF4-FFF2-40B4-BE49-F238E27FC236}">
+                  <a16:creationId xmlns:a16="http://schemas.microsoft.com/office/drawing/2014/main" id="{9A93FD9C-AAFD-164D-8728-848316432ED8}"/>
+                </a:ext>
+              </a:extLst>
+            </p:cNvPr>
+            <p:cNvSpPr txBox="1"/>
+            <p:nvPr/>
+          </p:nvSpPr>
+          <p:spPr>
+            <a:xfrm>
+              <a:off x="814834" y="6031579"/>
+              <a:ext cx="2512518" cy="276999"/>
+            </a:xfrm>
+            <a:prstGeom prst="rect">
+              <a:avLst/>
+            </a:prstGeom>
+            <a:noFill/>
+          </p:spPr>
+          <p:txBody>
+            <a:bodyPr wrap="square" rtlCol="0">
+              <a:spAutoFit/>
+            </a:bodyPr>
+            <a:lstStyle/>
+            <a:p>
+              <a:r>
+                <a:rPr lang="en-GB" sz="1200" dirty="0">
+                  <a:solidFill>
+                    <a:schemeClr val="bg1">
+                      <a:lumMod val="75000"/>
+                    </a:schemeClr>
+                  </a:solidFill>
+                </a:rPr>
+                <a:t>Example format for ClassName6</a:t>
+              </a:r>
+            </a:p>
+          </p:txBody>
+        </p:sp>
+        <p:cxnSp>
+          <p:nvCxnSpPr>
+            <p:cNvPr id="38" name="Straight Connector 37">
+              <a:extLst>
+                <a:ext uri="{FF2B5EF4-FFF2-40B4-BE49-F238E27FC236}">
+                  <a16:creationId xmlns:a16="http://schemas.microsoft.com/office/drawing/2014/main" id="{0FA30B22-142D-3046-BF3B-050A9C4419DE}"/>
+                </a:ext>
+              </a:extLst>
+            </p:cNvPr>
+            <p:cNvCxnSpPr>
+              <a:cxnSpLocks/>
+            </p:cNvCxnSpPr>
+            <p:nvPr/>
+          </p:nvCxnSpPr>
+          <p:spPr>
+            <a:xfrm>
+              <a:off x="633452" y="6308578"/>
+              <a:ext cx="2512519" cy="0"/>
+            </a:xfrm>
+            <a:prstGeom prst="line">
+              <a:avLst/>
+            </a:prstGeom>
+            <a:ln>
+              <a:solidFill>
+                <a:schemeClr val="tx1"/>
+              </a:solidFill>
+            </a:ln>
+          </p:spPr>
+          <p:style>
+            <a:lnRef idx="1">
+              <a:schemeClr val="accent1"/>
+            </a:lnRef>
+            <a:fillRef idx="0">
+              <a:schemeClr val="accent1"/>
+            </a:fillRef>
+            <a:effectRef idx="0">
+              <a:schemeClr val="accent1"/>
+            </a:effectRef>
+            <a:fontRef idx="minor">
+              <a:schemeClr val="tx1"/>
+            </a:fontRef>
+          </p:style>
+        </p:cxnSp>
+        <p:cxnSp>
+          <p:nvCxnSpPr>
+            <p:cNvPr id="39" name="Straight Connector 38">
+              <a:extLst>
+                <a:ext uri="{FF2B5EF4-FFF2-40B4-BE49-F238E27FC236}">
+                  <a16:creationId xmlns:a16="http://schemas.microsoft.com/office/drawing/2014/main" id="{3847CD7D-C50D-CC47-BE5B-915586FEBD56}"/>
+                </a:ext>
+              </a:extLst>
+            </p:cNvPr>
+            <p:cNvCxnSpPr>
+              <a:cxnSpLocks/>
+            </p:cNvCxnSpPr>
+            <p:nvPr/>
+          </p:nvCxnSpPr>
+          <p:spPr>
+            <a:xfrm>
+              <a:off x="633452" y="6603680"/>
+              <a:ext cx="2512519" cy="0"/>
+            </a:xfrm>
+            <a:prstGeom prst="line">
+              <a:avLst/>
+            </a:prstGeom>
+            <a:ln>
+              <a:solidFill>
+                <a:schemeClr val="tx1"/>
+              </a:solidFill>
+            </a:ln>
+          </p:spPr>
+          <p:style>
+            <a:lnRef idx="1">
+              <a:schemeClr val="accent1"/>
+            </a:lnRef>
+            <a:fillRef idx="0">
+              <a:schemeClr val="accent1"/>
+            </a:fillRef>
+            <a:effectRef idx="0">
+              <a:schemeClr val="accent1"/>
+            </a:effectRef>
+            <a:fontRef idx="minor">
+              <a:schemeClr val="tx1"/>
+            </a:fontRef>
+          </p:style>
+        </p:cxnSp>
+        <p:cxnSp>
+          <p:nvCxnSpPr>
+            <p:cNvPr id="40" name="Straight Connector 39">
+              <a:extLst>
+                <a:ext uri="{FF2B5EF4-FFF2-40B4-BE49-F238E27FC236}">
+                  <a16:creationId xmlns:a16="http://schemas.microsoft.com/office/drawing/2014/main" id="{E881B216-D9BD-A044-B5F7-970E699228D2}"/>
+                </a:ext>
+              </a:extLst>
+            </p:cNvPr>
+            <p:cNvCxnSpPr>
+              <a:cxnSpLocks/>
+            </p:cNvCxnSpPr>
+            <p:nvPr/>
+          </p:nvCxnSpPr>
+          <p:spPr>
+            <a:xfrm>
+              <a:off x="633452" y="6898782"/>
+              <a:ext cx="2512519" cy="0"/>
+            </a:xfrm>
+            <a:prstGeom prst="line">
+              <a:avLst/>
+            </a:prstGeom>
+            <a:ln>
+              <a:solidFill>
+                <a:schemeClr val="tx1"/>
+              </a:solidFill>
+            </a:ln>
+          </p:spPr>
+          <p:style>
+            <a:lnRef idx="1">
+              <a:schemeClr val="accent1"/>
+            </a:lnRef>
+            <a:fillRef idx="0">
+              <a:schemeClr val="accent1"/>
+            </a:fillRef>
+            <a:effectRef idx="0">
+              <a:schemeClr val="accent1"/>
+            </a:effectRef>
+            <a:fontRef idx="minor">
+              <a:schemeClr val="tx1"/>
+            </a:fontRef>
+          </p:style>
+        </p:cxnSp>
+        <p:cxnSp>
+          <p:nvCxnSpPr>
+            <p:cNvPr id="41" name="Straight Connector 40">
+              <a:extLst>
+                <a:ext uri="{FF2B5EF4-FFF2-40B4-BE49-F238E27FC236}">
+                  <a16:creationId xmlns:a16="http://schemas.microsoft.com/office/drawing/2014/main" id="{7168DF04-7B64-4D41-873A-71794E181CB9}"/>
+                </a:ext>
+              </a:extLst>
+            </p:cNvPr>
+            <p:cNvCxnSpPr>
+              <a:cxnSpLocks/>
+            </p:cNvCxnSpPr>
+            <p:nvPr/>
+          </p:nvCxnSpPr>
+          <p:spPr>
+            <a:xfrm>
+              <a:off x="633452" y="7488986"/>
+              <a:ext cx="2512519" cy="0"/>
+            </a:xfrm>
+            <a:prstGeom prst="line">
+              <a:avLst/>
+            </a:prstGeom>
+            <a:ln>
+              <a:solidFill>
+                <a:schemeClr val="tx1"/>
+              </a:solidFill>
+            </a:ln>
+          </p:spPr>
+          <p:style>
+            <a:lnRef idx="1">
+              <a:schemeClr val="accent1"/>
+            </a:lnRef>
+            <a:fillRef idx="0">
+              <a:schemeClr val="accent1"/>
+            </a:fillRef>
+            <a:effectRef idx="0">
+              <a:schemeClr val="accent1"/>
+            </a:effectRef>
+            <a:fontRef idx="minor">
+              <a:schemeClr val="tx1"/>
+            </a:fontRef>
+          </p:style>
+        </p:cxnSp>
+        <p:cxnSp>
+          <p:nvCxnSpPr>
+            <p:cNvPr id="42" name="Straight Connector 41">
+              <a:extLst>
+                <a:ext uri="{FF2B5EF4-FFF2-40B4-BE49-F238E27FC236}">
+                  <a16:creationId xmlns:a16="http://schemas.microsoft.com/office/drawing/2014/main" id="{7FA2A09B-998A-554B-AF1E-34E50FA02C44}"/>
+                </a:ext>
+              </a:extLst>
+            </p:cNvPr>
+            <p:cNvCxnSpPr>
+              <a:cxnSpLocks/>
+            </p:cNvCxnSpPr>
+            <p:nvPr/>
+          </p:nvCxnSpPr>
+          <p:spPr>
+            <a:xfrm>
+              <a:off x="633452" y="7193884"/>
+              <a:ext cx="2512519" cy="0"/>
+            </a:xfrm>
+            <a:prstGeom prst="line">
+              <a:avLst/>
+            </a:prstGeom>
+            <a:ln>
+              <a:solidFill>
+                <a:schemeClr val="tx1"/>
+              </a:solidFill>
+            </a:ln>
+          </p:spPr>
+          <p:style>
+            <a:lnRef idx="1">
+              <a:schemeClr val="accent1"/>
+            </a:lnRef>
+            <a:fillRef idx="0">
+              <a:schemeClr val="accent1"/>
+            </a:fillRef>
+            <a:effectRef idx="0">
+              <a:schemeClr val="accent1"/>
+            </a:effectRef>
+            <a:fontRef idx="minor">
+              <a:schemeClr val="tx1"/>
+            </a:fontRef>
+          </p:style>
+        </p:cxnSp>
+        <p:cxnSp>
+          <p:nvCxnSpPr>
+            <p:cNvPr id="43" name="Straight Connector 42">
+              <a:extLst>
+                <a:ext uri="{FF2B5EF4-FFF2-40B4-BE49-F238E27FC236}">
+                  <a16:creationId xmlns:a16="http://schemas.microsoft.com/office/drawing/2014/main" id="{E5161AAD-CE00-0241-B9C9-05031F5BA157}"/>
+                </a:ext>
+              </a:extLst>
+            </p:cNvPr>
+            <p:cNvCxnSpPr>
+              <a:cxnSpLocks/>
+            </p:cNvCxnSpPr>
+            <p:nvPr/>
+          </p:nvCxnSpPr>
+          <p:spPr>
+            <a:xfrm>
+              <a:off x="633452" y="7484235"/>
+              <a:ext cx="2512519" cy="0"/>
+            </a:xfrm>
+            <a:prstGeom prst="line">
+              <a:avLst/>
+            </a:prstGeom>
+            <a:ln>
+              <a:solidFill>
+                <a:schemeClr val="tx1"/>
+              </a:solidFill>
+            </a:ln>
+          </p:spPr>
+          <p:style>
+            <a:lnRef idx="1">
+              <a:schemeClr val="accent1"/>
+            </a:lnRef>
+            <a:fillRef idx="0">
+              <a:schemeClr val="accent1"/>
+            </a:fillRef>
+            <a:effectRef idx="0">
+              <a:schemeClr val="accent1"/>
+            </a:effectRef>
+            <a:fontRef idx="minor">
+              <a:schemeClr val="tx1"/>
+            </a:fontRef>
+          </p:style>
+        </p:cxnSp>
+        <p:cxnSp>
+          <p:nvCxnSpPr>
+            <p:cNvPr id="44" name="Straight Connector 43">
+              <a:extLst>
+                <a:ext uri="{FF2B5EF4-FFF2-40B4-BE49-F238E27FC236}">
+                  <a16:creationId xmlns:a16="http://schemas.microsoft.com/office/drawing/2014/main" id="{676DA71A-B432-E943-9287-669396F6DFCC}"/>
+                </a:ext>
+              </a:extLst>
+            </p:cNvPr>
+            <p:cNvCxnSpPr>
+              <a:cxnSpLocks/>
+            </p:cNvCxnSpPr>
+            <p:nvPr/>
+          </p:nvCxnSpPr>
+          <p:spPr>
+            <a:xfrm>
+              <a:off x="633452" y="7779337"/>
+              <a:ext cx="2512519" cy="0"/>
+            </a:xfrm>
+            <a:prstGeom prst="line">
+              <a:avLst/>
+            </a:prstGeom>
+            <a:ln>
+              <a:solidFill>
+                <a:schemeClr val="tx1"/>
+              </a:solidFill>
+            </a:ln>
+          </p:spPr>
+          <p:style>
+            <a:lnRef idx="1">
+              <a:schemeClr val="accent1"/>
+            </a:lnRef>
+            <a:fillRef idx="0">
+              <a:schemeClr val="accent1"/>
+            </a:fillRef>
+            <a:effectRef idx="0">
+              <a:schemeClr val="accent1"/>
+            </a:effectRef>
+            <a:fontRef idx="minor">
+              <a:schemeClr val="tx1"/>
+            </a:fontRef>
+          </p:style>
+        </p:cxnSp>
+        <p:cxnSp>
+          <p:nvCxnSpPr>
+            <p:cNvPr id="45" name="Straight Connector 44">
+              <a:extLst>
+                <a:ext uri="{FF2B5EF4-FFF2-40B4-BE49-F238E27FC236}">
+                  <a16:creationId xmlns:a16="http://schemas.microsoft.com/office/drawing/2014/main" id="{842976FB-C4BF-344B-A059-D165DC99DD04}"/>
+                </a:ext>
+              </a:extLst>
+            </p:cNvPr>
+            <p:cNvCxnSpPr>
+              <a:cxnSpLocks/>
+            </p:cNvCxnSpPr>
+            <p:nvPr/>
+          </p:nvCxnSpPr>
+          <p:spPr>
+            <a:xfrm>
+              <a:off x="633452" y="8074439"/>
+              <a:ext cx="2512519" cy="0"/>
+            </a:xfrm>
+            <a:prstGeom prst="line">
+              <a:avLst/>
+            </a:prstGeom>
+            <a:ln>
+              <a:solidFill>
+                <a:schemeClr val="tx1"/>
+              </a:solidFill>
+            </a:ln>
+          </p:spPr>
+          <p:style>
+            <a:lnRef idx="1">
+              <a:schemeClr val="accent1"/>
+            </a:lnRef>
+            <a:fillRef idx="0">
+              <a:schemeClr val="accent1"/>
+            </a:fillRef>
+            <a:effectRef idx="0">
+              <a:schemeClr val="accent1"/>
+            </a:effectRef>
+            <a:fontRef idx="minor">
+              <a:schemeClr val="tx1"/>
+            </a:fontRef>
+          </p:style>
+        </p:cxnSp>
+        <p:cxnSp>
+          <p:nvCxnSpPr>
+            <p:cNvPr id="46" name="Straight Connector 45">
+              <a:extLst>
+                <a:ext uri="{FF2B5EF4-FFF2-40B4-BE49-F238E27FC236}">
+                  <a16:creationId xmlns:a16="http://schemas.microsoft.com/office/drawing/2014/main" id="{F3B24B7E-4774-0346-9F68-4BA78F196BB9}"/>
+                </a:ext>
+              </a:extLst>
+            </p:cNvPr>
+            <p:cNvCxnSpPr>
+              <a:cxnSpLocks/>
+            </p:cNvCxnSpPr>
+            <p:nvPr/>
+          </p:nvCxnSpPr>
+          <p:spPr>
+            <a:xfrm>
+              <a:off x="633452" y="8664643"/>
+              <a:ext cx="2512519" cy="0"/>
+            </a:xfrm>
+            <a:prstGeom prst="line">
+              <a:avLst/>
+            </a:prstGeom>
+            <a:ln>
+              <a:solidFill>
+                <a:schemeClr val="tx1"/>
+              </a:solidFill>
+            </a:ln>
+          </p:spPr>
+          <p:style>
+            <a:lnRef idx="1">
+              <a:schemeClr val="accent1"/>
+            </a:lnRef>
+            <a:fillRef idx="0">
+              <a:schemeClr val="accent1"/>
+            </a:fillRef>
+            <a:effectRef idx="0">
+              <a:schemeClr val="accent1"/>
+            </a:effectRef>
+            <a:fontRef idx="minor">
+              <a:schemeClr val="tx1"/>
+            </a:fontRef>
+          </p:style>
+        </p:cxnSp>
+        <p:cxnSp>
+          <p:nvCxnSpPr>
+            <p:cNvPr id="47" name="Straight Connector 46">
+              <a:extLst>
+                <a:ext uri="{FF2B5EF4-FFF2-40B4-BE49-F238E27FC236}">
+                  <a16:creationId xmlns:a16="http://schemas.microsoft.com/office/drawing/2014/main" id="{64242C55-C3B2-5148-956F-13547E231F58}"/>
+                </a:ext>
+              </a:extLst>
+            </p:cNvPr>
+            <p:cNvCxnSpPr>
+              <a:cxnSpLocks/>
+            </p:cNvCxnSpPr>
+            <p:nvPr/>
+          </p:nvCxnSpPr>
+          <p:spPr>
+            <a:xfrm>
+              <a:off x="633452" y="8369541"/>
+              <a:ext cx="2512519" cy="0"/>
+            </a:xfrm>
+            <a:prstGeom prst="line">
+              <a:avLst/>
+            </a:prstGeom>
+            <a:ln>
+              <a:solidFill>
+                <a:schemeClr val="tx1"/>
+              </a:solidFill>
+            </a:ln>
+          </p:spPr>
+          <p:style>
+            <a:lnRef idx="1">
+              <a:schemeClr val="accent1"/>
+            </a:lnRef>
+            <a:fillRef idx="0">
+              <a:schemeClr val="accent1"/>
+            </a:fillRef>
+            <a:effectRef idx="0">
+              <a:schemeClr val="accent1"/>
+            </a:effectRef>
+            <a:fontRef idx="minor">
+              <a:schemeClr val="tx1"/>
+            </a:fontRef>
+          </p:style>
+        </p:cxnSp>
+      </p:grpSp>
     </p:spTree>
     <p:extLst>
       <p:ext uri="{BB962C8B-B14F-4D97-AF65-F5344CB8AC3E}">

--- a/Homework Printouts.pptx
+++ b/Homework Printouts.pptx
@@ -8021,7 +8021,7 @@
         </p:nvSpPr>
         <p:spPr>
           <a:xfrm>
-            <a:off x="922713" y="1576412"/>
+            <a:off x="922713" y="1805012"/>
             <a:ext cx="5128952" cy="369332"/>
           </a:xfrm>
           <a:prstGeom prst="rect">
@@ -8037,1889 +8037,11 @@
           <a:p>
             <a:r>
               <a:rPr lang="en-GB" dirty="0"/>
-              <a:t>Number of Functional Methods encountered:</a:t>
+              <a:t>Methods that are hard to test (ClassName::method)</a:t>
             </a:r>
           </a:p>
         </p:txBody>
       </p:sp>
-      <p:grpSp>
-        <p:nvGrpSpPr>
-          <p:cNvPr id="17" name="Group 16">
-            <a:extLst>
-              <a:ext uri="{FF2B5EF4-FFF2-40B4-BE49-F238E27FC236}">
-                <a16:creationId xmlns:a16="http://schemas.microsoft.com/office/drawing/2014/main" id="{6868F493-A251-A047-AA10-EC372C3837B5}"/>
-              </a:ext>
-            </a:extLst>
-          </p:cNvPr>
-          <p:cNvGrpSpPr/>
-          <p:nvPr/>
-        </p:nvGrpSpPr>
-        <p:grpSpPr>
-          <a:xfrm>
-            <a:off x="3467818" y="1954058"/>
-            <a:ext cx="393444" cy="294517"/>
-            <a:chOff x="5329845" y="1105593"/>
-            <a:chExt cx="721820" cy="540327"/>
-          </a:xfrm>
-        </p:grpSpPr>
-        <p:cxnSp>
-          <p:nvCxnSpPr>
-            <p:cNvPr id="18" name="Straight Connector 17">
-              <a:extLst>
-                <a:ext uri="{FF2B5EF4-FFF2-40B4-BE49-F238E27FC236}">
-                  <a16:creationId xmlns:a16="http://schemas.microsoft.com/office/drawing/2014/main" id="{DBDA8070-D9B4-E048-AA8B-CA13ACAFA1C4}"/>
-                </a:ext>
-              </a:extLst>
-            </p:cNvPr>
-            <p:cNvCxnSpPr>
-              <a:cxnSpLocks/>
-            </p:cNvCxnSpPr>
-            <p:nvPr/>
-          </p:nvCxnSpPr>
-          <p:spPr>
-            <a:xfrm>
-              <a:off x="5444836" y="1105593"/>
-              <a:ext cx="0" cy="540327"/>
-            </a:xfrm>
-            <a:prstGeom prst="line">
-              <a:avLst/>
-            </a:prstGeom>
-            <a:ln w="38100">
-              <a:solidFill>
-                <a:schemeClr val="bg1">
-                  <a:lumMod val="85000"/>
-                </a:schemeClr>
-              </a:solidFill>
-            </a:ln>
-          </p:spPr>
-          <p:style>
-            <a:lnRef idx="1">
-              <a:schemeClr val="accent1"/>
-            </a:lnRef>
-            <a:fillRef idx="0">
-              <a:schemeClr val="accent1"/>
-            </a:fillRef>
-            <a:effectRef idx="0">
-              <a:schemeClr val="accent1"/>
-            </a:effectRef>
-            <a:fontRef idx="minor">
-              <a:schemeClr val="tx1"/>
-            </a:fontRef>
-          </p:style>
-        </p:cxnSp>
-        <p:cxnSp>
-          <p:nvCxnSpPr>
-            <p:cNvPr id="19" name="Straight Connector 18">
-              <a:extLst>
-                <a:ext uri="{FF2B5EF4-FFF2-40B4-BE49-F238E27FC236}">
-                  <a16:creationId xmlns:a16="http://schemas.microsoft.com/office/drawing/2014/main" id="{35305E93-982F-5F45-9F56-CC47348A3DBC}"/>
-                </a:ext>
-              </a:extLst>
-            </p:cNvPr>
-            <p:cNvCxnSpPr>
-              <a:cxnSpLocks/>
-            </p:cNvCxnSpPr>
-            <p:nvPr/>
-          </p:nvCxnSpPr>
-          <p:spPr>
-            <a:xfrm>
-              <a:off x="5597236" y="1105593"/>
-              <a:ext cx="0" cy="540327"/>
-            </a:xfrm>
-            <a:prstGeom prst="line">
-              <a:avLst/>
-            </a:prstGeom>
-            <a:ln w="38100">
-              <a:solidFill>
-                <a:schemeClr val="bg1">
-                  <a:lumMod val="85000"/>
-                </a:schemeClr>
-              </a:solidFill>
-            </a:ln>
-          </p:spPr>
-          <p:style>
-            <a:lnRef idx="1">
-              <a:schemeClr val="accent1"/>
-            </a:lnRef>
-            <a:fillRef idx="0">
-              <a:schemeClr val="accent1"/>
-            </a:fillRef>
-            <a:effectRef idx="0">
-              <a:schemeClr val="accent1"/>
-            </a:effectRef>
-            <a:fontRef idx="minor">
-              <a:schemeClr val="tx1"/>
-            </a:fontRef>
-          </p:style>
-        </p:cxnSp>
-        <p:cxnSp>
-          <p:nvCxnSpPr>
-            <p:cNvPr id="20" name="Straight Connector 19">
-              <a:extLst>
-                <a:ext uri="{FF2B5EF4-FFF2-40B4-BE49-F238E27FC236}">
-                  <a16:creationId xmlns:a16="http://schemas.microsoft.com/office/drawing/2014/main" id="{72557377-C461-CB49-BB20-007BB1750E85}"/>
-                </a:ext>
-              </a:extLst>
-            </p:cNvPr>
-            <p:cNvCxnSpPr>
-              <a:cxnSpLocks/>
-            </p:cNvCxnSpPr>
-            <p:nvPr/>
-          </p:nvCxnSpPr>
-          <p:spPr>
-            <a:xfrm>
-              <a:off x="5749636" y="1105593"/>
-              <a:ext cx="0" cy="540327"/>
-            </a:xfrm>
-            <a:prstGeom prst="line">
-              <a:avLst/>
-            </a:prstGeom>
-            <a:ln w="38100">
-              <a:solidFill>
-                <a:schemeClr val="bg1">
-                  <a:lumMod val="85000"/>
-                </a:schemeClr>
-              </a:solidFill>
-            </a:ln>
-          </p:spPr>
-          <p:style>
-            <a:lnRef idx="1">
-              <a:schemeClr val="accent1"/>
-            </a:lnRef>
-            <a:fillRef idx="0">
-              <a:schemeClr val="accent1"/>
-            </a:fillRef>
-            <a:effectRef idx="0">
-              <a:schemeClr val="accent1"/>
-            </a:effectRef>
-            <a:fontRef idx="minor">
-              <a:schemeClr val="tx1"/>
-            </a:fontRef>
-          </p:style>
-        </p:cxnSp>
-        <p:cxnSp>
-          <p:nvCxnSpPr>
-            <p:cNvPr id="21" name="Straight Connector 20">
-              <a:extLst>
-                <a:ext uri="{FF2B5EF4-FFF2-40B4-BE49-F238E27FC236}">
-                  <a16:creationId xmlns:a16="http://schemas.microsoft.com/office/drawing/2014/main" id="{114BCB25-1283-084C-AD9C-FFF8254727C3}"/>
-                </a:ext>
-              </a:extLst>
-            </p:cNvPr>
-            <p:cNvCxnSpPr>
-              <a:cxnSpLocks/>
-            </p:cNvCxnSpPr>
-            <p:nvPr/>
-          </p:nvCxnSpPr>
-          <p:spPr>
-            <a:xfrm>
-              <a:off x="5902036" y="1105593"/>
-              <a:ext cx="0" cy="540327"/>
-            </a:xfrm>
-            <a:prstGeom prst="line">
-              <a:avLst/>
-            </a:prstGeom>
-            <a:ln w="38100">
-              <a:solidFill>
-                <a:schemeClr val="bg1">
-                  <a:lumMod val="85000"/>
-                </a:schemeClr>
-              </a:solidFill>
-            </a:ln>
-          </p:spPr>
-          <p:style>
-            <a:lnRef idx="1">
-              <a:schemeClr val="accent1"/>
-            </a:lnRef>
-            <a:fillRef idx="0">
-              <a:schemeClr val="accent1"/>
-            </a:fillRef>
-            <a:effectRef idx="0">
-              <a:schemeClr val="accent1"/>
-            </a:effectRef>
-            <a:fontRef idx="minor">
-              <a:schemeClr val="tx1"/>
-            </a:fontRef>
-          </p:style>
-        </p:cxnSp>
-        <p:cxnSp>
-          <p:nvCxnSpPr>
-            <p:cNvPr id="22" name="Straight Connector 21">
-              <a:extLst>
-                <a:ext uri="{FF2B5EF4-FFF2-40B4-BE49-F238E27FC236}">
-                  <a16:creationId xmlns:a16="http://schemas.microsoft.com/office/drawing/2014/main" id="{EDD9BE14-B2DE-E440-BE3E-7AADB7069B97}"/>
-                </a:ext>
-              </a:extLst>
-            </p:cNvPr>
-            <p:cNvCxnSpPr>
-              <a:cxnSpLocks/>
-            </p:cNvCxnSpPr>
-            <p:nvPr/>
-          </p:nvCxnSpPr>
-          <p:spPr>
-            <a:xfrm flipH="1">
-              <a:off x="5329845" y="1215444"/>
-              <a:ext cx="721820" cy="430476"/>
-            </a:xfrm>
-            <a:prstGeom prst="line">
-              <a:avLst/>
-            </a:prstGeom>
-            <a:ln w="38100">
-              <a:solidFill>
-                <a:schemeClr val="bg1">
-                  <a:lumMod val="85000"/>
-                </a:schemeClr>
-              </a:solidFill>
-            </a:ln>
-          </p:spPr>
-          <p:style>
-            <a:lnRef idx="1">
-              <a:schemeClr val="accent1"/>
-            </a:lnRef>
-            <a:fillRef idx="0">
-              <a:schemeClr val="accent1"/>
-            </a:fillRef>
-            <a:effectRef idx="0">
-              <a:schemeClr val="accent1"/>
-            </a:effectRef>
-            <a:fontRef idx="minor">
-              <a:schemeClr val="tx1"/>
-            </a:fontRef>
-          </p:style>
-        </p:cxnSp>
-      </p:grpSp>
-      <p:grpSp>
-        <p:nvGrpSpPr>
-          <p:cNvPr id="23" name="Group 22">
-            <a:extLst>
-              <a:ext uri="{FF2B5EF4-FFF2-40B4-BE49-F238E27FC236}">
-                <a16:creationId xmlns:a16="http://schemas.microsoft.com/office/drawing/2014/main" id="{4CC521EA-71A6-8F40-8043-47FF28DF9197}"/>
-              </a:ext>
-            </a:extLst>
-          </p:cNvPr>
-          <p:cNvGrpSpPr/>
-          <p:nvPr/>
-        </p:nvGrpSpPr>
-        <p:grpSpPr>
-          <a:xfrm>
-            <a:off x="3958269" y="1954058"/>
-            <a:ext cx="393444" cy="294517"/>
-            <a:chOff x="5329845" y="1105593"/>
-            <a:chExt cx="721820" cy="540327"/>
-          </a:xfrm>
-        </p:grpSpPr>
-        <p:cxnSp>
-          <p:nvCxnSpPr>
-            <p:cNvPr id="24" name="Straight Connector 23">
-              <a:extLst>
-                <a:ext uri="{FF2B5EF4-FFF2-40B4-BE49-F238E27FC236}">
-                  <a16:creationId xmlns:a16="http://schemas.microsoft.com/office/drawing/2014/main" id="{CD78E301-6094-8D4A-BC78-27254D6C212E}"/>
-                </a:ext>
-              </a:extLst>
-            </p:cNvPr>
-            <p:cNvCxnSpPr>
-              <a:cxnSpLocks/>
-            </p:cNvCxnSpPr>
-            <p:nvPr/>
-          </p:nvCxnSpPr>
-          <p:spPr>
-            <a:xfrm>
-              <a:off x="5444836" y="1105593"/>
-              <a:ext cx="0" cy="540327"/>
-            </a:xfrm>
-            <a:prstGeom prst="line">
-              <a:avLst/>
-            </a:prstGeom>
-            <a:ln w="38100">
-              <a:solidFill>
-                <a:schemeClr val="bg1">
-                  <a:lumMod val="85000"/>
-                </a:schemeClr>
-              </a:solidFill>
-            </a:ln>
-          </p:spPr>
-          <p:style>
-            <a:lnRef idx="1">
-              <a:schemeClr val="accent1"/>
-            </a:lnRef>
-            <a:fillRef idx="0">
-              <a:schemeClr val="accent1"/>
-            </a:fillRef>
-            <a:effectRef idx="0">
-              <a:schemeClr val="accent1"/>
-            </a:effectRef>
-            <a:fontRef idx="minor">
-              <a:schemeClr val="tx1"/>
-            </a:fontRef>
-          </p:style>
-        </p:cxnSp>
-        <p:cxnSp>
-          <p:nvCxnSpPr>
-            <p:cNvPr id="25" name="Straight Connector 24">
-              <a:extLst>
-                <a:ext uri="{FF2B5EF4-FFF2-40B4-BE49-F238E27FC236}">
-                  <a16:creationId xmlns:a16="http://schemas.microsoft.com/office/drawing/2014/main" id="{987664D1-3661-7048-B906-3145AD40CA3C}"/>
-                </a:ext>
-              </a:extLst>
-            </p:cNvPr>
-            <p:cNvCxnSpPr>
-              <a:cxnSpLocks/>
-            </p:cNvCxnSpPr>
-            <p:nvPr/>
-          </p:nvCxnSpPr>
-          <p:spPr>
-            <a:xfrm>
-              <a:off x="5597236" y="1105593"/>
-              <a:ext cx="0" cy="540327"/>
-            </a:xfrm>
-            <a:prstGeom prst="line">
-              <a:avLst/>
-            </a:prstGeom>
-            <a:ln w="38100">
-              <a:solidFill>
-                <a:schemeClr val="bg1">
-                  <a:lumMod val="85000"/>
-                </a:schemeClr>
-              </a:solidFill>
-            </a:ln>
-          </p:spPr>
-          <p:style>
-            <a:lnRef idx="1">
-              <a:schemeClr val="accent1"/>
-            </a:lnRef>
-            <a:fillRef idx="0">
-              <a:schemeClr val="accent1"/>
-            </a:fillRef>
-            <a:effectRef idx="0">
-              <a:schemeClr val="accent1"/>
-            </a:effectRef>
-            <a:fontRef idx="minor">
-              <a:schemeClr val="tx1"/>
-            </a:fontRef>
-          </p:style>
-        </p:cxnSp>
-        <p:cxnSp>
-          <p:nvCxnSpPr>
-            <p:cNvPr id="26" name="Straight Connector 25">
-              <a:extLst>
-                <a:ext uri="{FF2B5EF4-FFF2-40B4-BE49-F238E27FC236}">
-                  <a16:creationId xmlns:a16="http://schemas.microsoft.com/office/drawing/2014/main" id="{D12121E8-3CEF-FF49-8329-EE1C4D621618}"/>
-                </a:ext>
-              </a:extLst>
-            </p:cNvPr>
-            <p:cNvCxnSpPr>
-              <a:cxnSpLocks/>
-            </p:cNvCxnSpPr>
-            <p:nvPr/>
-          </p:nvCxnSpPr>
-          <p:spPr>
-            <a:xfrm>
-              <a:off x="5749636" y="1105593"/>
-              <a:ext cx="0" cy="540327"/>
-            </a:xfrm>
-            <a:prstGeom prst="line">
-              <a:avLst/>
-            </a:prstGeom>
-            <a:ln w="38100">
-              <a:solidFill>
-                <a:schemeClr val="bg1">
-                  <a:lumMod val="85000"/>
-                </a:schemeClr>
-              </a:solidFill>
-            </a:ln>
-          </p:spPr>
-          <p:style>
-            <a:lnRef idx="1">
-              <a:schemeClr val="accent1"/>
-            </a:lnRef>
-            <a:fillRef idx="0">
-              <a:schemeClr val="accent1"/>
-            </a:fillRef>
-            <a:effectRef idx="0">
-              <a:schemeClr val="accent1"/>
-            </a:effectRef>
-            <a:fontRef idx="minor">
-              <a:schemeClr val="tx1"/>
-            </a:fontRef>
-          </p:style>
-        </p:cxnSp>
-        <p:cxnSp>
-          <p:nvCxnSpPr>
-            <p:cNvPr id="27" name="Straight Connector 26">
-              <a:extLst>
-                <a:ext uri="{FF2B5EF4-FFF2-40B4-BE49-F238E27FC236}">
-                  <a16:creationId xmlns:a16="http://schemas.microsoft.com/office/drawing/2014/main" id="{DDB3E467-B28B-2B43-8DA5-BE09C5474942}"/>
-                </a:ext>
-              </a:extLst>
-            </p:cNvPr>
-            <p:cNvCxnSpPr>
-              <a:cxnSpLocks/>
-            </p:cNvCxnSpPr>
-            <p:nvPr/>
-          </p:nvCxnSpPr>
-          <p:spPr>
-            <a:xfrm>
-              <a:off x="5902036" y="1105593"/>
-              <a:ext cx="0" cy="540327"/>
-            </a:xfrm>
-            <a:prstGeom prst="line">
-              <a:avLst/>
-            </a:prstGeom>
-            <a:ln w="38100">
-              <a:solidFill>
-                <a:schemeClr val="bg1">
-                  <a:lumMod val="85000"/>
-                </a:schemeClr>
-              </a:solidFill>
-            </a:ln>
-          </p:spPr>
-          <p:style>
-            <a:lnRef idx="1">
-              <a:schemeClr val="accent1"/>
-            </a:lnRef>
-            <a:fillRef idx="0">
-              <a:schemeClr val="accent1"/>
-            </a:fillRef>
-            <a:effectRef idx="0">
-              <a:schemeClr val="accent1"/>
-            </a:effectRef>
-            <a:fontRef idx="minor">
-              <a:schemeClr val="tx1"/>
-            </a:fontRef>
-          </p:style>
-        </p:cxnSp>
-        <p:cxnSp>
-          <p:nvCxnSpPr>
-            <p:cNvPr id="28" name="Straight Connector 27">
-              <a:extLst>
-                <a:ext uri="{FF2B5EF4-FFF2-40B4-BE49-F238E27FC236}">
-                  <a16:creationId xmlns:a16="http://schemas.microsoft.com/office/drawing/2014/main" id="{0D6BC0D0-E1E4-1343-A9EC-4EE3C65E7853}"/>
-                </a:ext>
-              </a:extLst>
-            </p:cNvPr>
-            <p:cNvCxnSpPr>
-              <a:cxnSpLocks/>
-            </p:cNvCxnSpPr>
-            <p:nvPr/>
-          </p:nvCxnSpPr>
-          <p:spPr>
-            <a:xfrm flipH="1">
-              <a:off x="5329845" y="1215444"/>
-              <a:ext cx="721820" cy="430476"/>
-            </a:xfrm>
-            <a:prstGeom prst="line">
-              <a:avLst/>
-            </a:prstGeom>
-            <a:ln w="38100">
-              <a:solidFill>
-                <a:schemeClr val="bg1">
-                  <a:lumMod val="85000"/>
-                </a:schemeClr>
-              </a:solidFill>
-            </a:ln>
-          </p:spPr>
-          <p:style>
-            <a:lnRef idx="1">
-              <a:schemeClr val="accent1"/>
-            </a:lnRef>
-            <a:fillRef idx="0">
-              <a:schemeClr val="accent1"/>
-            </a:fillRef>
-            <a:effectRef idx="0">
-              <a:schemeClr val="accent1"/>
-            </a:effectRef>
-            <a:fontRef idx="minor">
-              <a:schemeClr val="tx1"/>
-            </a:fontRef>
-          </p:style>
-        </p:cxnSp>
-      </p:grpSp>
-      <p:grpSp>
-        <p:nvGrpSpPr>
-          <p:cNvPr id="29" name="Group 28">
-            <a:extLst>
-              <a:ext uri="{FF2B5EF4-FFF2-40B4-BE49-F238E27FC236}">
-                <a16:creationId xmlns:a16="http://schemas.microsoft.com/office/drawing/2014/main" id="{EAE621B9-E8EA-8944-8C8F-15524C0DDC66}"/>
-              </a:ext>
-            </a:extLst>
-          </p:cNvPr>
-          <p:cNvGrpSpPr/>
-          <p:nvPr/>
-        </p:nvGrpSpPr>
-        <p:grpSpPr>
-          <a:xfrm>
-            <a:off x="4448720" y="1954058"/>
-            <a:ext cx="393444" cy="294517"/>
-            <a:chOff x="5329845" y="1105593"/>
-            <a:chExt cx="721820" cy="540327"/>
-          </a:xfrm>
-        </p:grpSpPr>
-        <p:cxnSp>
-          <p:nvCxnSpPr>
-            <p:cNvPr id="30" name="Straight Connector 29">
-              <a:extLst>
-                <a:ext uri="{FF2B5EF4-FFF2-40B4-BE49-F238E27FC236}">
-                  <a16:creationId xmlns:a16="http://schemas.microsoft.com/office/drawing/2014/main" id="{E25EAAF7-B475-364B-9863-5836F41BEDE1}"/>
-                </a:ext>
-              </a:extLst>
-            </p:cNvPr>
-            <p:cNvCxnSpPr>
-              <a:cxnSpLocks/>
-            </p:cNvCxnSpPr>
-            <p:nvPr/>
-          </p:nvCxnSpPr>
-          <p:spPr>
-            <a:xfrm>
-              <a:off x="5444836" y="1105593"/>
-              <a:ext cx="0" cy="540327"/>
-            </a:xfrm>
-            <a:prstGeom prst="line">
-              <a:avLst/>
-            </a:prstGeom>
-            <a:ln w="38100">
-              <a:solidFill>
-                <a:schemeClr val="bg1">
-                  <a:lumMod val="85000"/>
-                </a:schemeClr>
-              </a:solidFill>
-            </a:ln>
-          </p:spPr>
-          <p:style>
-            <a:lnRef idx="1">
-              <a:schemeClr val="accent1"/>
-            </a:lnRef>
-            <a:fillRef idx="0">
-              <a:schemeClr val="accent1"/>
-            </a:fillRef>
-            <a:effectRef idx="0">
-              <a:schemeClr val="accent1"/>
-            </a:effectRef>
-            <a:fontRef idx="minor">
-              <a:schemeClr val="tx1"/>
-            </a:fontRef>
-          </p:style>
-        </p:cxnSp>
-        <p:cxnSp>
-          <p:nvCxnSpPr>
-            <p:cNvPr id="31" name="Straight Connector 30">
-              <a:extLst>
-                <a:ext uri="{FF2B5EF4-FFF2-40B4-BE49-F238E27FC236}">
-                  <a16:creationId xmlns:a16="http://schemas.microsoft.com/office/drawing/2014/main" id="{12C1F0F0-CE07-824C-BAC9-7FD598005657}"/>
-                </a:ext>
-              </a:extLst>
-            </p:cNvPr>
-            <p:cNvCxnSpPr>
-              <a:cxnSpLocks/>
-            </p:cNvCxnSpPr>
-            <p:nvPr/>
-          </p:nvCxnSpPr>
-          <p:spPr>
-            <a:xfrm>
-              <a:off x="5597236" y="1105593"/>
-              <a:ext cx="0" cy="540327"/>
-            </a:xfrm>
-            <a:prstGeom prst="line">
-              <a:avLst/>
-            </a:prstGeom>
-            <a:ln w="38100">
-              <a:solidFill>
-                <a:schemeClr val="bg1">
-                  <a:lumMod val="85000"/>
-                </a:schemeClr>
-              </a:solidFill>
-            </a:ln>
-          </p:spPr>
-          <p:style>
-            <a:lnRef idx="1">
-              <a:schemeClr val="accent1"/>
-            </a:lnRef>
-            <a:fillRef idx="0">
-              <a:schemeClr val="accent1"/>
-            </a:fillRef>
-            <a:effectRef idx="0">
-              <a:schemeClr val="accent1"/>
-            </a:effectRef>
-            <a:fontRef idx="minor">
-              <a:schemeClr val="tx1"/>
-            </a:fontRef>
-          </p:style>
-        </p:cxnSp>
-        <p:cxnSp>
-          <p:nvCxnSpPr>
-            <p:cNvPr id="32" name="Straight Connector 31">
-              <a:extLst>
-                <a:ext uri="{FF2B5EF4-FFF2-40B4-BE49-F238E27FC236}">
-                  <a16:creationId xmlns:a16="http://schemas.microsoft.com/office/drawing/2014/main" id="{0ABC59D3-C6B9-274A-8202-E451A069335D}"/>
-                </a:ext>
-              </a:extLst>
-            </p:cNvPr>
-            <p:cNvCxnSpPr>
-              <a:cxnSpLocks/>
-            </p:cNvCxnSpPr>
-            <p:nvPr/>
-          </p:nvCxnSpPr>
-          <p:spPr>
-            <a:xfrm>
-              <a:off x="5749636" y="1105593"/>
-              <a:ext cx="0" cy="540327"/>
-            </a:xfrm>
-            <a:prstGeom prst="line">
-              <a:avLst/>
-            </a:prstGeom>
-            <a:ln w="38100">
-              <a:solidFill>
-                <a:schemeClr val="bg1">
-                  <a:lumMod val="85000"/>
-                </a:schemeClr>
-              </a:solidFill>
-            </a:ln>
-          </p:spPr>
-          <p:style>
-            <a:lnRef idx="1">
-              <a:schemeClr val="accent1"/>
-            </a:lnRef>
-            <a:fillRef idx="0">
-              <a:schemeClr val="accent1"/>
-            </a:fillRef>
-            <a:effectRef idx="0">
-              <a:schemeClr val="accent1"/>
-            </a:effectRef>
-            <a:fontRef idx="minor">
-              <a:schemeClr val="tx1"/>
-            </a:fontRef>
-          </p:style>
-        </p:cxnSp>
-        <p:cxnSp>
-          <p:nvCxnSpPr>
-            <p:cNvPr id="33" name="Straight Connector 32">
-              <a:extLst>
-                <a:ext uri="{FF2B5EF4-FFF2-40B4-BE49-F238E27FC236}">
-                  <a16:creationId xmlns:a16="http://schemas.microsoft.com/office/drawing/2014/main" id="{3FC639E3-D558-6D47-9BAA-0A10CAD9C942}"/>
-                </a:ext>
-              </a:extLst>
-            </p:cNvPr>
-            <p:cNvCxnSpPr>
-              <a:cxnSpLocks/>
-            </p:cNvCxnSpPr>
-            <p:nvPr/>
-          </p:nvCxnSpPr>
-          <p:spPr>
-            <a:xfrm>
-              <a:off x="5902036" y="1105593"/>
-              <a:ext cx="0" cy="540327"/>
-            </a:xfrm>
-            <a:prstGeom prst="line">
-              <a:avLst/>
-            </a:prstGeom>
-            <a:ln w="38100">
-              <a:solidFill>
-                <a:schemeClr val="bg1">
-                  <a:lumMod val="85000"/>
-                </a:schemeClr>
-              </a:solidFill>
-            </a:ln>
-          </p:spPr>
-          <p:style>
-            <a:lnRef idx="1">
-              <a:schemeClr val="accent1"/>
-            </a:lnRef>
-            <a:fillRef idx="0">
-              <a:schemeClr val="accent1"/>
-            </a:fillRef>
-            <a:effectRef idx="0">
-              <a:schemeClr val="accent1"/>
-            </a:effectRef>
-            <a:fontRef idx="minor">
-              <a:schemeClr val="tx1"/>
-            </a:fontRef>
-          </p:style>
-        </p:cxnSp>
-        <p:cxnSp>
-          <p:nvCxnSpPr>
-            <p:cNvPr id="34" name="Straight Connector 33">
-              <a:extLst>
-                <a:ext uri="{FF2B5EF4-FFF2-40B4-BE49-F238E27FC236}">
-                  <a16:creationId xmlns:a16="http://schemas.microsoft.com/office/drawing/2014/main" id="{E8120A74-50B3-9241-B7AF-F9955A926344}"/>
-                </a:ext>
-              </a:extLst>
-            </p:cNvPr>
-            <p:cNvCxnSpPr>
-              <a:cxnSpLocks/>
-            </p:cNvCxnSpPr>
-            <p:nvPr/>
-          </p:nvCxnSpPr>
-          <p:spPr>
-            <a:xfrm flipH="1">
-              <a:off x="5329845" y="1215444"/>
-              <a:ext cx="721820" cy="430476"/>
-            </a:xfrm>
-            <a:prstGeom prst="line">
-              <a:avLst/>
-            </a:prstGeom>
-            <a:ln w="38100">
-              <a:solidFill>
-                <a:schemeClr val="bg1">
-                  <a:lumMod val="85000"/>
-                </a:schemeClr>
-              </a:solidFill>
-            </a:ln>
-          </p:spPr>
-          <p:style>
-            <a:lnRef idx="1">
-              <a:schemeClr val="accent1"/>
-            </a:lnRef>
-            <a:fillRef idx="0">
-              <a:schemeClr val="accent1"/>
-            </a:fillRef>
-            <a:effectRef idx="0">
-              <a:schemeClr val="accent1"/>
-            </a:effectRef>
-            <a:fontRef idx="minor">
-              <a:schemeClr val="tx1"/>
-            </a:fontRef>
-          </p:style>
-        </p:cxnSp>
-      </p:grpSp>
-      <p:grpSp>
-        <p:nvGrpSpPr>
-          <p:cNvPr id="35" name="Group 34">
-            <a:extLst>
-              <a:ext uri="{FF2B5EF4-FFF2-40B4-BE49-F238E27FC236}">
-                <a16:creationId xmlns:a16="http://schemas.microsoft.com/office/drawing/2014/main" id="{D4E7553B-170F-2B4B-9F22-C844717587A1}"/>
-              </a:ext>
-            </a:extLst>
-          </p:cNvPr>
-          <p:cNvGrpSpPr/>
-          <p:nvPr/>
-        </p:nvGrpSpPr>
-        <p:grpSpPr>
-          <a:xfrm>
-            <a:off x="2486916" y="1954058"/>
-            <a:ext cx="393444" cy="294517"/>
-            <a:chOff x="5329845" y="1105593"/>
-            <a:chExt cx="721820" cy="540327"/>
-          </a:xfrm>
-        </p:grpSpPr>
-        <p:cxnSp>
-          <p:nvCxnSpPr>
-            <p:cNvPr id="36" name="Straight Connector 35">
-              <a:extLst>
-                <a:ext uri="{FF2B5EF4-FFF2-40B4-BE49-F238E27FC236}">
-                  <a16:creationId xmlns:a16="http://schemas.microsoft.com/office/drawing/2014/main" id="{1966B55D-0688-A54C-A088-F2D388463AD3}"/>
-                </a:ext>
-              </a:extLst>
-            </p:cNvPr>
-            <p:cNvCxnSpPr>
-              <a:cxnSpLocks/>
-            </p:cNvCxnSpPr>
-            <p:nvPr/>
-          </p:nvCxnSpPr>
-          <p:spPr>
-            <a:xfrm>
-              <a:off x="5444836" y="1105593"/>
-              <a:ext cx="0" cy="540327"/>
-            </a:xfrm>
-            <a:prstGeom prst="line">
-              <a:avLst/>
-            </a:prstGeom>
-            <a:ln w="38100">
-              <a:solidFill>
-                <a:schemeClr val="bg1">
-                  <a:lumMod val="85000"/>
-                </a:schemeClr>
-              </a:solidFill>
-            </a:ln>
-          </p:spPr>
-          <p:style>
-            <a:lnRef idx="1">
-              <a:schemeClr val="accent1"/>
-            </a:lnRef>
-            <a:fillRef idx="0">
-              <a:schemeClr val="accent1"/>
-            </a:fillRef>
-            <a:effectRef idx="0">
-              <a:schemeClr val="accent1"/>
-            </a:effectRef>
-            <a:fontRef idx="minor">
-              <a:schemeClr val="tx1"/>
-            </a:fontRef>
-          </p:style>
-        </p:cxnSp>
-        <p:cxnSp>
-          <p:nvCxnSpPr>
-            <p:cNvPr id="37" name="Straight Connector 36">
-              <a:extLst>
-                <a:ext uri="{FF2B5EF4-FFF2-40B4-BE49-F238E27FC236}">
-                  <a16:creationId xmlns:a16="http://schemas.microsoft.com/office/drawing/2014/main" id="{A97F75CA-B18B-A04D-B4C5-63F98D22CE06}"/>
-                </a:ext>
-              </a:extLst>
-            </p:cNvPr>
-            <p:cNvCxnSpPr>
-              <a:cxnSpLocks/>
-            </p:cNvCxnSpPr>
-            <p:nvPr/>
-          </p:nvCxnSpPr>
-          <p:spPr>
-            <a:xfrm>
-              <a:off x="5597236" y="1105593"/>
-              <a:ext cx="0" cy="540327"/>
-            </a:xfrm>
-            <a:prstGeom prst="line">
-              <a:avLst/>
-            </a:prstGeom>
-            <a:ln w="38100">
-              <a:solidFill>
-                <a:schemeClr val="bg1">
-                  <a:lumMod val="85000"/>
-                </a:schemeClr>
-              </a:solidFill>
-            </a:ln>
-          </p:spPr>
-          <p:style>
-            <a:lnRef idx="1">
-              <a:schemeClr val="accent1"/>
-            </a:lnRef>
-            <a:fillRef idx="0">
-              <a:schemeClr val="accent1"/>
-            </a:fillRef>
-            <a:effectRef idx="0">
-              <a:schemeClr val="accent1"/>
-            </a:effectRef>
-            <a:fontRef idx="minor">
-              <a:schemeClr val="tx1"/>
-            </a:fontRef>
-          </p:style>
-        </p:cxnSp>
-        <p:cxnSp>
-          <p:nvCxnSpPr>
-            <p:cNvPr id="38" name="Straight Connector 37">
-              <a:extLst>
-                <a:ext uri="{FF2B5EF4-FFF2-40B4-BE49-F238E27FC236}">
-                  <a16:creationId xmlns:a16="http://schemas.microsoft.com/office/drawing/2014/main" id="{D278EB9C-8B99-924D-8C00-A001E5B7C4B7}"/>
-                </a:ext>
-              </a:extLst>
-            </p:cNvPr>
-            <p:cNvCxnSpPr>
-              <a:cxnSpLocks/>
-            </p:cNvCxnSpPr>
-            <p:nvPr/>
-          </p:nvCxnSpPr>
-          <p:spPr>
-            <a:xfrm>
-              <a:off x="5749636" y="1105593"/>
-              <a:ext cx="0" cy="540327"/>
-            </a:xfrm>
-            <a:prstGeom prst="line">
-              <a:avLst/>
-            </a:prstGeom>
-            <a:ln w="38100">
-              <a:solidFill>
-                <a:schemeClr val="bg1">
-                  <a:lumMod val="85000"/>
-                </a:schemeClr>
-              </a:solidFill>
-            </a:ln>
-          </p:spPr>
-          <p:style>
-            <a:lnRef idx="1">
-              <a:schemeClr val="accent1"/>
-            </a:lnRef>
-            <a:fillRef idx="0">
-              <a:schemeClr val="accent1"/>
-            </a:fillRef>
-            <a:effectRef idx="0">
-              <a:schemeClr val="accent1"/>
-            </a:effectRef>
-            <a:fontRef idx="minor">
-              <a:schemeClr val="tx1"/>
-            </a:fontRef>
-          </p:style>
-        </p:cxnSp>
-        <p:cxnSp>
-          <p:nvCxnSpPr>
-            <p:cNvPr id="39" name="Straight Connector 38">
-              <a:extLst>
-                <a:ext uri="{FF2B5EF4-FFF2-40B4-BE49-F238E27FC236}">
-                  <a16:creationId xmlns:a16="http://schemas.microsoft.com/office/drawing/2014/main" id="{570FA124-D3C1-2148-8627-BE07B797831F}"/>
-                </a:ext>
-              </a:extLst>
-            </p:cNvPr>
-            <p:cNvCxnSpPr>
-              <a:cxnSpLocks/>
-            </p:cNvCxnSpPr>
-            <p:nvPr/>
-          </p:nvCxnSpPr>
-          <p:spPr>
-            <a:xfrm>
-              <a:off x="5902036" y="1105593"/>
-              <a:ext cx="0" cy="540327"/>
-            </a:xfrm>
-            <a:prstGeom prst="line">
-              <a:avLst/>
-            </a:prstGeom>
-            <a:ln w="38100">
-              <a:solidFill>
-                <a:schemeClr val="bg1">
-                  <a:lumMod val="85000"/>
-                </a:schemeClr>
-              </a:solidFill>
-            </a:ln>
-          </p:spPr>
-          <p:style>
-            <a:lnRef idx="1">
-              <a:schemeClr val="accent1"/>
-            </a:lnRef>
-            <a:fillRef idx="0">
-              <a:schemeClr val="accent1"/>
-            </a:fillRef>
-            <a:effectRef idx="0">
-              <a:schemeClr val="accent1"/>
-            </a:effectRef>
-            <a:fontRef idx="minor">
-              <a:schemeClr val="tx1"/>
-            </a:fontRef>
-          </p:style>
-        </p:cxnSp>
-        <p:cxnSp>
-          <p:nvCxnSpPr>
-            <p:cNvPr id="40" name="Straight Connector 39">
-              <a:extLst>
-                <a:ext uri="{FF2B5EF4-FFF2-40B4-BE49-F238E27FC236}">
-                  <a16:creationId xmlns:a16="http://schemas.microsoft.com/office/drawing/2014/main" id="{B9AE5658-184F-174E-AA6F-913073B415DC}"/>
-                </a:ext>
-              </a:extLst>
-            </p:cNvPr>
-            <p:cNvCxnSpPr>
-              <a:cxnSpLocks/>
-            </p:cNvCxnSpPr>
-            <p:nvPr/>
-          </p:nvCxnSpPr>
-          <p:spPr>
-            <a:xfrm flipH="1">
-              <a:off x="5329845" y="1215444"/>
-              <a:ext cx="721820" cy="430476"/>
-            </a:xfrm>
-            <a:prstGeom prst="line">
-              <a:avLst/>
-            </a:prstGeom>
-            <a:ln w="38100">
-              <a:solidFill>
-                <a:schemeClr val="bg1">
-                  <a:lumMod val="85000"/>
-                </a:schemeClr>
-              </a:solidFill>
-            </a:ln>
-          </p:spPr>
-          <p:style>
-            <a:lnRef idx="1">
-              <a:schemeClr val="accent1"/>
-            </a:lnRef>
-            <a:fillRef idx="0">
-              <a:schemeClr val="accent1"/>
-            </a:fillRef>
-            <a:effectRef idx="0">
-              <a:schemeClr val="accent1"/>
-            </a:effectRef>
-            <a:fontRef idx="minor">
-              <a:schemeClr val="tx1"/>
-            </a:fontRef>
-          </p:style>
-        </p:cxnSp>
-      </p:grpSp>
-      <p:grpSp>
-        <p:nvGrpSpPr>
-          <p:cNvPr id="41" name="Group 40">
-            <a:extLst>
-              <a:ext uri="{FF2B5EF4-FFF2-40B4-BE49-F238E27FC236}">
-                <a16:creationId xmlns:a16="http://schemas.microsoft.com/office/drawing/2014/main" id="{1E486C72-765A-474A-A60F-B2164320C48C}"/>
-              </a:ext>
-            </a:extLst>
-          </p:cNvPr>
-          <p:cNvGrpSpPr/>
-          <p:nvPr/>
-        </p:nvGrpSpPr>
-        <p:grpSpPr>
-          <a:xfrm>
-            <a:off x="1996465" y="1954058"/>
-            <a:ext cx="393444" cy="294517"/>
-            <a:chOff x="5329845" y="1105593"/>
-            <a:chExt cx="721820" cy="540327"/>
-          </a:xfrm>
-        </p:grpSpPr>
-        <p:cxnSp>
-          <p:nvCxnSpPr>
-            <p:cNvPr id="42" name="Straight Connector 41">
-              <a:extLst>
-                <a:ext uri="{FF2B5EF4-FFF2-40B4-BE49-F238E27FC236}">
-                  <a16:creationId xmlns:a16="http://schemas.microsoft.com/office/drawing/2014/main" id="{55575231-B25E-0845-89A3-968378D45358}"/>
-                </a:ext>
-              </a:extLst>
-            </p:cNvPr>
-            <p:cNvCxnSpPr>
-              <a:cxnSpLocks/>
-            </p:cNvCxnSpPr>
-            <p:nvPr/>
-          </p:nvCxnSpPr>
-          <p:spPr>
-            <a:xfrm>
-              <a:off x="5444836" y="1105593"/>
-              <a:ext cx="0" cy="540327"/>
-            </a:xfrm>
-            <a:prstGeom prst="line">
-              <a:avLst/>
-            </a:prstGeom>
-            <a:ln w="38100">
-              <a:solidFill>
-                <a:schemeClr val="bg1">
-                  <a:lumMod val="85000"/>
-                </a:schemeClr>
-              </a:solidFill>
-            </a:ln>
-          </p:spPr>
-          <p:style>
-            <a:lnRef idx="1">
-              <a:schemeClr val="accent1"/>
-            </a:lnRef>
-            <a:fillRef idx="0">
-              <a:schemeClr val="accent1"/>
-            </a:fillRef>
-            <a:effectRef idx="0">
-              <a:schemeClr val="accent1"/>
-            </a:effectRef>
-            <a:fontRef idx="minor">
-              <a:schemeClr val="tx1"/>
-            </a:fontRef>
-          </p:style>
-        </p:cxnSp>
-        <p:cxnSp>
-          <p:nvCxnSpPr>
-            <p:cNvPr id="43" name="Straight Connector 42">
-              <a:extLst>
-                <a:ext uri="{FF2B5EF4-FFF2-40B4-BE49-F238E27FC236}">
-                  <a16:creationId xmlns:a16="http://schemas.microsoft.com/office/drawing/2014/main" id="{675E7EAC-89C1-EA48-B1F5-C085F5BD85AE}"/>
-                </a:ext>
-              </a:extLst>
-            </p:cNvPr>
-            <p:cNvCxnSpPr>
-              <a:cxnSpLocks/>
-            </p:cNvCxnSpPr>
-            <p:nvPr/>
-          </p:nvCxnSpPr>
-          <p:spPr>
-            <a:xfrm>
-              <a:off x="5597236" y="1105593"/>
-              <a:ext cx="0" cy="540327"/>
-            </a:xfrm>
-            <a:prstGeom prst="line">
-              <a:avLst/>
-            </a:prstGeom>
-            <a:ln w="38100">
-              <a:solidFill>
-                <a:schemeClr val="bg1">
-                  <a:lumMod val="85000"/>
-                </a:schemeClr>
-              </a:solidFill>
-            </a:ln>
-          </p:spPr>
-          <p:style>
-            <a:lnRef idx="1">
-              <a:schemeClr val="accent1"/>
-            </a:lnRef>
-            <a:fillRef idx="0">
-              <a:schemeClr val="accent1"/>
-            </a:fillRef>
-            <a:effectRef idx="0">
-              <a:schemeClr val="accent1"/>
-            </a:effectRef>
-            <a:fontRef idx="minor">
-              <a:schemeClr val="tx1"/>
-            </a:fontRef>
-          </p:style>
-        </p:cxnSp>
-        <p:cxnSp>
-          <p:nvCxnSpPr>
-            <p:cNvPr id="44" name="Straight Connector 43">
-              <a:extLst>
-                <a:ext uri="{FF2B5EF4-FFF2-40B4-BE49-F238E27FC236}">
-                  <a16:creationId xmlns:a16="http://schemas.microsoft.com/office/drawing/2014/main" id="{BD21C0E2-8A70-1D4F-9305-394DBC0F436B}"/>
-                </a:ext>
-              </a:extLst>
-            </p:cNvPr>
-            <p:cNvCxnSpPr>
-              <a:cxnSpLocks/>
-            </p:cNvCxnSpPr>
-            <p:nvPr/>
-          </p:nvCxnSpPr>
-          <p:spPr>
-            <a:xfrm>
-              <a:off x="5749636" y="1105593"/>
-              <a:ext cx="0" cy="540327"/>
-            </a:xfrm>
-            <a:prstGeom prst="line">
-              <a:avLst/>
-            </a:prstGeom>
-            <a:ln w="38100">
-              <a:solidFill>
-                <a:schemeClr val="bg1">
-                  <a:lumMod val="85000"/>
-                </a:schemeClr>
-              </a:solidFill>
-            </a:ln>
-          </p:spPr>
-          <p:style>
-            <a:lnRef idx="1">
-              <a:schemeClr val="accent1"/>
-            </a:lnRef>
-            <a:fillRef idx="0">
-              <a:schemeClr val="accent1"/>
-            </a:fillRef>
-            <a:effectRef idx="0">
-              <a:schemeClr val="accent1"/>
-            </a:effectRef>
-            <a:fontRef idx="minor">
-              <a:schemeClr val="tx1"/>
-            </a:fontRef>
-          </p:style>
-        </p:cxnSp>
-        <p:cxnSp>
-          <p:nvCxnSpPr>
-            <p:cNvPr id="45" name="Straight Connector 44">
-              <a:extLst>
-                <a:ext uri="{FF2B5EF4-FFF2-40B4-BE49-F238E27FC236}">
-                  <a16:creationId xmlns:a16="http://schemas.microsoft.com/office/drawing/2014/main" id="{34A982E6-B7AC-2D40-85CE-B8E7E9369844}"/>
-                </a:ext>
-              </a:extLst>
-            </p:cNvPr>
-            <p:cNvCxnSpPr>
-              <a:cxnSpLocks/>
-            </p:cNvCxnSpPr>
-            <p:nvPr/>
-          </p:nvCxnSpPr>
-          <p:spPr>
-            <a:xfrm>
-              <a:off x="5902036" y="1105593"/>
-              <a:ext cx="0" cy="540327"/>
-            </a:xfrm>
-            <a:prstGeom prst="line">
-              <a:avLst/>
-            </a:prstGeom>
-            <a:ln w="38100">
-              <a:solidFill>
-                <a:schemeClr val="bg1">
-                  <a:lumMod val="85000"/>
-                </a:schemeClr>
-              </a:solidFill>
-            </a:ln>
-          </p:spPr>
-          <p:style>
-            <a:lnRef idx="1">
-              <a:schemeClr val="accent1"/>
-            </a:lnRef>
-            <a:fillRef idx="0">
-              <a:schemeClr val="accent1"/>
-            </a:fillRef>
-            <a:effectRef idx="0">
-              <a:schemeClr val="accent1"/>
-            </a:effectRef>
-            <a:fontRef idx="minor">
-              <a:schemeClr val="tx1"/>
-            </a:fontRef>
-          </p:style>
-        </p:cxnSp>
-        <p:cxnSp>
-          <p:nvCxnSpPr>
-            <p:cNvPr id="46" name="Straight Connector 45">
-              <a:extLst>
-                <a:ext uri="{FF2B5EF4-FFF2-40B4-BE49-F238E27FC236}">
-                  <a16:creationId xmlns:a16="http://schemas.microsoft.com/office/drawing/2014/main" id="{89D0FC18-E538-B94D-8136-B372F0C357DD}"/>
-                </a:ext>
-              </a:extLst>
-            </p:cNvPr>
-            <p:cNvCxnSpPr>
-              <a:cxnSpLocks/>
-            </p:cNvCxnSpPr>
-            <p:nvPr/>
-          </p:nvCxnSpPr>
-          <p:spPr>
-            <a:xfrm flipH="1">
-              <a:off x="5329845" y="1215444"/>
-              <a:ext cx="721820" cy="430476"/>
-            </a:xfrm>
-            <a:prstGeom prst="line">
-              <a:avLst/>
-            </a:prstGeom>
-            <a:ln w="38100">
-              <a:solidFill>
-                <a:schemeClr val="bg1">
-                  <a:lumMod val="85000"/>
-                </a:schemeClr>
-              </a:solidFill>
-            </a:ln>
-          </p:spPr>
-          <p:style>
-            <a:lnRef idx="1">
-              <a:schemeClr val="accent1"/>
-            </a:lnRef>
-            <a:fillRef idx="0">
-              <a:schemeClr val="accent1"/>
-            </a:fillRef>
-            <a:effectRef idx="0">
-              <a:schemeClr val="accent1"/>
-            </a:effectRef>
-            <a:fontRef idx="minor">
-              <a:schemeClr val="tx1"/>
-            </a:fontRef>
-          </p:style>
-        </p:cxnSp>
-      </p:grpSp>
-      <p:grpSp>
-        <p:nvGrpSpPr>
-          <p:cNvPr id="47" name="Group 46">
-            <a:extLst>
-              <a:ext uri="{FF2B5EF4-FFF2-40B4-BE49-F238E27FC236}">
-                <a16:creationId xmlns:a16="http://schemas.microsoft.com/office/drawing/2014/main" id="{BA503E52-5A16-464C-B3C2-94FE7A1F801E}"/>
-              </a:ext>
-            </a:extLst>
-          </p:cNvPr>
-          <p:cNvGrpSpPr/>
-          <p:nvPr/>
-        </p:nvGrpSpPr>
-        <p:grpSpPr>
-          <a:xfrm>
-            <a:off x="1506014" y="1954058"/>
-            <a:ext cx="393444" cy="294517"/>
-            <a:chOff x="5329845" y="1105593"/>
-            <a:chExt cx="721820" cy="540327"/>
-          </a:xfrm>
-        </p:grpSpPr>
-        <p:cxnSp>
-          <p:nvCxnSpPr>
-            <p:cNvPr id="48" name="Straight Connector 47">
-              <a:extLst>
-                <a:ext uri="{FF2B5EF4-FFF2-40B4-BE49-F238E27FC236}">
-                  <a16:creationId xmlns:a16="http://schemas.microsoft.com/office/drawing/2014/main" id="{4370B4CF-3C46-CE42-AF03-BA25E49E443D}"/>
-                </a:ext>
-              </a:extLst>
-            </p:cNvPr>
-            <p:cNvCxnSpPr>
-              <a:cxnSpLocks/>
-            </p:cNvCxnSpPr>
-            <p:nvPr/>
-          </p:nvCxnSpPr>
-          <p:spPr>
-            <a:xfrm>
-              <a:off x="5444836" y="1105593"/>
-              <a:ext cx="0" cy="540327"/>
-            </a:xfrm>
-            <a:prstGeom prst="line">
-              <a:avLst/>
-            </a:prstGeom>
-            <a:ln w="38100">
-              <a:solidFill>
-                <a:schemeClr val="bg1">
-                  <a:lumMod val="85000"/>
-                </a:schemeClr>
-              </a:solidFill>
-            </a:ln>
-          </p:spPr>
-          <p:style>
-            <a:lnRef idx="1">
-              <a:schemeClr val="accent1"/>
-            </a:lnRef>
-            <a:fillRef idx="0">
-              <a:schemeClr val="accent1"/>
-            </a:fillRef>
-            <a:effectRef idx="0">
-              <a:schemeClr val="accent1"/>
-            </a:effectRef>
-            <a:fontRef idx="minor">
-              <a:schemeClr val="tx1"/>
-            </a:fontRef>
-          </p:style>
-        </p:cxnSp>
-        <p:cxnSp>
-          <p:nvCxnSpPr>
-            <p:cNvPr id="49" name="Straight Connector 48">
-              <a:extLst>
-                <a:ext uri="{FF2B5EF4-FFF2-40B4-BE49-F238E27FC236}">
-                  <a16:creationId xmlns:a16="http://schemas.microsoft.com/office/drawing/2014/main" id="{B6FC8228-036A-E545-A920-59734C7D5F7A}"/>
-                </a:ext>
-              </a:extLst>
-            </p:cNvPr>
-            <p:cNvCxnSpPr>
-              <a:cxnSpLocks/>
-            </p:cNvCxnSpPr>
-            <p:nvPr/>
-          </p:nvCxnSpPr>
-          <p:spPr>
-            <a:xfrm>
-              <a:off x="5597236" y="1105593"/>
-              <a:ext cx="0" cy="540327"/>
-            </a:xfrm>
-            <a:prstGeom prst="line">
-              <a:avLst/>
-            </a:prstGeom>
-            <a:ln w="38100">
-              <a:solidFill>
-                <a:schemeClr val="bg1">
-                  <a:lumMod val="85000"/>
-                </a:schemeClr>
-              </a:solidFill>
-            </a:ln>
-          </p:spPr>
-          <p:style>
-            <a:lnRef idx="1">
-              <a:schemeClr val="accent1"/>
-            </a:lnRef>
-            <a:fillRef idx="0">
-              <a:schemeClr val="accent1"/>
-            </a:fillRef>
-            <a:effectRef idx="0">
-              <a:schemeClr val="accent1"/>
-            </a:effectRef>
-            <a:fontRef idx="minor">
-              <a:schemeClr val="tx1"/>
-            </a:fontRef>
-          </p:style>
-        </p:cxnSp>
-        <p:cxnSp>
-          <p:nvCxnSpPr>
-            <p:cNvPr id="50" name="Straight Connector 49">
-              <a:extLst>
-                <a:ext uri="{FF2B5EF4-FFF2-40B4-BE49-F238E27FC236}">
-                  <a16:creationId xmlns:a16="http://schemas.microsoft.com/office/drawing/2014/main" id="{94B8AB82-963D-2E4D-BAFC-DFB5F6CF7DDC}"/>
-                </a:ext>
-              </a:extLst>
-            </p:cNvPr>
-            <p:cNvCxnSpPr>
-              <a:cxnSpLocks/>
-            </p:cNvCxnSpPr>
-            <p:nvPr/>
-          </p:nvCxnSpPr>
-          <p:spPr>
-            <a:xfrm>
-              <a:off x="5749636" y="1105593"/>
-              <a:ext cx="0" cy="540327"/>
-            </a:xfrm>
-            <a:prstGeom prst="line">
-              <a:avLst/>
-            </a:prstGeom>
-            <a:ln w="38100">
-              <a:solidFill>
-                <a:schemeClr val="bg1">
-                  <a:lumMod val="85000"/>
-                </a:schemeClr>
-              </a:solidFill>
-            </a:ln>
-          </p:spPr>
-          <p:style>
-            <a:lnRef idx="1">
-              <a:schemeClr val="accent1"/>
-            </a:lnRef>
-            <a:fillRef idx="0">
-              <a:schemeClr val="accent1"/>
-            </a:fillRef>
-            <a:effectRef idx="0">
-              <a:schemeClr val="accent1"/>
-            </a:effectRef>
-            <a:fontRef idx="minor">
-              <a:schemeClr val="tx1"/>
-            </a:fontRef>
-          </p:style>
-        </p:cxnSp>
-        <p:cxnSp>
-          <p:nvCxnSpPr>
-            <p:cNvPr id="51" name="Straight Connector 50">
-              <a:extLst>
-                <a:ext uri="{FF2B5EF4-FFF2-40B4-BE49-F238E27FC236}">
-                  <a16:creationId xmlns:a16="http://schemas.microsoft.com/office/drawing/2014/main" id="{39305519-BE25-144F-801E-2B20F685B945}"/>
-                </a:ext>
-              </a:extLst>
-            </p:cNvPr>
-            <p:cNvCxnSpPr>
-              <a:cxnSpLocks/>
-            </p:cNvCxnSpPr>
-            <p:nvPr/>
-          </p:nvCxnSpPr>
-          <p:spPr>
-            <a:xfrm>
-              <a:off x="5902036" y="1105593"/>
-              <a:ext cx="0" cy="540327"/>
-            </a:xfrm>
-            <a:prstGeom prst="line">
-              <a:avLst/>
-            </a:prstGeom>
-            <a:ln w="38100">
-              <a:solidFill>
-                <a:schemeClr val="bg1">
-                  <a:lumMod val="85000"/>
-                </a:schemeClr>
-              </a:solidFill>
-            </a:ln>
-          </p:spPr>
-          <p:style>
-            <a:lnRef idx="1">
-              <a:schemeClr val="accent1"/>
-            </a:lnRef>
-            <a:fillRef idx="0">
-              <a:schemeClr val="accent1"/>
-            </a:fillRef>
-            <a:effectRef idx="0">
-              <a:schemeClr val="accent1"/>
-            </a:effectRef>
-            <a:fontRef idx="minor">
-              <a:schemeClr val="tx1"/>
-            </a:fontRef>
-          </p:style>
-        </p:cxnSp>
-        <p:cxnSp>
-          <p:nvCxnSpPr>
-            <p:cNvPr id="52" name="Straight Connector 51">
-              <a:extLst>
-                <a:ext uri="{FF2B5EF4-FFF2-40B4-BE49-F238E27FC236}">
-                  <a16:creationId xmlns:a16="http://schemas.microsoft.com/office/drawing/2014/main" id="{FBDAB017-1A2C-B14C-B0F2-91F5FFE23016}"/>
-                </a:ext>
-              </a:extLst>
-            </p:cNvPr>
-            <p:cNvCxnSpPr>
-              <a:cxnSpLocks/>
-            </p:cNvCxnSpPr>
-            <p:nvPr/>
-          </p:nvCxnSpPr>
-          <p:spPr>
-            <a:xfrm flipH="1">
-              <a:off x="5329845" y="1215444"/>
-              <a:ext cx="721820" cy="430476"/>
-            </a:xfrm>
-            <a:prstGeom prst="line">
-              <a:avLst/>
-            </a:prstGeom>
-            <a:ln w="38100">
-              <a:solidFill>
-                <a:schemeClr val="bg1">
-                  <a:lumMod val="85000"/>
-                </a:schemeClr>
-              </a:solidFill>
-            </a:ln>
-          </p:spPr>
-          <p:style>
-            <a:lnRef idx="1">
-              <a:schemeClr val="accent1"/>
-            </a:lnRef>
-            <a:fillRef idx="0">
-              <a:schemeClr val="accent1"/>
-            </a:fillRef>
-            <a:effectRef idx="0">
-              <a:schemeClr val="accent1"/>
-            </a:effectRef>
-            <a:fontRef idx="minor">
-              <a:schemeClr val="tx1"/>
-            </a:fontRef>
-          </p:style>
-        </p:cxnSp>
-      </p:grpSp>
-      <p:grpSp>
-        <p:nvGrpSpPr>
-          <p:cNvPr id="53" name="Group 52">
-            <a:extLst>
-              <a:ext uri="{FF2B5EF4-FFF2-40B4-BE49-F238E27FC236}">
-                <a16:creationId xmlns:a16="http://schemas.microsoft.com/office/drawing/2014/main" id="{28A5A8DF-F4A8-4844-97E0-AC22C18E76C4}"/>
-              </a:ext>
-            </a:extLst>
-          </p:cNvPr>
-          <p:cNvGrpSpPr/>
-          <p:nvPr/>
-        </p:nvGrpSpPr>
-        <p:grpSpPr>
-          <a:xfrm>
-            <a:off x="4939171" y="1954058"/>
-            <a:ext cx="393444" cy="294517"/>
-            <a:chOff x="5329845" y="1105593"/>
-            <a:chExt cx="721820" cy="540327"/>
-          </a:xfrm>
-        </p:grpSpPr>
-        <p:cxnSp>
-          <p:nvCxnSpPr>
-            <p:cNvPr id="54" name="Straight Connector 53">
-              <a:extLst>
-                <a:ext uri="{FF2B5EF4-FFF2-40B4-BE49-F238E27FC236}">
-                  <a16:creationId xmlns:a16="http://schemas.microsoft.com/office/drawing/2014/main" id="{BA821C0C-A03C-BF4B-84A9-F0965B20B8E7}"/>
-                </a:ext>
-              </a:extLst>
-            </p:cNvPr>
-            <p:cNvCxnSpPr>
-              <a:cxnSpLocks/>
-            </p:cNvCxnSpPr>
-            <p:nvPr/>
-          </p:nvCxnSpPr>
-          <p:spPr>
-            <a:xfrm>
-              <a:off x="5444836" y="1105593"/>
-              <a:ext cx="0" cy="540327"/>
-            </a:xfrm>
-            <a:prstGeom prst="line">
-              <a:avLst/>
-            </a:prstGeom>
-            <a:ln w="38100">
-              <a:solidFill>
-                <a:schemeClr val="bg1">
-                  <a:lumMod val="85000"/>
-                </a:schemeClr>
-              </a:solidFill>
-            </a:ln>
-          </p:spPr>
-          <p:style>
-            <a:lnRef idx="1">
-              <a:schemeClr val="accent1"/>
-            </a:lnRef>
-            <a:fillRef idx="0">
-              <a:schemeClr val="accent1"/>
-            </a:fillRef>
-            <a:effectRef idx="0">
-              <a:schemeClr val="accent1"/>
-            </a:effectRef>
-            <a:fontRef idx="minor">
-              <a:schemeClr val="tx1"/>
-            </a:fontRef>
-          </p:style>
-        </p:cxnSp>
-        <p:cxnSp>
-          <p:nvCxnSpPr>
-            <p:cNvPr id="55" name="Straight Connector 54">
-              <a:extLst>
-                <a:ext uri="{FF2B5EF4-FFF2-40B4-BE49-F238E27FC236}">
-                  <a16:creationId xmlns:a16="http://schemas.microsoft.com/office/drawing/2014/main" id="{53DEFD24-7CF6-A944-BD13-2928958B3A81}"/>
-                </a:ext>
-              </a:extLst>
-            </p:cNvPr>
-            <p:cNvCxnSpPr>
-              <a:cxnSpLocks/>
-            </p:cNvCxnSpPr>
-            <p:nvPr/>
-          </p:nvCxnSpPr>
-          <p:spPr>
-            <a:xfrm>
-              <a:off x="5597236" y="1105593"/>
-              <a:ext cx="0" cy="540327"/>
-            </a:xfrm>
-            <a:prstGeom prst="line">
-              <a:avLst/>
-            </a:prstGeom>
-            <a:ln w="38100">
-              <a:solidFill>
-                <a:schemeClr val="bg1">
-                  <a:lumMod val="85000"/>
-                </a:schemeClr>
-              </a:solidFill>
-            </a:ln>
-          </p:spPr>
-          <p:style>
-            <a:lnRef idx="1">
-              <a:schemeClr val="accent1"/>
-            </a:lnRef>
-            <a:fillRef idx="0">
-              <a:schemeClr val="accent1"/>
-            </a:fillRef>
-            <a:effectRef idx="0">
-              <a:schemeClr val="accent1"/>
-            </a:effectRef>
-            <a:fontRef idx="minor">
-              <a:schemeClr val="tx1"/>
-            </a:fontRef>
-          </p:style>
-        </p:cxnSp>
-        <p:cxnSp>
-          <p:nvCxnSpPr>
-            <p:cNvPr id="56" name="Straight Connector 55">
-              <a:extLst>
-                <a:ext uri="{FF2B5EF4-FFF2-40B4-BE49-F238E27FC236}">
-                  <a16:creationId xmlns:a16="http://schemas.microsoft.com/office/drawing/2014/main" id="{872555F3-1AAA-3344-90CC-1A62B7A3F7A9}"/>
-                </a:ext>
-              </a:extLst>
-            </p:cNvPr>
-            <p:cNvCxnSpPr>
-              <a:cxnSpLocks/>
-            </p:cNvCxnSpPr>
-            <p:nvPr/>
-          </p:nvCxnSpPr>
-          <p:spPr>
-            <a:xfrm>
-              <a:off x="5749636" y="1105593"/>
-              <a:ext cx="0" cy="540327"/>
-            </a:xfrm>
-            <a:prstGeom prst="line">
-              <a:avLst/>
-            </a:prstGeom>
-            <a:ln w="38100">
-              <a:solidFill>
-                <a:schemeClr val="bg1">
-                  <a:lumMod val="85000"/>
-                </a:schemeClr>
-              </a:solidFill>
-            </a:ln>
-          </p:spPr>
-          <p:style>
-            <a:lnRef idx="1">
-              <a:schemeClr val="accent1"/>
-            </a:lnRef>
-            <a:fillRef idx="0">
-              <a:schemeClr val="accent1"/>
-            </a:fillRef>
-            <a:effectRef idx="0">
-              <a:schemeClr val="accent1"/>
-            </a:effectRef>
-            <a:fontRef idx="minor">
-              <a:schemeClr val="tx1"/>
-            </a:fontRef>
-          </p:style>
-        </p:cxnSp>
-        <p:cxnSp>
-          <p:nvCxnSpPr>
-            <p:cNvPr id="57" name="Straight Connector 56">
-              <a:extLst>
-                <a:ext uri="{FF2B5EF4-FFF2-40B4-BE49-F238E27FC236}">
-                  <a16:creationId xmlns:a16="http://schemas.microsoft.com/office/drawing/2014/main" id="{E254A05A-E5A7-A346-A1A2-8E6057289A2A}"/>
-                </a:ext>
-              </a:extLst>
-            </p:cNvPr>
-            <p:cNvCxnSpPr>
-              <a:cxnSpLocks/>
-            </p:cNvCxnSpPr>
-            <p:nvPr/>
-          </p:nvCxnSpPr>
-          <p:spPr>
-            <a:xfrm>
-              <a:off x="5902036" y="1105593"/>
-              <a:ext cx="0" cy="540327"/>
-            </a:xfrm>
-            <a:prstGeom prst="line">
-              <a:avLst/>
-            </a:prstGeom>
-            <a:ln w="38100">
-              <a:solidFill>
-                <a:schemeClr val="bg1">
-                  <a:lumMod val="85000"/>
-                </a:schemeClr>
-              </a:solidFill>
-            </a:ln>
-          </p:spPr>
-          <p:style>
-            <a:lnRef idx="1">
-              <a:schemeClr val="accent1"/>
-            </a:lnRef>
-            <a:fillRef idx="0">
-              <a:schemeClr val="accent1"/>
-            </a:fillRef>
-            <a:effectRef idx="0">
-              <a:schemeClr val="accent1"/>
-            </a:effectRef>
-            <a:fontRef idx="minor">
-              <a:schemeClr val="tx1"/>
-            </a:fontRef>
-          </p:style>
-        </p:cxnSp>
-        <p:cxnSp>
-          <p:nvCxnSpPr>
-            <p:cNvPr id="58" name="Straight Connector 57">
-              <a:extLst>
-                <a:ext uri="{FF2B5EF4-FFF2-40B4-BE49-F238E27FC236}">
-                  <a16:creationId xmlns:a16="http://schemas.microsoft.com/office/drawing/2014/main" id="{41235CC1-5F35-CC40-BF53-6F5D0407BFCD}"/>
-                </a:ext>
-              </a:extLst>
-            </p:cNvPr>
-            <p:cNvCxnSpPr>
-              <a:cxnSpLocks/>
-            </p:cNvCxnSpPr>
-            <p:nvPr/>
-          </p:nvCxnSpPr>
-          <p:spPr>
-            <a:xfrm flipH="1">
-              <a:off x="5329845" y="1215444"/>
-              <a:ext cx="721820" cy="430476"/>
-            </a:xfrm>
-            <a:prstGeom prst="line">
-              <a:avLst/>
-            </a:prstGeom>
-            <a:ln w="38100">
-              <a:solidFill>
-                <a:schemeClr val="bg1">
-                  <a:lumMod val="85000"/>
-                </a:schemeClr>
-              </a:solidFill>
-            </a:ln>
-          </p:spPr>
-          <p:style>
-            <a:lnRef idx="1">
-              <a:schemeClr val="accent1"/>
-            </a:lnRef>
-            <a:fillRef idx="0">
-              <a:schemeClr val="accent1"/>
-            </a:fillRef>
-            <a:effectRef idx="0">
-              <a:schemeClr val="accent1"/>
-            </a:effectRef>
-            <a:fontRef idx="minor">
-              <a:schemeClr val="tx1"/>
-            </a:fontRef>
-          </p:style>
-        </p:cxnSp>
-      </p:grpSp>
-      <p:grpSp>
-        <p:nvGrpSpPr>
-          <p:cNvPr id="65" name="Group 64">
-            <a:extLst>
-              <a:ext uri="{FF2B5EF4-FFF2-40B4-BE49-F238E27FC236}">
-                <a16:creationId xmlns:a16="http://schemas.microsoft.com/office/drawing/2014/main" id="{6942ED47-05FF-5F49-A9EE-90B690CBAD8D}"/>
-              </a:ext>
-            </a:extLst>
-          </p:cNvPr>
-          <p:cNvGrpSpPr/>
-          <p:nvPr/>
-        </p:nvGrpSpPr>
-        <p:grpSpPr>
-          <a:xfrm>
-            <a:off x="5492300" y="1954058"/>
-            <a:ext cx="166138" cy="294517"/>
-            <a:chOff x="5492300" y="1391798"/>
-            <a:chExt cx="166138" cy="294517"/>
-          </a:xfrm>
-        </p:grpSpPr>
-        <p:cxnSp>
-          <p:nvCxnSpPr>
-            <p:cNvPr id="60" name="Straight Connector 59">
-              <a:extLst>
-                <a:ext uri="{FF2B5EF4-FFF2-40B4-BE49-F238E27FC236}">
-                  <a16:creationId xmlns:a16="http://schemas.microsoft.com/office/drawing/2014/main" id="{AECD6D0B-FD79-FB4E-A879-BD618EEF5440}"/>
-                </a:ext>
-              </a:extLst>
-            </p:cNvPr>
-            <p:cNvCxnSpPr>
-              <a:cxnSpLocks/>
-            </p:cNvCxnSpPr>
-            <p:nvPr/>
-          </p:nvCxnSpPr>
-          <p:spPr>
-            <a:xfrm>
-              <a:off x="5492300" y="1391798"/>
-              <a:ext cx="0" cy="294517"/>
-            </a:xfrm>
-            <a:prstGeom prst="line">
-              <a:avLst/>
-            </a:prstGeom>
-            <a:ln w="38100">
-              <a:solidFill>
-                <a:schemeClr val="bg1">
-                  <a:lumMod val="85000"/>
-                </a:schemeClr>
-              </a:solidFill>
-            </a:ln>
-          </p:spPr>
-          <p:style>
-            <a:lnRef idx="1">
-              <a:schemeClr val="accent1"/>
-            </a:lnRef>
-            <a:fillRef idx="0">
-              <a:schemeClr val="accent1"/>
-            </a:fillRef>
-            <a:effectRef idx="0">
-              <a:schemeClr val="accent1"/>
-            </a:effectRef>
-            <a:fontRef idx="minor">
-              <a:schemeClr val="tx1"/>
-            </a:fontRef>
-          </p:style>
-        </p:cxnSp>
-        <p:cxnSp>
-          <p:nvCxnSpPr>
-            <p:cNvPr id="61" name="Straight Connector 60">
-              <a:extLst>
-                <a:ext uri="{FF2B5EF4-FFF2-40B4-BE49-F238E27FC236}">
-                  <a16:creationId xmlns:a16="http://schemas.microsoft.com/office/drawing/2014/main" id="{B273F2A2-32A3-F644-852C-6B7703A0597D}"/>
-                </a:ext>
-              </a:extLst>
-            </p:cNvPr>
-            <p:cNvCxnSpPr>
-              <a:cxnSpLocks/>
-            </p:cNvCxnSpPr>
-            <p:nvPr/>
-          </p:nvCxnSpPr>
-          <p:spPr>
-            <a:xfrm>
-              <a:off x="5575369" y="1391798"/>
-              <a:ext cx="0" cy="294517"/>
-            </a:xfrm>
-            <a:prstGeom prst="line">
-              <a:avLst/>
-            </a:prstGeom>
-            <a:ln w="38100">
-              <a:solidFill>
-                <a:schemeClr val="bg1">
-                  <a:lumMod val="85000"/>
-                </a:schemeClr>
-              </a:solidFill>
-            </a:ln>
-          </p:spPr>
-          <p:style>
-            <a:lnRef idx="1">
-              <a:schemeClr val="accent1"/>
-            </a:lnRef>
-            <a:fillRef idx="0">
-              <a:schemeClr val="accent1"/>
-            </a:fillRef>
-            <a:effectRef idx="0">
-              <a:schemeClr val="accent1"/>
-            </a:effectRef>
-            <a:fontRef idx="minor">
-              <a:schemeClr val="tx1"/>
-            </a:fontRef>
-          </p:style>
-        </p:cxnSp>
-        <p:cxnSp>
-          <p:nvCxnSpPr>
-            <p:cNvPr id="62" name="Straight Connector 61">
-              <a:extLst>
-                <a:ext uri="{FF2B5EF4-FFF2-40B4-BE49-F238E27FC236}">
-                  <a16:creationId xmlns:a16="http://schemas.microsoft.com/office/drawing/2014/main" id="{ED9BCAF7-152E-8248-A55E-56199A35ED3B}"/>
-                </a:ext>
-              </a:extLst>
-            </p:cNvPr>
-            <p:cNvCxnSpPr>
-              <a:cxnSpLocks/>
-            </p:cNvCxnSpPr>
-            <p:nvPr/>
-          </p:nvCxnSpPr>
-          <p:spPr>
-            <a:xfrm>
-              <a:off x="5658438" y="1391798"/>
-              <a:ext cx="0" cy="294517"/>
-            </a:xfrm>
-            <a:prstGeom prst="line">
-              <a:avLst/>
-            </a:prstGeom>
-            <a:ln w="38100">
-              <a:solidFill>
-                <a:schemeClr val="bg1">
-                  <a:lumMod val="85000"/>
-                </a:schemeClr>
-              </a:solidFill>
-            </a:ln>
-          </p:spPr>
-          <p:style>
-            <a:lnRef idx="1">
-              <a:schemeClr val="accent1"/>
-            </a:lnRef>
-            <a:fillRef idx="0">
-              <a:schemeClr val="accent1"/>
-            </a:fillRef>
-            <a:effectRef idx="0">
-              <a:schemeClr val="accent1"/>
-            </a:effectRef>
-            <a:fontRef idx="minor">
-              <a:schemeClr val="tx1"/>
-            </a:fontRef>
-          </p:style>
-        </p:cxnSp>
-      </p:grpSp>
       <p:sp>
         <p:nvSpPr>
           <p:cNvPr id="66" name="TextBox 65">
@@ -9934,7 +8056,7 @@
         </p:nvSpPr>
         <p:spPr>
           <a:xfrm>
-            <a:off x="922713" y="2676698"/>
+            <a:off x="922713" y="3946328"/>
             <a:ext cx="5128952" cy="369332"/>
           </a:xfrm>
           <a:prstGeom prst="rect">
@@ -9950,7 +8072,7 @@
           <a:p>
             <a:r>
               <a:rPr lang="en-GB" dirty="0"/>
-              <a:t>Testing stories (if you test):</a:t>
+              <a:t>Methods I tried to test (method: effort required)</a:t>
             </a:r>
           </a:p>
         </p:txBody>
@@ -9969,7 +8091,7 @@
         </p:nvGrpSpPr>
         <p:grpSpPr>
           <a:xfrm>
-            <a:off x="633452" y="3200400"/>
+            <a:off x="633452" y="2202975"/>
             <a:ext cx="5734097" cy="1457407"/>
             <a:chOff x="633452" y="3200400"/>
             <a:chExt cx="5734097" cy="1457407"/>
@@ -10011,7 +8133,7 @@
                     </a:schemeClr>
                   </a:solidFill>
                 </a:rPr>
-                <a:t>Today I tested ______ and</a:t>
+                <a:t>ClassName1::method2           ClassName2::method2</a:t>
               </a:r>
             </a:p>
           </p:txBody>
@@ -10194,560 +8316,6 @@
               <a:extLst>
                 <a:ext uri="{FF2B5EF4-FFF2-40B4-BE49-F238E27FC236}">
                   <a16:creationId xmlns:a16="http://schemas.microsoft.com/office/drawing/2014/main" id="{FE60F26C-4C2F-0E4C-B2A5-2618642AFF0B}"/>
-                </a:ext>
-              </a:extLst>
-            </p:cNvPr>
-            <p:cNvCxnSpPr>
-              <a:cxnSpLocks/>
-            </p:cNvCxnSpPr>
-            <p:nvPr/>
-          </p:nvCxnSpPr>
-          <p:spPr>
-            <a:xfrm>
-              <a:off x="633452" y="4362705"/>
-              <a:ext cx="5734097" cy="0"/>
-            </a:xfrm>
-            <a:prstGeom prst="line">
-              <a:avLst/>
-            </a:prstGeom>
-            <a:ln>
-              <a:solidFill>
-                <a:schemeClr val="tx1"/>
-              </a:solidFill>
-            </a:ln>
-          </p:spPr>
-          <p:style>
-            <a:lnRef idx="1">
-              <a:schemeClr val="accent1"/>
-            </a:lnRef>
-            <a:fillRef idx="0">
-              <a:schemeClr val="accent1"/>
-            </a:fillRef>
-            <a:effectRef idx="0">
-              <a:schemeClr val="accent1"/>
-            </a:effectRef>
-            <a:fontRef idx="minor">
-              <a:schemeClr val="tx1"/>
-            </a:fontRef>
-          </p:style>
-        </p:cxnSp>
-      </p:grpSp>
-      <p:grpSp>
-        <p:nvGrpSpPr>
-          <p:cNvPr id="83" name="Group 82">
-            <a:extLst>
-              <a:ext uri="{FF2B5EF4-FFF2-40B4-BE49-F238E27FC236}">
-                <a16:creationId xmlns:a16="http://schemas.microsoft.com/office/drawing/2014/main" id="{BCF03D81-39DF-6840-BC60-7C356ED03697}"/>
-              </a:ext>
-            </a:extLst>
-          </p:cNvPr>
-          <p:cNvGrpSpPr/>
-          <p:nvPr/>
-        </p:nvGrpSpPr>
-        <p:grpSpPr>
-          <a:xfrm>
-            <a:off x="633452" y="5203767"/>
-            <a:ext cx="5734097" cy="1457407"/>
-            <a:chOff x="633452" y="3200400"/>
-            <a:chExt cx="5734097" cy="1457407"/>
-          </a:xfrm>
-        </p:grpSpPr>
-        <p:sp>
-          <p:nvSpPr>
-            <p:cNvPr id="84" name="TextBox 83">
-              <a:extLst>
-                <a:ext uri="{FF2B5EF4-FFF2-40B4-BE49-F238E27FC236}">
-                  <a16:creationId xmlns:a16="http://schemas.microsoft.com/office/drawing/2014/main" id="{600EF724-C980-CA46-A5F9-8780B3ED757B}"/>
-                </a:ext>
-              </a:extLst>
-            </p:cNvPr>
-            <p:cNvSpPr txBox="1"/>
-            <p:nvPr/>
-          </p:nvSpPr>
-          <p:spPr>
-            <a:xfrm>
-              <a:off x="1047404" y="3200400"/>
-              <a:ext cx="3794760" cy="276999"/>
-            </a:xfrm>
-            <a:prstGeom prst="rect">
-              <a:avLst/>
-            </a:prstGeom>
-            <a:noFill/>
-          </p:spPr>
-          <p:txBody>
-            <a:bodyPr wrap="square" rtlCol="0">
-              <a:spAutoFit/>
-            </a:bodyPr>
-            <a:lstStyle/>
-            <a:p>
-              <a:r>
-                <a:rPr lang="en-GB" sz="1200" dirty="0">
-                  <a:solidFill>
-                    <a:schemeClr val="bg1">
-                      <a:lumMod val="75000"/>
-                    </a:schemeClr>
-                  </a:solidFill>
-                </a:rPr>
-                <a:t>Today I tested ______ and</a:t>
-              </a:r>
-            </a:p>
-          </p:txBody>
-        </p:sp>
-        <p:cxnSp>
-          <p:nvCxnSpPr>
-            <p:cNvPr id="85" name="Straight Connector 84">
-              <a:extLst>
-                <a:ext uri="{FF2B5EF4-FFF2-40B4-BE49-F238E27FC236}">
-                  <a16:creationId xmlns:a16="http://schemas.microsoft.com/office/drawing/2014/main" id="{D4D71808-743B-5C47-8802-5884BA1A7150}"/>
-                </a:ext>
-              </a:extLst>
-            </p:cNvPr>
-            <p:cNvCxnSpPr>
-              <a:cxnSpLocks/>
-            </p:cNvCxnSpPr>
-            <p:nvPr/>
-          </p:nvCxnSpPr>
-          <p:spPr>
-            <a:xfrm>
-              <a:off x="633452" y="3477399"/>
-              <a:ext cx="5734097" cy="0"/>
-            </a:xfrm>
-            <a:prstGeom prst="line">
-              <a:avLst/>
-            </a:prstGeom>
-            <a:ln>
-              <a:solidFill>
-                <a:schemeClr val="tx1"/>
-              </a:solidFill>
-            </a:ln>
-          </p:spPr>
-          <p:style>
-            <a:lnRef idx="1">
-              <a:schemeClr val="accent1"/>
-            </a:lnRef>
-            <a:fillRef idx="0">
-              <a:schemeClr val="accent1"/>
-            </a:fillRef>
-            <a:effectRef idx="0">
-              <a:schemeClr val="accent1"/>
-            </a:effectRef>
-            <a:fontRef idx="minor">
-              <a:schemeClr val="tx1"/>
-            </a:fontRef>
-          </p:style>
-        </p:cxnSp>
-        <p:cxnSp>
-          <p:nvCxnSpPr>
-            <p:cNvPr id="86" name="Straight Connector 85">
-              <a:extLst>
-                <a:ext uri="{FF2B5EF4-FFF2-40B4-BE49-F238E27FC236}">
-                  <a16:creationId xmlns:a16="http://schemas.microsoft.com/office/drawing/2014/main" id="{7E3CFA54-722F-3848-89EB-A6E1B4B537D1}"/>
-                </a:ext>
-              </a:extLst>
-            </p:cNvPr>
-            <p:cNvCxnSpPr>
-              <a:cxnSpLocks/>
-            </p:cNvCxnSpPr>
-            <p:nvPr/>
-          </p:nvCxnSpPr>
-          <p:spPr>
-            <a:xfrm>
-              <a:off x="633452" y="3772501"/>
-              <a:ext cx="5734097" cy="0"/>
-            </a:xfrm>
-            <a:prstGeom prst="line">
-              <a:avLst/>
-            </a:prstGeom>
-            <a:ln>
-              <a:solidFill>
-                <a:schemeClr val="tx1"/>
-              </a:solidFill>
-            </a:ln>
-          </p:spPr>
-          <p:style>
-            <a:lnRef idx="1">
-              <a:schemeClr val="accent1"/>
-            </a:lnRef>
-            <a:fillRef idx="0">
-              <a:schemeClr val="accent1"/>
-            </a:fillRef>
-            <a:effectRef idx="0">
-              <a:schemeClr val="accent1"/>
-            </a:effectRef>
-            <a:fontRef idx="minor">
-              <a:schemeClr val="tx1"/>
-            </a:fontRef>
-          </p:style>
-        </p:cxnSp>
-        <p:cxnSp>
-          <p:nvCxnSpPr>
-            <p:cNvPr id="87" name="Straight Connector 86">
-              <a:extLst>
-                <a:ext uri="{FF2B5EF4-FFF2-40B4-BE49-F238E27FC236}">
-                  <a16:creationId xmlns:a16="http://schemas.microsoft.com/office/drawing/2014/main" id="{A282ED08-F26F-BB4F-B74C-85FFF6A4F1E3}"/>
-                </a:ext>
-              </a:extLst>
-            </p:cNvPr>
-            <p:cNvCxnSpPr>
-              <a:cxnSpLocks/>
-            </p:cNvCxnSpPr>
-            <p:nvPr/>
-          </p:nvCxnSpPr>
-          <p:spPr>
-            <a:xfrm>
-              <a:off x="633452" y="4067603"/>
-              <a:ext cx="5734097" cy="0"/>
-            </a:xfrm>
-            <a:prstGeom prst="line">
-              <a:avLst/>
-            </a:prstGeom>
-            <a:ln>
-              <a:solidFill>
-                <a:schemeClr val="tx1"/>
-              </a:solidFill>
-            </a:ln>
-          </p:spPr>
-          <p:style>
-            <a:lnRef idx="1">
-              <a:schemeClr val="accent1"/>
-            </a:lnRef>
-            <a:fillRef idx="0">
-              <a:schemeClr val="accent1"/>
-            </a:fillRef>
-            <a:effectRef idx="0">
-              <a:schemeClr val="accent1"/>
-            </a:effectRef>
-            <a:fontRef idx="minor">
-              <a:schemeClr val="tx1"/>
-            </a:fontRef>
-          </p:style>
-        </p:cxnSp>
-        <p:cxnSp>
-          <p:nvCxnSpPr>
-            <p:cNvPr id="88" name="Straight Connector 87">
-              <a:extLst>
-                <a:ext uri="{FF2B5EF4-FFF2-40B4-BE49-F238E27FC236}">
-                  <a16:creationId xmlns:a16="http://schemas.microsoft.com/office/drawing/2014/main" id="{FDB8A382-E0F4-D94F-8B0C-C24E0B493A9D}"/>
-                </a:ext>
-              </a:extLst>
-            </p:cNvPr>
-            <p:cNvCxnSpPr>
-              <a:cxnSpLocks/>
-            </p:cNvCxnSpPr>
-            <p:nvPr/>
-          </p:nvCxnSpPr>
-          <p:spPr>
-            <a:xfrm>
-              <a:off x="633452" y="4657807"/>
-              <a:ext cx="5734097" cy="0"/>
-            </a:xfrm>
-            <a:prstGeom prst="line">
-              <a:avLst/>
-            </a:prstGeom>
-            <a:ln>
-              <a:solidFill>
-                <a:schemeClr val="tx1"/>
-              </a:solidFill>
-            </a:ln>
-          </p:spPr>
-          <p:style>
-            <a:lnRef idx="1">
-              <a:schemeClr val="accent1"/>
-            </a:lnRef>
-            <a:fillRef idx="0">
-              <a:schemeClr val="accent1"/>
-            </a:fillRef>
-            <a:effectRef idx="0">
-              <a:schemeClr val="accent1"/>
-            </a:effectRef>
-            <a:fontRef idx="minor">
-              <a:schemeClr val="tx1"/>
-            </a:fontRef>
-          </p:style>
-        </p:cxnSp>
-        <p:cxnSp>
-          <p:nvCxnSpPr>
-            <p:cNvPr id="89" name="Straight Connector 88">
-              <a:extLst>
-                <a:ext uri="{FF2B5EF4-FFF2-40B4-BE49-F238E27FC236}">
-                  <a16:creationId xmlns:a16="http://schemas.microsoft.com/office/drawing/2014/main" id="{513FE733-6216-964B-8B09-BEDD95C73BD2}"/>
-                </a:ext>
-              </a:extLst>
-            </p:cNvPr>
-            <p:cNvCxnSpPr>
-              <a:cxnSpLocks/>
-            </p:cNvCxnSpPr>
-            <p:nvPr/>
-          </p:nvCxnSpPr>
-          <p:spPr>
-            <a:xfrm>
-              <a:off x="633452" y="4362705"/>
-              <a:ext cx="5734097" cy="0"/>
-            </a:xfrm>
-            <a:prstGeom prst="line">
-              <a:avLst/>
-            </a:prstGeom>
-            <a:ln>
-              <a:solidFill>
-                <a:schemeClr val="tx1"/>
-              </a:solidFill>
-            </a:ln>
-          </p:spPr>
-          <p:style>
-            <a:lnRef idx="1">
-              <a:schemeClr val="accent1"/>
-            </a:lnRef>
-            <a:fillRef idx="0">
-              <a:schemeClr val="accent1"/>
-            </a:fillRef>
-            <a:effectRef idx="0">
-              <a:schemeClr val="accent1"/>
-            </a:effectRef>
-            <a:fontRef idx="minor">
-              <a:schemeClr val="tx1"/>
-            </a:fontRef>
-          </p:style>
-        </p:cxnSp>
-      </p:grpSp>
-      <p:grpSp>
-        <p:nvGrpSpPr>
-          <p:cNvPr id="90" name="Group 89">
-            <a:extLst>
-              <a:ext uri="{FF2B5EF4-FFF2-40B4-BE49-F238E27FC236}">
-                <a16:creationId xmlns:a16="http://schemas.microsoft.com/office/drawing/2014/main" id="{9E0BFDFB-A67F-074F-AE70-331FBD5F7E77}"/>
-              </a:ext>
-            </a:extLst>
-          </p:cNvPr>
-          <p:cNvGrpSpPr/>
-          <p:nvPr/>
-        </p:nvGrpSpPr>
-        <p:grpSpPr>
-          <a:xfrm>
-            <a:off x="633452" y="7207134"/>
-            <a:ext cx="5734097" cy="1457407"/>
-            <a:chOff x="633452" y="3200400"/>
-            <a:chExt cx="5734097" cy="1457407"/>
-          </a:xfrm>
-        </p:grpSpPr>
-        <p:sp>
-          <p:nvSpPr>
-            <p:cNvPr id="91" name="TextBox 90">
-              <a:extLst>
-                <a:ext uri="{FF2B5EF4-FFF2-40B4-BE49-F238E27FC236}">
-                  <a16:creationId xmlns:a16="http://schemas.microsoft.com/office/drawing/2014/main" id="{8B7A63AF-4C14-1441-A635-631CCF700A4B}"/>
-                </a:ext>
-              </a:extLst>
-            </p:cNvPr>
-            <p:cNvSpPr txBox="1"/>
-            <p:nvPr/>
-          </p:nvSpPr>
-          <p:spPr>
-            <a:xfrm>
-              <a:off x="1047404" y="3200400"/>
-              <a:ext cx="3794760" cy="276999"/>
-            </a:xfrm>
-            <a:prstGeom prst="rect">
-              <a:avLst/>
-            </a:prstGeom>
-            <a:noFill/>
-          </p:spPr>
-          <p:txBody>
-            <a:bodyPr wrap="square" rtlCol="0">
-              <a:spAutoFit/>
-            </a:bodyPr>
-            <a:lstStyle/>
-            <a:p>
-              <a:r>
-                <a:rPr lang="en-GB" sz="1200" dirty="0">
-                  <a:solidFill>
-                    <a:schemeClr val="bg1">
-                      <a:lumMod val="75000"/>
-                    </a:schemeClr>
-                  </a:solidFill>
-                </a:rPr>
-                <a:t>Today I tested ______ and</a:t>
-              </a:r>
-            </a:p>
-          </p:txBody>
-        </p:sp>
-        <p:cxnSp>
-          <p:nvCxnSpPr>
-            <p:cNvPr id="92" name="Straight Connector 91">
-              <a:extLst>
-                <a:ext uri="{FF2B5EF4-FFF2-40B4-BE49-F238E27FC236}">
-                  <a16:creationId xmlns:a16="http://schemas.microsoft.com/office/drawing/2014/main" id="{AE203220-2664-C244-B1D0-0F4FBE0ED6D5}"/>
-                </a:ext>
-              </a:extLst>
-            </p:cNvPr>
-            <p:cNvCxnSpPr>
-              <a:cxnSpLocks/>
-            </p:cNvCxnSpPr>
-            <p:nvPr/>
-          </p:nvCxnSpPr>
-          <p:spPr>
-            <a:xfrm>
-              <a:off x="633452" y="3477399"/>
-              <a:ext cx="5734097" cy="0"/>
-            </a:xfrm>
-            <a:prstGeom prst="line">
-              <a:avLst/>
-            </a:prstGeom>
-            <a:ln>
-              <a:solidFill>
-                <a:schemeClr val="tx1"/>
-              </a:solidFill>
-            </a:ln>
-          </p:spPr>
-          <p:style>
-            <a:lnRef idx="1">
-              <a:schemeClr val="accent1"/>
-            </a:lnRef>
-            <a:fillRef idx="0">
-              <a:schemeClr val="accent1"/>
-            </a:fillRef>
-            <a:effectRef idx="0">
-              <a:schemeClr val="accent1"/>
-            </a:effectRef>
-            <a:fontRef idx="minor">
-              <a:schemeClr val="tx1"/>
-            </a:fontRef>
-          </p:style>
-        </p:cxnSp>
-        <p:cxnSp>
-          <p:nvCxnSpPr>
-            <p:cNvPr id="93" name="Straight Connector 92">
-              <a:extLst>
-                <a:ext uri="{FF2B5EF4-FFF2-40B4-BE49-F238E27FC236}">
-                  <a16:creationId xmlns:a16="http://schemas.microsoft.com/office/drawing/2014/main" id="{8945653C-90A5-3245-822F-3088D74CED99}"/>
-                </a:ext>
-              </a:extLst>
-            </p:cNvPr>
-            <p:cNvCxnSpPr>
-              <a:cxnSpLocks/>
-            </p:cNvCxnSpPr>
-            <p:nvPr/>
-          </p:nvCxnSpPr>
-          <p:spPr>
-            <a:xfrm>
-              <a:off x="633452" y="3772501"/>
-              <a:ext cx="5734097" cy="0"/>
-            </a:xfrm>
-            <a:prstGeom prst="line">
-              <a:avLst/>
-            </a:prstGeom>
-            <a:ln>
-              <a:solidFill>
-                <a:schemeClr val="tx1"/>
-              </a:solidFill>
-            </a:ln>
-          </p:spPr>
-          <p:style>
-            <a:lnRef idx="1">
-              <a:schemeClr val="accent1"/>
-            </a:lnRef>
-            <a:fillRef idx="0">
-              <a:schemeClr val="accent1"/>
-            </a:fillRef>
-            <a:effectRef idx="0">
-              <a:schemeClr val="accent1"/>
-            </a:effectRef>
-            <a:fontRef idx="minor">
-              <a:schemeClr val="tx1"/>
-            </a:fontRef>
-          </p:style>
-        </p:cxnSp>
-        <p:cxnSp>
-          <p:nvCxnSpPr>
-            <p:cNvPr id="94" name="Straight Connector 93">
-              <a:extLst>
-                <a:ext uri="{FF2B5EF4-FFF2-40B4-BE49-F238E27FC236}">
-                  <a16:creationId xmlns:a16="http://schemas.microsoft.com/office/drawing/2014/main" id="{5511C019-C8DB-164C-993E-6DF8C7C561CF}"/>
-                </a:ext>
-              </a:extLst>
-            </p:cNvPr>
-            <p:cNvCxnSpPr>
-              <a:cxnSpLocks/>
-            </p:cNvCxnSpPr>
-            <p:nvPr/>
-          </p:nvCxnSpPr>
-          <p:spPr>
-            <a:xfrm>
-              <a:off x="633452" y="4067603"/>
-              <a:ext cx="5734097" cy="0"/>
-            </a:xfrm>
-            <a:prstGeom prst="line">
-              <a:avLst/>
-            </a:prstGeom>
-            <a:ln>
-              <a:solidFill>
-                <a:schemeClr val="tx1"/>
-              </a:solidFill>
-            </a:ln>
-          </p:spPr>
-          <p:style>
-            <a:lnRef idx="1">
-              <a:schemeClr val="accent1"/>
-            </a:lnRef>
-            <a:fillRef idx="0">
-              <a:schemeClr val="accent1"/>
-            </a:fillRef>
-            <a:effectRef idx="0">
-              <a:schemeClr val="accent1"/>
-            </a:effectRef>
-            <a:fontRef idx="minor">
-              <a:schemeClr val="tx1"/>
-            </a:fontRef>
-          </p:style>
-        </p:cxnSp>
-        <p:cxnSp>
-          <p:nvCxnSpPr>
-            <p:cNvPr id="95" name="Straight Connector 94">
-              <a:extLst>
-                <a:ext uri="{FF2B5EF4-FFF2-40B4-BE49-F238E27FC236}">
-                  <a16:creationId xmlns:a16="http://schemas.microsoft.com/office/drawing/2014/main" id="{73FA85BD-E5C7-8F4D-845D-A6C7F0E5EAE9}"/>
-                </a:ext>
-              </a:extLst>
-            </p:cNvPr>
-            <p:cNvCxnSpPr>
-              <a:cxnSpLocks/>
-            </p:cNvCxnSpPr>
-            <p:nvPr/>
-          </p:nvCxnSpPr>
-          <p:spPr>
-            <a:xfrm>
-              <a:off x="633452" y="4657807"/>
-              <a:ext cx="5734097" cy="0"/>
-            </a:xfrm>
-            <a:prstGeom prst="line">
-              <a:avLst/>
-            </a:prstGeom>
-            <a:ln>
-              <a:solidFill>
-                <a:schemeClr val="tx1"/>
-              </a:solidFill>
-            </a:ln>
-          </p:spPr>
-          <p:style>
-            <a:lnRef idx="1">
-              <a:schemeClr val="accent1"/>
-            </a:lnRef>
-            <a:fillRef idx="0">
-              <a:schemeClr val="accent1"/>
-            </a:fillRef>
-            <a:effectRef idx="0">
-              <a:schemeClr val="accent1"/>
-            </a:effectRef>
-            <a:fontRef idx="minor">
-              <a:schemeClr val="tx1"/>
-            </a:fontRef>
-          </p:style>
-        </p:cxnSp>
-        <p:cxnSp>
-          <p:nvCxnSpPr>
-            <p:cNvPr id="96" name="Straight Connector 95">
-              <a:extLst>
-                <a:ext uri="{FF2B5EF4-FFF2-40B4-BE49-F238E27FC236}">
-                  <a16:creationId xmlns:a16="http://schemas.microsoft.com/office/drawing/2014/main" id="{EDA28E50-4522-C44E-BB3A-A9DEEB032F81}"/>
                 </a:ext>
               </a:extLst>
             </p:cNvPr>
@@ -10834,252 +8402,6 @@
           </a:p>
         </p:txBody>
       </p:sp>
-      <p:grpSp>
-        <p:nvGrpSpPr>
-          <p:cNvPr id="99" name="Group 98">
-            <a:extLst>
-              <a:ext uri="{FF2B5EF4-FFF2-40B4-BE49-F238E27FC236}">
-                <a16:creationId xmlns:a16="http://schemas.microsoft.com/office/drawing/2014/main" id="{40931D85-4EDF-914E-9D37-86DFCDDAFA02}"/>
-              </a:ext>
-            </a:extLst>
-          </p:cNvPr>
-          <p:cNvGrpSpPr/>
-          <p:nvPr/>
-        </p:nvGrpSpPr>
-        <p:grpSpPr>
-          <a:xfrm>
-            <a:off x="2977367" y="1954058"/>
-            <a:ext cx="393444" cy="294517"/>
-            <a:chOff x="5329845" y="1105593"/>
-            <a:chExt cx="721820" cy="540327"/>
-          </a:xfrm>
-        </p:grpSpPr>
-        <p:cxnSp>
-          <p:nvCxnSpPr>
-            <p:cNvPr id="100" name="Straight Connector 99">
-              <a:extLst>
-                <a:ext uri="{FF2B5EF4-FFF2-40B4-BE49-F238E27FC236}">
-                  <a16:creationId xmlns:a16="http://schemas.microsoft.com/office/drawing/2014/main" id="{861937DF-5AF5-4848-AE88-1E1A1EF49A3F}"/>
-                </a:ext>
-              </a:extLst>
-            </p:cNvPr>
-            <p:cNvCxnSpPr>
-              <a:cxnSpLocks/>
-            </p:cNvCxnSpPr>
-            <p:nvPr/>
-          </p:nvCxnSpPr>
-          <p:spPr>
-            <a:xfrm>
-              <a:off x="5444836" y="1105593"/>
-              <a:ext cx="0" cy="540327"/>
-            </a:xfrm>
-            <a:prstGeom prst="line">
-              <a:avLst/>
-            </a:prstGeom>
-            <a:ln w="38100">
-              <a:solidFill>
-                <a:schemeClr val="bg1">
-                  <a:lumMod val="85000"/>
-                </a:schemeClr>
-              </a:solidFill>
-            </a:ln>
-          </p:spPr>
-          <p:style>
-            <a:lnRef idx="1">
-              <a:schemeClr val="accent1"/>
-            </a:lnRef>
-            <a:fillRef idx="0">
-              <a:schemeClr val="accent1"/>
-            </a:fillRef>
-            <a:effectRef idx="0">
-              <a:schemeClr val="accent1"/>
-            </a:effectRef>
-            <a:fontRef idx="minor">
-              <a:schemeClr val="tx1"/>
-            </a:fontRef>
-          </p:style>
-        </p:cxnSp>
-        <p:cxnSp>
-          <p:nvCxnSpPr>
-            <p:cNvPr id="101" name="Straight Connector 100">
-              <a:extLst>
-                <a:ext uri="{FF2B5EF4-FFF2-40B4-BE49-F238E27FC236}">
-                  <a16:creationId xmlns:a16="http://schemas.microsoft.com/office/drawing/2014/main" id="{3A269FF7-FEA7-4640-A6CF-EF10B0285A57}"/>
-                </a:ext>
-              </a:extLst>
-            </p:cNvPr>
-            <p:cNvCxnSpPr>
-              <a:cxnSpLocks/>
-            </p:cNvCxnSpPr>
-            <p:nvPr/>
-          </p:nvCxnSpPr>
-          <p:spPr>
-            <a:xfrm>
-              <a:off x="5597236" y="1105593"/>
-              <a:ext cx="0" cy="540327"/>
-            </a:xfrm>
-            <a:prstGeom prst="line">
-              <a:avLst/>
-            </a:prstGeom>
-            <a:ln w="38100">
-              <a:solidFill>
-                <a:schemeClr val="bg1">
-                  <a:lumMod val="85000"/>
-                </a:schemeClr>
-              </a:solidFill>
-            </a:ln>
-          </p:spPr>
-          <p:style>
-            <a:lnRef idx="1">
-              <a:schemeClr val="accent1"/>
-            </a:lnRef>
-            <a:fillRef idx="0">
-              <a:schemeClr val="accent1"/>
-            </a:fillRef>
-            <a:effectRef idx="0">
-              <a:schemeClr val="accent1"/>
-            </a:effectRef>
-            <a:fontRef idx="minor">
-              <a:schemeClr val="tx1"/>
-            </a:fontRef>
-          </p:style>
-        </p:cxnSp>
-        <p:cxnSp>
-          <p:nvCxnSpPr>
-            <p:cNvPr id="102" name="Straight Connector 101">
-              <a:extLst>
-                <a:ext uri="{FF2B5EF4-FFF2-40B4-BE49-F238E27FC236}">
-                  <a16:creationId xmlns:a16="http://schemas.microsoft.com/office/drawing/2014/main" id="{40674E3E-22CC-B449-8E60-C6077E86C01E}"/>
-                </a:ext>
-              </a:extLst>
-            </p:cNvPr>
-            <p:cNvCxnSpPr>
-              <a:cxnSpLocks/>
-            </p:cNvCxnSpPr>
-            <p:nvPr/>
-          </p:nvCxnSpPr>
-          <p:spPr>
-            <a:xfrm>
-              <a:off x="5749636" y="1105593"/>
-              <a:ext cx="0" cy="540327"/>
-            </a:xfrm>
-            <a:prstGeom prst="line">
-              <a:avLst/>
-            </a:prstGeom>
-            <a:ln w="38100">
-              <a:solidFill>
-                <a:schemeClr val="bg1">
-                  <a:lumMod val="85000"/>
-                </a:schemeClr>
-              </a:solidFill>
-            </a:ln>
-          </p:spPr>
-          <p:style>
-            <a:lnRef idx="1">
-              <a:schemeClr val="accent1"/>
-            </a:lnRef>
-            <a:fillRef idx="0">
-              <a:schemeClr val="accent1"/>
-            </a:fillRef>
-            <a:effectRef idx="0">
-              <a:schemeClr val="accent1"/>
-            </a:effectRef>
-            <a:fontRef idx="minor">
-              <a:schemeClr val="tx1"/>
-            </a:fontRef>
-          </p:style>
-        </p:cxnSp>
-        <p:cxnSp>
-          <p:nvCxnSpPr>
-            <p:cNvPr id="103" name="Straight Connector 102">
-              <a:extLst>
-                <a:ext uri="{FF2B5EF4-FFF2-40B4-BE49-F238E27FC236}">
-                  <a16:creationId xmlns:a16="http://schemas.microsoft.com/office/drawing/2014/main" id="{058D1706-7180-954D-9248-FCFD973B291C}"/>
-                </a:ext>
-              </a:extLst>
-            </p:cNvPr>
-            <p:cNvCxnSpPr>
-              <a:cxnSpLocks/>
-            </p:cNvCxnSpPr>
-            <p:nvPr/>
-          </p:nvCxnSpPr>
-          <p:spPr>
-            <a:xfrm>
-              <a:off x="5902036" y="1105593"/>
-              <a:ext cx="0" cy="540327"/>
-            </a:xfrm>
-            <a:prstGeom prst="line">
-              <a:avLst/>
-            </a:prstGeom>
-            <a:ln w="38100">
-              <a:solidFill>
-                <a:schemeClr val="bg1">
-                  <a:lumMod val="85000"/>
-                </a:schemeClr>
-              </a:solidFill>
-            </a:ln>
-          </p:spPr>
-          <p:style>
-            <a:lnRef idx="1">
-              <a:schemeClr val="accent1"/>
-            </a:lnRef>
-            <a:fillRef idx="0">
-              <a:schemeClr val="accent1"/>
-            </a:fillRef>
-            <a:effectRef idx="0">
-              <a:schemeClr val="accent1"/>
-            </a:effectRef>
-            <a:fontRef idx="minor">
-              <a:schemeClr val="tx1"/>
-            </a:fontRef>
-          </p:style>
-        </p:cxnSp>
-        <p:cxnSp>
-          <p:nvCxnSpPr>
-            <p:cNvPr id="104" name="Straight Connector 103">
-              <a:extLst>
-                <a:ext uri="{FF2B5EF4-FFF2-40B4-BE49-F238E27FC236}">
-                  <a16:creationId xmlns:a16="http://schemas.microsoft.com/office/drawing/2014/main" id="{537E8617-DDDC-3846-BBC5-F4A66E5A3D6D}"/>
-                </a:ext>
-              </a:extLst>
-            </p:cNvPr>
-            <p:cNvCxnSpPr>
-              <a:cxnSpLocks/>
-            </p:cNvCxnSpPr>
-            <p:nvPr/>
-          </p:nvCxnSpPr>
-          <p:spPr>
-            <a:xfrm flipH="1">
-              <a:off x="5329845" y="1215444"/>
-              <a:ext cx="721820" cy="430476"/>
-            </a:xfrm>
-            <a:prstGeom prst="line">
-              <a:avLst/>
-            </a:prstGeom>
-            <a:ln w="38100">
-              <a:solidFill>
-                <a:schemeClr val="bg1">
-                  <a:lumMod val="85000"/>
-                </a:schemeClr>
-              </a:solidFill>
-            </a:ln>
-          </p:spPr>
-          <p:style>
-            <a:lnRef idx="1">
-              <a:schemeClr val="accent1"/>
-            </a:lnRef>
-            <a:fillRef idx="0">
-              <a:schemeClr val="accent1"/>
-            </a:fillRef>
-            <a:effectRef idx="0">
-              <a:schemeClr val="accent1"/>
-            </a:effectRef>
-            <a:fontRef idx="minor">
-              <a:schemeClr val="tx1"/>
-            </a:fontRef>
-          </p:style>
-        </p:cxnSp>
-      </p:grpSp>
       <p:sp>
         <p:nvSpPr>
           <p:cNvPr id="105" name="TextBox 104">
@@ -11129,7 +8451,7 @@
         </p:nvSpPr>
         <p:spPr>
           <a:xfrm>
-            <a:off x="3382903" y="1078278"/>
+            <a:off x="3586103" y="1078278"/>
             <a:ext cx="169830" cy="169830"/>
           </a:xfrm>
           <a:prstGeom prst="rect">
@@ -11181,7 +8503,7 @@
         </p:nvSpPr>
         <p:spPr>
           <a:xfrm>
-            <a:off x="3330620" y="952957"/>
+            <a:off x="3533820" y="952957"/>
             <a:ext cx="490451" cy="369332"/>
           </a:xfrm>
           <a:prstGeom prst="rect">
@@ -11208,10 +8530,727 @@
           </a:p>
         </p:txBody>
       </p:sp>
+      <p:sp>
+        <p:nvSpPr>
+          <p:cNvPr id="29" name="TextBox 28">
+            <a:extLst>
+              <a:ext uri="{FF2B5EF4-FFF2-40B4-BE49-F238E27FC236}">
+                <a16:creationId xmlns:a16="http://schemas.microsoft.com/office/drawing/2014/main" id="{48AE2099-CF8C-E847-B5E4-28F6585550FC}"/>
+              </a:ext>
+            </a:extLst>
+          </p:cNvPr>
+          <p:cNvSpPr txBox="1"/>
+          <p:nvPr/>
+        </p:nvSpPr>
+        <p:spPr>
+          <a:xfrm>
+            <a:off x="922713" y="6523487"/>
+            <a:ext cx="5128952" cy="369332"/>
+          </a:xfrm>
+          <a:prstGeom prst="rect">
+            <a:avLst/>
+          </a:prstGeom>
+          <a:noFill/>
+        </p:spPr>
+        <p:txBody>
+          <a:bodyPr wrap="square" rtlCol="0">
+            <a:spAutoFit/>
+          </a:bodyPr>
+          <a:lstStyle/>
+          <a:p>
+            <a:r>
+              <a:rPr lang="en-GB" dirty="0"/>
+              <a:t>Problems when I tried testing:</a:t>
+            </a:r>
+          </a:p>
+        </p:txBody>
+      </p:sp>
+      <p:sp>
+        <p:nvSpPr>
+          <p:cNvPr id="49" name="TextBox 48">
+            <a:extLst>
+              <a:ext uri="{FF2B5EF4-FFF2-40B4-BE49-F238E27FC236}">
+                <a16:creationId xmlns:a16="http://schemas.microsoft.com/office/drawing/2014/main" id="{BAD5489C-7452-C847-9D6F-8EB41894DC05}"/>
+              </a:ext>
+            </a:extLst>
+          </p:cNvPr>
+          <p:cNvSpPr txBox="1"/>
+          <p:nvPr/>
+        </p:nvSpPr>
+        <p:spPr>
+          <a:xfrm>
+            <a:off x="922713" y="1374927"/>
+            <a:ext cx="5128952" cy="369332"/>
+          </a:xfrm>
+          <a:prstGeom prst="rect">
+            <a:avLst/>
+          </a:prstGeom>
+          <a:noFill/>
+        </p:spPr>
+        <p:txBody>
+          <a:bodyPr wrap="square" rtlCol="0">
+            <a:spAutoFit/>
+          </a:bodyPr>
+          <a:lstStyle/>
+          <a:p>
+            <a:r>
+              <a:rPr lang="en-GB" dirty="0"/>
+              <a:t>Watch Peel &amp; Slice Videos: </a:t>
+            </a:r>
+          </a:p>
+        </p:txBody>
+      </p:sp>
+      <p:sp>
+        <p:nvSpPr>
+          <p:cNvPr id="50" name="Rectangle 49">
+            <a:extLst>
+              <a:ext uri="{FF2B5EF4-FFF2-40B4-BE49-F238E27FC236}">
+                <a16:creationId xmlns:a16="http://schemas.microsoft.com/office/drawing/2014/main" id="{B7076214-61FF-D94C-A5D2-669598654C21}"/>
+              </a:ext>
+            </a:extLst>
+          </p:cNvPr>
+          <p:cNvSpPr/>
+          <p:nvPr/>
+        </p:nvSpPr>
+        <p:spPr>
+          <a:xfrm>
+            <a:off x="3586103" y="1491935"/>
+            <a:ext cx="169830" cy="169830"/>
+          </a:xfrm>
+          <a:prstGeom prst="rect">
+            <a:avLst/>
+          </a:prstGeom>
+          <a:noFill/>
+          <a:ln w="19050">
+            <a:solidFill>
+              <a:schemeClr val="tx1"/>
+            </a:solidFill>
+          </a:ln>
+        </p:spPr>
+        <p:style>
+          <a:lnRef idx="2">
+            <a:schemeClr val="accent1">
+              <a:shade val="50000"/>
+            </a:schemeClr>
+          </a:lnRef>
+          <a:fillRef idx="1">
+            <a:schemeClr val="accent1"/>
+          </a:fillRef>
+          <a:effectRef idx="0">
+            <a:schemeClr val="accent1"/>
+          </a:effectRef>
+          <a:fontRef idx="minor">
+            <a:schemeClr val="lt1"/>
+          </a:fontRef>
+        </p:style>
+        <p:txBody>
+          <a:bodyPr rtlCol="0" anchor="ctr"/>
+          <a:lstStyle/>
+          <a:p>
+            <a:pPr algn="ctr"/>
+            <a:endParaRPr lang="en-GB"/>
+          </a:p>
+        </p:txBody>
+      </p:sp>
+      <p:sp>
+        <p:nvSpPr>
+          <p:cNvPr id="51" name="TextBox 50">
+            <a:extLst>
+              <a:ext uri="{FF2B5EF4-FFF2-40B4-BE49-F238E27FC236}">
+                <a16:creationId xmlns:a16="http://schemas.microsoft.com/office/drawing/2014/main" id="{72879322-68A7-EA4F-A796-721CEF72039D}"/>
+              </a:ext>
+            </a:extLst>
+          </p:cNvPr>
+          <p:cNvSpPr txBox="1"/>
+          <p:nvPr/>
+        </p:nvSpPr>
+        <p:spPr>
+          <a:xfrm>
+            <a:off x="3533820" y="1366614"/>
+            <a:ext cx="490451" cy="369332"/>
+          </a:xfrm>
+          <a:prstGeom prst="rect">
+            <a:avLst/>
+          </a:prstGeom>
+          <a:noFill/>
+        </p:spPr>
+        <p:txBody>
+          <a:bodyPr wrap="square" rtlCol="0">
+            <a:spAutoFit/>
+          </a:bodyPr>
+          <a:lstStyle/>
+          <a:p>
+            <a:r>
+              <a:rPr lang="en-GB" dirty="0">
+                <a:solidFill>
+                  <a:schemeClr val="bg1">
+                    <a:lumMod val="75000"/>
+                  </a:schemeClr>
+                </a:solidFill>
+              </a:rPr>
+              <a:t>✓</a:t>
+            </a:r>
+          </a:p>
+        </p:txBody>
+      </p:sp>
+      <p:grpSp>
+        <p:nvGrpSpPr>
+          <p:cNvPr id="52" name="Group 51">
+            <a:extLst>
+              <a:ext uri="{FF2B5EF4-FFF2-40B4-BE49-F238E27FC236}">
+                <a16:creationId xmlns:a16="http://schemas.microsoft.com/office/drawing/2014/main" id="{B03E1AB5-5238-4D47-934E-E3D067B308AE}"/>
+              </a:ext>
+            </a:extLst>
+          </p:cNvPr>
+          <p:cNvGrpSpPr/>
+          <p:nvPr/>
+        </p:nvGrpSpPr>
+        <p:grpSpPr>
+          <a:xfrm>
+            <a:off x="633452" y="7040369"/>
+            <a:ext cx="5734097" cy="1457407"/>
+            <a:chOff x="633452" y="3200400"/>
+            <a:chExt cx="5734097" cy="1457407"/>
+          </a:xfrm>
+        </p:grpSpPr>
+        <p:sp>
+          <p:nvSpPr>
+            <p:cNvPr id="53" name="TextBox 52">
+              <a:extLst>
+                <a:ext uri="{FF2B5EF4-FFF2-40B4-BE49-F238E27FC236}">
+                  <a16:creationId xmlns:a16="http://schemas.microsoft.com/office/drawing/2014/main" id="{FDBC9E04-9B22-3440-B36A-4E044E7A8D25}"/>
+                </a:ext>
+              </a:extLst>
+            </p:cNvPr>
+            <p:cNvSpPr txBox="1"/>
+            <p:nvPr/>
+          </p:nvSpPr>
+          <p:spPr>
+            <a:xfrm>
+              <a:off x="1047404" y="3200400"/>
+              <a:ext cx="3794760" cy="276999"/>
+            </a:xfrm>
+            <a:prstGeom prst="rect">
+              <a:avLst/>
+            </a:prstGeom>
+            <a:noFill/>
+          </p:spPr>
+          <p:txBody>
+            <a:bodyPr wrap="square" rtlCol="0">
+              <a:spAutoFit/>
+            </a:bodyPr>
+            <a:lstStyle/>
+            <a:p>
+              <a:r>
+                <a:rPr lang="en-GB" sz="1200" dirty="0">
+                  <a:solidFill>
+                    <a:schemeClr val="bg1">
+                      <a:lumMod val="75000"/>
+                    </a:schemeClr>
+                  </a:solidFill>
+                </a:rPr>
+                <a:t>method2: I couldn’t …</a:t>
+              </a:r>
+            </a:p>
+          </p:txBody>
+        </p:sp>
+        <p:cxnSp>
+          <p:nvCxnSpPr>
+            <p:cNvPr id="54" name="Straight Connector 53">
+              <a:extLst>
+                <a:ext uri="{FF2B5EF4-FFF2-40B4-BE49-F238E27FC236}">
+                  <a16:creationId xmlns:a16="http://schemas.microsoft.com/office/drawing/2014/main" id="{771D1C76-450E-624E-BF96-570F8C256B56}"/>
+                </a:ext>
+              </a:extLst>
+            </p:cNvPr>
+            <p:cNvCxnSpPr>
+              <a:cxnSpLocks/>
+            </p:cNvCxnSpPr>
+            <p:nvPr/>
+          </p:nvCxnSpPr>
+          <p:spPr>
+            <a:xfrm>
+              <a:off x="633452" y="3477399"/>
+              <a:ext cx="5734097" cy="0"/>
+            </a:xfrm>
+            <a:prstGeom prst="line">
+              <a:avLst/>
+            </a:prstGeom>
+            <a:ln>
+              <a:solidFill>
+                <a:schemeClr val="tx1"/>
+              </a:solidFill>
+            </a:ln>
+          </p:spPr>
+          <p:style>
+            <a:lnRef idx="1">
+              <a:schemeClr val="accent1"/>
+            </a:lnRef>
+            <a:fillRef idx="0">
+              <a:schemeClr val="accent1"/>
+            </a:fillRef>
+            <a:effectRef idx="0">
+              <a:schemeClr val="accent1"/>
+            </a:effectRef>
+            <a:fontRef idx="minor">
+              <a:schemeClr val="tx1"/>
+            </a:fontRef>
+          </p:style>
+        </p:cxnSp>
+        <p:cxnSp>
+          <p:nvCxnSpPr>
+            <p:cNvPr id="55" name="Straight Connector 54">
+              <a:extLst>
+                <a:ext uri="{FF2B5EF4-FFF2-40B4-BE49-F238E27FC236}">
+                  <a16:creationId xmlns:a16="http://schemas.microsoft.com/office/drawing/2014/main" id="{E74466BE-460A-5B4A-B5A9-4CE5CCCDEF38}"/>
+                </a:ext>
+              </a:extLst>
+            </p:cNvPr>
+            <p:cNvCxnSpPr>
+              <a:cxnSpLocks/>
+            </p:cNvCxnSpPr>
+            <p:nvPr/>
+          </p:nvCxnSpPr>
+          <p:spPr>
+            <a:xfrm>
+              <a:off x="633452" y="3772501"/>
+              <a:ext cx="5734097" cy="0"/>
+            </a:xfrm>
+            <a:prstGeom prst="line">
+              <a:avLst/>
+            </a:prstGeom>
+            <a:ln>
+              <a:solidFill>
+                <a:schemeClr val="tx1"/>
+              </a:solidFill>
+            </a:ln>
+          </p:spPr>
+          <p:style>
+            <a:lnRef idx="1">
+              <a:schemeClr val="accent1"/>
+            </a:lnRef>
+            <a:fillRef idx="0">
+              <a:schemeClr val="accent1"/>
+            </a:fillRef>
+            <a:effectRef idx="0">
+              <a:schemeClr val="accent1"/>
+            </a:effectRef>
+            <a:fontRef idx="minor">
+              <a:schemeClr val="tx1"/>
+            </a:fontRef>
+          </p:style>
+        </p:cxnSp>
+        <p:cxnSp>
+          <p:nvCxnSpPr>
+            <p:cNvPr id="56" name="Straight Connector 55">
+              <a:extLst>
+                <a:ext uri="{FF2B5EF4-FFF2-40B4-BE49-F238E27FC236}">
+                  <a16:creationId xmlns:a16="http://schemas.microsoft.com/office/drawing/2014/main" id="{C408790F-069A-E64B-964D-3C251C6475E1}"/>
+                </a:ext>
+              </a:extLst>
+            </p:cNvPr>
+            <p:cNvCxnSpPr>
+              <a:cxnSpLocks/>
+            </p:cNvCxnSpPr>
+            <p:nvPr/>
+          </p:nvCxnSpPr>
+          <p:spPr>
+            <a:xfrm>
+              <a:off x="633452" y="4067603"/>
+              <a:ext cx="5734097" cy="0"/>
+            </a:xfrm>
+            <a:prstGeom prst="line">
+              <a:avLst/>
+            </a:prstGeom>
+            <a:ln>
+              <a:solidFill>
+                <a:schemeClr val="tx1"/>
+              </a:solidFill>
+            </a:ln>
+          </p:spPr>
+          <p:style>
+            <a:lnRef idx="1">
+              <a:schemeClr val="accent1"/>
+            </a:lnRef>
+            <a:fillRef idx="0">
+              <a:schemeClr val="accent1"/>
+            </a:fillRef>
+            <a:effectRef idx="0">
+              <a:schemeClr val="accent1"/>
+            </a:effectRef>
+            <a:fontRef idx="minor">
+              <a:schemeClr val="tx1"/>
+            </a:fontRef>
+          </p:style>
+        </p:cxnSp>
+        <p:cxnSp>
+          <p:nvCxnSpPr>
+            <p:cNvPr id="57" name="Straight Connector 56">
+              <a:extLst>
+                <a:ext uri="{FF2B5EF4-FFF2-40B4-BE49-F238E27FC236}">
+                  <a16:creationId xmlns:a16="http://schemas.microsoft.com/office/drawing/2014/main" id="{F6858FE5-1603-E447-A5EA-F1D68836EE2D}"/>
+                </a:ext>
+              </a:extLst>
+            </p:cNvPr>
+            <p:cNvCxnSpPr>
+              <a:cxnSpLocks/>
+            </p:cNvCxnSpPr>
+            <p:nvPr/>
+          </p:nvCxnSpPr>
+          <p:spPr>
+            <a:xfrm>
+              <a:off x="633452" y="4657807"/>
+              <a:ext cx="5734097" cy="0"/>
+            </a:xfrm>
+            <a:prstGeom prst="line">
+              <a:avLst/>
+            </a:prstGeom>
+            <a:ln>
+              <a:solidFill>
+                <a:schemeClr val="tx1"/>
+              </a:solidFill>
+            </a:ln>
+          </p:spPr>
+          <p:style>
+            <a:lnRef idx="1">
+              <a:schemeClr val="accent1"/>
+            </a:lnRef>
+            <a:fillRef idx="0">
+              <a:schemeClr val="accent1"/>
+            </a:fillRef>
+            <a:effectRef idx="0">
+              <a:schemeClr val="accent1"/>
+            </a:effectRef>
+            <a:fontRef idx="minor">
+              <a:schemeClr val="tx1"/>
+            </a:fontRef>
+          </p:style>
+        </p:cxnSp>
+        <p:cxnSp>
+          <p:nvCxnSpPr>
+            <p:cNvPr id="58" name="Straight Connector 57">
+              <a:extLst>
+                <a:ext uri="{FF2B5EF4-FFF2-40B4-BE49-F238E27FC236}">
+                  <a16:creationId xmlns:a16="http://schemas.microsoft.com/office/drawing/2014/main" id="{C9BDA8F8-2726-4F49-9F58-690297C9940A}"/>
+                </a:ext>
+              </a:extLst>
+            </p:cNvPr>
+            <p:cNvCxnSpPr>
+              <a:cxnSpLocks/>
+            </p:cNvCxnSpPr>
+            <p:nvPr/>
+          </p:nvCxnSpPr>
+          <p:spPr>
+            <a:xfrm>
+              <a:off x="633452" y="4362705"/>
+              <a:ext cx="5734097" cy="0"/>
+            </a:xfrm>
+            <a:prstGeom prst="line">
+              <a:avLst/>
+            </a:prstGeom>
+            <a:ln>
+              <a:solidFill>
+                <a:schemeClr val="tx1"/>
+              </a:solidFill>
+            </a:ln>
+          </p:spPr>
+          <p:style>
+            <a:lnRef idx="1">
+              <a:schemeClr val="accent1"/>
+            </a:lnRef>
+            <a:fillRef idx="0">
+              <a:schemeClr val="accent1"/>
+            </a:fillRef>
+            <a:effectRef idx="0">
+              <a:schemeClr val="accent1"/>
+            </a:effectRef>
+            <a:fontRef idx="minor">
+              <a:schemeClr val="tx1"/>
+            </a:fontRef>
+          </p:style>
+        </p:cxnSp>
+      </p:grpSp>
+      <p:grpSp>
+        <p:nvGrpSpPr>
+          <p:cNvPr id="59" name="Group 58">
+            <a:extLst>
+              <a:ext uri="{FF2B5EF4-FFF2-40B4-BE49-F238E27FC236}">
+                <a16:creationId xmlns:a16="http://schemas.microsoft.com/office/drawing/2014/main" id="{EE80CA4F-B584-F84E-B0DF-A875554A7361}"/>
+              </a:ext>
+            </a:extLst>
+          </p:cNvPr>
+          <p:cNvGrpSpPr/>
+          <p:nvPr/>
+        </p:nvGrpSpPr>
+        <p:grpSpPr>
+          <a:xfrm>
+            <a:off x="633452" y="4494019"/>
+            <a:ext cx="5734097" cy="1457407"/>
+            <a:chOff x="633452" y="3200400"/>
+            <a:chExt cx="5734097" cy="1457407"/>
+          </a:xfrm>
+        </p:grpSpPr>
+        <p:sp>
+          <p:nvSpPr>
+            <p:cNvPr id="60" name="TextBox 59">
+              <a:extLst>
+                <a:ext uri="{FF2B5EF4-FFF2-40B4-BE49-F238E27FC236}">
+                  <a16:creationId xmlns:a16="http://schemas.microsoft.com/office/drawing/2014/main" id="{D15EAF35-2F6B-FE4E-9A7A-5A01045BA828}"/>
+                </a:ext>
+              </a:extLst>
+            </p:cNvPr>
+            <p:cNvSpPr txBox="1"/>
+            <p:nvPr/>
+          </p:nvSpPr>
+          <p:spPr>
+            <a:xfrm>
+              <a:off x="1047404" y="3200400"/>
+              <a:ext cx="3794760" cy="276999"/>
+            </a:xfrm>
+            <a:prstGeom prst="rect">
+              <a:avLst/>
+            </a:prstGeom>
+            <a:noFill/>
+          </p:spPr>
+          <p:txBody>
+            <a:bodyPr wrap="square" rtlCol="0">
+              <a:spAutoFit/>
+            </a:bodyPr>
+            <a:lstStyle/>
+            <a:p>
+              <a:r>
+                <a:rPr lang="en-GB" sz="1200" dirty="0">
+                  <a:solidFill>
+                    <a:schemeClr val="bg1">
+                      <a:lumMod val="75000"/>
+                    </a:schemeClr>
+                  </a:solidFill>
+                </a:rPr>
+                <a:t>method1: easy</a:t>
+              </a:r>
+            </a:p>
+          </p:txBody>
+        </p:sp>
+        <p:cxnSp>
+          <p:nvCxnSpPr>
+            <p:cNvPr id="61" name="Straight Connector 60">
+              <a:extLst>
+                <a:ext uri="{FF2B5EF4-FFF2-40B4-BE49-F238E27FC236}">
+                  <a16:creationId xmlns:a16="http://schemas.microsoft.com/office/drawing/2014/main" id="{ADC0CD94-4557-2549-9ED4-F28769ABB041}"/>
+                </a:ext>
+              </a:extLst>
+            </p:cNvPr>
+            <p:cNvCxnSpPr>
+              <a:cxnSpLocks/>
+            </p:cNvCxnSpPr>
+            <p:nvPr/>
+          </p:nvCxnSpPr>
+          <p:spPr>
+            <a:xfrm>
+              <a:off x="633452" y="3477399"/>
+              <a:ext cx="5734097" cy="0"/>
+            </a:xfrm>
+            <a:prstGeom prst="line">
+              <a:avLst/>
+            </a:prstGeom>
+            <a:ln>
+              <a:solidFill>
+                <a:schemeClr val="tx1"/>
+              </a:solidFill>
+            </a:ln>
+          </p:spPr>
+          <p:style>
+            <a:lnRef idx="1">
+              <a:schemeClr val="accent1"/>
+            </a:lnRef>
+            <a:fillRef idx="0">
+              <a:schemeClr val="accent1"/>
+            </a:fillRef>
+            <a:effectRef idx="0">
+              <a:schemeClr val="accent1"/>
+            </a:effectRef>
+            <a:fontRef idx="minor">
+              <a:schemeClr val="tx1"/>
+            </a:fontRef>
+          </p:style>
+        </p:cxnSp>
+        <p:cxnSp>
+          <p:nvCxnSpPr>
+            <p:cNvPr id="62" name="Straight Connector 61">
+              <a:extLst>
+                <a:ext uri="{FF2B5EF4-FFF2-40B4-BE49-F238E27FC236}">
+                  <a16:creationId xmlns:a16="http://schemas.microsoft.com/office/drawing/2014/main" id="{DF48B284-EB31-1043-995A-193C99C0ECCF}"/>
+                </a:ext>
+              </a:extLst>
+            </p:cNvPr>
+            <p:cNvCxnSpPr>
+              <a:cxnSpLocks/>
+            </p:cNvCxnSpPr>
+            <p:nvPr/>
+          </p:nvCxnSpPr>
+          <p:spPr>
+            <a:xfrm>
+              <a:off x="633452" y="3772501"/>
+              <a:ext cx="5734097" cy="0"/>
+            </a:xfrm>
+            <a:prstGeom prst="line">
+              <a:avLst/>
+            </a:prstGeom>
+            <a:ln>
+              <a:solidFill>
+                <a:schemeClr val="tx1"/>
+              </a:solidFill>
+            </a:ln>
+          </p:spPr>
+          <p:style>
+            <a:lnRef idx="1">
+              <a:schemeClr val="accent1"/>
+            </a:lnRef>
+            <a:fillRef idx="0">
+              <a:schemeClr val="accent1"/>
+            </a:fillRef>
+            <a:effectRef idx="0">
+              <a:schemeClr val="accent1"/>
+            </a:effectRef>
+            <a:fontRef idx="minor">
+              <a:schemeClr val="tx1"/>
+            </a:fontRef>
+          </p:style>
+        </p:cxnSp>
+        <p:cxnSp>
+          <p:nvCxnSpPr>
+            <p:cNvPr id="63" name="Straight Connector 62">
+              <a:extLst>
+                <a:ext uri="{FF2B5EF4-FFF2-40B4-BE49-F238E27FC236}">
+                  <a16:creationId xmlns:a16="http://schemas.microsoft.com/office/drawing/2014/main" id="{55E7B53B-2646-3947-98AE-0739969D3A7B}"/>
+                </a:ext>
+              </a:extLst>
+            </p:cNvPr>
+            <p:cNvCxnSpPr>
+              <a:cxnSpLocks/>
+            </p:cNvCxnSpPr>
+            <p:nvPr/>
+          </p:nvCxnSpPr>
+          <p:spPr>
+            <a:xfrm>
+              <a:off x="633452" y="4067603"/>
+              <a:ext cx="5734097" cy="0"/>
+            </a:xfrm>
+            <a:prstGeom prst="line">
+              <a:avLst/>
+            </a:prstGeom>
+            <a:ln>
+              <a:solidFill>
+                <a:schemeClr val="tx1"/>
+              </a:solidFill>
+            </a:ln>
+          </p:spPr>
+          <p:style>
+            <a:lnRef idx="1">
+              <a:schemeClr val="accent1"/>
+            </a:lnRef>
+            <a:fillRef idx="0">
+              <a:schemeClr val="accent1"/>
+            </a:fillRef>
+            <a:effectRef idx="0">
+              <a:schemeClr val="accent1"/>
+            </a:effectRef>
+            <a:fontRef idx="minor">
+              <a:schemeClr val="tx1"/>
+            </a:fontRef>
+          </p:style>
+        </p:cxnSp>
+        <p:cxnSp>
+          <p:nvCxnSpPr>
+            <p:cNvPr id="64" name="Straight Connector 63">
+              <a:extLst>
+                <a:ext uri="{FF2B5EF4-FFF2-40B4-BE49-F238E27FC236}">
+                  <a16:creationId xmlns:a16="http://schemas.microsoft.com/office/drawing/2014/main" id="{32AC2788-8392-D541-B50E-DE5E9E730400}"/>
+                </a:ext>
+              </a:extLst>
+            </p:cNvPr>
+            <p:cNvCxnSpPr>
+              <a:cxnSpLocks/>
+            </p:cNvCxnSpPr>
+            <p:nvPr/>
+          </p:nvCxnSpPr>
+          <p:spPr>
+            <a:xfrm>
+              <a:off x="633452" y="4657807"/>
+              <a:ext cx="5734097" cy="0"/>
+            </a:xfrm>
+            <a:prstGeom prst="line">
+              <a:avLst/>
+            </a:prstGeom>
+            <a:ln>
+              <a:solidFill>
+                <a:schemeClr val="tx1"/>
+              </a:solidFill>
+            </a:ln>
+          </p:spPr>
+          <p:style>
+            <a:lnRef idx="1">
+              <a:schemeClr val="accent1"/>
+            </a:lnRef>
+            <a:fillRef idx="0">
+              <a:schemeClr val="accent1"/>
+            </a:fillRef>
+            <a:effectRef idx="0">
+              <a:schemeClr val="accent1"/>
+            </a:effectRef>
+            <a:fontRef idx="minor">
+              <a:schemeClr val="tx1"/>
+            </a:fontRef>
+          </p:style>
+        </p:cxnSp>
+        <p:cxnSp>
+          <p:nvCxnSpPr>
+            <p:cNvPr id="65" name="Straight Connector 64">
+              <a:extLst>
+                <a:ext uri="{FF2B5EF4-FFF2-40B4-BE49-F238E27FC236}">
+                  <a16:creationId xmlns:a16="http://schemas.microsoft.com/office/drawing/2014/main" id="{5A5138A7-D5A0-2C4F-8B54-6F38C9F8067C}"/>
+                </a:ext>
+              </a:extLst>
+            </p:cNvPr>
+            <p:cNvCxnSpPr>
+              <a:cxnSpLocks/>
+            </p:cNvCxnSpPr>
+            <p:nvPr/>
+          </p:nvCxnSpPr>
+          <p:spPr>
+            <a:xfrm>
+              <a:off x="633452" y="4362705"/>
+              <a:ext cx="5734097" cy="0"/>
+            </a:xfrm>
+            <a:prstGeom prst="line">
+              <a:avLst/>
+            </a:prstGeom>
+            <a:ln>
+              <a:solidFill>
+                <a:schemeClr val="tx1"/>
+              </a:solidFill>
+            </a:ln>
+          </p:spPr>
+          <p:style>
+            <a:lnRef idx="1">
+              <a:schemeClr val="accent1"/>
+            </a:lnRef>
+            <a:fillRef idx="0">
+              <a:schemeClr val="accent1"/>
+            </a:fillRef>
+            <a:effectRef idx="0">
+              <a:schemeClr val="accent1"/>
+            </a:effectRef>
+            <a:fontRef idx="minor">
+              <a:schemeClr val="tx1"/>
+            </a:fontRef>
+          </p:style>
+        </p:cxnSp>
+      </p:grpSp>
     </p:spTree>
     <p:extLst>
       <p:ext uri="{BB962C8B-B14F-4D97-AF65-F5344CB8AC3E}">
-        <p14:creationId xmlns:p14="http://schemas.microsoft.com/office/powerpoint/2010/main" val="430857155"/>
+        <p14:creationId xmlns:p14="http://schemas.microsoft.com/office/powerpoint/2010/main" val="3081273035"/>
       </p:ext>
     </p:extLst>
   </p:cSld>

--- a/Homework Printouts.pptx
+++ b/Homework Printouts.pptx
@@ -245,7 +245,7 @@
           <a:p>
             <a:fld id="{9BAD008B-C58F-DC47-9BDF-ACF9484DF185}" type="datetimeFigureOut">
               <a:rPr lang="en-GB" smtClean="0"/>
-              <a:t>05/11/2020</a:t>
+              <a:t>16/11/2020</a:t>
             </a:fld>
             <a:endParaRPr lang="en-GB"/>
           </a:p>
@@ -415,7 +415,7 @@
           <a:p>
             <a:fld id="{9BAD008B-C58F-DC47-9BDF-ACF9484DF185}" type="datetimeFigureOut">
               <a:rPr lang="en-GB" smtClean="0"/>
-              <a:t>05/11/2020</a:t>
+              <a:t>16/11/2020</a:t>
             </a:fld>
             <a:endParaRPr lang="en-GB"/>
           </a:p>
@@ -595,7 +595,7 @@
           <a:p>
             <a:fld id="{9BAD008B-C58F-DC47-9BDF-ACF9484DF185}" type="datetimeFigureOut">
               <a:rPr lang="en-GB" smtClean="0"/>
-              <a:t>05/11/2020</a:t>
+              <a:t>16/11/2020</a:t>
             </a:fld>
             <a:endParaRPr lang="en-GB"/>
           </a:p>
@@ -765,7 +765,7 @@
           <a:p>
             <a:fld id="{9BAD008B-C58F-DC47-9BDF-ACF9484DF185}" type="datetimeFigureOut">
               <a:rPr lang="en-GB" smtClean="0"/>
-              <a:t>05/11/2020</a:t>
+              <a:t>16/11/2020</a:t>
             </a:fld>
             <a:endParaRPr lang="en-GB"/>
           </a:p>
@@ -1009,7 +1009,7 @@
           <a:p>
             <a:fld id="{9BAD008B-C58F-DC47-9BDF-ACF9484DF185}" type="datetimeFigureOut">
               <a:rPr lang="en-GB" smtClean="0"/>
-              <a:t>05/11/2020</a:t>
+              <a:t>16/11/2020</a:t>
             </a:fld>
             <a:endParaRPr lang="en-GB"/>
           </a:p>
@@ -1241,7 +1241,7 @@
           <a:p>
             <a:fld id="{9BAD008B-C58F-DC47-9BDF-ACF9484DF185}" type="datetimeFigureOut">
               <a:rPr lang="en-GB" smtClean="0"/>
-              <a:t>05/11/2020</a:t>
+              <a:t>16/11/2020</a:t>
             </a:fld>
             <a:endParaRPr lang="en-GB"/>
           </a:p>
@@ -1608,7 +1608,7 @@
           <a:p>
             <a:fld id="{9BAD008B-C58F-DC47-9BDF-ACF9484DF185}" type="datetimeFigureOut">
               <a:rPr lang="en-GB" smtClean="0"/>
-              <a:t>05/11/2020</a:t>
+              <a:t>16/11/2020</a:t>
             </a:fld>
             <a:endParaRPr lang="en-GB"/>
           </a:p>
@@ -1726,7 +1726,7 @@
           <a:p>
             <a:fld id="{9BAD008B-C58F-DC47-9BDF-ACF9484DF185}" type="datetimeFigureOut">
               <a:rPr lang="en-GB" smtClean="0"/>
-              <a:t>05/11/2020</a:t>
+              <a:t>16/11/2020</a:t>
             </a:fld>
             <a:endParaRPr lang="en-GB"/>
           </a:p>
@@ -1821,7 +1821,7 @@
           <a:p>
             <a:fld id="{9BAD008B-C58F-DC47-9BDF-ACF9484DF185}" type="datetimeFigureOut">
               <a:rPr lang="en-GB" smtClean="0"/>
-              <a:t>05/11/2020</a:t>
+              <a:t>16/11/2020</a:t>
             </a:fld>
             <a:endParaRPr lang="en-GB"/>
           </a:p>
@@ -2098,7 +2098,7 @@
           <a:p>
             <a:fld id="{9BAD008B-C58F-DC47-9BDF-ACF9484DF185}" type="datetimeFigureOut">
               <a:rPr lang="en-GB" smtClean="0"/>
-              <a:t>05/11/2020</a:t>
+              <a:t>16/11/2020</a:t>
             </a:fld>
             <a:endParaRPr lang="en-GB"/>
           </a:p>
@@ -2355,7 +2355,7 @@
           <a:p>
             <a:fld id="{9BAD008B-C58F-DC47-9BDF-ACF9484DF185}" type="datetimeFigureOut">
               <a:rPr lang="en-GB" smtClean="0"/>
-              <a:t>05/11/2020</a:t>
+              <a:t>16/11/2020</a:t>
             </a:fld>
             <a:endParaRPr lang="en-GB"/>
           </a:p>
@@ -2568,7 +2568,7 @@
           <a:p>
             <a:fld id="{9BAD008B-C58F-DC47-9BDF-ACF9484DF185}" type="datetimeFigureOut">
               <a:rPr lang="en-GB" smtClean="0"/>
-              <a:t>05/11/2020</a:t>
+              <a:t>16/11/2020</a:t>
             </a:fld>
             <a:endParaRPr lang="en-GB"/>
           </a:p>
@@ -8021,7 +8021,7 @@
         </p:nvSpPr>
         <p:spPr>
           <a:xfrm>
-            <a:off x="922713" y="1805012"/>
+            <a:off x="922713" y="1883393"/>
             <a:ext cx="5128952" cy="369332"/>
           </a:xfrm>
           <a:prstGeom prst="rect">
@@ -8056,7 +8056,7 @@
         </p:nvSpPr>
         <p:spPr>
           <a:xfrm>
-            <a:off x="922713" y="3946328"/>
+            <a:off x="922713" y="4024709"/>
             <a:ext cx="5128952" cy="369332"/>
           </a:xfrm>
           <a:prstGeom prst="rect">
@@ -8091,7 +8091,7 @@
         </p:nvGrpSpPr>
         <p:grpSpPr>
           <a:xfrm>
-            <a:off x="633452" y="2202975"/>
+            <a:off x="633452" y="2281356"/>
             <a:ext cx="5734097" cy="1457407"/>
             <a:chOff x="633452" y="3200400"/>
             <a:chExt cx="5734097" cy="1457407"/>
@@ -8984,7 +8984,7 @@
         </p:nvGrpSpPr>
         <p:grpSpPr>
           <a:xfrm>
-            <a:off x="633452" y="4494019"/>
+            <a:off x="633452" y="4572400"/>
             <a:ext cx="5734097" cy="1457407"/>
             <a:chOff x="633452" y="3200400"/>
             <a:chExt cx="5734097" cy="1457407"/>
@@ -9247,6 +9247,46 @@
           </p:style>
         </p:cxnSp>
       </p:grpSp>
+      <p:sp>
+        <p:nvSpPr>
+          <p:cNvPr id="3" name="Rectangle 2">
+            <a:extLst>
+              <a:ext uri="{FF2B5EF4-FFF2-40B4-BE49-F238E27FC236}">
+                <a16:creationId xmlns:a16="http://schemas.microsoft.com/office/drawing/2014/main" id="{27FA2C43-8793-A245-9C03-0DE3685AC609}"/>
+              </a:ext>
+            </a:extLst>
+          </p:cNvPr>
+          <p:cNvSpPr/>
+          <p:nvPr/>
+        </p:nvSpPr>
+        <p:spPr>
+          <a:xfrm>
+            <a:off x="1697805" y="1611632"/>
+            <a:ext cx="1836015" cy="276999"/>
+          </a:xfrm>
+          <a:prstGeom prst="rect">
+            <a:avLst/>
+          </a:prstGeom>
+        </p:spPr>
+        <p:txBody>
+          <a:bodyPr wrap="none">
+            <a:spAutoFit/>
+          </a:bodyPr>
+          <a:lstStyle/>
+          <a:p>
+            <a:r>
+              <a:rPr lang="en-GB" sz="1200" dirty="0">
+                <a:solidFill>
+                  <a:schemeClr val="bg2">
+                    <a:lumMod val="50000"/>
+                  </a:schemeClr>
+                </a:solidFill>
+              </a:rPr>
+              <a:t>http://lfal.co/PeelAndSlice</a:t>
+            </a:r>
+          </a:p>
+        </p:txBody>
+      </p:sp>
     </p:spTree>
     <p:extLst>
       <p:ext uri="{BB962C8B-B14F-4D97-AF65-F5344CB8AC3E}">

--- a/Homework Printouts.pptx
+++ b/Homework Printouts.pptx
@@ -8,6 +8,7 @@
     <p:sldId id="256" r:id="rId2"/>
     <p:sldId id="257" r:id="rId3"/>
     <p:sldId id="258" r:id="rId4"/>
+    <p:sldId id="259" r:id="rId5"/>
   </p:sldIdLst>
   <p:sldSz cx="6858000" cy="9144000" type="letter"/>
   <p:notesSz cx="6858000" cy="9144000"/>
@@ -245,7 +246,7 @@
           <a:p>
             <a:fld id="{9BAD008B-C58F-DC47-9BDF-ACF9484DF185}" type="datetimeFigureOut">
               <a:rPr lang="en-GB" smtClean="0"/>
-              <a:t>16/11/2020</a:t>
+              <a:t>23/11/2020</a:t>
             </a:fld>
             <a:endParaRPr lang="en-GB"/>
           </a:p>
@@ -415,7 +416,7 @@
           <a:p>
             <a:fld id="{9BAD008B-C58F-DC47-9BDF-ACF9484DF185}" type="datetimeFigureOut">
               <a:rPr lang="en-GB" smtClean="0"/>
-              <a:t>16/11/2020</a:t>
+              <a:t>23/11/2020</a:t>
             </a:fld>
             <a:endParaRPr lang="en-GB"/>
           </a:p>
@@ -595,7 +596,7 @@
           <a:p>
             <a:fld id="{9BAD008B-C58F-DC47-9BDF-ACF9484DF185}" type="datetimeFigureOut">
               <a:rPr lang="en-GB" smtClean="0"/>
-              <a:t>16/11/2020</a:t>
+              <a:t>23/11/2020</a:t>
             </a:fld>
             <a:endParaRPr lang="en-GB"/>
           </a:p>
@@ -765,7 +766,7 @@
           <a:p>
             <a:fld id="{9BAD008B-C58F-DC47-9BDF-ACF9484DF185}" type="datetimeFigureOut">
               <a:rPr lang="en-GB" smtClean="0"/>
-              <a:t>16/11/2020</a:t>
+              <a:t>23/11/2020</a:t>
             </a:fld>
             <a:endParaRPr lang="en-GB"/>
           </a:p>
@@ -1009,7 +1010,7 @@
           <a:p>
             <a:fld id="{9BAD008B-C58F-DC47-9BDF-ACF9484DF185}" type="datetimeFigureOut">
               <a:rPr lang="en-GB" smtClean="0"/>
-              <a:t>16/11/2020</a:t>
+              <a:t>23/11/2020</a:t>
             </a:fld>
             <a:endParaRPr lang="en-GB"/>
           </a:p>
@@ -1241,7 +1242,7 @@
           <a:p>
             <a:fld id="{9BAD008B-C58F-DC47-9BDF-ACF9484DF185}" type="datetimeFigureOut">
               <a:rPr lang="en-GB" smtClean="0"/>
-              <a:t>16/11/2020</a:t>
+              <a:t>23/11/2020</a:t>
             </a:fld>
             <a:endParaRPr lang="en-GB"/>
           </a:p>
@@ -1608,7 +1609,7 @@
           <a:p>
             <a:fld id="{9BAD008B-C58F-DC47-9BDF-ACF9484DF185}" type="datetimeFigureOut">
               <a:rPr lang="en-GB" smtClean="0"/>
-              <a:t>16/11/2020</a:t>
+              <a:t>23/11/2020</a:t>
             </a:fld>
             <a:endParaRPr lang="en-GB"/>
           </a:p>
@@ -1726,7 +1727,7 @@
           <a:p>
             <a:fld id="{9BAD008B-C58F-DC47-9BDF-ACF9484DF185}" type="datetimeFigureOut">
               <a:rPr lang="en-GB" smtClean="0"/>
-              <a:t>16/11/2020</a:t>
+              <a:t>23/11/2020</a:t>
             </a:fld>
             <a:endParaRPr lang="en-GB"/>
           </a:p>
@@ -1821,7 +1822,7 @@
           <a:p>
             <a:fld id="{9BAD008B-C58F-DC47-9BDF-ACF9484DF185}" type="datetimeFigureOut">
               <a:rPr lang="en-GB" smtClean="0"/>
-              <a:t>16/11/2020</a:t>
+              <a:t>23/11/2020</a:t>
             </a:fld>
             <a:endParaRPr lang="en-GB"/>
           </a:p>
@@ -2098,7 +2099,7 @@
           <a:p>
             <a:fld id="{9BAD008B-C58F-DC47-9BDF-ACF9484DF185}" type="datetimeFigureOut">
               <a:rPr lang="en-GB" smtClean="0"/>
-              <a:t>16/11/2020</a:t>
+              <a:t>23/11/2020</a:t>
             </a:fld>
             <a:endParaRPr lang="en-GB"/>
           </a:p>
@@ -2355,7 +2356,7 @@
           <a:p>
             <a:fld id="{9BAD008B-C58F-DC47-9BDF-ACF9484DF185}" type="datetimeFigureOut">
               <a:rPr lang="en-GB" smtClean="0"/>
-              <a:t>16/11/2020</a:t>
+              <a:t>23/11/2020</a:t>
             </a:fld>
             <a:endParaRPr lang="en-GB"/>
           </a:p>
@@ -2568,7 +2569,7 @@
           <a:p>
             <a:fld id="{9BAD008B-C58F-DC47-9BDF-ACF9484DF185}" type="datetimeFigureOut">
               <a:rPr lang="en-GB" smtClean="0"/>
-              <a:t>16/11/2020</a:t>
+              <a:t>23/11/2020</a:t>
             </a:fld>
             <a:endParaRPr lang="en-GB"/>
           </a:p>
@@ -9300,6 +9301,1276 @@
 </p:sld>
 </file>
 
+<file path=ppt/slides/slide4.xml><?xml version="1.0" encoding="utf-8"?>
+<p:sld xmlns:a="http://schemas.openxmlformats.org/drawingml/2006/main" xmlns:r="http://schemas.openxmlformats.org/officeDocument/2006/relationships" xmlns:p="http://schemas.openxmlformats.org/presentationml/2006/main">
+  <p:cSld>
+    <p:spTree>
+      <p:nvGrpSpPr>
+        <p:cNvPr id="1" name=""/>
+        <p:cNvGrpSpPr/>
+        <p:nvPr/>
+      </p:nvGrpSpPr>
+      <p:grpSpPr>
+        <a:xfrm>
+          <a:off x="0" y="0"/>
+          <a:ext cx="0" cy="0"/>
+          <a:chOff x="0" y="0"/>
+          <a:chExt cx="0" cy="0"/>
+        </a:xfrm>
+      </p:grpSpPr>
+      <p:sp>
+        <p:nvSpPr>
+          <p:cNvPr id="4" name="TextBox 3">
+            <a:extLst>
+              <a:ext uri="{FF2B5EF4-FFF2-40B4-BE49-F238E27FC236}">
+                <a16:creationId xmlns:a16="http://schemas.microsoft.com/office/drawing/2014/main" id="{9F442240-DC6B-A346-876F-F1D99205EB8B}"/>
+              </a:ext>
+            </a:extLst>
+          </p:cNvPr>
+          <p:cNvSpPr txBox="1"/>
+          <p:nvPr/>
+        </p:nvSpPr>
+        <p:spPr>
+          <a:xfrm>
+            <a:off x="922713" y="1883393"/>
+            <a:ext cx="5128952" cy="369332"/>
+          </a:xfrm>
+          <a:prstGeom prst="rect">
+            <a:avLst/>
+          </a:prstGeom>
+          <a:noFill/>
+        </p:spPr>
+        <p:txBody>
+          <a:bodyPr wrap="square" rtlCol="0">
+            <a:spAutoFit/>
+          </a:bodyPr>
+          <a:lstStyle/>
+          <a:p>
+            <a:r>
+              <a:rPr lang="en-GB" dirty="0"/>
+              <a:t>Peeled (ClassName::method)</a:t>
+            </a:r>
+          </a:p>
+        </p:txBody>
+      </p:sp>
+      <p:grpSp>
+        <p:nvGrpSpPr>
+          <p:cNvPr id="82" name="Group 81">
+            <a:extLst>
+              <a:ext uri="{FF2B5EF4-FFF2-40B4-BE49-F238E27FC236}">
+                <a16:creationId xmlns:a16="http://schemas.microsoft.com/office/drawing/2014/main" id="{3C94A7B8-6AC6-6C41-B1D3-BC2B326D6BAA}"/>
+              </a:ext>
+            </a:extLst>
+          </p:cNvPr>
+          <p:cNvGrpSpPr/>
+          <p:nvPr/>
+        </p:nvGrpSpPr>
+        <p:grpSpPr>
+          <a:xfrm>
+            <a:off x="633452" y="2281356"/>
+            <a:ext cx="5734097" cy="1457407"/>
+            <a:chOff x="633452" y="3200400"/>
+            <a:chExt cx="5734097" cy="1457407"/>
+          </a:xfrm>
+        </p:grpSpPr>
+        <p:sp>
+          <p:nvSpPr>
+            <p:cNvPr id="67" name="TextBox 66">
+              <a:extLst>
+                <a:ext uri="{FF2B5EF4-FFF2-40B4-BE49-F238E27FC236}">
+                  <a16:creationId xmlns:a16="http://schemas.microsoft.com/office/drawing/2014/main" id="{57734B52-A243-C841-8C94-55199CBC17E4}"/>
+                </a:ext>
+              </a:extLst>
+            </p:cNvPr>
+            <p:cNvSpPr txBox="1"/>
+            <p:nvPr/>
+          </p:nvSpPr>
+          <p:spPr>
+            <a:xfrm>
+              <a:off x="1047404" y="3200400"/>
+              <a:ext cx="3794760" cy="276999"/>
+            </a:xfrm>
+            <a:prstGeom prst="rect">
+              <a:avLst/>
+            </a:prstGeom>
+            <a:noFill/>
+          </p:spPr>
+          <p:txBody>
+            <a:bodyPr wrap="square" rtlCol="0">
+              <a:spAutoFit/>
+            </a:bodyPr>
+            <a:lstStyle/>
+            <a:p>
+              <a:r>
+                <a:rPr lang="en-GB" sz="1200" dirty="0">
+                  <a:solidFill>
+                    <a:schemeClr val="bg1">
+                      <a:lumMod val="75000"/>
+                    </a:schemeClr>
+                  </a:solidFill>
+                </a:rPr>
+                <a:t>ClassName1::method2           ClassName2::method2</a:t>
+              </a:r>
+            </a:p>
+          </p:txBody>
+        </p:sp>
+        <p:cxnSp>
+          <p:nvCxnSpPr>
+            <p:cNvPr id="72" name="Straight Connector 71">
+              <a:extLst>
+                <a:ext uri="{FF2B5EF4-FFF2-40B4-BE49-F238E27FC236}">
+                  <a16:creationId xmlns:a16="http://schemas.microsoft.com/office/drawing/2014/main" id="{450B6AE4-4BD6-724D-86EE-B7345798D530}"/>
+                </a:ext>
+              </a:extLst>
+            </p:cNvPr>
+            <p:cNvCxnSpPr>
+              <a:cxnSpLocks/>
+            </p:cNvCxnSpPr>
+            <p:nvPr/>
+          </p:nvCxnSpPr>
+          <p:spPr>
+            <a:xfrm>
+              <a:off x="633452" y="3477399"/>
+              <a:ext cx="5734097" cy="0"/>
+            </a:xfrm>
+            <a:prstGeom prst="line">
+              <a:avLst/>
+            </a:prstGeom>
+            <a:ln>
+              <a:solidFill>
+                <a:schemeClr val="tx1"/>
+              </a:solidFill>
+            </a:ln>
+          </p:spPr>
+          <p:style>
+            <a:lnRef idx="1">
+              <a:schemeClr val="accent1"/>
+            </a:lnRef>
+            <a:fillRef idx="0">
+              <a:schemeClr val="accent1"/>
+            </a:fillRef>
+            <a:effectRef idx="0">
+              <a:schemeClr val="accent1"/>
+            </a:effectRef>
+            <a:fontRef idx="minor">
+              <a:schemeClr val="tx1"/>
+            </a:fontRef>
+          </p:style>
+        </p:cxnSp>
+        <p:cxnSp>
+          <p:nvCxnSpPr>
+            <p:cNvPr id="74" name="Straight Connector 73">
+              <a:extLst>
+                <a:ext uri="{FF2B5EF4-FFF2-40B4-BE49-F238E27FC236}">
+                  <a16:creationId xmlns:a16="http://schemas.microsoft.com/office/drawing/2014/main" id="{9A544C35-F883-4042-AF71-70C5648CE8D4}"/>
+                </a:ext>
+              </a:extLst>
+            </p:cNvPr>
+            <p:cNvCxnSpPr>
+              <a:cxnSpLocks/>
+            </p:cNvCxnSpPr>
+            <p:nvPr/>
+          </p:nvCxnSpPr>
+          <p:spPr>
+            <a:xfrm>
+              <a:off x="633452" y="3772501"/>
+              <a:ext cx="5734097" cy="0"/>
+            </a:xfrm>
+            <a:prstGeom prst="line">
+              <a:avLst/>
+            </a:prstGeom>
+            <a:ln>
+              <a:solidFill>
+                <a:schemeClr val="tx1"/>
+              </a:solidFill>
+            </a:ln>
+          </p:spPr>
+          <p:style>
+            <a:lnRef idx="1">
+              <a:schemeClr val="accent1"/>
+            </a:lnRef>
+            <a:fillRef idx="0">
+              <a:schemeClr val="accent1"/>
+            </a:fillRef>
+            <a:effectRef idx="0">
+              <a:schemeClr val="accent1"/>
+            </a:effectRef>
+            <a:fontRef idx="minor">
+              <a:schemeClr val="tx1"/>
+            </a:fontRef>
+          </p:style>
+        </p:cxnSp>
+        <p:cxnSp>
+          <p:nvCxnSpPr>
+            <p:cNvPr id="75" name="Straight Connector 74">
+              <a:extLst>
+                <a:ext uri="{FF2B5EF4-FFF2-40B4-BE49-F238E27FC236}">
+                  <a16:creationId xmlns:a16="http://schemas.microsoft.com/office/drawing/2014/main" id="{B5A806E7-3BAA-B249-A97A-79D1125AF007}"/>
+                </a:ext>
+              </a:extLst>
+            </p:cNvPr>
+            <p:cNvCxnSpPr>
+              <a:cxnSpLocks/>
+            </p:cNvCxnSpPr>
+            <p:nvPr/>
+          </p:nvCxnSpPr>
+          <p:spPr>
+            <a:xfrm>
+              <a:off x="633452" y="4067603"/>
+              <a:ext cx="5734097" cy="0"/>
+            </a:xfrm>
+            <a:prstGeom prst="line">
+              <a:avLst/>
+            </a:prstGeom>
+            <a:ln>
+              <a:solidFill>
+                <a:schemeClr val="tx1"/>
+              </a:solidFill>
+            </a:ln>
+          </p:spPr>
+          <p:style>
+            <a:lnRef idx="1">
+              <a:schemeClr val="accent1"/>
+            </a:lnRef>
+            <a:fillRef idx="0">
+              <a:schemeClr val="accent1"/>
+            </a:fillRef>
+            <a:effectRef idx="0">
+              <a:schemeClr val="accent1"/>
+            </a:effectRef>
+            <a:fontRef idx="minor">
+              <a:schemeClr val="tx1"/>
+            </a:fontRef>
+          </p:style>
+        </p:cxnSp>
+        <p:cxnSp>
+          <p:nvCxnSpPr>
+            <p:cNvPr id="76" name="Straight Connector 75">
+              <a:extLst>
+                <a:ext uri="{FF2B5EF4-FFF2-40B4-BE49-F238E27FC236}">
+                  <a16:creationId xmlns:a16="http://schemas.microsoft.com/office/drawing/2014/main" id="{1C617C50-185C-0F42-9760-0C6466AE8C86}"/>
+                </a:ext>
+              </a:extLst>
+            </p:cNvPr>
+            <p:cNvCxnSpPr>
+              <a:cxnSpLocks/>
+            </p:cNvCxnSpPr>
+            <p:nvPr/>
+          </p:nvCxnSpPr>
+          <p:spPr>
+            <a:xfrm>
+              <a:off x="633452" y="4657807"/>
+              <a:ext cx="5734097" cy="0"/>
+            </a:xfrm>
+            <a:prstGeom prst="line">
+              <a:avLst/>
+            </a:prstGeom>
+            <a:ln>
+              <a:solidFill>
+                <a:schemeClr val="tx1"/>
+              </a:solidFill>
+            </a:ln>
+          </p:spPr>
+          <p:style>
+            <a:lnRef idx="1">
+              <a:schemeClr val="accent1"/>
+            </a:lnRef>
+            <a:fillRef idx="0">
+              <a:schemeClr val="accent1"/>
+            </a:fillRef>
+            <a:effectRef idx="0">
+              <a:schemeClr val="accent1"/>
+            </a:effectRef>
+            <a:fontRef idx="minor">
+              <a:schemeClr val="tx1"/>
+            </a:fontRef>
+          </p:style>
+        </p:cxnSp>
+        <p:cxnSp>
+          <p:nvCxnSpPr>
+            <p:cNvPr id="77" name="Straight Connector 76">
+              <a:extLst>
+                <a:ext uri="{FF2B5EF4-FFF2-40B4-BE49-F238E27FC236}">
+                  <a16:creationId xmlns:a16="http://schemas.microsoft.com/office/drawing/2014/main" id="{FE60F26C-4C2F-0E4C-B2A5-2618642AFF0B}"/>
+                </a:ext>
+              </a:extLst>
+            </p:cNvPr>
+            <p:cNvCxnSpPr>
+              <a:cxnSpLocks/>
+            </p:cNvCxnSpPr>
+            <p:nvPr/>
+          </p:nvCxnSpPr>
+          <p:spPr>
+            <a:xfrm>
+              <a:off x="633452" y="4362705"/>
+              <a:ext cx="5734097" cy="0"/>
+            </a:xfrm>
+            <a:prstGeom prst="line">
+              <a:avLst/>
+            </a:prstGeom>
+            <a:ln>
+              <a:solidFill>
+                <a:schemeClr val="tx1"/>
+              </a:solidFill>
+            </a:ln>
+          </p:spPr>
+          <p:style>
+            <a:lnRef idx="1">
+              <a:schemeClr val="accent1"/>
+            </a:lnRef>
+            <a:fillRef idx="0">
+              <a:schemeClr val="accent1"/>
+            </a:fillRef>
+            <a:effectRef idx="0">
+              <a:schemeClr val="accent1"/>
+            </a:effectRef>
+            <a:fontRef idx="minor">
+              <a:schemeClr val="tx1"/>
+            </a:fontRef>
+          </p:style>
+        </p:cxnSp>
+      </p:grpSp>
+      <p:sp>
+        <p:nvSpPr>
+          <p:cNvPr id="97" name="TextBox 96">
+            <a:extLst>
+              <a:ext uri="{FF2B5EF4-FFF2-40B4-BE49-F238E27FC236}">
+                <a16:creationId xmlns:a16="http://schemas.microsoft.com/office/drawing/2014/main" id="{9FC174C6-0507-D14D-AF35-9C5A8FE87FC8}"/>
+              </a:ext>
+            </a:extLst>
+          </p:cNvPr>
+          <p:cNvSpPr txBox="1"/>
+          <p:nvPr/>
+        </p:nvSpPr>
+        <p:spPr>
+          <a:xfrm>
+            <a:off x="223069" y="207820"/>
+            <a:ext cx="3344185" cy="584775"/>
+          </a:xfrm>
+          <a:prstGeom prst="rect">
+            <a:avLst/>
+          </a:prstGeom>
+          <a:noFill/>
+        </p:spPr>
+        <p:txBody>
+          <a:bodyPr wrap="none" rtlCol="0">
+            <a:spAutoFit/>
+          </a:bodyPr>
+          <a:lstStyle/>
+          <a:p>
+            <a:r>
+              <a:rPr lang="en-GB" sz="1200" dirty="0"/>
+              <a:t>Testing Legacy Code Effectively with Approval Tests</a:t>
+            </a:r>
+            <a:br>
+              <a:rPr lang="en-GB" dirty="0"/>
+            </a:br>
+            <a:r>
+              <a:rPr lang="en-GB" sz="1000" dirty="0"/>
+              <a:t>Week 4 Observation Homework</a:t>
+            </a:r>
+          </a:p>
+          <a:p>
+            <a:r>
+              <a:rPr lang="en-GB" sz="1000" dirty="0"/>
+              <a:t>November 2020</a:t>
+            </a:r>
+          </a:p>
+        </p:txBody>
+      </p:sp>
+      <p:sp>
+        <p:nvSpPr>
+          <p:cNvPr id="105" name="TextBox 104">
+            <a:extLst>
+              <a:ext uri="{FF2B5EF4-FFF2-40B4-BE49-F238E27FC236}">
+                <a16:creationId xmlns:a16="http://schemas.microsoft.com/office/drawing/2014/main" id="{D4BBFB73-6776-0F4D-B857-C200C7A6693E}"/>
+              </a:ext>
+            </a:extLst>
+          </p:cNvPr>
+          <p:cNvSpPr txBox="1"/>
+          <p:nvPr/>
+        </p:nvSpPr>
+        <p:spPr>
+          <a:xfrm>
+            <a:off x="922713" y="961270"/>
+            <a:ext cx="5128952" cy="369332"/>
+          </a:xfrm>
+          <a:prstGeom prst="rect">
+            <a:avLst/>
+          </a:prstGeom>
+          <a:noFill/>
+        </p:spPr>
+        <p:txBody>
+          <a:bodyPr wrap="square" rtlCol="0">
+            <a:spAutoFit/>
+          </a:bodyPr>
+          <a:lstStyle/>
+          <a:p>
+            <a:r>
+              <a:rPr lang="en-GB" dirty="0"/>
+              <a:t>Redo the Class Exercise: </a:t>
+            </a:r>
+          </a:p>
+        </p:txBody>
+      </p:sp>
+      <p:sp>
+        <p:nvSpPr>
+          <p:cNvPr id="108" name="Rectangle 107">
+            <a:extLst>
+              <a:ext uri="{FF2B5EF4-FFF2-40B4-BE49-F238E27FC236}">
+                <a16:creationId xmlns:a16="http://schemas.microsoft.com/office/drawing/2014/main" id="{238D086D-A3FE-6A4C-B6C3-A3FB1E264E75}"/>
+              </a:ext>
+            </a:extLst>
+          </p:cNvPr>
+          <p:cNvSpPr/>
+          <p:nvPr/>
+        </p:nvSpPr>
+        <p:spPr>
+          <a:xfrm>
+            <a:off x="3586103" y="1078278"/>
+            <a:ext cx="169830" cy="169830"/>
+          </a:xfrm>
+          <a:prstGeom prst="rect">
+            <a:avLst/>
+          </a:prstGeom>
+          <a:noFill/>
+          <a:ln w="19050">
+            <a:solidFill>
+              <a:schemeClr val="tx1"/>
+            </a:solidFill>
+          </a:ln>
+        </p:spPr>
+        <p:style>
+          <a:lnRef idx="2">
+            <a:schemeClr val="accent1">
+              <a:shade val="50000"/>
+            </a:schemeClr>
+          </a:lnRef>
+          <a:fillRef idx="1">
+            <a:schemeClr val="accent1"/>
+          </a:fillRef>
+          <a:effectRef idx="0">
+            <a:schemeClr val="accent1"/>
+          </a:effectRef>
+          <a:fontRef idx="minor">
+            <a:schemeClr val="lt1"/>
+          </a:fontRef>
+        </p:style>
+        <p:txBody>
+          <a:bodyPr rtlCol="0" anchor="ctr"/>
+          <a:lstStyle/>
+          <a:p>
+            <a:pPr algn="ctr"/>
+            <a:endParaRPr lang="en-GB"/>
+          </a:p>
+        </p:txBody>
+      </p:sp>
+      <p:sp>
+        <p:nvSpPr>
+          <p:cNvPr id="110" name="TextBox 109">
+            <a:extLst>
+              <a:ext uri="{FF2B5EF4-FFF2-40B4-BE49-F238E27FC236}">
+                <a16:creationId xmlns:a16="http://schemas.microsoft.com/office/drawing/2014/main" id="{B2B78611-CA91-6647-8995-E0C46A0E0A7C}"/>
+              </a:ext>
+            </a:extLst>
+          </p:cNvPr>
+          <p:cNvSpPr txBox="1"/>
+          <p:nvPr/>
+        </p:nvSpPr>
+        <p:spPr>
+          <a:xfrm>
+            <a:off x="3533820" y="952957"/>
+            <a:ext cx="490451" cy="369332"/>
+          </a:xfrm>
+          <a:prstGeom prst="rect">
+            <a:avLst/>
+          </a:prstGeom>
+          <a:noFill/>
+        </p:spPr>
+        <p:txBody>
+          <a:bodyPr wrap="square" rtlCol="0">
+            <a:spAutoFit/>
+          </a:bodyPr>
+          <a:lstStyle/>
+          <a:p>
+            <a:r>
+              <a:rPr lang="en-GB" dirty="0">
+                <a:solidFill>
+                  <a:schemeClr val="bg1">
+                    <a:lumMod val="75000"/>
+                  </a:schemeClr>
+                </a:solidFill>
+              </a:rPr>
+              <a:t>✓</a:t>
+            </a:r>
+          </a:p>
+        </p:txBody>
+      </p:sp>
+      <p:sp>
+        <p:nvSpPr>
+          <p:cNvPr id="49" name="TextBox 48">
+            <a:extLst>
+              <a:ext uri="{FF2B5EF4-FFF2-40B4-BE49-F238E27FC236}">
+                <a16:creationId xmlns:a16="http://schemas.microsoft.com/office/drawing/2014/main" id="{BAD5489C-7452-C847-9D6F-8EB41894DC05}"/>
+              </a:ext>
+            </a:extLst>
+          </p:cNvPr>
+          <p:cNvSpPr txBox="1"/>
+          <p:nvPr/>
+        </p:nvSpPr>
+        <p:spPr>
+          <a:xfrm>
+            <a:off x="922713" y="1374927"/>
+            <a:ext cx="5128952" cy="369332"/>
+          </a:xfrm>
+          <a:prstGeom prst="rect">
+            <a:avLst/>
+          </a:prstGeom>
+          <a:noFill/>
+        </p:spPr>
+        <p:txBody>
+          <a:bodyPr wrap="square" rtlCol="0">
+            <a:spAutoFit/>
+          </a:bodyPr>
+          <a:lstStyle/>
+          <a:p>
+            <a:r>
+              <a:rPr lang="en-GB" dirty="0"/>
+              <a:t>Completed Class Survey:</a:t>
+            </a:r>
+          </a:p>
+        </p:txBody>
+      </p:sp>
+      <p:sp>
+        <p:nvSpPr>
+          <p:cNvPr id="50" name="Rectangle 49">
+            <a:extLst>
+              <a:ext uri="{FF2B5EF4-FFF2-40B4-BE49-F238E27FC236}">
+                <a16:creationId xmlns:a16="http://schemas.microsoft.com/office/drawing/2014/main" id="{B7076214-61FF-D94C-A5D2-669598654C21}"/>
+              </a:ext>
+            </a:extLst>
+          </p:cNvPr>
+          <p:cNvSpPr/>
+          <p:nvPr/>
+        </p:nvSpPr>
+        <p:spPr>
+          <a:xfrm>
+            <a:off x="3586103" y="1491935"/>
+            <a:ext cx="169830" cy="169830"/>
+          </a:xfrm>
+          <a:prstGeom prst="rect">
+            <a:avLst/>
+          </a:prstGeom>
+          <a:noFill/>
+          <a:ln w="19050">
+            <a:solidFill>
+              <a:schemeClr val="tx1"/>
+            </a:solidFill>
+          </a:ln>
+        </p:spPr>
+        <p:style>
+          <a:lnRef idx="2">
+            <a:schemeClr val="accent1">
+              <a:shade val="50000"/>
+            </a:schemeClr>
+          </a:lnRef>
+          <a:fillRef idx="1">
+            <a:schemeClr val="accent1"/>
+          </a:fillRef>
+          <a:effectRef idx="0">
+            <a:schemeClr val="accent1"/>
+          </a:effectRef>
+          <a:fontRef idx="minor">
+            <a:schemeClr val="lt1"/>
+          </a:fontRef>
+        </p:style>
+        <p:txBody>
+          <a:bodyPr rtlCol="0" anchor="ctr"/>
+          <a:lstStyle/>
+          <a:p>
+            <a:pPr algn="ctr"/>
+            <a:endParaRPr lang="en-GB"/>
+          </a:p>
+        </p:txBody>
+      </p:sp>
+      <p:sp>
+        <p:nvSpPr>
+          <p:cNvPr id="51" name="TextBox 50">
+            <a:extLst>
+              <a:ext uri="{FF2B5EF4-FFF2-40B4-BE49-F238E27FC236}">
+                <a16:creationId xmlns:a16="http://schemas.microsoft.com/office/drawing/2014/main" id="{72879322-68A7-EA4F-A796-721CEF72039D}"/>
+              </a:ext>
+            </a:extLst>
+          </p:cNvPr>
+          <p:cNvSpPr txBox="1"/>
+          <p:nvPr/>
+        </p:nvSpPr>
+        <p:spPr>
+          <a:xfrm>
+            <a:off x="3533820" y="1366614"/>
+            <a:ext cx="490451" cy="369332"/>
+          </a:xfrm>
+          <a:prstGeom prst="rect">
+            <a:avLst/>
+          </a:prstGeom>
+          <a:noFill/>
+        </p:spPr>
+        <p:txBody>
+          <a:bodyPr wrap="square" rtlCol="0">
+            <a:spAutoFit/>
+          </a:bodyPr>
+          <a:lstStyle/>
+          <a:p>
+            <a:r>
+              <a:rPr lang="en-GB" dirty="0">
+                <a:solidFill>
+                  <a:schemeClr val="bg1">
+                    <a:lumMod val="75000"/>
+                  </a:schemeClr>
+                </a:solidFill>
+              </a:rPr>
+              <a:t>✓</a:t>
+            </a:r>
+          </a:p>
+        </p:txBody>
+      </p:sp>
+      <p:sp>
+        <p:nvSpPr>
+          <p:cNvPr id="34" name="TextBox 33">
+            <a:extLst>
+              <a:ext uri="{FF2B5EF4-FFF2-40B4-BE49-F238E27FC236}">
+                <a16:creationId xmlns:a16="http://schemas.microsoft.com/office/drawing/2014/main" id="{ED443B51-64FC-2C4E-9F90-79C1CAC90972}"/>
+              </a:ext>
+            </a:extLst>
+          </p:cNvPr>
+          <p:cNvSpPr txBox="1"/>
+          <p:nvPr/>
+        </p:nvSpPr>
+        <p:spPr>
+          <a:xfrm>
+            <a:off x="922713" y="4060225"/>
+            <a:ext cx="5128952" cy="369332"/>
+          </a:xfrm>
+          <a:prstGeom prst="rect">
+            <a:avLst/>
+          </a:prstGeom>
+          <a:noFill/>
+        </p:spPr>
+        <p:txBody>
+          <a:bodyPr wrap="square" rtlCol="0">
+            <a:spAutoFit/>
+          </a:bodyPr>
+          <a:lstStyle/>
+          <a:p>
+            <a:r>
+              <a:rPr lang="en-GB" dirty="0"/>
+              <a:t>Sliced (ClassName::method)</a:t>
+            </a:r>
+          </a:p>
+        </p:txBody>
+      </p:sp>
+      <p:grpSp>
+        <p:nvGrpSpPr>
+          <p:cNvPr id="35" name="Group 34">
+            <a:extLst>
+              <a:ext uri="{FF2B5EF4-FFF2-40B4-BE49-F238E27FC236}">
+                <a16:creationId xmlns:a16="http://schemas.microsoft.com/office/drawing/2014/main" id="{F4485B85-AE80-D146-82F9-439AA8554B1A}"/>
+              </a:ext>
+            </a:extLst>
+          </p:cNvPr>
+          <p:cNvGrpSpPr/>
+          <p:nvPr/>
+        </p:nvGrpSpPr>
+        <p:grpSpPr>
+          <a:xfrm>
+            <a:off x="633452" y="4458188"/>
+            <a:ext cx="5734097" cy="1457407"/>
+            <a:chOff x="633452" y="3200400"/>
+            <a:chExt cx="5734097" cy="1457407"/>
+          </a:xfrm>
+        </p:grpSpPr>
+        <p:sp>
+          <p:nvSpPr>
+            <p:cNvPr id="36" name="TextBox 35">
+              <a:extLst>
+                <a:ext uri="{FF2B5EF4-FFF2-40B4-BE49-F238E27FC236}">
+                  <a16:creationId xmlns:a16="http://schemas.microsoft.com/office/drawing/2014/main" id="{BF7EF977-5C2F-304B-8970-79AFE88B6499}"/>
+                </a:ext>
+              </a:extLst>
+            </p:cNvPr>
+            <p:cNvSpPr txBox="1"/>
+            <p:nvPr/>
+          </p:nvSpPr>
+          <p:spPr>
+            <a:xfrm>
+              <a:off x="1047404" y="3200400"/>
+              <a:ext cx="3794760" cy="276999"/>
+            </a:xfrm>
+            <a:prstGeom prst="rect">
+              <a:avLst/>
+            </a:prstGeom>
+            <a:noFill/>
+          </p:spPr>
+          <p:txBody>
+            <a:bodyPr wrap="square" rtlCol="0">
+              <a:spAutoFit/>
+            </a:bodyPr>
+            <a:lstStyle/>
+            <a:p>
+              <a:r>
+                <a:rPr lang="en-GB" sz="1200" dirty="0">
+                  <a:solidFill>
+                    <a:schemeClr val="bg1">
+                      <a:lumMod val="75000"/>
+                    </a:schemeClr>
+                  </a:solidFill>
+                </a:rPr>
+                <a:t>ClassName1::method2           ClassName2::method2</a:t>
+              </a:r>
+            </a:p>
+          </p:txBody>
+        </p:sp>
+        <p:cxnSp>
+          <p:nvCxnSpPr>
+            <p:cNvPr id="37" name="Straight Connector 36">
+              <a:extLst>
+                <a:ext uri="{FF2B5EF4-FFF2-40B4-BE49-F238E27FC236}">
+                  <a16:creationId xmlns:a16="http://schemas.microsoft.com/office/drawing/2014/main" id="{A42A94B9-3F4D-F048-AB7F-A1CC25906AE8}"/>
+                </a:ext>
+              </a:extLst>
+            </p:cNvPr>
+            <p:cNvCxnSpPr>
+              <a:cxnSpLocks/>
+            </p:cNvCxnSpPr>
+            <p:nvPr/>
+          </p:nvCxnSpPr>
+          <p:spPr>
+            <a:xfrm>
+              <a:off x="633452" y="3477399"/>
+              <a:ext cx="5734097" cy="0"/>
+            </a:xfrm>
+            <a:prstGeom prst="line">
+              <a:avLst/>
+            </a:prstGeom>
+            <a:ln>
+              <a:solidFill>
+                <a:schemeClr val="tx1"/>
+              </a:solidFill>
+            </a:ln>
+          </p:spPr>
+          <p:style>
+            <a:lnRef idx="1">
+              <a:schemeClr val="accent1"/>
+            </a:lnRef>
+            <a:fillRef idx="0">
+              <a:schemeClr val="accent1"/>
+            </a:fillRef>
+            <a:effectRef idx="0">
+              <a:schemeClr val="accent1"/>
+            </a:effectRef>
+            <a:fontRef idx="minor">
+              <a:schemeClr val="tx1"/>
+            </a:fontRef>
+          </p:style>
+        </p:cxnSp>
+        <p:cxnSp>
+          <p:nvCxnSpPr>
+            <p:cNvPr id="38" name="Straight Connector 37">
+              <a:extLst>
+                <a:ext uri="{FF2B5EF4-FFF2-40B4-BE49-F238E27FC236}">
+                  <a16:creationId xmlns:a16="http://schemas.microsoft.com/office/drawing/2014/main" id="{914803DC-D624-664B-A3EF-B23C9F49F8D3}"/>
+                </a:ext>
+              </a:extLst>
+            </p:cNvPr>
+            <p:cNvCxnSpPr>
+              <a:cxnSpLocks/>
+            </p:cNvCxnSpPr>
+            <p:nvPr/>
+          </p:nvCxnSpPr>
+          <p:spPr>
+            <a:xfrm>
+              <a:off x="633452" y="3772501"/>
+              <a:ext cx="5734097" cy="0"/>
+            </a:xfrm>
+            <a:prstGeom prst="line">
+              <a:avLst/>
+            </a:prstGeom>
+            <a:ln>
+              <a:solidFill>
+                <a:schemeClr val="tx1"/>
+              </a:solidFill>
+            </a:ln>
+          </p:spPr>
+          <p:style>
+            <a:lnRef idx="1">
+              <a:schemeClr val="accent1"/>
+            </a:lnRef>
+            <a:fillRef idx="0">
+              <a:schemeClr val="accent1"/>
+            </a:fillRef>
+            <a:effectRef idx="0">
+              <a:schemeClr val="accent1"/>
+            </a:effectRef>
+            <a:fontRef idx="minor">
+              <a:schemeClr val="tx1"/>
+            </a:fontRef>
+          </p:style>
+        </p:cxnSp>
+        <p:cxnSp>
+          <p:nvCxnSpPr>
+            <p:cNvPr id="39" name="Straight Connector 38">
+              <a:extLst>
+                <a:ext uri="{FF2B5EF4-FFF2-40B4-BE49-F238E27FC236}">
+                  <a16:creationId xmlns:a16="http://schemas.microsoft.com/office/drawing/2014/main" id="{46AE1215-3514-F649-81B2-52F5126768C2}"/>
+                </a:ext>
+              </a:extLst>
+            </p:cNvPr>
+            <p:cNvCxnSpPr>
+              <a:cxnSpLocks/>
+            </p:cNvCxnSpPr>
+            <p:nvPr/>
+          </p:nvCxnSpPr>
+          <p:spPr>
+            <a:xfrm>
+              <a:off x="633452" y="4067603"/>
+              <a:ext cx="5734097" cy="0"/>
+            </a:xfrm>
+            <a:prstGeom prst="line">
+              <a:avLst/>
+            </a:prstGeom>
+            <a:ln>
+              <a:solidFill>
+                <a:schemeClr val="tx1"/>
+              </a:solidFill>
+            </a:ln>
+          </p:spPr>
+          <p:style>
+            <a:lnRef idx="1">
+              <a:schemeClr val="accent1"/>
+            </a:lnRef>
+            <a:fillRef idx="0">
+              <a:schemeClr val="accent1"/>
+            </a:fillRef>
+            <a:effectRef idx="0">
+              <a:schemeClr val="accent1"/>
+            </a:effectRef>
+            <a:fontRef idx="minor">
+              <a:schemeClr val="tx1"/>
+            </a:fontRef>
+          </p:style>
+        </p:cxnSp>
+        <p:cxnSp>
+          <p:nvCxnSpPr>
+            <p:cNvPr id="40" name="Straight Connector 39">
+              <a:extLst>
+                <a:ext uri="{FF2B5EF4-FFF2-40B4-BE49-F238E27FC236}">
+                  <a16:creationId xmlns:a16="http://schemas.microsoft.com/office/drawing/2014/main" id="{0FBB3D02-28D0-A748-9049-AF78529C5A57}"/>
+                </a:ext>
+              </a:extLst>
+            </p:cNvPr>
+            <p:cNvCxnSpPr>
+              <a:cxnSpLocks/>
+            </p:cNvCxnSpPr>
+            <p:nvPr/>
+          </p:nvCxnSpPr>
+          <p:spPr>
+            <a:xfrm>
+              <a:off x="633452" y="4657807"/>
+              <a:ext cx="5734097" cy="0"/>
+            </a:xfrm>
+            <a:prstGeom prst="line">
+              <a:avLst/>
+            </a:prstGeom>
+            <a:ln>
+              <a:solidFill>
+                <a:schemeClr val="tx1"/>
+              </a:solidFill>
+            </a:ln>
+          </p:spPr>
+          <p:style>
+            <a:lnRef idx="1">
+              <a:schemeClr val="accent1"/>
+            </a:lnRef>
+            <a:fillRef idx="0">
+              <a:schemeClr val="accent1"/>
+            </a:fillRef>
+            <a:effectRef idx="0">
+              <a:schemeClr val="accent1"/>
+            </a:effectRef>
+            <a:fontRef idx="minor">
+              <a:schemeClr val="tx1"/>
+            </a:fontRef>
+          </p:style>
+        </p:cxnSp>
+        <p:cxnSp>
+          <p:nvCxnSpPr>
+            <p:cNvPr id="41" name="Straight Connector 40">
+              <a:extLst>
+                <a:ext uri="{FF2B5EF4-FFF2-40B4-BE49-F238E27FC236}">
+                  <a16:creationId xmlns:a16="http://schemas.microsoft.com/office/drawing/2014/main" id="{EE480BCB-F8D6-DC43-BC0C-E8A2628DD9DB}"/>
+                </a:ext>
+              </a:extLst>
+            </p:cNvPr>
+            <p:cNvCxnSpPr>
+              <a:cxnSpLocks/>
+            </p:cNvCxnSpPr>
+            <p:nvPr/>
+          </p:nvCxnSpPr>
+          <p:spPr>
+            <a:xfrm>
+              <a:off x="633452" y="4362705"/>
+              <a:ext cx="5734097" cy="0"/>
+            </a:xfrm>
+            <a:prstGeom prst="line">
+              <a:avLst/>
+            </a:prstGeom>
+            <a:ln>
+              <a:solidFill>
+                <a:schemeClr val="tx1"/>
+              </a:solidFill>
+            </a:ln>
+          </p:spPr>
+          <p:style>
+            <a:lnRef idx="1">
+              <a:schemeClr val="accent1"/>
+            </a:lnRef>
+            <a:fillRef idx="0">
+              <a:schemeClr val="accent1"/>
+            </a:fillRef>
+            <a:effectRef idx="0">
+              <a:schemeClr val="accent1"/>
+            </a:effectRef>
+            <a:fontRef idx="minor">
+              <a:schemeClr val="tx1"/>
+            </a:fontRef>
+          </p:style>
+        </p:cxnSp>
+      </p:grpSp>
+      <p:sp>
+        <p:nvSpPr>
+          <p:cNvPr id="69" name="TextBox 68">
+            <a:extLst>
+              <a:ext uri="{FF2B5EF4-FFF2-40B4-BE49-F238E27FC236}">
+                <a16:creationId xmlns:a16="http://schemas.microsoft.com/office/drawing/2014/main" id="{E4B2D60A-174E-C14E-9B6C-1E76021ECEF4}"/>
+              </a:ext>
+            </a:extLst>
+          </p:cNvPr>
+          <p:cNvSpPr txBox="1"/>
+          <p:nvPr/>
+        </p:nvSpPr>
+        <p:spPr>
+          <a:xfrm>
+            <a:off x="633452" y="6493312"/>
+            <a:ext cx="5128952" cy="369332"/>
+          </a:xfrm>
+          <a:prstGeom prst="rect">
+            <a:avLst/>
+          </a:prstGeom>
+          <a:noFill/>
+        </p:spPr>
+        <p:txBody>
+          <a:bodyPr wrap="square" rtlCol="0">
+            <a:spAutoFit/>
+          </a:bodyPr>
+          <a:lstStyle/>
+          <a:p>
+            <a:r>
+              <a:rPr lang="en-GB" dirty="0"/>
+              <a:t>Scrubbed (ClassName::method)</a:t>
+            </a:r>
+          </a:p>
+        </p:txBody>
+      </p:sp>
+      <p:grpSp>
+        <p:nvGrpSpPr>
+          <p:cNvPr id="70" name="Group 69">
+            <a:extLst>
+              <a:ext uri="{FF2B5EF4-FFF2-40B4-BE49-F238E27FC236}">
+                <a16:creationId xmlns:a16="http://schemas.microsoft.com/office/drawing/2014/main" id="{91016914-74FE-5145-BAD5-CAE8315D3E2B}"/>
+              </a:ext>
+            </a:extLst>
+          </p:cNvPr>
+          <p:cNvGrpSpPr/>
+          <p:nvPr/>
+        </p:nvGrpSpPr>
+        <p:grpSpPr>
+          <a:xfrm>
+            <a:off x="344191" y="6891275"/>
+            <a:ext cx="5734097" cy="1457407"/>
+            <a:chOff x="633452" y="3200400"/>
+            <a:chExt cx="5734097" cy="1457407"/>
+          </a:xfrm>
+        </p:grpSpPr>
+        <p:sp>
+          <p:nvSpPr>
+            <p:cNvPr id="71" name="TextBox 70">
+              <a:extLst>
+                <a:ext uri="{FF2B5EF4-FFF2-40B4-BE49-F238E27FC236}">
+                  <a16:creationId xmlns:a16="http://schemas.microsoft.com/office/drawing/2014/main" id="{1FA84BF2-0B2D-D34B-AD44-9B3F06BA198C}"/>
+                </a:ext>
+              </a:extLst>
+            </p:cNvPr>
+            <p:cNvSpPr txBox="1"/>
+            <p:nvPr/>
+          </p:nvSpPr>
+          <p:spPr>
+            <a:xfrm>
+              <a:off x="1047404" y="3200400"/>
+              <a:ext cx="3794760" cy="276999"/>
+            </a:xfrm>
+            <a:prstGeom prst="rect">
+              <a:avLst/>
+            </a:prstGeom>
+            <a:noFill/>
+          </p:spPr>
+          <p:txBody>
+            <a:bodyPr wrap="square" rtlCol="0">
+              <a:spAutoFit/>
+            </a:bodyPr>
+            <a:lstStyle/>
+            <a:p>
+              <a:r>
+                <a:rPr lang="en-GB" sz="1200" dirty="0">
+                  <a:solidFill>
+                    <a:schemeClr val="bg1">
+                      <a:lumMod val="75000"/>
+                    </a:schemeClr>
+                  </a:solidFill>
+                </a:rPr>
+                <a:t>ClassName1::method2           ClassName2::method2</a:t>
+              </a:r>
+            </a:p>
+          </p:txBody>
+        </p:sp>
+        <p:cxnSp>
+          <p:nvCxnSpPr>
+            <p:cNvPr id="73" name="Straight Connector 72">
+              <a:extLst>
+                <a:ext uri="{FF2B5EF4-FFF2-40B4-BE49-F238E27FC236}">
+                  <a16:creationId xmlns:a16="http://schemas.microsoft.com/office/drawing/2014/main" id="{374BA1A0-5100-5349-A5D3-D4FC571BA3AE}"/>
+                </a:ext>
+              </a:extLst>
+            </p:cNvPr>
+            <p:cNvCxnSpPr>
+              <a:cxnSpLocks/>
+            </p:cNvCxnSpPr>
+            <p:nvPr/>
+          </p:nvCxnSpPr>
+          <p:spPr>
+            <a:xfrm>
+              <a:off x="633452" y="3477399"/>
+              <a:ext cx="5734097" cy="0"/>
+            </a:xfrm>
+            <a:prstGeom prst="line">
+              <a:avLst/>
+            </a:prstGeom>
+            <a:ln>
+              <a:solidFill>
+                <a:schemeClr val="tx1"/>
+              </a:solidFill>
+            </a:ln>
+          </p:spPr>
+          <p:style>
+            <a:lnRef idx="1">
+              <a:schemeClr val="accent1"/>
+            </a:lnRef>
+            <a:fillRef idx="0">
+              <a:schemeClr val="accent1"/>
+            </a:fillRef>
+            <a:effectRef idx="0">
+              <a:schemeClr val="accent1"/>
+            </a:effectRef>
+            <a:fontRef idx="minor">
+              <a:schemeClr val="tx1"/>
+            </a:fontRef>
+          </p:style>
+        </p:cxnSp>
+        <p:cxnSp>
+          <p:nvCxnSpPr>
+            <p:cNvPr id="78" name="Straight Connector 77">
+              <a:extLst>
+                <a:ext uri="{FF2B5EF4-FFF2-40B4-BE49-F238E27FC236}">
+                  <a16:creationId xmlns:a16="http://schemas.microsoft.com/office/drawing/2014/main" id="{4BEC5A7D-822E-3348-9B46-A3A9E37196A3}"/>
+                </a:ext>
+              </a:extLst>
+            </p:cNvPr>
+            <p:cNvCxnSpPr>
+              <a:cxnSpLocks/>
+            </p:cNvCxnSpPr>
+            <p:nvPr/>
+          </p:nvCxnSpPr>
+          <p:spPr>
+            <a:xfrm>
+              <a:off x="633452" y="3772501"/>
+              <a:ext cx="5734097" cy="0"/>
+            </a:xfrm>
+            <a:prstGeom prst="line">
+              <a:avLst/>
+            </a:prstGeom>
+            <a:ln>
+              <a:solidFill>
+                <a:schemeClr val="tx1"/>
+              </a:solidFill>
+            </a:ln>
+          </p:spPr>
+          <p:style>
+            <a:lnRef idx="1">
+              <a:schemeClr val="accent1"/>
+            </a:lnRef>
+            <a:fillRef idx="0">
+              <a:schemeClr val="accent1"/>
+            </a:fillRef>
+            <a:effectRef idx="0">
+              <a:schemeClr val="accent1"/>
+            </a:effectRef>
+            <a:fontRef idx="minor">
+              <a:schemeClr val="tx1"/>
+            </a:fontRef>
+          </p:style>
+        </p:cxnSp>
+        <p:cxnSp>
+          <p:nvCxnSpPr>
+            <p:cNvPr id="79" name="Straight Connector 78">
+              <a:extLst>
+                <a:ext uri="{FF2B5EF4-FFF2-40B4-BE49-F238E27FC236}">
+                  <a16:creationId xmlns:a16="http://schemas.microsoft.com/office/drawing/2014/main" id="{BB16A0D4-B712-9C44-93F5-C2B5F62A0450}"/>
+                </a:ext>
+              </a:extLst>
+            </p:cNvPr>
+            <p:cNvCxnSpPr>
+              <a:cxnSpLocks/>
+            </p:cNvCxnSpPr>
+            <p:nvPr/>
+          </p:nvCxnSpPr>
+          <p:spPr>
+            <a:xfrm>
+              <a:off x="633452" y="4067603"/>
+              <a:ext cx="5734097" cy="0"/>
+            </a:xfrm>
+            <a:prstGeom prst="line">
+              <a:avLst/>
+            </a:prstGeom>
+            <a:ln>
+              <a:solidFill>
+                <a:schemeClr val="tx1"/>
+              </a:solidFill>
+            </a:ln>
+          </p:spPr>
+          <p:style>
+            <a:lnRef idx="1">
+              <a:schemeClr val="accent1"/>
+            </a:lnRef>
+            <a:fillRef idx="0">
+              <a:schemeClr val="accent1"/>
+            </a:fillRef>
+            <a:effectRef idx="0">
+              <a:schemeClr val="accent1"/>
+            </a:effectRef>
+            <a:fontRef idx="minor">
+              <a:schemeClr val="tx1"/>
+            </a:fontRef>
+          </p:style>
+        </p:cxnSp>
+        <p:cxnSp>
+          <p:nvCxnSpPr>
+            <p:cNvPr id="80" name="Straight Connector 79">
+              <a:extLst>
+                <a:ext uri="{FF2B5EF4-FFF2-40B4-BE49-F238E27FC236}">
+                  <a16:creationId xmlns:a16="http://schemas.microsoft.com/office/drawing/2014/main" id="{7F46CF68-B975-5449-9F67-50DAE788D0B8}"/>
+                </a:ext>
+              </a:extLst>
+            </p:cNvPr>
+            <p:cNvCxnSpPr>
+              <a:cxnSpLocks/>
+            </p:cNvCxnSpPr>
+            <p:nvPr/>
+          </p:nvCxnSpPr>
+          <p:spPr>
+            <a:xfrm>
+              <a:off x="633452" y="4657807"/>
+              <a:ext cx="5734097" cy="0"/>
+            </a:xfrm>
+            <a:prstGeom prst="line">
+              <a:avLst/>
+            </a:prstGeom>
+            <a:ln>
+              <a:solidFill>
+                <a:schemeClr val="tx1"/>
+              </a:solidFill>
+            </a:ln>
+          </p:spPr>
+          <p:style>
+            <a:lnRef idx="1">
+              <a:schemeClr val="accent1"/>
+            </a:lnRef>
+            <a:fillRef idx="0">
+              <a:schemeClr val="accent1"/>
+            </a:fillRef>
+            <a:effectRef idx="0">
+              <a:schemeClr val="accent1"/>
+            </a:effectRef>
+            <a:fontRef idx="minor">
+              <a:schemeClr val="tx1"/>
+            </a:fontRef>
+          </p:style>
+        </p:cxnSp>
+        <p:cxnSp>
+          <p:nvCxnSpPr>
+            <p:cNvPr id="81" name="Straight Connector 80">
+              <a:extLst>
+                <a:ext uri="{FF2B5EF4-FFF2-40B4-BE49-F238E27FC236}">
+                  <a16:creationId xmlns:a16="http://schemas.microsoft.com/office/drawing/2014/main" id="{CAE3FBBA-BFC0-9646-859E-F8A9B5F5B818}"/>
+                </a:ext>
+              </a:extLst>
+            </p:cNvPr>
+            <p:cNvCxnSpPr>
+              <a:cxnSpLocks/>
+            </p:cNvCxnSpPr>
+            <p:nvPr/>
+          </p:nvCxnSpPr>
+          <p:spPr>
+            <a:xfrm>
+              <a:off x="633452" y="4362705"/>
+              <a:ext cx="5734097" cy="0"/>
+            </a:xfrm>
+            <a:prstGeom prst="line">
+              <a:avLst/>
+            </a:prstGeom>
+            <a:ln>
+              <a:solidFill>
+                <a:schemeClr val="tx1"/>
+              </a:solidFill>
+            </a:ln>
+          </p:spPr>
+          <p:style>
+            <a:lnRef idx="1">
+              <a:schemeClr val="accent1"/>
+            </a:lnRef>
+            <a:fillRef idx="0">
+              <a:schemeClr val="accent1"/>
+            </a:fillRef>
+            <a:effectRef idx="0">
+              <a:schemeClr val="accent1"/>
+            </a:effectRef>
+            <a:fontRef idx="minor">
+              <a:schemeClr val="tx1"/>
+            </a:fontRef>
+          </p:style>
+        </p:cxnSp>
+      </p:grpSp>
+    </p:spTree>
+    <p:extLst>
+      <p:ext uri="{BB962C8B-B14F-4D97-AF65-F5344CB8AC3E}">
+        <p14:creationId xmlns:p14="http://schemas.microsoft.com/office/powerpoint/2010/main" val="2534458839"/>
+      </p:ext>
+    </p:extLst>
+  </p:cSld>
+  <p:clrMapOvr>
+    <a:masterClrMapping/>
+  </p:clrMapOvr>
+</p:sld>
+</file>
+
 <file path=ppt/theme/theme1.xml><?xml version="1.0" encoding="utf-8"?>
 <a:theme xmlns:a="http://schemas.openxmlformats.org/drawingml/2006/main" name="Office Theme">
   <a:themeElements>

--- a/Homework Printouts.pptx
+++ b/Homework Printouts.pptx
@@ -9332,7 +9332,7 @@
         </p:nvSpPr>
         <p:spPr>
           <a:xfrm>
-            <a:off x="922713" y="1883393"/>
+            <a:off x="922713" y="2074982"/>
             <a:ext cx="5128952" cy="369332"/>
           </a:xfrm>
           <a:prstGeom prst="rect">
@@ -9348,288 +9348,11 @@
           <a:p>
             <a:r>
               <a:rPr lang="en-GB" dirty="0"/>
-              <a:t>Peeled (ClassName::method)</a:t>
+              <a:t>Peeled:</a:t>
             </a:r>
           </a:p>
         </p:txBody>
       </p:sp>
-      <p:grpSp>
-        <p:nvGrpSpPr>
-          <p:cNvPr id="82" name="Group 81">
-            <a:extLst>
-              <a:ext uri="{FF2B5EF4-FFF2-40B4-BE49-F238E27FC236}">
-                <a16:creationId xmlns:a16="http://schemas.microsoft.com/office/drawing/2014/main" id="{3C94A7B8-6AC6-6C41-B1D3-BC2B326D6BAA}"/>
-              </a:ext>
-            </a:extLst>
-          </p:cNvPr>
-          <p:cNvGrpSpPr/>
-          <p:nvPr/>
-        </p:nvGrpSpPr>
-        <p:grpSpPr>
-          <a:xfrm>
-            <a:off x="633452" y="2281356"/>
-            <a:ext cx="5734097" cy="1457407"/>
-            <a:chOff x="633452" y="3200400"/>
-            <a:chExt cx="5734097" cy="1457407"/>
-          </a:xfrm>
-        </p:grpSpPr>
-        <p:sp>
-          <p:nvSpPr>
-            <p:cNvPr id="67" name="TextBox 66">
-              <a:extLst>
-                <a:ext uri="{FF2B5EF4-FFF2-40B4-BE49-F238E27FC236}">
-                  <a16:creationId xmlns:a16="http://schemas.microsoft.com/office/drawing/2014/main" id="{57734B52-A243-C841-8C94-55199CBC17E4}"/>
-                </a:ext>
-              </a:extLst>
-            </p:cNvPr>
-            <p:cNvSpPr txBox="1"/>
-            <p:nvPr/>
-          </p:nvSpPr>
-          <p:spPr>
-            <a:xfrm>
-              <a:off x="1047404" y="3200400"/>
-              <a:ext cx="3794760" cy="276999"/>
-            </a:xfrm>
-            <a:prstGeom prst="rect">
-              <a:avLst/>
-            </a:prstGeom>
-            <a:noFill/>
-          </p:spPr>
-          <p:txBody>
-            <a:bodyPr wrap="square" rtlCol="0">
-              <a:spAutoFit/>
-            </a:bodyPr>
-            <a:lstStyle/>
-            <a:p>
-              <a:r>
-                <a:rPr lang="en-GB" sz="1200" dirty="0">
-                  <a:solidFill>
-                    <a:schemeClr val="bg1">
-                      <a:lumMod val="75000"/>
-                    </a:schemeClr>
-                  </a:solidFill>
-                </a:rPr>
-                <a:t>ClassName1::method2           ClassName2::method2</a:t>
-              </a:r>
-            </a:p>
-          </p:txBody>
-        </p:sp>
-        <p:cxnSp>
-          <p:nvCxnSpPr>
-            <p:cNvPr id="72" name="Straight Connector 71">
-              <a:extLst>
-                <a:ext uri="{FF2B5EF4-FFF2-40B4-BE49-F238E27FC236}">
-                  <a16:creationId xmlns:a16="http://schemas.microsoft.com/office/drawing/2014/main" id="{450B6AE4-4BD6-724D-86EE-B7345798D530}"/>
-                </a:ext>
-              </a:extLst>
-            </p:cNvPr>
-            <p:cNvCxnSpPr>
-              <a:cxnSpLocks/>
-            </p:cNvCxnSpPr>
-            <p:nvPr/>
-          </p:nvCxnSpPr>
-          <p:spPr>
-            <a:xfrm>
-              <a:off x="633452" y="3477399"/>
-              <a:ext cx="5734097" cy="0"/>
-            </a:xfrm>
-            <a:prstGeom prst="line">
-              <a:avLst/>
-            </a:prstGeom>
-            <a:ln>
-              <a:solidFill>
-                <a:schemeClr val="tx1"/>
-              </a:solidFill>
-            </a:ln>
-          </p:spPr>
-          <p:style>
-            <a:lnRef idx="1">
-              <a:schemeClr val="accent1"/>
-            </a:lnRef>
-            <a:fillRef idx="0">
-              <a:schemeClr val="accent1"/>
-            </a:fillRef>
-            <a:effectRef idx="0">
-              <a:schemeClr val="accent1"/>
-            </a:effectRef>
-            <a:fontRef idx="minor">
-              <a:schemeClr val="tx1"/>
-            </a:fontRef>
-          </p:style>
-        </p:cxnSp>
-        <p:cxnSp>
-          <p:nvCxnSpPr>
-            <p:cNvPr id="74" name="Straight Connector 73">
-              <a:extLst>
-                <a:ext uri="{FF2B5EF4-FFF2-40B4-BE49-F238E27FC236}">
-                  <a16:creationId xmlns:a16="http://schemas.microsoft.com/office/drawing/2014/main" id="{9A544C35-F883-4042-AF71-70C5648CE8D4}"/>
-                </a:ext>
-              </a:extLst>
-            </p:cNvPr>
-            <p:cNvCxnSpPr>
-              <a:cxnSpLocks/>
-            </p:cNvCxnSpPr>
-            <p:nvPr/>
-          </p:nvCxnSpPr>
-          <p:spPr>
-            <a:xfrm>
-              <a:off x="633452" y="3772501"/>
-              <a:ext cx="5734097" cy="0"/>
-            </a:xfrm>
-            <a:prstGeom prst="line">
-              <a:avLst/>
-            </a:prstGeom>
-            <a:ln>
-              <a:solidFill>
-                <a:schemeClr val="tx1"/>
-              </a:solidFill>
-            </a:ln>
-          </p:spPr>
-          <p:style>
-            <a:lnRef idx="1">
-              <a:schemeClr val="accent1"/>
-            </a:lnRef>
-            <a:fillRef idx="0">
-              <a:schemeClr val="accent1"/>
-            </a:fillRef>
-            <a:effectRef idx="0">
-              <a:schemeClr val="accent1"/>
-            </a:effectRef>
-            <a:fontRef idx="minor">
-              <a:schemeClr val="tx1"/>
-            </a:fontRef>
-          </p:style>
-        </p:cxnSp>
-        <p:cxnSp>
-          <p:nvCxnSpPr>
-            <p:cNvPr id="75" name="Straight Connector 74">
-              <a:extLst>
-                <a:ext uri="{FF2B5EF4-FFF2-40B4-BE49-F238E27FC236}">
-                  <a16:creationId xmlns:a16="http://schemas.microsoft.com/office/drawing/2014/main" id="{B5A806E7-3BAA-B249-A97A-79D1125AF007}"/>
-                </a:ext>
-              </a:extLst>
-            </p:cNvPr>
-            <p:cNvCxnSpPr>
-              <a:cxnSpLocks/>
-            </p:cNvCxnSpPr>
-            <p:nvPr/>
-          </p:nvCxnSpPr>
-          <p:spPr>
-            <a:xfrm>
-              <a:off x="633452" y="4067603"/>
-              <a:ext cx="5734097" cy="0"/>
-            </a:xfrm>
-            <a:prstGeom prst="line">
-              <a:avLst/>
-            </a:prstGeom>
-            <a:ln>
-              <a:solidFill>
-                <a:schemeClr val="tx1"/>
-              </a:solidFill>
-            </a:ln>
-          </p:spPr>
-          <p:style>
-            <a:lnRef idx="1">
-              <a:schemeClr val="accent1"/>
-            </a:lnRef>
-            <a:fillRef idx="0">
-              <a:schemeClr val="accent1"/>
-            </a:fillRef>
-            <a:effectRef idx="0">
-              <a:schemeClr val="accent1"/>
-            </a:effectRef>
-            <a:fontRef idx="minor">
-              <a:schemeClr val="tx1"/>
-            </a:fontRef>
-          </p:style>
-        </p:cxnSp>
-        <p:cxnSp>
-          <p:nvCxnSpPr>
-            <p:cNvPr id="76" name="Straight Connector 75">
-              <a:extLst>
-                <a:ext uri="{FF2B5EF4-FFF2-40B4-BE49-F238E27FC236}">
-                  <a16:creationId xmlns:a16="http://schemas.microsoft.com/office/drawing/2014/main" id="{1C617C50-185C-0F42-9760-0C6466AE8C86}"/>
-                </a:ext>
-              </a:extLst>
-            </p:cNvPr>
-            <p:cNvCxnSpPr>
-              <a:cxnSpLocks/>
-            </p:cNvCxnSpPr>
-            <p:nvPr/>
-          </p:nvCxnSpPr>
-          <p:spPr>
-            <a:xfrm>
-              <a:off x="633452" y="4657807"/>
-              <a:ext cx="5734097" cy="0"/>
-            </a:xfrm>
-            <a:prstGeom prst="line">
-              <a:avLst/>
-            </a:prstGeom>
-            <a:ln>
-              <a:solidFill>
-                <a:schemeClr val="tx1"/>
-              </a:solidFill>
-            </a:ln>
-          </p:spPr>
-          <p:style>
-            <a:lnRef idx="1">
-              <a:schemeClr val="accent1"/>
-            </a:lnRef>
-            <a:fillRef idx="0">
-              <a:schemeClr val="accent1"/>
-            </a:fillRef>
-            <a:effectRef idx="0">
-              <a:schemeClr val="accent1"/>
-            </a:effectRef>
-            <a:fontRef idx="minor">
-              <a:schemeClr val="tx1"/>
-            </a:fontRef>
-          </p:style>
-        </p:cxnSp>
-        <p:cxnSp>
-          <p:nvCxnSpPr>
-            <p:cNvPr id="77" name="Straight Connector 76">
-              <a:extLst>
-                <a:ext uri="{FF2B5EF4-FFF2-40B4-BE49-F238E27FC236}">
-                  <a16:creationId xmlns:a16="http://schemas.microsoft.com/office/drawing/2014/main" id="{FE60F26C-4C2F-0E4C-B2A5-2618642AFF0B}"/>
-                </a:ext>
-              </a:extLst>
-            </p:cNvPr>
-            <p:cNvCxnSpPr>
-              <a:cxnSpLocks/>
-            </p:cNvCxnSpPr>
-            <p:nvPr/>
-          </p:nvCxnSpPr>
-          <p:spPr>
-            <a:xfrm>
-              <a:off x="633452" y="4362705"/>
-              <a:ext cx="5734097" cy="0"/>
-            </a:xfrm>
-            <a:prstGeom prst="line">
-              <a:avLst/>
-            </a:prstGeom>
-            <a:ln>
-              <a:solidFill>
-                <a:schemeClr val="tx1"/>
-              </a:solidFill>
-            </a:ln>
-          </p:spPr>
-          <p:style>
-            <a:lnRef idx="1">
-              <a:schemeClr val="accent1"/>
-            </a:lnRef>
-            <a:fillRef idx="0">
-              <a:schemeClr val="accent1"/>
-            </a:fillRef>
-            <a:effectRef idx="0">
-              <a:schemeClr val="accent1"/>
-            </a:effectRef>
-            <a:fontRef idx="minor">
-              <a:schemeClr val="tx1"/>
-            </a:fontRef>
-          </p:style>
-        </p:cxnSp>
-      </p:grpSp>
       <p:sp>
         <p:nvSpPr>
           <p:cNvPr id="97" name="TextBox 96">
@@ -9836,7 +9559,7 @@
           <a:p>
             <a:r>
               <a:rPr lang="en-GB" dirty="0"/>
-              <a:t>Completed Class Survey:</a:t>
+              <a:t>Complete Class Survey:</a:t>
             </a:r>
           </a:p>
         </p:txBody>
@@ -9964,288 +9687,11 @@
           <a:p>
             <a:r>
               <a:rPr lang="en-GB" dirty="0"/>
-              <a:t>Sliced (ClassName::method)</a:t>
+              <a:t>Sliced:</a:t>
             </a:r>
           </a:p>
         </p:txBody>
       </p:sp>
-      <p:grpSp>
-        <p:nvGrpSpPr>
-          <p:cNvPr id="35" name="Group 34">
-            <a:extLst>
-              <a:ext uri="{FF2B5EF4-FFF2-40B4-BE49-F238E27FC236}">
-                <a16:creationId xmlns:a16="http://schemas.microsoft.com/office/drawing/2014/main" id="{F4485B85-AE80-D146-82F9-439AA8554B1A}"/>
-              </a:ext>
-            </a:extLst>
-          </p:cNvPr>
-          <p:cNvGrpSpPr/>
-          <p:nvPr/>
-        </p:nvGrpSpPr>
-        <p:grpSpPr>
-          <a:xfrm>
-            <a:off x="633452" y="4458188"/>
-            <a:ext cx="5734097" cy="1457407"/>
-            <a:chOff x="633452" y="3200400"/>
-            <a:chExt cx="5734097" cy="1457407"/>
-          </a:xfrm>
-        </p:grpSpPr>
-        <p:sp>
-          <p:nvSpPr>
-            <p:cNvPr id="36" name="TextBox 35">
-              <a:extLst>
-                <a:ext uri="{FF2B5EF4-FFF2-40B4-BE49-F238E27FC236}">
-                  <a16:creationId xmlns:a16="http://schemas.microsoft.com/office/drawing/2014/main" id="{BF7EF977-5C2F-304B-8970-79AFE88B6499}"/>
-                </a:ext>
-              </a:extLst>
-            </p:cNvPr>
-            <p:cNvSpPr txBox="1"/>
-            <p:nvPr/>
-          </p:nvSpPr>
-          <p:spPr>
-            <a:xfrm>
-              <a:off x="1047404" y="3200400"/>
-              <a:ext cx="3794760" cy="276999"/>
-            </a:xfrm>
-            <a:prstGeom prst="rect">
-              <a:avLst/>
-            </a:prstGeom>
-            <a:noFill/>
-          </p:spPr>
-          <p:txBody>
-            <a:bodyPr wrap="square" rtlCol="0">
-              <a:spAutoFit/>
-            </a:bodyPr>
-            <a:lstStyle/>
-            <a:p>
-              <a:r>
-                <a:rPr lang="en-GB" sz="1200" dirty="0">
-                  <a:solidFill>
-                    <a:schemeClr val="bg1">
-                      <a:lumMod val="75000"/>
-                    </a:schemeClr>
-                  </a:solidFill>
-                </a:rPr>
-                <a:t>ClassName1::method2           ClassName2::method2</a:t>
-              </a:r>
-            </a:p>
-          </p:txBody>
-        </p:sp>
-        <p:cxnSp>
-          <p:nvCxnSpPr>
-            <p:cNvPr id="37" name="Straight Connector 36">
-              <a:extLst>
-                <a:ext uri="{FF2B5EF4-FFF2-40B4-BE49-F238E27FC236}">
-                  <a16:creationId xmlns:a16="http://schemas.microsoft.com/office/drawing/2014/main" id="{A42A94B9-3F4D-F048-AB7F-A1CC25906AE8}"/>
-                </a:ext>
-              </a:extLst>
-            </p:cNvPr>
-            <p:cNvCxnSpPr>
-              <a:cxnSpLocks/>
-            </p:cNvCxnSpPr>
-            <p:nvPr/>
-          </p:nvCxnSpPr>
-          <p:spPr>
-            <a:xfrm>
-              <a:off x="633452" y="3477399"/>
-              <a:ext cx="5734097" cy="0"/>
-            </a:xfrm>
-            <a:prstGeom prst="line">
-              <a:avLst/>
-            </a:prstGeom>
-            <a:ln>
-              <a:solidFill>
-                <a:schemeClr val="tx1"/>
-              </a:solidFill>
-            </a:ln>
-          </p:spPr>
-          <p:style>
-            <a:lnRef idx="1">
-              <a:schemeClr val="accent1"/>
-            </a:lnRef>
-            <a:fillRef idx="0">
-              <a:schemeClr val="accent1"/>
-            </a:fillRef>
-            <a:effectRef idx="0">
-              <a:schemeClr val="accent1"/>
-            </a:effectRef>
-            <a:fontRef idx="minor">
-              <a:schemeClr val="tx1"/>
-            </a:fontRef>
-          </p:style>
-        </p:cxnSp>
-        <p:cxnSp>
-          <p:nvCxnSpPr>
-            <p:cNvPr id="38" name="Straight Connector 37">
-              <a:extLst>
-                <a:ext uri="{FF2B5EF4-FFF2-40B4-BE49-F238E27FC236}">
-                  <a16:creationId xmlns:a16="http://schemas.microsoft.com/office/drawing/2014/main" id="{914803DC-D624-664B-A3EF-B23C9F49F8D3}"/>
-                </a:ext>
-              </a:extLst>
-            </p:cNvPr>
-            <p:cNvCxnSpPr>
-              <a:cxnSpLocks/>
-            </p:cNvCxnSpPr>
-            <p:nvPr/>
-          </p:nvCxnSpPr>
-          <p:spPr>
-            <a:xfrm>
-              <a:off x="633452" y="3772501"/>
-              <a:ext cx="5734097" cy="0"/>
-            </a:xfrm>
-            <a:prstGeom prst="line">
-              <a:avLst/>
-            </a:prstGeom>
-            <a:ln>
-              <a:solidFill>
-                <a:schemeClr val="tx1"/>
-              </a:solidFill>
-            </a:ln>
-          </p:spPr>
-          <p:style>
-            <a:lnRef idx="1">
-              <a:schemeClr val="accent1"/>
-            </a:lnRef>
-            <a:fillRef idx="0">
-              <a:schemeClr val="accent1"/>
-            </a:fillRef>
-            <a:effectRef idx="0">
-              <a:schemeClr val="accent1"/>
-            </a:effectRef>
-            <a:fontRef idx="minor">
-              <a:schemeClr val="tx1"/>
-            </a:fontRef>
-          </p:style>
-        </p:cxnSp>
-        <p:cxnSp>
-          <p:nvCxnSpPr>
-            <p:cNvPr id="39" name="Straight Connector 38">
-              <a:extLst>
-                <a:ext uri="{FF2B5EF4-FFF2-40B4-BE49-F238E27FC236}">
-                  <a16:creationId xmlns:a16="http://schemas.microsoft.com/office/drawing/2014/main" id="{46AE1215-3514-F649-81B2-52F5126768C2}"/>
-                </a:ext>
-              </a:extLst>
-            </p:cNvPr>
-            <p:cNvCxnSpPr>
-              <a:cxnSpLocks/>
-            </p:cNvCxnSpPr>
-            <p:nvPr/>
-          </p:nvCxnSpPr>
-          <p:spPr>
-            <a:xfrm>
-              <a:off x="633452" y="4067603"/>
-              <a:ext cx="5734097" cy="0"/>
-            </a:xfrm>
-            <a:prstGeom prst="line">
-              <a:avLst/>
-            </a:prstGeom>
-            <a:ln>
-              <a:solidFill>
-                <a:schemeClr val="tx1"/>
-              </a:solidFill>
-            </a:ln>
-          </p:spPr>
-          <p:style>
-            <a:lnRef idx="1">
-              <a:schemeClr val="accent1"/>
-            </a:lnRef>
-            <a:fillRef idx="0">
-              <a:schemeClr val="accent1"/>
-            </a:fillRef>
-            <a:effectRef idx="0">
-              <a:schemeClr val="accent1"/>
-            </a:effectRef>
-            <a:fontRef idx="minor">
-              <a:schemeClr val="tx1"/>
-            </a:fontRef>
-          </p:style>
-        </p:cxnSp>
-        <p:cxnSp>
-          <p:nvCxnSpPr>
-            <p:cNvPr id="40" name="Straight Connector 39">
-              <a:extLst>
-                <a:ext uri="{FF2B5EF4-FFF2-40B4-BE49-F238E27FC236}">
-                  <a16:creationId xmlns:a16="http://schemas.microsoft.com/office/drawing/2014/main" id="{0FBB3D02-28D0-A748-9049-AF78529C5A57}"/>
-                </a:ext>
-              </a:extLst>
-            </p:cNvPr>
-            <p:cNvCxnSpPr>
-              <a:cxnSpLocks/>
-            </p:cNvCxnSpPr>
-            <p:nvPr/>
-          </p:nvCxnSpPr>
-          <p:spPr>
-            <a:xfrm>
-              <a:off x="633452" y="4657807"/>
-              <a:ext cx="5734097" cy="0"/>
-            </a:xfrm>
-            <a:prstGeom prst="line">
-              <a:avLst/>
-            </a:prstGeom>
-            <a:ln>
-              <a:solidFill>
-                <a:schemeClr val="tx1"/>
-              </a:solidFill>
-            </a:ln>
-          </p:spPr>
-          <p:style>
-            <a:lnRef idx="1">
-              <a:schemeClr val="accent1"/>
-            </a:lnRef>
-            <a:fillRef idx="0">
-              <a:schemeClr val="accent1"/>
-            </a:fillRef>
-            <a:effectRef idx="0">
-              <a:schemeClr val="accent1"/>
-            </a:effectRef>
-            <a:fontRef idx="minor">
-              <a:schemeClr val="tx1"/>
-            </a:fontRef>
-          </p:style>
-        </p:cxnSp>
-        <p:cxnSp>
-          <p:nvCxnSpPr>
-            <p:cNvPr id="41" name="Straight Connector 40">
-              <a:extLst>
-                <a:ext uri="{FF2B5EF4-FFF2-40B4-BE49-F238E27FC236}">
-                  <a16:creationId xmlns:a16="http://schemas.microsoft.com/office/drawing/2014/main" id="{EE480BCB-F8D6-DC43-BC0C-E8A2628DD9DB}"/>
-                </a:ext>
-              </a:extLst>
-            </p:cNvPr>
-            <p:cNvCxnSpPr>
-              <a:cxnSpLocks/>
-            </p:cNvCxnSpPr>
-            <p:nvPr/>
-          </p:nvCxnSpPr>
-          <p:spPr>
-            <a:xfrm>
-              <a:off x="633452" y="4362705"/>
-              <a:ext cx="5734097" cy="0"/>
-            </a:xfrm>
-            <a:prstGeom prst="line">
-              <a:avLst/>
-            </a:prstGeom>
-            <a:ln>
-              <a:solidFill>
-                <a:schemeClr val="tx1"/>
-              </a:solidFill>
-            </a:ln>
-          </p:spPr>
-          <p:style>
-            <a:lnRef idx="1">
-              <a:schemeClr val="accent1"/>
-            </a:lnRef>
-            <a:fillRef idx="0">
-              <a:schemeClr val="accent1"/>
-            </a:fillRef>
-            <a:effectRef idx="0">
-              <a:schemeClr val="accent1"/>
-            </a:effectRef>
-            <a:fontRef idx="minor">
-              <a:schemeClr val="tx1"/>
-            </a:fontRef>
-          </p:style>
-        </p:cxnSp>
-      </p:grpSp>
       <p:sp>
         <p:nvSpPr>
           <p:cNvPr id="69" name="TextBox 68">
@@ -10260,7 +9706,7 @@
         </p:nvSpPr>
         <p:spPr>
           <a:xfrm>
-            <a:off x="633452" y="6493312"/>
+            <a:off x="922713" y="5758279"/>
             <a:ext cx="5128952" cy="369332"/>
           </a:xfrm>
           <a:prstGeom prst="rect">
@@ -10276,7 +9722,7 @@
           <a:p>
             <a:r>
               <a:rPr lang="en-GB" dirty="0"/>
-              <a:t>Scrubbed (ClassName::method)</a:t>
+              <a:t>Scrubbed:</a:t>
             </a:r>
           </a:p>
         </p:txBody>
@@ -10295,10 +9741,10 @@
         </p:nvGrpSpPr>
         <p:grpSpPr>
           <a:xfrm>
-            <a:off x="344191" y="6891275"/>
-            <a:ext cx="5734097" cy="1457407"/>
-            <a:chOff x="633452" y="3200400"/>
-            <a:chExt cx="5734097" cy="1457407"/>
+            <a:off x="979535" y="6215995"/>
+            <a:ext cx="5212260" cy="1475471"/>
+            <a:chOff x="633452" y="3182336"/>
+            <a:chExt cx="5734097" cy="1475471"/>
           </a:xfrm>
         </p:grpSpPr>
         <p:sp>
@@ -10315,7 +9761,7 @@
           </p:nvSpPr>
           <p:spPr>
             <a:xfrm>
-              <a:off x="1047404" y="3200400"/>
+              <a:off x="750803" y="3504554"/>
               <a:ext cx="3794760" cy="276999"/>
             </a:xfrm>
             <a:prstGeom prst="rect">
@@ -10330,6 +9776,16 @@
             <a:lstStyle/>
             <a:p>
               <a:r>
+                <a:rPr lang="en-GB" sz="1200" dirty="0" err="1">
+                  <a:solidFill>
+                    <a:schemeClr val="bg1">
+                      <a:lumMod val="75000"/>
+                    </a:schemeClr>
+                  </a:solidFill>
+                </a:rPr>
+                <a:t>getReport</a:t>
+              </a:r>
+              <a:r>
                 <a:rPr lang="en-GB" sz="1200" dirty="0">
                   <a:solidFill>
                     <a:schemeClr val="bg1">
@@ -10337,7 +9793,7 @@
                     </a:schemeClr>
                   </a:solidFill>
                 </a:rPr>
-                <a:t>ClassName1::method2           ClassName2::method2</a:t>
+                <a:t>()           		Scrubbed dates</a:t>
               </a:r>
             </a:p>
           </p:txBody>
@@ -10557,7 +10013,4492 @@
             </a:fontRef>
           </p:style>
         </p:cxnSp>
+        <p:sp>
+          <p:nvSpPr>
+            <p:cNvPr id="208" name="TextBox 207">
+              <a:extLst>
+                <a:ext uri="{FF2B5EF4-FFF2-40B4-BE49-F238E27FC236}">
+                  <a16:creationId xmlns:a16="http://schemas.microsoft.com/office/drawing/2014/main" id="{D0D70F2D-AADF-A74A-A529-E98CAA835D3E}"/>
+                </a:ext>
+              </a:extLst>
+            </p:cNvPr>
+            <p:cNvSpPr txBox="1"/>
+            <p:nvPr/>
+          </p:nvSpPr>
+          <p:spPr>
+            <a:xfrm>
+              <a:off x="750803" y="3182336"/>
+              <a:ext cx="3794760" cy="276999"/>
+            </a:xfrm>
+            <a:prstGeom prst="rect">
+              <a:avLst/>
+            </a:prstGeom>
+            <a:noFill/>
+          </p:spPr>
+          <p:txBody>
+            <a:bodyPr wrap="square" rtlCol="0">
+              <a:spAutoFit/>
+            </a:bodyPr>
+            <a:lstStyle/>
+            <a:p>
+              <a:r>
+                <a:rPr lang="en-GB" sz="1200" b="1" dirty="0"/>
+                <a:t>method name           		Scrubbing method</a:t>
+              </a:r>
+            </a:p>
+          </p:txBody>
+        </p:sp>
       </p:grpSp>
+      <p:grpSp>
+        <p:nvGrpSpPr>
+          <p:cNvPr id="2" name="Group 1">
+            <a:extLst>
+              <a:ext uri="{FF2B5EF4-FFF2-40B4-BE49-F238E27FC236}">
+                <a16:creationId xmlns:a16="http://schemas.microsoft.com/office/drawing/2014/main" id="{AA414602-8FA1-DF4B-B0DD-D9E138ADAE0B}"/>
+              </a:ext>
+            </a:extLst>
+          </p:cNvPr>
+          <p:cNvGrpSpPr/>
+          <p:nvPr/>
+        </p:nvGrpSpPr>
+        <p:grpSpPr>
+          <a:xfrm>
+            <a:off x="1031264" y="3030142"/>
+            <a:ext cx="4152424" cy="294517"/>
+            <a:chOff x="1506014" y="1954058"/>
+            <a:chExt cx="4152424" cy="294517"/>
+          </a:xfrm>
+        </p:grpSpPr>
+        <p:grpSp>
+          <p:nvGrpSpPr>
+            <p:cNvPr id="33" name="Group 32">
+              <a:extLst>
+                <a:ext uri="{FF2B5EF4-FFF2-40B4-BE49-F238E27FC236}">
+                  <a16:creationId xmlns:a16="http://schemas.microsoft.com/office/drawing/2014/main" id="{521D3F4F-4683-5948-80A4-FB68D81D7DBD}"/>
+                </a:ext>
+              </a:extLst>
+            </p:cNvPr>
+            <p:cNvGrpSpPr/>
+            <p:nvPr/>
+          </p:nvGrpSpPr>
+          <p:grpSpPr>
+            <a:xfrm>
+              <a:off x="3467818" y="1954058"/>
+              <a:ext cx="393444" cy="294517"/>
+              <a:chOff x="5329845" y="1105593"/>
+              <a:chExt cx="721820" cy="540327"/>
+            </a:xfrm>
+          </p:grpSpPr>
+          <p:cxnSp>
+            <p:nvCxnSpPr>
+              <p:cNvPr id="42" name="Straight Connector 41">
+                <a:extLst>
+                  <a:ext uri="{FF2B5EF4-FFF2-40B4-BE49-F238E27FC236}">
+                    <a16:creationId xmlns:a16="http://schemas.microsoft.com/office/drawing/2014/main" id="{9B3BE5DE-F558-D143-B36D-543DD6F23A3E}"/>
+                  </a:ext>
+                </a:extLst>
+              </p:cNvPr>
+              <p:cNvCxnSpPr>
+                <a:cxnSpLocks/>
+              </p:cNvCxnSpPr>
+              <p:nvPr/>
+            </p:nvCxnSpPr>
+            <p:spPr>
+              <a:xfrm>
+                <a:off x="5444836" y="1105593"/>
+                <a:ext cx="0" cy="540327"/>
+              </a:xfrm>
+              <a:prstGeom prst="line">
+                <a:avLst/>
+              </a:prstGeom>
+              <a:ln w="38100">
+                <a:solidFill>
+                  <a:schemeClr val="bg1">
+                    <a:lumMod val="85000"/>
+                  </a:schemeClr>
+                </a:solidFill>
+              </a:ln>
+            </p:spPr>
+            <p:style>
+              <a:lnRef idx="1">
+                <a:schemeClr val="accent1"/>
+              </a:lnRef>
+              <a:fillRef idx="0">
+                <a:schemeClr val="accent1"/>
+              </a:fillRef>
+              <a:effectRef idx="0">
+                <a:schemeClr val="accent1"/>
+              </a:effectRef>
+              <a:fontRef idx="minor">
+                <a:schemeClr val="tx1"/>
+              </a:fontRef>
+            </p:style>
+          </p:cxnSp>
+          <p:cxnSp>
+            <p:nvCxnSpPr>
+              <p:cNvPr id="43" name="Straight Connector 42">
+                <a:extLst>
+                  <a:ext uri="{FF2B5EF4-FFF2-40B4-BE49-F238E27FC236}">
+                    <a16:creationId xmlns:a16="http://schemas.microsoft.com/office/drawing/2014/main" id="{C5AF8F20-B486-B446-B40F-EF10A3DA6794}"/>
+                  </a:ext>
+                </a:extLst>
+              </p:cNvPr>
+              <p:cNvCxnSpPr>
+                <a:cxnSpLocks/>
+              </p:cNvCxnSpPr>
+              <p:nvPr/>
+            </p:nvCxnSpPr>
+            <p:spPr>
+              <a:xfrm>
+                <a:off x="5597236" y="1105593"/>
+                <a:ext cx="0" cy="540327"/>
+              </a:xfrm>
+              <a:prstGeom prst="line">
+                <a:avLst/>
+              </a:prstGeom>
+              <a:ln w="38100">
+                <a:solidFill>
+                  <a:schemeClr val="bg1">
+                    <a:lumMod val="85000"/>
+                  </a:schemeClr>
+                </a:solidFill>
+              </a:ln>
+            </p:spPr>
+            <p:style>
+              <a:lnRef idx="1">
+                <a:schemeClr val="accent1"/>
+              </a:lnRef>
+              <a:fillRef idx="0">
+                <a:schemeClr val="accent1"/>
+              </a:fillRef>
+              <a:effectRef idx="0">
+                <a:schemeClr val="accent1"/>
+              </a:effectRef>
+              <a:fontRef idx="minor">
+                <a:schemeClr val="tx1"/>
+              </a:fontRef>
+            </p:style>
+          </p:cxnSp>
+          <p:cxnSp>
+            <p:nvCxnSpPr>
+              <p:cNvPr id="44" name="Straight Connector 43">
+                <a:extLst>
+                  <a:ext uri="{FF2B5EF4-FFF2-40B4-BE49-F238E27FC236}">
+                    <a16:creationId xmlns:a16="http://schemas.microsoft.com/office/drawing/2014/main" id="{06673076-59DF-104E-958E-1FCA904240B6}"/>
+                  </a:ext>
+                </a:extLst>
+              </p:cNvPr>
+              <p:cNvCxnSpPr>
+                <a:cxnSpLocks/>
+              </p:cNvCxnSpPr>
+              <p:nvPr/>
+            </p:nvCxnSpPr>
+            <p:spPr>
+              <a:xfrm>
+                <a:off x="5749636" y="1105593"/>
+                <a:ext cx="0" cy="540327"/>
+              </a:xfrm>
+              <a:prstGeom prst="line">
+                <a:avLst/>
+              </a:prstGeom>
+              <a:ln w="38100">
+                <a:solidFill>
+                  <a:schemeClr val="bg1">
+                    <a:lumMod val="85000"/>
+                  </a:schemeClr>
+                </a:solidFill>
+              </a:ln>
+            </p:spPr>
+            <p:style>
+              <a:lnRef idx="1">
+                <a:schemeClr val="accent1"/>
+              </a:lnRef>
+              <a:fillRef idx="0">
+                <a:schemeClr val="accent1"/>
+              </a:fillRef>
+              <a:effectRef idx="0">
+                <a:schemeClr val="accent1"/>
+              </a:effectRef>
+              <a:fontRef idx="minor">
+                <a:schemeClr val="tx1"/>
+              </a:fontRef>
+            </p:style>
+          </p:cxnSp>
+          <p:cxnSp>
+            <p:nvCxnSpPr>
+              <p:cNvPr id="45" name="Straight Connector 44">
+                <a:extLst>
+                  <a:ext uri="{FF2B5EF4-FFF2-40B4-BE49-F238E27FC236}">
+                    <a16:creationId xmlns:a16="http://schemas.microsoft.com/office/drawing/2014/main" id="{19EDFF29-E29C-0A40-9E72-E75C23557F8F}"/>
+                  </a:ext>
+                </a:extLst>
+              </p:cNvPr>
+              <p:cNvCxnSpPr>
+                <a:cxnSpLocks/>
+              </p:cNvCxnSpPr>
+              <p:nvPr/>
+            </p:nvCxnSpPr>
+            <p:spPr>
+              <a:xfrm>
+                <a:off x="5902036" y="1105593"/>
+                <a:ext cx="0" cy="540327"/>
+              </a:xfrm>
+              <a:prstGeom prst="line">
+                <a:avLst/>
+              </a:prstGeom>
+              <a:ln w="38100">
+                <a:solidFill>
+                  <a:schemeClr val="bg1">
+                    <a:lumMod val="85000"/>
+                  </a:schemeClr>
+                </a:solidFill>
+              </a:ln>
+            </p:spPr>
+            <p:style>
+              <a:lnRef idx="1">
+                <a:schemeClr val="accent1"/>
+              </a:lnRef>
+              <a:fillRef idx="0">
+                <a:schemeClr val="accent1"/>
+              </a:fillRef>
+              <a:effectRef idx="0">
+                <a:schemeClr val="accent1"/>
+              </a:effectRef>
+              <a:fontRef idx="minor">
+                <a:schemeClr val="tx1"/>
+              </a:fontRef>
+            </p:style>
+          </p:cxnSp>
+          <p:cxnSp>
+            <p:nvCxnSpPr>
+              <p:cNvPr id="46" name="Straight Connector 45">
+                <a:extLst>
+                  <a:ext uri="{FF2B5EF4-FFF2-40B4-BE49-F238E27FC236}">
+                    <a16:creationId xmlns:a16="http://schemas.microsoft.com/office/drawing/2014/main" id="{9099E5CA-CD99-5E42-A279-748BBA281E41}"/>
+                  </a:ext>
+                </a:extLst>
+              </p:cNvPr>
+              <p:cNvCxnSpPr>
+                <a:cxnSpLocks/>
+              </p:cNvCxnSpPr>
+              <p:nvPr/>
+            </p:nvCxnSpPr>
+            <p:spPr>
+              <a:xfrm flipH="1">
+                <a:off x="5329845" y="1215444"/>
+                <a:ext cx="721820" cy="430476"/>
+              </a:xfrm>
+              <a:prstGeom prst="line">
+                <a:avLst/>
+              </a:prstGeom>
+              <a:ln w="38100">
+                <a:solidFill>
+                  <a:schemeClr val="bg1">
+                    <a:lumMod val="85000"/>
+                  </a:schemeClr>
+                </a:solidFill>
+              </a:ln>
+            </p:spPr>
+            <p:style>
+              <a:lnRef idx="1">
+                <a:schemeClr val="accent1"/>
+              </a:lnRef>
+              <a:fillRef idx="0">
+                <a:schemeClr val="accent1"/>
+              </a:fillRef>
+              <a:effectRef idx="0">
+                <a:schemeClr val="accent1"/>
+              </a:effectRef>
+              <a:fontRef idx="minor">
+                <a:schemeClr val="tx1"/>
+              </a:fontRef>
+            </p:style>
+          </p:cxnSp>
+        </p:grpSp>
+        <p:grpSp>
+          <p:nvGrpSpPr>
+            <p:cNvPr id="47" name="Group 46">
+              <a:extLst>
+                <a:ext uri="{FF2B5EF4-FFF2-40B4-BE49-F238E27FC236}">
+                  <a16:creationId xmlns:a16="http://schemas.microsoft.com/office/drawing/2014/main" id="{6EAF010D-9F9F-E94F-9E63-B870D5EBBF84}"/>
+                </a:ext>
+              </a:extLst>
+            </p:cNvPr>
+            <p:cNvGrpSpPr/>
+            <p:nvPr/>
+          </p:nvGrpSpPr>
+          <p:grpSpPr>
+            <a:xfrm>
+              <a:off x="3958269" y="1954058"/>
+              <a:ext cx="393444" cy="294517"/>
+              <a:chOff x="5329845" y="1105593"/>
+              <a:chExt cx="721820" cy="540327"/>
+            </a:xfrm>
+          </p:grpSpPr>
+          <p:cxnSp>
+            <p:nvCxnSpPr>
+              <p:cNvPr id="48" name="Straight Connector 47">
+                <a:extLst>
+                  <a:ext uri="{FF2B5EF4-FFF2-40B4-BE49-F238E27FC236}">
+                    <a16:creationId xmlns:a16="http://schemas.microsoft.com/office/drawing/2014/main" id="{7A4AD266-2B82-4543-8347-67E80803B434}"/>
+                  </a:ext>
+                </a:extLst>
+              </p:cNvPr>
+              <p:cNvCxnSpPr>
+                <a:cxnSpLocks/>
+              </p:cNvCxnSpPr>
+              <p:nvPr/>
+            </p:nvCxnSpPr>
+            <p:spPr>
+              <a:xfrm>
+                <a:off x="5444836" y="1105593"/>
+                <a:ext cx="0" cy="540327"/>
+              </a:xfrm>
+              <a:prstGeom prst="line">
+                <a:avLst/>
+              </a:prstGeom>
+              <a:ln w="38100">
+                <a:solidFill>
+                  <a:schemeClr val="bg1">
+                    <a:lumMod val="85000"/>
+                  </a:schemeClr>
+                </a:solidFill>
+              </a:ln>
+            </p:spPr>
+            <p:style>
+              <a:lnRef idx="1">
+                <a:schemeClr val="accent1"/>
+              </a:lnRef>
+              <a:fillRef idx="0">
+                <a:schemeClr val="accent1"/>
+              </a:fillRef>
+              <a:effectRef idx="0">
+                <a:schemeClr val="accent1"/>
+              </a:effectRef>
+              <a:fontRef idx="minor">
+                <a:schemeClr val="tx1"/>
+              </a:fontRef>
+            </p:style>
+          </p:cxnSp>
+          <p:cxnSp>
+            <p:nvCxnSpPr>
+              <p:cNvPr id="52" name="Straight Connector 51">
+                <a:extLst>
+                  <a:ext uri="{FF2B5EF4-FFF2-40B4-BE49-F238E27FC236}">
+                    <a16:creationId xmlns:a16="http://schemas.microsoft.com/office/drawing/2014/main" id="{D39F32A7-6690-A747-B6CE-BEEF5259D866}"/>
+                  </a:ext>
+                </a:extLst>
+              </p:cNvPr>
+              <p:cNvCxnSpPr>
+                <a:cxnSpLocks/>
+              </p:cNvCxnSpPr>
+              <p:nvPr/>
+            </p:nvCxnSpPr>
+            <p:spPr>
+              <a:xfrm>
+                <a:off x="5597236" y="1105593"/>
+                <a:ext cx="0" cy="540327"/>
+              </a:xfrm>
+              <a:prstGeom prst="line">
+                <a:avLst/>
+              </a:prstGeom>
+              <a:ln w="38100">
+                <a:solidFill>
+                  <a:schemeClr val="bg1">
+                    <a:lumMod val="85000"/>
+                  </a:schemeClr>
+                </a:solidFill>
+              </a:ln>
+            </p:spPr>
+            <p:style>
+              <a:lnRef idx="1">
+                <a:schemeClr val="accent1"/>
+              </a:lnRef>
+              <a:fillRef idx="0">
+                <a:schemeClr val="accent1"/>
+              </a:fillRef>
+              <a:effectRef idx="0">
+                <a:schemeClr val="accent1"/>
+              </a:effectRef>
+              <a:fontRef idx="minor">
+                <a:schemeClr val="tx1"/>
+              </a:fontRef>
+            </p:style>
+          </p:cxnSp>
+          <p:cxnSp>
+            <p:nvCxnSpPr>
+              <p:cNvPr id="53" name="Straight Connector 52">
+                <a:extLst>
+                  <a:ext uri="{FF2B5EF4-FFF2-40B4-BE49-F238E27FC236}">
+                    <a16:creationId xmlns:a16="http://schemas.microsoft.com/office/drawing/2014/main" id="{B65A5B6F-9094-654B-AE68-C021106C8C95}"/>
+                  </a:ext>
+                </a:extLst>
+              </p:cNvPr>
+              <p:cNvCxnSpPr>
+                <a:cxnSpLocks/>
+              </p:cNvCxnSpPr>
+              <p:nvPr/>
+            </p:nvCxnSpPr>
+            <p:spPr>
+              <a:xfrm>
+                <a:off x="5749636" y="1105593"/>
+                <a:ext cx="0" cy="540327"/>
+              </a:xfrm>
+              <a:prstGeom prst="line">
+                <a:avLst/>
+              </a:prstGeom>
+              <a:ln w="38100">
+                <a:solidFill>
+                  <a:schemeClr val="bg1">
+                    <a:lumMod val="85000"/>
+                  </a:schemeClr>
+                </a:solidFill>
+              </a:ln>
+            </p:spPr>
+            <p:style>
+              <a:lnRef idx="1">
+                <a:schemeClr val="accent1"/>
+              </a:lnRef>
+              <a:fillRef idx="0">
+                <a:schemeClr val="accent1"/>
+              </a:fillRef>
+              <a:effectRef idx="0">
+                <a:schemeClr val="accent1"/>
+              </a:effectRef>
+              <a:fontRef idx="minor">
+                <a:schemeClr val="tx1"/>
+              </a:fontRef>
+            </p:style>
+          </p:cxnSp>
+          <p:cxnSp>
+            <p:nvCxnSpPr>
+              <p:cNvPr id="54" name="Straight Connector 53">
+                <a:extLst>
+                  <a:ext uri="{FF2B5EF4-FFF2-40B4-BE49-F238E27FC236}">
+                    <a16:creationId xmlns:a16="http://schemas.microsoft.com/office/drawing/2014/main" id="{449C3F22-4716-554C-A9A4-51A71D54DD93}"/>
+                  </a:ext>
+                </a:extLst>
+              </p:cNvPr>
+              <p:cNvCxnSpPr>
+                <a:cxnSpLocks/>
+              </p:cNvCxnSpPr>
+              <p:nvPr/>
+            </p:nvCxnSpPr>
+            <p:spPr>
+              <a:xfrm>
+                <a:off x="5902036" y="1105593"/>
+                <a:ext cx="0" cy="540327"/>
+              </a:xfrm>
+              <a:prstGeom prst="line">
+                <a:avLst/>
+              </a:prstGeom>
+              <a:ln w="38100">
+                <a:solidFill>
+                  <a:schemeClr val="bg1">
+                    <a:lumMod val="85000"/>
+                  </a:schemeClr>
+                </a:solidFill>
+              </a:ln>
+            </p:spPr>
+            <p:style>
+              <a:lnRef idx="1">
+                <a:schemeClr val="accent1"/>
+              </a:lnRef>
+              <a:fillRef idx="0">
+                <a:schemeClr val="accent1"/>
+              </a:fillRef>
+              <a:effectRef idx="0">
+                <a:schemeClr val="accent1"/>
+              </a:effectRef>
+              <a:fontRef idx="minor">
+                <a:schemeClr val="tx1"/>
+              </a:fontRef>
+            </p:style>
+          </p:cxnSp>
+          <p:cxnSp>
+            <p:nvCxnSpPr>
+              <p:cNvPr id="55" name="Straight Connector 54">
+                <a:extLst>
+                  <a:ext uri="{FF2B5EF4-FFF2-40B4-BE49-F238E27FC236}">
+                    <a16:creationId xmlns:a16="http://schemas.microsoft.com/office/drawing/2014/main" id="{F54EE58A-384A-3D46-BDAF-2232E46B9885}"/>
+                  </a:ext>
+                </a:extLst>
+              </p:cNvPr>
+              <p:cNvCxnSpPr>
+                <a:cxnSpLocks/>
+              </p:cNvCxnSpPr>
+              <p:nvPr/>
+            </p:nvCxnSpPr>
+            <p:spPr>
+              <a:xfrm flipH="1">
+                <a:off x="5329845" y="1215444"/>
+                <a:ext cx="721820" cy="430476"/>
+              </a:xfrm>
+              <a:prstGeom prst="line">
+                <a:avLst/>
+              </a:prstGeom>
+              <a:ln w="38100">
+                <a:solidFill>
+                  <a:schemeClr val="bg1">
+                    <a:lumMod val="85000"/>
+                  </a:schemeClr>
+                </a:solidFill>
+              </a:ln>
+            </p:spPr>
+            <p:style>
+              <a:lnRef idx="1">
+                <a:schemeClr val="accent1"/>
+              </a:lnRef>
+              <a:fillRef idx="0">
+                <a:schemeClr val="accent1"/>
+              </a:fillRef>
+              <a:effectRef idx="0">
+                <a:schemeClr val="accent1"/>
+              </a:effectRef>
+              <a:fontRef idx="minor">
+                <a:schemeClr val="tx1"/>
+              </a:fontRef>
+            </p:style>
+          </p:cxnSp>
+        </p:grpSp>
+        <p:grpSp>
+          <p:nvGrpSpPr>
+            <p:cNvPr id="56" name="Group 55">
+              <a:extLst>
+                <a:ext uri="{FF2B5EF4-FFF2-40B4-BE49-F238E27FC236}">
+                  <a16:creationId xmlns:a16="http://schemas.microsoft.com/office/drawing/2014/main" id="{F0DB93E3-6F4B-424E-ADE8-78EEF1BA1864}"/>
+                </a:ext>
+              </a:extLst>
+            </p:cNvPr>
+            <p:cNvGrpSpPr/>
+            <p:nvPr/>
+          </p:nvGrpSpPr>
+          <p:grpSpPr>
+            <a:xfrm>
+              <a:off x="4448720" y="1954058"/>
+              <a:ext cx="393444" cy="294517"/>
+              <a:chOff x="5329845" y="1105593"/>
+              <a:chExt cx="721820" cy="540327"/>
+            </a:xfrm>
+          </p:grpSpPr>
+          <p:cxnSp>
+            <p:nvCxnSpPr>
+              <p:cNvPr id="57" name="Straight Connector 56">
+                <a:extLst>
+                  <a:ext uri="{FF2B5EF4-FFF2-40B4-BE49-F238E27FC236}">
+                    <a16:creationId xmlns:a16="http://schemas.microsoft.com/office/drawing/2014/main" id="{852E6928-9040-984A-8084-987C8DC4EA6D}"/>
+                  </a:ext>
+                </a:extLst>
+              </p:cNvPr>
+              <p:cNvCxnSpPr>
+                <a:cxnSpLocks/>
+              </p:cNvCxnSpPr>
+              <p:nvPr/>
+            </p:nvCxnSpPr>
+            <p:spPr>
+              <a:xfrm>
+                <a:off x="5444836" y="1105593"/>
+                <a:ext cx="0" cy="540327"/>
+              </a:xfrm>
+              <a:prstGeom prst="line">
+                <a:avLst/>
+              </a:prstGeom>
+              <a:ln w="38100">
+                <a:solidFill>
+                  <a:schemeClr val="bg1">
+                    <a:lumMod val="85000"/>
+                  </a:schemeClr>
+                </a:solidFill>
+              </a:ln>
+            </p:spPr>
+            <p:style>
+              <a:lnRef idx="1">
+                <a:schemeClr val="accent1"/>
+              </a:lnRef>
+              <a:fillRef idx="0">
+                <a:schemeClr val="accent1"/>
+              </a:fillRef>
+              <a:effectRef idx="0">
+                <a:schemeClr val="accent1"/>
+              </a:effectRef>
+              <a:fontRef idx="minor">
+                <a:schemeClr val="tx1"/>
+              </a:fontRef>
+            </p:style>
+          </p:cxnSp>
+          <p:cxnSp>
+            <p:nvCxnSpPr>
+              <p:cNvPr id="58" name="Straight Connector 57">
+                <a:extLst>
+                  <a:ext uri="{FF2B5EF4-FFF2-40B4-BE49-F238E27FC236}">
+                    <a16:creationId xmlns:a16="http://schemas.microsoft.com/office/drawing/2014/main" id="{A11AAA0D-134F-C84E-AF8E-1D1DB295A9BF}"/>
+                  </a:ext>
+                </a:extLst>
+              </p:cNvPr>
+              <p:cNvCxnSpPr>
+                <a:cxnSpLocks/>
+              </p:cNvCxnSpPr>
+              <p:nvPr/>
+            </p:nvCxnSpPr>
+            <p:spPr>
+              <a:xfrm>
+                <a:off x="5597236" y="1105593"/>
+                <a:ext cx="0" cy="540327"/>
+              </a:xfrm>
+              <a:prstGeom prst="line">
+                <a:avLst/>
+              </a:prstGeom>
+              <a:ln w="38100">
+                <a:solidFill>
+                  <a:schemeClr val="bg1">
+                    <a:lumMod val="85000"/>
+                  </a:schemeClr>
+                </a:solidFill>
+              </a:ln>
+            </p:spPr>
+            <p:style>
+              <a:lnRef idx="1">
+                <a:schemeClr val="accent1"/>
+              </a:lnRef>
+              <a:fillRef idx="0">
+                <a:schemeClr val="accent1"/>
+              </a:fillRef>
+              <a:effectRef idx="0">
+                <a:schemeClr val="accent1"/>
+              </a:effectRef>
+              <a:fontRef idx="minor">
+                <a:schemeClr val="tx1"/>
+              </a:fontRef>
+            </p:style>
+          </p:cxnSp>
+          <p:cxnSp>
+            <p:nvCxnSpPr>
+              <p:cNvPr id="59" name="Straight Connector 58">
+                <a:extLst>
+                  <a:ext uri="{FF2B5EF4-FFF2-40B4-BE49-F238E27FC236}">
+                    <a16:creationId xmlns:a16="http://schemas.microsoft.com/office/drawing/2014/main" id="{F9CF6821-11AE-6547-A1F5-4D867D3B2634}"/>
+                  </a:ext>
+                </a:extLst>
+              </p:cNvPr>
+              <p:cNvCxnSpPr>
+                <a:cxnSpLocks/>
+              </p:cNvCxnSpPr>
+              <p:nvPr/>
+            </p:nvCxnSpPr>
+            <p:spPr>
+              <a:xfrm>
+                <a:off x="5749636" y="1105593"/>
+                <a:ext cx="0" cy="540327"/>
+              </a:xfrm>
+              <a:prstGeom prst="line">
+                <a:avLst/>
+              </a:prstGeom>
+              <a:ln w="38100">
+                <a:solidFill>
+                  <a:schemeClr val="bg1">
+                    <a:lumMod val="85000"/>
+                  </a:schemeClr>
+                </a:solidFill>
+              </a:ln>
+            </p:spPr>
+            <p:style>
+              <a:lnRef idx="1">
+                <a:schemeClr val="accent1"/>
+              </a:lnRef>
+              <a:fillRef idx="0">
+                <a:schemeClr val="accent1"/>
+              </a:fillRef>
+              <a:effectRef idx="0">
+                <a:schemeClr val="accent1"/>
+              </a:effectRef>
+              <a:fontRef idx="minor">
+                <a:schemeClr val="tx1"/>
+              </a:fontRef>
+            </p:style>
+          </p:cxnSp>
+          <p:cxnSp>
+            <p:nvCxnSpPr>
+              <p:cNvPr id="60" name="Straight Connector 59">
+                <a:extLst>
+                  <a:ext uri="{FF2B5EF4-FFF2-40B4-BE49-F238E27FC236}">
+                    <a16:creationId xmlns:a16="http://schemas.microsoft.com/office/drawing/2014/main" id="{A77714EB-8B75-6048-B35D-C4845619B27A}"/>
+                  </a:ext>
+                </a:extLst>
+              </p:cNvPr>
+              <p:cNvCxnSpPr>
+                <a:cxnSpLocks/>
+              </p:cNvCxnSpPr>
+              <p:nvPr/>
+            </p:nvCxnSpPr>
+            <p:spPr>
+              <a:xfrm>
+                <a:off x="5902036" y="1105593"/>
+                <a:ext cx="0" cy="540327"/>
+              </a:xfrm>
+              <a:prstGeom prst="line">
+                <a:avLst/>
+              </a:prstGeom>
+              <a:ln w="38100">
+                <a:solidFill>
+                  <a:schemeClr val="bg1">
+                    <a:lumMod val="85000"/>
+                  </a:schemeClr>
+                </a:solidFill>
+              </a:ln>
+            </p:spPr>
+            <p:style>
+              <a:lnRef idx="1">
+                <a:schemeClr val="accent1"/>
+              </a:lnRef>
+              <a:fillRef idx="0">
+                <a:schemeClr val="accent1"/>
+              </a:fillRef>
+              <a:effectRef idx="0">
+                <a:schemeClr val="accent1"/>
+              </a:effectRef>
+              <a:fontRef idx="minor">
+                <a:schemeClr val="tx1"/>
+              </a:fontRef>
+            </p:style>
+          </p:cxnSp>
+          <p:cxnSp>
+            <p:nvCxnSpPr>
+              <p:cNvPr id="61" name="Straight Connector 60">
+                <a:extLst>
+                  <a:ext uri="{FF2B5EF4-FFF2-40B4-BE49-F238E27FC236}">
+                    <a16:creationId xmlns:a16="http://schemas.microsoft.com/office/drawing/2014/main" id="{30F091EA-9311-7240-9C61-8EA919105D15}"/>
+                  </a:ext>
+                </a:extLst>
+              </p:cNvPr>
+              <p:cNvCxnSpPr>
+                <a:cxnSpLocks/>
+              </p:cNvCxnSpPr>
+              <p:nvPr/>
+            </p:nvCxnSpPr>
+            <p:spPr>
+              <a:xfrm flipH="1">
+                <a:off x="5329845" y="1215444"/>
+                <a:ext cx="721820" cy="430476"/>
+              </a:xfrm>
+              <a:prstGeom prst="line">
+                <a:avLst/>
+              </a:prstGeom>
+              <a:ln w="38100">
+                <a:solidFill>
+                  <a:schemeClr val="bg1">
+                    <a:lumMod val="85000"/>
+                  </a:schemeClr>
+                </a:solidFill>
+              </a:ln>
+            </p:spPr>
+            <p:style>
+              <a:lnRef idx="1">
+                <a:schemeClr val="accent1"/>
+              </a:lnRef>
+              <a:fillRef idx="0">
+                <a:schemeClr val="accent1"/>
+              </a:fillRef>
+              <a:effectRef idx="0">
+                <a:schemeClr val="accent1"/>
+              </a:effectRef>
+              <a:fontRef idx="minor">
+                <a:schemeClr val="tx1"/>
+              </a:fontRef>
+            </p:style>
+          </p:cxnSp>
+        </p:grpSp>
+        <p:grpSp>
+          <p:nvGrpSpPr>
+            <p:cNvPr id="62" name="Group 61">
+              <a:extLst>
+                <a:ext uri="{FF2B5EF4-FFF2-40B4-BE49-F238E27FC236}">
+                  <a16:creationId xmlns:a16="http://schemas.microsoft.com/office/drawing/2014/main" id="{B73D4896-31DE-E543-B429-57A531E0820D}"/>
+                </a:ext>
+              </a:extLst>
+            </p:cNvPr>
+            <p:cNvGrpSpPr/>
+            <p:nvPr/>
+          </p:nvGrpSpPr>
+          <p:grpSpPr>
+            <a:xfrm>
+              <a:off x="2486916" y="1954058"/>
+              <a:ext cx="393444" cy="294517"/>
+              <a:chOff x="5329845" y="1105593"/>
+              <a:chExt cx="721820" cy="540327"/>
+            </a:xfrm>
+          </p:grpSpPr>
+          <p:cxnSp>
+            <p:nvCxnSpPr>
+              <p:cNvPr id="63" name="Straight Connector 62">
+                <a:extLst>
+                  <a:ext uri="{FF2B5EF4-FFF2-40B4-BE49-F238E27FC236}">
+                    <a16:creationId xmlns:a16="http://schemas.microsoft.com/office/drawing/2014/main" id="{62384CA5-C915-0442-B800-E64150874040}"/>
+                  </a:ext>
+                </a:extLst>
+              </p:cNvPr>
+              <p:cNvCxnSpPr>
+                <a:cxnSpLocks/>
+              </p:cNvCxnSpPr>
+              <p:nvPr/>
+            </p:nvCxnSpPr>
+            <p:spPr>
+              <a:xfrm>
+                <a:off x="5444836" y="1105593"/>
+                <a:ext cx="0" cy="540327"/>
+              </a:xfrm>
+              <a:prstGeom prst="line">
+                <a:avLst/>
+              </a:prstGeom>
+              <a:ln w="38100">
+                <a:solidFill>
+                  <a:schemeClr val="bg1">
+                    <a:lumMod val="85000"/>
+                  </a:schemeClr>
+                </a:solidFill>
+              </a:ln>
+            </p:spPr>
+            <p:style>
+              <a:lnRef idx="1">
+                <a:schemeClr val="accent1"/>
+              </a:lnRef>
+              <a:fillRef idx="0">
+                <a:schemeClr val="accent1"/>
+              </a:fillRef>
+              <a:effectRef idx="0">
+                <a:schemeClr val="accent1"/>
+              </a:effectRef>
+              <a:fontRef idx="minor">
+                <a:schemeClr val="tx1"/>
+              </a:fontRef>
+            </p:style>
+          </p:cxnSp>
+          <p:cxnSp>
+            <p:nvCxnSpPr>
+              <p:cNvPr id="64" name="Straight Connector 63">
+                <a:extLst>
+                  <a:ext uri="{FF2B5EF4-FFF2-40B4-BE49-F238E27FC236}">
+                    <a16:creationId xmlns:a16="http://schemas.microsoft.com/office/drawing/2014/main" id="{ECE66D74-D455-454D-AA96-424722495843}"/>
+                  </a:ext>
+                </a:extLst>
+              </p:cNvPr>
+              <p:cNvCxnSpPr>
+                <a:cxnSpLocks/>
+              </p:cNvCxnSpPr>
+              <p:nvPr/>
+            </p:nvCxnSpPr>
+            <p:spPr>
+              <a:xfrm>
+                <a:off x="5597236" y="1105593"/>
+                <a:ext cx="0" cy="540327"/>
+              </a:xfrm>
+              <a:prstGeom prst="line">
+                <a:avLst/>
+              </a:prstGeom>
+              <a:ln w="38100">
+                <a:solidFill>
+                  <a:schemeClr val="bg1">
+                    <a:lumMod val="85000"/>
+                  </a:schemeClr>
+                </a:solidFill>
+              </a:ln>
+            </p:spPr>
+            <p:style>
+              <a:lnRef idx="1">
+                <a:schemeClr val="accent1"/>
+              </a:lnRef>
+              <a:fillRef idx="0">
+                <a:schemeClr val="accent1"/>
+              </a:fillRef>
+              <a:effectRef idx="0">
+                <a:schemeClr val="accent1"/>
+              </a:effectRef>
+              <a:fontRef idx="minor">
+                <a:schemeClr val="tx1"/>
+              </a:fontRef>
+            </p:style>
+          </p:cxnSp>
+          <p:cxnSp>
+            <p:nvCxnSpPr>
+              <p:cNvPr id="65" name="Straight Connector 64">
+                <a:extLst>
+                  <a:ext uri="{FF2B5EF4-FFF2-40B4-BE49-F238E27FC236}">
+                    <a16:creationId xmlns:a16="http://schemas.microsoft.com/office/drawing/2014/main" id="{902F5279-0E49-D141-83D0-B0E1662F92ED}"/>
+                  </a:ext>
+                </a:extLst>
+              </p:cNvPr>
+              <p:cNvCxnSpPr>
+                <a:cxnSpLocks/>
+              </p:cNvCxnSpPr>
+              <p:nvPr/>
+            </p:nvCxnSpPr>
+            <p:spPr>
+              <a:xfrm>
+                <a:off x="5749636" y="1105593"/>
+                <a:ext cx="0" cy="540327"/>
+              </a:xfrm>
+              <a:prstGeom prst="line">
+                <a:avLst/>
+              </a:prstGeom>
+              <a:ln w="38100">
+                <a:solidFill>
+                  <a:schemeClr val="bg1">
+                    <a:lumMod val="85000"/>
+                  </a:schemeClr>
+                </a:solidFill>
+              </a:ln>
+            </p:spPr>
+            <p:style>
+              <a:lnRef idx="1">
+                <a:schemeClr val="accent1"/>
+              </a:lnRef>
+              <a:fillRef idx="0">
+                <a:schemeClr val="accent1"/>
+              </a:fillRef>
+              <a:effectRef idx="0">
+                <a:schemeClr val="accent1"/>
+              </a:effectRef>
+              <a:fontRef idx="minor">
+                <a:schemeClr val="tx1"/>
+              </a:fontRef>
+            </p:style>
+          </p:cxnSp>
+          <p:cxnSp>
+            <p:nvCxnSpPr>
+              <p:cNvPr id="66" name="Straight Connector 65">
+                <a:extLst>
+                  <a:ext uri="{FF2B5EF4-FFF2-40B4-BE49-F238E27FC236}">
+                    <a16:creationId xmlns:a16="http://schemas.microsoft.com/office/drawing/2014/main" id="{4E2D4CB3-9ABC-0C41-BECA-D50A32B40BD5}"/>
+                  </a:ext>
+                </a:extLst>
+              </p:cNvPr>
+              <p:cNvCxnSpPr>
+                <a:cxnSpLocks/>
+              </p:cNvCxnSpPr>
+              <p:nvPr/>
+            </p:nvCxnSpPr>
+            <p:spPr>
+              <a:xfrm>
+                <a:off x="5902036" y="1105593"/>
+                <a:ext cx="0" cy="540327"/>
+              </a:xfrm>
+              <a:prstGeom prst="line">
+                <a:avLst/>
+              </a:prstGeom>
+              <a:ln w="38100">
+                <a:solidFill>
+                  <a:schemeClr val="bg1">
+                    <a:lumMod val="85000"/>
+                  </a:schemeClr>
+                </a:solidFill>
+              </a:ln>
+            </p:spPr>
+            <p:style>
+              <a:lnRef idx="1">
+                <a:schemeClr val="accent1"/>
+              </a:lnRef>
+              <a:fillRef idx="0">
+                <a:schemeClr val="accent1"/>
+              </a:fillRef>
+              <a:effectRef idx="0">
+                <a:schemeClr val="accent1"/>
+              </a:effectRef>
+              <a:fontRef idx="minor">
+                <a:schemeClr val="tx1"/>
+              </a:fontRef>
+            </p:style>
+          </p:cxnSp>
+          <p:cxnSp>
+            <p:nvCxnSpPr>
+              <p:cNvPr id="68" name="Straight Connector 67">
+                <a:extLst>
+                  <a:ext uri="{FF2B5EF4-FFF2-40B4-BE49-F238E27FC236}">
+                    <a16:creationId xmlns:a16="http://schemas.microsoft.com/office/drawing/2014/main" id="{C3F3B667-311E-D449-A4A8-9B5D4AF1C996}"/>
+                  </a:ext>
+                </a:extLst>
+              </p:cNvPr>
+              <p:cNvCxnSpPr>
+                <a:cxnSpLocks/>
+              </p:cNvCxnSpPr>
+              <p:nvPr/>
+            </p:nvCxnSpPr>
+            <p:spPr>
+              <a:xfrm flipH="1">
+                <a:off x="5329845" y="1215444"/>
+                <a:ext cx="721820" cy="430476"/>
+              </a:xfrm>
+              <a:prstGeom prst="line">
+                <a:avLst/>
+              </a:prstGeom>
+              <a:ln w="38100">
+                <a:solidFill>
+                  <a:schemeClr val="bg1">
+                    <a:lumMod val="85000"/>
+                  </a:schemeClr>
+                </a:solidFill>
+              </a:ln>
+            </p:spPr>
+            <p:style>
+              <a:lnRef idx="1">
+                <a:schemeClr val="accent1"/>
+              </a:lnRef>
+              <a:fillRef idx="0">
+                <a:schemeClr val="accent1"/>
+              </a:fillRef>
+              <a:effectRef idx="0">
+                <a:schemeClr val="accent1"/>
+              </a:effectRef>
+              <a:fontRef idx="minor">
+                <a:schemeClr val="tx1"/>
+              </a:fontRef>
+            </p:style>
+          </p:cxnSp>
+        </p:grpSp>
+        <p:grpSp>
+          <p:nvGrpSpPr>
+            <p:cNvPr id="83" name="Group 82">
+              <a:extLst>
+                <a:ext uri="{FF2B5EF4-FFF2-40B4-BE49-F238E27FC236}">
+                  <a16:creationId xmlns:a16="http://schemas.microsoft.com/office/drawing/2014/main" id="{F4F5FDD4-C8E8-3443-A251-15ACD44F37B0}"/>
+                </a:ext>
+              </a:extLst>
+            </p:cNvPr>
+            <p:cNvGrpSpPr/>
+            <p:nvPr/>
+          </p:nvGrpSpPr>
+          <p:grpSpPr>
+            <a:xfrm>
+              <a:off x="1996465" y="1954058"/>
+              <a:ext cx="393444" cy="294517"/>
+              <a:chOff x="5329845" y="1105593"/>
+              <a:chExt cx="721820" cy="540327"/>
+            </a:xfrm>
+          </p:grpSpPr>
+          <p:cxnSp>
+            <p:nvCxnSpPr>
+              <p:cNvPr id="84" name="Straight Connector 83">
+                <a:extLst>
+                  <a:ext uri="{FF2B5EF4-FFF2-40B4-BE49-F238E27FC236}">
+                    <a16:creationId xmlns:a16="http://schemas.microsoft.com/office/drawing/2014/main" id="{1543CD1C-A363-4A46-967C-8411A3860B6F}"/>
+                  </a:ext>
+                </a:extLst>
+              </p:cNvPr>
+              <p:cNvCxnSpPr>
+                <a:cxnSpLocks/>
+              </p:cNvCxnSpPr>
+              <p:nvPr/>
+            </p:nvCxnSpPr>
+            <p:spPr>
+              <a:xfrm>
+                <a:off x="5444836" y="1105593"/>
+                <a:ext cx="0" cy="540327"/>
+              </a:xfrm>
+              <a:prstGeom prst="line">
+                <a:avLst/>
+              </a:prstGeom>
+              <a:ln w="38100">
+                <a:solidFill>
+                  <a:schemeClr val="bg1">
+                    <a:lumMod val="85000"/>
+                  </a:schemeClr>
+                </a:solidFill>
+              </a:ln>
+            </p:spPr>
+            <p:style>
+              <a:lnRef idx="1">
+                <a:schemeClr val="accent1"/>
+              </a:lnRef>
+              <a:fillRef idx="0">
+                <a:schemeClr val="accent1"/>
+              </a:fillRef>
+              <a:effectRef idx="0">
+                <a:schemeClr val="accent1"/>
+              </a:effectRef>
+              <a:fontRef idx="minor">
+                <a:schemeClr val="tx1"/>
+              </a:fontRef>
+            </p:style>
+          </p:cxnSp>
+          <p:cxnSp>
+            <p:nvCxnSpPr>
+              <p:cNvPr id="85" name="Straight Connector 84">
+                <a:extLst>
+                  <a:ext uri="{FF2B5EF4-FFF2-40B4-BE49-F238E27FC236}">
+                    <a16:creationId xmlns:a16="http://schemas.microsoft.com/office/drawing/2014/main" id="{CAB78A53-36D4-6F46-A79F-303D427B479B}"/>
+                  </a:ext>
+                </a:extLst>
+              </p:cNvPr>
+              <p:cNvCxnSpPr>
+                <a:cxnSpLocks/>
+              </p:cNvCxnSpPr>
+              <p:nvPr/>
+            </p:nvCxnSpPr>
+            <p:spPr>
+              <a:xfrm>
+                <a:off x="5597236" y="1105593"/>
+                <a:ext cx="0" cy="540327"/>
+              </a:xfrm>
+              <a:prstGeom prst="line">
+                <a:avLst/>
+              </a:prstGeom>
+              <a:ln w="38100">
+                <a:solidFill>
+                  <a:schemeClr val="bg1">
+                    <a:lumMod val="85000"/>
+                  </a:schemeClr>
+                </a:solidFill>
+              </a:ln>
+            </p:spPr>
+            <p:style>
+              <a:lnRef idx="1">
+                <a:schemeClr val="accent1"/>
+              </a:lnRef>
+              <a:fillRef idx="0">
+                <a:schemeClr val="accent1"/>
+              </a:fillRef>
+              <a:effectRef idx="0">
+                <a:schemeClr val="accent1"/>
+              </a:effectRef>
+              <a:fontRef idx="minor">
+                <a:schemeClr val="tx1"/>
+              </a:fontRef>
+            </p:style>
+          </p:cxnSp>
+          <p:cxnSp>
+            <p:nvCxnSpPr>
+              <p:cNvPr id="86" name="Straight Connector 85">
+                <a:extLst>
+                  <a:ext uri="{FF2B5EF4-FFF2-40B4-BE49-F238E27FC236}">
+                    <a16:creationId xmlns:a16="http://schemas.microsoft.com/office/drawing/2014/main" id="{8C848666-7954-2249-96F1-827B4ABE7789}"/>
+                  </a:ext>
+                </a:extLst>
+              </p:cNvPr>
+              <p:cNvCxnSpPr>
+                <a:cxnSpLocks/>
+              </p:cNvCxnSpPr>
+              <p:nvPr/>
+            </p:nvCxnSpPr>
+            <p:spPr>
+              <a:xfrm>
+                <a:off x="5749636" y="1105593"/>
+                <a:ext cx="0" cy="540327"/>
+              </a:xfrm>
+              <a:prstGeom prst="line">
+                <a:avLst/>
+              </a:prstGeom>
+              <a:ln w="38100">
+                <a:solidFill>
+                  <a:schemeClr val="bg1">
+                    <a:lumMod val="85000"/>
+                  </a:schemeClr>
+                </a:solidFill>
+              </a:ln>
+            </p:spPr>
+            <p:style>
+              <a:lnRef idx="1">
+                <a:schemeClr val="accent1"/>
+              </a:lnRef>
+              <a:fillRef idx="0">
+                <a:schemeClr val="accent1"/>
+              </a:fillRef>
+              <a:effectRef idx="0">
+                <a:schemeClr val="accent1"/>
+              </a:effectRef>
+              <a:fontRef idx="minor">
+                <a:schemeClr val="tx1"/>
+              </a:fontRef>
+            </p:style>
+          </p:cxnSp>
+          <p:cxnSp>
+            <p:nvCxnSpPr>
+              <p:cNvPr id="87" name="Straight Connector 86">
+                <a:extLst>
+                  <a:ext uri="{FF2B5EF4-FFF2-40B4-BE49-F238E27FC236}">
+                    <a16:creationId xmlns:a16="http://schemas.microsoft.com/office/drawing/2014/main" id="{81D50CCA-5C49-4846-9411-C269FF6BC33D}"/>
+                  </a:ext>
+                </a:extLst>
+              </p:cNvPr>
+              <p:cNvCxnSpPr>
+                <a:cxnSpLocks/>
+              </p:cNvCxnSpPr>
+              <p:nvPr/>
+            </p:nvCxnSpPr>
+            <p:spPr>
+              <a:xfrm>
+                <a:off x="5902036" y="1105593"/>
+                <a:ext cx="0" cy="540327"/>
+              </a:xfrm>
+              <a:prstGeom prst="line">
+                <a:avLst/>
+              </a:prstGeom>
+              <a:ln w="38100">
+                <a:solidFill>
+                  <a:schemeClr val="bg1">
+                    <a:lumMod val="85000"/>
+                  </a:schemeClr>
+                </a:solidFill>
+              </a:ln>
+            </p:spPr>
+            <p:style>
+              <a:lnRef idx="1">
+                <a:schemeClr val="accent1"/>
+              </a:lnRef>
+              <a:fillRef idx="0">
+                <a:schemeClr val="accent1"/>
+              </a:fillRef>
+              <a:effectRef idx="0">
+                <a:schemeClr val="accent1"/>
+              </a:effectRef>
+              <a:fontRef idx="minor">
+                <a:schemeClr val="tx1"/>
+              </a:fontRef>
+            </p:style>
+          </p:cxnSp>
+          <p:cxnSp>
+            <p:nvCxnSpPr>
+              <p:cNvPr id="88" name="Straight Connector 87">
+                <a:extLst>
+                  <a:ext uri="{FF2B5EF4-FFF2-40B4-BE49-F238E27FC236}">
+                    <a16:creationId xmlns:a16="http://schemas.microsoft.com/office/drawing/2014/main" id="{3112BBD6-8DE7-CA42-9948-9DC700401290}"/>
+                  </a:ext>
+                </a:extLst>
+              </p:cNvPr>
+              <p:cNvCxnSpPr>
+                <a:cxnSpLocks/>
+              </p:cNvCxnSpPr>
+              <p:nvPr/>
+            </p:nvCxnSpPr>
+            <p:spPr>
+              <a:xfrm flipH="1">
+                <a:off x="5329845" y="1215444"/>
+                <a:ext cx="721820" cy="430476"/>
+              </a:xfrm>
+              <a:prstGeom prst="line">
+                <a:avLst/>
+              </a:prstGeom>
+              <a:ln w="38100">
+                <a:solidFill>
+                  <a:schemeClr val="bg1">
+                    <a:lumMod val="85000"/>
+                  </a:schemeClr>
+                </a:solidFill>
+              </a:ln>
+            </p:spPr>
+            <p:style>
+              <a:lnRef idx="1">
+                <a:schemeClr val="accent1"/>
+              </a:lnRef>
+              <a:fillRef idx="0">
+                <a:schemeClr val="accent1"/>
+              </a:fillRef>
+              <a:effectRef idx="0">
+                <a:schemeClr val="accent1"/>
+              </a:effectRef>
+              <a:fontRef idx="minor">
+                <a:schemeClr val="tx1"/>
+              </a:fontRef>
+            </p:style>
+          </p:cxnSp>
+        </p:grpSp>
+        <p:grpSp>
+          <p:nvGrpSpPr>
+            <p:cNvPr id="89" name="Group 88">
+              <a:extLst>
+                <a:ext uri="{FF2B5EF4-FFF2-40B4-BE49-F238E27FC236}">
+                  <a16:creationId xmlns:a16="http://schemas.microsoft.com/office/drawing/2014/main" id="{967A2723-DD37-F54B-8440-64584AEE3113}"/>
+                </a:ext>
+              </a:extLst>
+            </p:cNvPr>
+            <p:cNvGrpSpPr/>
+            <p:nvPr/>
+          </p:nvGrpSpPr>
+          <p:grpSpPr>
+            <a:xfrm>
+              <a:off x="1506014" y="1954058"/>
+              <a:ext cx="393444" cy="294517"/>
+              <a:chOff x="5329845" y="1105593"/>
+              <a:chExt cx="721820" cy="540327"/>
+            </a:xfrm>
+          </p:grpSpPr>
+          <p:cxnSp>
+            <p:nvCxnSpPr>
+              <p:cNvPr id="90" name="Straight Connector 89">
+                <a:extLst>
+                  <a:ext uri="{FF2B5EF4-FFF2-40B4-BE49-F238E27FC236}">
+                    <a16:creationId xmlns:a16="http://schemas.microsoft.com/office/drawing/2014/main" id="{0B0B39C2-0209-3643-9ECE-7D66552639CB}"/>
+                  </a:ext>
+                </a:extLst>
+              </p:cNvPr>
+              <p:cNvCxnSpPr>
+                <a:cxnSpLocks/>
+              </p:cNvCxnSpPr>
+              <p:nvPr/>
+            </p:nvCxnSpPr>
+            <p:spPr>
+              <a:xfrm>
+                <a:off x="5444836" y="1105593"/>
+                <a:ext cx="0" cy="540327"/>
+              </a:xfrm>
+              <a:prstGeom prst="line">
+                <a:avLst/>
+              </a:prstGeom>
+              <a:ln w="38100">
+                <a:solidFill>
+                  <a:schemeClr val="bg1">
+                    <a:lumMod val="85000"/>
+                  </a:schemeClr>
+                </a:solidFill>
+              </a:ln>
+            </p:spPr>
+            <p:style>
+              <a:lnRef idx="1">
+                <a:schemeClr val="accent1"/>
+              </a:lnRef>
+              <a:fillRef idx="0">
+                <a:schemeClr val="accent1"/>
+              </a:fillRef>
+              <a:effectRef idx="0">
+                <a:schemeClr val="accent1"/>
+              </a:effectRef>
+              <a:fontRef idx="minor">
+                <a:schemeClr val="tx1"/>
+              </a:fontRef>
+            </p:style>
+          </p:cxnSp>
+          <p:cxnSp>
+            <p:nvCxnSpPr>
+              <p:cNvPr id="91" name="Straight Connector 90">
+                <a:extLst>
+                  <a:ext uri="{FF2B5EF4-FFF2-40B4-BE49-F238E27FC236}">
+                    <a16:creationId xmlns:a16="http://schemas.microsoft.com/office/drawing/2014/main" id="{630E8F51-0875-6C4D-927B-ED2E8650C121}"/>
+                  </a:ext>
+                </a:extLst>
+              </p:cNvPr>
+              <p:cNvCxnSpPr>
+                <a:cxnSpLocks/>
+              </p:cNvCxnSpPr>
+              <p:nvPr/>
+            </p:nvCxnSpPr>
+            <p:spPr>
+              <a:xfrm>
+                <a:off x="5597236" y="1105593"/>
+                <a:ext cx="0" cy="540327"/>
+              </a:xfrm>
+              <a:prstGeom prst="line">
+                <a:avLst/>
+              </a:prstGeom>
+              <a:ln w="38100">
+                <a:solidFill>
+                  <a:schemeClr val="bg1">
+                    <a:lumMod val="85000"/>
+                  </a:schemeClr>
+                </a:solidFill>
+              </a:ln>
+            </p:spPr>
+            <p:style>
+              <a:lnRef idx="1">
+                <a:schemeClr val="accent1"/>
+              </a:lnRef>
+              <a:fillRef idx="0">
+                <a:schemeClr val="accent1"/>
+              </a:fillRef>
+              <a:effectRef idx="0">
+                <a:schemeClr val="accent1"/>
+              </a:effectRef>
+              <a:fontRef idx="minor">
+                <a:schemeClr val="tx1"/>
+              </a:fontRef>
+            </p:style>
+          </p:cxnSp>
+          <p:cxnSp>
+            <p:nvCxnSpPr>
+              <p:cNvPr id="92" name="Straight Connector 91">
+                <a:extLst>
+                  <a:ext uri="{FF2B5EF4-FFF2-40B4-BE49-F238E27FC236}">
+                    <a16:creationId xmlns:a16="http://schemas.microsoft.com/office/drawing/2014/main" id="{F3C5D78C-DD64-494C-8001-B3CE5169C692}"/>
+                  </a:ext>
+                </a:extLst>
+              </p:cNvPr>
+              <p:cNvCxnSpPr>
+                <a:cxnSpLocks/>
+              </p:cNvCxnSpPr>
+              <p:nvPr/>
+            </p:nvCxnSpPr>
+            <p:spPr>
+              <a:xfrm>
+                <a:off x="5749636" y="1105593"/>
+                <a:ext cx="0" cy="540327"/>
+              </a:xfrm>
+              <a:prstGeom prst="line">
+                <a:avLst/>
+              </a:prstGeom>
+              <a:ln w="38100">
+                <a:solidFill>
+                  <a:schemeClr val="bg1">
+                    <a:lumMod val="85000"/>
+                  </a:schemeClr>
+                </a:solidFill>
+              </a:ln>
+            </p:spPr>
+            <p:style>
+              <a:lnRef idx="1">
+                <a:schemeClr val="accent1"/>
+              </a:lnRef>
+              <a:fillRef idx="0">
+                <a:schemeClr val="accent1"/>
+              </a:fillRef>
+              <a:effectRef idx="0">
+                <a:schemeClr val="accent1"/>
+              </a:effectRef>
+              <a:fontRef idx="minor">
+                <a:schemeClr val="tx1"/>
+              </a:fontRef>
+            </p:style>
+          </p:cxnSp>
+          <p:cxnSp>
+            <p:nvCxnSpPr>
+              <p:cNvPr id="93" name="Straight Connector 92">
+                <a:extLst>
+                  <a:ext uri="{FF2B5EF4-FFF2-40B4-BE49-F238E27FC236}">
+                    <a16:creationId xmlns:a16="http://schemas.microsoft.com/office/drawing/2014/main" id="{F6942C84-1D02-AD48-9666-EE5AF3BD8278}"/>
+                  </a:ext>
+                </a:extLst>
+              </p:cNvPr>
+              <p:cNvCxnSpPr>
+                <a:cxnSpLocks/>
+              </p:cNvCxnSpPr>
+              <p:nvPr/>
+            </p:nvCxnSpPr>
+            <p:spPr>
+              <a:xfrm>
+                <a:off x="5902036" y="1105593"/>
+                <a:ext cx="0" cy="540327"/>
+              </a:xfrm>
+              <a:prstGeom prst="line">
+                <a:avLst/>
+              </a:prstGeom>
+              <a:ln w="38100">
+                <a:solidFill>
+                  <a:schemeClr val="bg1">
+                    <a:lumMod val="85000"/>
+                  </a:schemeClr>
+                </a:solidFill>
+              </a:ln>
+            </p:spPr>
+            <p:style>
+              <a:lnRef idx="1">
+                <a:schemeClr val="accent1"/>
+              </a:lnRef>
+              <a:fillRef idx="0">
+                <a:schemeClr val="accent1"/>
+              </a:fillRef>
+              <a:effectRef idx="0">
+                <a:schemeClr val="accent1"/>
+              </a:effectRef>
+              <a:fontRef idx="minor">
+                <a:schemeClr val="tx1"/>
+              </a:fontRef>
+            </p:style>
+          </p:cxnSp>
+          <p:cxnSp>
+            <p:nvCxnSpPr>
+              <p:cNvPr id="94" name="Straight Connector 93">
+                <a:extLst>
+                  <a:ext uri="{FF2B5EF4-FFF2-40B4-BE49-F238E27FC236}">
+                    <a16:creationId xmlns:a16="http://schemas.microsoft.com/office/drawing/2014/main" id="{E737406C-9836-6342-B706-75E5E99E5107}"/>
+                  </a:ext>
+                </a:extLst>
+              </p:cNvPr>
+              <p:cNvCxnSpPr>
+                <a:cxnSpLocks/>
+              </p:cNvCxnSpPr>
+              <p:nvPr/>
+            </p:nvCxnSpPr>
+            <p:spPr>
+              <a:xfrm flipH="1">
+                <a:off x="5329845" y="1215444"/>
+                <a:ext cx="721820" cy="430476"/>
+              </a:xfrm>
+              <a:prstGeom prst="line">
+                <a:avLst/>
+              </a:prstGeom>
+              <a:ln w="38100">
+                <a:solidFill>
+                  <a:schemeClr val="bg1">
+                    <a:lumMod val="85000"/>
+                  </a:schemeClr>
+                </a:solidFill>
+              </a:ln>
+            </p:spPr>
+            <p:style>
+              <a:lnRef idx="1">
+                <a:schemeClr val="accent1"/>
+              </a:lnRef>
+              <a:fillRef idx="0">
+                <a:schemeClr val="accent1"/>
+              </a:fillRef>
+              <a:effectRef idx="0">
+                <a:schemeClr val="accent1"/>
+              </a:effectRef>
+              <a:fontRef idx="minor">
+                <a:schemeClr val="tx1"/>
+              </a:fontRef>
+            </p:style>
+          </p:cxnSp>
+        </p:grpSp>
+        <p:grpSp>
+          <p:nvGrpSpPr>
+            <p:cNvPr id="95" name="Group 94">
+              <a:extLst>
+                <a:ext uri="{FF2B5EF4-FFF2-40B4-BE49-F238E27FC236}">
+                  <a16:creationId xmlns:a16="http://schemas.microsoft.com/office/drawing/2014/main" id="{760255C0-741F-C548-9C3E-96112E239C6A}"/>
+                </a:ext>
+              </a:extLst>
+            </p:cNvPr>
+            <p:cNvGrpSpPr/>
+            <p:nvPr/>
+          </p:nvGrpSpPr>
+          <p:grpSpPr>
+            <a:xfrm>
+              <a:off x="4939171" y="1954058"/>
+              <a:ext cx="393444" cy="294517"/>
+              <a:chOff x="5329845" y="1105593"/>
+              <a:chExt cx="721820" cy="540327"/>
+            </a:xfrm>
+          </p:grpSpPr>
+          <p:cxnSp>
+            <p:nvCxnSpPr>
+              <p:cNvPr id="96" name="Straight Connector 95">
+                <a:extLst>
+                  <a:ext uri="{FF2B5EF4-FFF2-40B4-BE49-F238E27FC236}">
+                    <a16:creationId xmlns:a16="http://schemas.microsoft.com/office/drawing/2014/main" id="{9DF9B1E5-90C6-8447-BB94-294B6FBBA09C}"/>
+                  </a:ext>
+                </a:extLst>
+              </p:cNvPr>
+              <p:cNvCxnSpPr>
+                <a:cxnSpLocks/>
+              </p:cNvCxnSpPr>
+              <p:nvPr/>
+            </p:nvCxnSpPr>
+            <p:spPr>
+              <a:xfrm>
+                <a:off x="5444836" y="1105593"/>
+                <a:ext cx="0" cy="540327"/>
+              </a:xfrm>
+              <a:prstGeom prst="line">
+                <a:avLst/>
+              </a:prstGeom>
+              <a:ln w="38100">
+                <a:solidFill>
+                  <a:schemeClr val="bg1">
+                    <a:lumMod val="85000"/>
+                  </a:schemeClr>
+                </a:solidFill>
+              </a:ln>
+            </p:spPr>
+            <p:style>
+              <a:lnRef idx="1">
+                <a:schemeClr val="accent1"/>
+              </a:lnRef>
+              <a:fillRef idx="0">
+                <a:schemeClr val="accent1"/>
+              </a:fillRef>
+              <a:effectRef idx="0">
+                <a:schemeClr val="accent1"/>
+              </a:effectRef>
+              <a:fontRef idx="minor">
+                <a:schemeClr val="tx1"/>
+              </a:fontRef>
+            </p:style>
+          </p:cxnSp>
+          <p:cxnSp>
+            <p:nvCxnSpPr>
+              <p:cNvPr id="98" name="Straight Connector 97">
+                <a:extLst>
+                  <a:ext uri="{FF2B5EF4-FFF2-40B4-BE49-F238E27FC236}">
+                    <a16:creationId xmlns:a16="http://schemas.microsoft.com/office/drawing/2014/main" id="{FB7FA601-DDD2-A04F-A303-1E6F5A3C191A}"/>
+                  </a:ext>
+                </a:extLst>
+              </p:cNvPr>
+              <p:cNvCxnSpPr>
+                <a:cxnSpLocks/>
+              </p:cNvCxnSpPr>
+              <p:nvPr/>
+            </p:nvCxnSpPr>
+            <p:spPr>
+              <a:xfrm>
+                <a:off x="5597236" y="1105593"/>
+                <a:ext cx="0" cy="540327"/>
+              </a:xfrm>
+              <a:prstGeom prst="line">
+                <a:avLst/>
+              </a:prstGeom>
+              <a:ln w="38100">
+                <a:solidFill>
+                  <a:schemeClr val="bg1">
+                    <a:lumMod val="85000"/>
+                  </a:schemeClr>
+                </a:solidFill>
+              </a:ln>
+            </p:spPr>
+            <p:style>
+              <a:lnRef idx="1">
+                <a:schemeClr val="accent1"/>
+              </a:lnRef>
+              <a:fillRef idx="0">
+                <a:schemeClr val="accent1"/>
+              </a:fillRef>
+              <a:effectRef idx="0">
+                <a:schemeClr val="accent1"/>
+              </a:effectRef>
+              <a:fontRef idx="minor">
+                <a:schemeClr val="tx1"/>
+              </a:fontRef>
+            </p:style>
+          </p:cxnSp>
+          <p:cxnSp>
+            <p:nvCxnSpPr>
+              <p:cNvPr id="99" name="Straight Connector 98">
+                <a:extLst>
+                  <a:ext uri="{FF2B5EF4-FFF2-40B4-BE49-F238E27FC236}">
+                    <a16:creationId xmlns:a16="http://schemas.microsoft.com/office/drawing/2014/main" id="{3C6C0EA3-9A48-CD47-80F3-649AABB49C47}"/>
+                  </a:ext>
+                </a:extLst>
+              </p:cNvPr>
+              <p:cNvCxnSpPr>
+                <a:cxnSpLocks/>
+              </p:cNvCxnSpPr>
+              <p:nvPr/>
+            </p:nvCxnSpPr>
+            <p:spPr>
+              <a:xfrm>
+                <a:off x="5749636" y="1105593"/>
+                <a:ext cx="0" cy="540327"/>
+              </a:xfrm>
+              <a:prstGeom prst="line">
+                <a:avLst/>
+              </a:prstGeom>
+              <a:ln w="38100">
+                <a:solidFill>
+                  <a:schemeClr val="bg1">
+                    <a:lumMod val="85000"/>
+                  </a:schemeClr>
+                </a:solidFill>
+              </a:ln>
+            </p:spPr>
+            <p:style>
+              <a:lnRef idx="1">
+                <a:schemeClr val="accent1"/>
+              </a:lnRef>
+              <a:fillRef idx="0">
+                <a:schemeClr val="accent1"/>
+              </a:fillRef>
+              <a:effectRef idx="0">
+                <a:schemeClr val="accent1"/>
+              </a:effectRef>
+              <a:fontRef idx="minor">
+                <a:schemeClr val="tx1"/>
+              </a:fontRef>
+            </p:style>
+          </p:cxnSp>
+          <p:cxnSp>
+            <p:nvCxnSpPr>
+              <p:cNvPr id="100" name="Straight Connector 99">
+                <a:extLst>
+                  <a:ext uri="{FF2B5EF4-FFF2-40B4-BE49-F238E27FC236}">
+                    <a16:creationId xmlns:a16="http://schemas.microsoft.com/office/drawing/2014/main" id="{385FA72C-4FC3-E64E-BC47-C6668B74F4D8}"/>
+                  </a:ext>
+                </a:extLst>
+              </p:cNvPr>
+              <p:cNvCxnSpPr>
+                <a:cxnSpLocks/>
+              </p:cNvCxnSpPr>
+              <p:nvPr/>
+            </p:nvCxnSpPr>
+            <p:spPr>
+              <a:xfrm>
+                <a:off x="5902036" y="1105593"/>
+                <a:ext cx="0" cy="540327"/>
+              </a:xfrm>
+              <a:prstGeom prst="line">
+                <a:avLst/>
+              </a:prstGeom>
+              <a:ln w="38100">
+                <a:solidFill>
+                  <a:schemeClr val="bg1">
+                    <a:lumMod val="85000"/>
+                  </a:schemeClr>
+                </a:solidFill>
+              </a:ln>
+            </p:spPr>
+            <p:style>
+              <a:lnRef idx="1">
+                <a:schemeClr val="accent1"/>
+              </a:lnRef>
+              <a:fillRef idx="0">
+                <a:schemeClr val="accent1"/>
+              </a:fillRef>
+              <a:effectRef idx="0">
+                <a:schemeClr val="accent1"/>
+              </a:effectRef>
+              <a:fontRef idx="minor">
+                <a:schemeClr val="tx1"/>
+              </a:fontRef>
+            </p:style>
+          </p:cxnSp>
+          <p:cxnSp>
+            <p:nvCxnSpPr>
+              <p:cNvPr id="101" name="Straight Connector 100">
+                <a:extLst>
+                  <a:ext uri="{FF2B5EF4-FFF2-40B4-BE49-F238E27FC236}">
+                    <a16:creationId xmlns:a16="http://schemas.microsoft.com/office/drawing/2014/main" id="{5059790C-B794-BA49-BE79-FE2899252DA9}"/>
+                  </a:ext>
+                </a:extLst>
+              </p:cNvPr>
+              <p:cNvCxnSpPr>
+                <a:cxnSpLocks/>
+              </p:cNvCxnSpPr>
+              <p:nvPr/>
+            </p:nvCxnSpPr>
+            <p:spPr>
+              <a:xfrm flipH="1">
+                <a:off x="5329845" y="1215444"/>
+                <a:ext cx="721820" cy="430476"/>
+              </a:xfrm>
+              <a:prstGeom prst="line">
+                <a:avLst/>
+              </a:prstGeom>
+              <a:ln w="38100">
+                <a:solidFill>
+                  <a:schemeClr val="bg1">
+                    <a:lumMod val="85000"/>
+                  </a:schemeClr>
+                </a:solidFill>
+              </a:ln>
+            </p:spPr>
+            <p:style>
+              <a:lnRef idx="1">
+                <a:schemeClr val="accent1"/>
+              </a:lnRef>
+              <a:fillRef idx="0">
+                <a:schemeClr val="accent1"/>
+              </a:fillRef>
+              <a:effectRef idx="0">
+                <a:schemeClr val="accent1"/>
+              </a:effectRef>
+              <a:fontRef idx="minor">
+                <a:schemeClr val="tx1"/>
+              </a:fontRef>
+            </p:style>
+          </p:cxnSp>
+        </p:grpSp>
+        <p:grpSp>
+          <p:nvGrpSpPr>
+            <p:cNvPr id="102" name="Group 101">
+              <a:extLst>
+                <a:ext uri="{FF2B5EF4-FFF2-40B4-BE49-F238E27FC236}">
+                  <a16:creationId xmlns:a16="http://schemas.microsoft.com/office/drawing/2014/main" id="{3AC3A581-6522-E348-9968-0C53FD013346}"/>
+                </a:ext>
+              </a:extLst>
+            </p:cNvPr>
+            <p:cNvGrpSpPr/>
+            <p:nvPr/>
+          </p:nvGrpSpPr>
+          <p:grpSpPr>
+            <a:xfrm>
+              <a:off x="5492300" y="1954058"/>
+              <a:ext cx="166138" cy="294517"/>
+              <a:chOff x="5492300" y="1391798"/>
+              <a:chExt cx="166138" cy="294517"/>
+            </a:xfrm>
+          </p:grpSpPr>
+          <p:cxnSp>
+            <p:nvCxnSpPr>
+              <p:cNvPr id="103" name="Straight Connector 102">
+                <a:extLst>
+                  <a:ext uri="{FF2B5EF4-FFF2-40B4-BE49-F238E27FC236}">
+                    <a16:creationId xmlns:a16="http://schemas.microsoft.com/office/drawing/2014/main" id="{13D90B08-8167-FA47-89C9-A86480C9C730}"/>
+                  </a:ext>
+                </a:extLst>
+              </p:cNvPr>
+              <p:cNvCxnSpPr>
+                <a:cxnSpLocks/>
+              </p:cNvCxnSpPr>
+              <p:nvPr/>
+            </p:nvCxnSpPr>
+            <p:spPr>
+              <a:xfrm>
+                <a:off x="5492300" y="1391798"/>
+                <a:ext cx="0" cy="294517"/>
+              </a:xfrm>
+              <a:prstGeom prst="line">
+                <a:avLst/>
+              </a:prstGeom>
+              <a:ln w="38100">
+                <a:solidFill>
+                  <a:schemeClr val="bg1">
+                    <a:lumMod val="85000"/>
+                  </a:schemeClr>
+                </a:solidFill>
+              </a:ln>
+            </p:spPr>
+            <p:style>
+              <a:lnRef idx="1">
+                <a:schemeClr val="accent1"/>
+              </a:lnRef>
+              <a:fillRef idx="0">
+                <a:schemeClr val="accent1"/>
+              </a:fillRef>
+              <a:effectRef idx="0">
+                <a:schemeClr val="accent1"/>
+              </a:effectRef>
+              <a:fontRef idx="minor">
+                <a:schemeClr val="tx1"/>
+              </a:fontRef>
+            </p:style>
+          </p:cxnSp>
+          <p:cxnSp>
+            <p:nvCxnSpPr>
+              <p:cNvPr id="104" name="Straight Connector 103">
+                <a:extLst>
+                  <a:ext uri="{FF2B5EF4-FFF2-40B4-BE49-F238E27FC236}">
+                    <a16:creationId xmlns:a16="http://schemas.microsoft.com/office/drawing/2014/main" id="{C552F2C8-A7FB-6E4D-BBA3-67A0BEDFEA6C}"/>
+                  </a:ext>
+                </a:extLst>
+              </p:cNvPr>
+              <p:cNvCxnSpPr>
+                <a:cxnSpLocks/>
+              </p:cNvCxnSpPr>
+              <p:nvPr/>
+            </p:nvCxnSpPr>
+            <p:spPr>
+              <a:xfrm>
+                <a:off x="5575369" y="1391798"/>
+                <a:ext cx="0" cy="294517"/>
+              </a:xfrm>
+              <a:prstGeom prst="line">
+                <a:avLst/>
+              </a:prstGeom>
+              <a:ln w="38100">
+                <a:solidFill>
+                  <a:schemeClr val="bg1">
+                    <a:lumMod val="85000"/>
+                  </a:schemeClr>
+                </a:solidFill>
+              </a:ln>
+            </p:spPr>
+            <p:style>
+              <a:lnRef idx="1">
+                <a:schemeClr val="accent1"/>
+              </a:lnRef>
+              <a:fillRef idx="0">
+                <a:schemeClr val="accent1"/>
+              </a:fillRef>
+              <a:effectRef idx="0">
+                <a:schemeClr val="accent1"/>
+              </a:effectRef>
+              <a:fontRef idx="minor">
+                <a:schemeClr val="tx1"/>
+              </a:fontRef>
+            </p:style>
+          </p:cxnSp>
+          <p:cxnSp>
+            <p:nvCxnSpPr>
+              <p:cNvPr id="106" name="Straight Connector 105">
+                <a:extLst>
+                  <a:ext uri="{FF2B5EF4-FFF2-40B4-BE49-F238E27FC236}">
+                    <a16:creationId xmlns:a16="http://schemas.microsoft.com/office/drawing/2014/main" id="{5A7BD5DD-252A-9E48-A83B-B608DEEEDAC9}"/>
+                  </a:ext>
+                </a:extLst>
+              </p:cNvPr>
+              <p:cNvCxnSpPr>
+                <a:cxnSpLocks/>
+              </p:cNvCxnSpPr>
+              <p:nvPr/>
+            </p:nvCxnSpPr>
+            <p:spPr>
+              <a:xfrm>
+                <a:off x="5658438" y="1391798"/>
+                <a:ext cx="0" cy="294517"/>
+              </a:xfrm>
+              <a:prstGeom prst="line">
+                <a:avLst/>
+              </a:prstGeom>
+              <a:ln w="38100">
+                <a:solidFill>
+                  <a:schemeClr val="bg1">
+                    <a:lumMod val="85000"/>
+                  </a:schemeClr>
+                </a:solidFill>
+              </a:ln>
+            </p:spPr>
+            <p:style>
+              <a:lnRef idx="1">
+                <a:schemeClr val="accent1"/>
+              </a:lnRef>
+              <a:fillRef idx="0">
+                <a:schemeClr val="accent1"/>
+              </a:fillRef>
+              <a:effectRef idx="0">
+                <a:schemeClr val="accent1"/>
+              </a:effectRef>
+              <a:fontRef idx="minor">
+                <a:schemeClr val="tx1"/>
+              </a:fontRef>
+            </p:style>
+          </p:cxnSp>
+        </p:grpSp>
+        <p:grpSp>
+          <p:nvGrpSpPr>
+            <p:cNvPr id="107" name="Group 106">
+              <a:extLst>
+                <a:ext uri="{FF2B5EF4-FFF2-40B4-BE49-F238E27FC236}">
+                  <a16:creationId xmlns:a16="http://schemas.microsoft.com/office/drawing/2014/main" id="{A34DD09F-E234-9D4D-B989-D4CA0C96043B}"/>
+                </a:ext>
+              </a:extLst>
+            </p:cNvPr>
+            <p:cNvGrpSpPr/>
+            <p:nvPr/>
+          </p:nvGrpSpPr>
+          <p:grpSpPr>
+            <a:xfrm>
+              <a:off x="2977367" y="1954058"/>
+              <a:ext cx="393444" cy="294517"/>
+              <a:chOff x="5329845" y="1105593"/>
+              <a:chExt cx="721820" cy="540327"/>
+            </a:xfrm>
+          </p:grpSpPr>
+          <p:cxnSp>
+            <p:nvCxnSpPr>
+              <p:cNvPr id="109" name="Straight Connector 108">
+                <a:extLst>
+                  <a:ext uri="{FF2B5EF4-FFF2-40B4-BE49-F238E27FC236}">
+                    <a16:creationId xmlns:a16="http://schemas.microsoft.com/office/drawing/2014/main" id="{67905AEF-AC67-A148-9D32-4FB3384E6DC7}"/>
+                  </a:ext>
+                </a:extLst>
+              </p:cNvPr>
+              <p:cNvCxnSpPr>
+                <a:cxnSpLocks/>
+              </p:cNvCxnSpPr>
+              <p:nvPr/>
+            </p:nvCxnSpPr>
+            <p:spPr>
+              <a:xfrm>
+                <a:off x="5444836" y="1105593"/>
+                <a:ext cx="0" cy="540327"/>
+              </a:xfrm>
+              <a:prstGeom prst="line">
+                <a:avLst/>
+              </a:prstGeom>
+              <a:ln w="38100">
+                <a:solidFill>
+                  <a:schemeClr val="bg1">
+                    <a:lumMod val="85000"/>
+                  </a:schemeClr>
+                </a:solidFill>
+              </a:ln>
+            </p:spPr>
+            <p:style>
+              <a:lnRef idx="1">
+                <a:schemeClr val="accent1"/>
+              </a:lnRef>
+              <a:fillRef idx="0">
+                <a:schemeClr val="accent1"/>
+              </a:fillRef>
+              <a:effectRef idx="0">
+                <a:schemeClr val="accent1"/>
+              </a:effectRef>
+              <a:fontRef idx="minor">
+                <a:schemeClr val="tx1"/>
+              </a:fontRef>
+            </p:style>
+          </p:cxnSp>
+          <p:cxnSp>
+            <p:nvCxnSpPr>
+              <p:cNvPr id="111" name="Straight Connector 110">
+                <a:extLst>
+                  <a:ext uri="{FF2B5EF4-FFF2-40B4-BE49-F238E27FC236}">
+                    <a16:creationId xmlns:a16="http://schemas.microsoft.com/office/drawing/2014/main" id="{3FA74345-98A3-7F4A-BFCE-884FA1FC354E}"/>
+                  </a:ext>
+                </a:extLst>
+              </p:cNvPr>
+              <p:cNvCxnSpPr>
+                <a:cxnSpLocks/>
+              </p:cNvCxnSpPr>
+              <p:nvPr/>
+            </p:nvCxnSpPr>
+            <p:spPr>
+              <a:xfrm>
+                <a:off x="5597236" y="1105593"/>
+                <a:ext cx="0" cy="540327"/>
+              </a:xfrm>
+              <a:prstGeom prst="line">
+                <a:avLst/>
+              </a:prstGeom>
+              <a:ln w="38100">
+                <a:solidFill>
+                  <a:schemeClr val="bg1">
+                    <a:lumMod val="85000"/>
+                  </a:schemeClr>
+                </a:solidFill>
+              </a:ln>
+            </p:spPr>
+            <p:style>
+              <a:lnRef idx="1">
+                <a:schemeClr val="accent1"/>
+              </a:lnRef>
+              <a:fillRef idx="0">
+                <a:schemeClr val="accent1"/>
+              </a:fillRef>
+              <a:effectRef idx="0">
+                <a:schemeClr val="accent1"/>
+              </a:effectRef>
+              <a:fontRef idx="minor">
+                <a:schemeClr val="tx1"/>
+              </a:fontRef>
+            </p:style>
+          </p:cxnSp>
+          <p:cxnSp>
+            <p:nvCxnSpPr>
+              <p:cNvPr id="112" name="Straight Connector 111">
+                <a:extLst>
+                  <a:ext uri="{FF2B5EF4-FFF2-40B4-BE49-F238E27FC236}">
+                    <a16:creationId xmlns:a16="http://schemas.microsoft.com/office/drawing/2014/main" id="{A4344147-1B30-5A4A-AC7E-D7EC1A8092C9}"/>
+                  </a:ext>
+                </a:extLst>
+              </p:cNvPr>
+              <p:cNvCxnSpPr>
+                <a:cxnSpLocks/>
+              </p:cNvCxnSpPr>
+              <p:nvPr/>
+            </p:nvCxnSpPr>
+            <p:spPr>
+              <a:xfrm>
+                <a:off x="5749636" y="1105593"/>
+                <a:ext cx="0" cy="540327"/>
+              </a:xfrm>
+              <a:prstGeom prst="line">
+                <a:avLst/>
+              </a:prstGeom>
+              <a:ln w="38100">
+                <a:solidFill>
+                  <a:schemeClr val="bg1">
+                    <a:lumMod val="85000"/>
+                  </a:schemeClr>
+                </a:solidFill>
+              </a:ln>
+            </p:spPr>
+            <p:style>
+              <a:lnRef idx="1">
+                <a:schemeClr val="accent1"/>
+              </a:lnRef>
+              <a:fillRef idx="0">
+                <a:schemeClr val="accent1"/>
+              </a:fillRef>
+              <a:effectRef idx="0">
+                <a:schemeClr val="accent1"/>
+              </a:effectRef>
+              <a:fontRef idx="minor">
+                <a:schemeClr val="tx1"/>
+              </a:fontRef>
+            </p:style>
+          </p:cxnSp>
+          <p:cxnSp>
+            <p:nvCxnSpPr>
+              <p:cNvPr id="113" name="Straight Connector 112">
+                <a:extLst>
+                  <a:ext uri="{FF2B5EF4-FFF2-40B4-BE49-F238E27FC236}">
+                    <a16:creationId xmlns:a16="http://schemas.microsoft.com/office/drawing/2014/main" id="{FD16DD54-A77B-8749-9D76-11C1CDE5B528}"/>
+                  </a:ext>
+                </a:extLst>
+              </p:cNvPr>
+              <p:cNvCxnSpPr>
+                <a:cxnSpLocks/>
+              </p:cNvCxnSpPr>
+              <p:nvPr/>
+            </p:nvCxnSpPr>
+            <p:spPr>
+              <a:xfrm>
+                <a:off x="5902036" y="1105593"/>
+                <a:ext cx="0" cy="540327"/>
+              </a:xfrm>
+              <a:prstGeom prst="line">
+                <a:avLst/>
+              </a:prstGeom>
+              <a:ln w="38100">
+                <a:solidFill>
+                  <a:schemeClr val="bg1">
+                    <a:lumMod val="85000"/>
+                  </a:schemeClr>
+                </a:solidFill>
+              </a:ln>
+            </p:spPr>
+            <p:style>
+              <a:lnRef idx="1">
+                <a:schemeClr val="accent1"/>
+              </a:lnRef>
+              <a:fillRef idx="0">
+                <a:schemeClr val="accent1"/>
+              </a:fillRef>
+              <a:effectRef idx="0">
+                <a:schemeClr val="accent1"/>
+              </a:effectRef>
+              <a:fontRef idx="minor">
+                <a:schemeClr val="tx1"/>
+              </a:fontRef>
+            </p:style>
+          </p:cxnSp>
+          <p:cxnSp>
+            <p:nvCxnSpPr>
+              <p:cNvPr id="114" name="Straight Connector 113">
+                <a:extLst>
+                  <a:ext uri="{FF2B5EF4-FFF2-40B4-BE49-F238E27FC236}">
+                    <a16:creationId xmlns:a16="http://schemas.microsoft.com/office/drawing/2014/main" id="{833C70EF-AC24-E24E-A955-CC98B27F47D3}"/>
+                  </a:ext>
+                </a:extLst>
+              </p:cNvPr>
+              <p:cNvCxnSpPr>
+                <a:cxnSpLocks/>
+              </p:cNvCxnSpPr>
+              <p:nvPr/>
+            </p:nvCxnSpPr>
+            <p:spPr>
+              <a:xfrm flipH="1">
+                <a:off x="5329845" y="1215444"/>
+                <a:ext cx="721820" cy="430476"/>
+              </a:xfrm>
+              <a:prstGeom prst="line">
+                <a:avLst/>
+              </a:prstGeom>
+              <a:ln w="38100">
+                <a:solidFill>
+                  <a:schemeClr val="bg1">
+                    <a:lumMod val="85000"/>
+                  </a:schemeClr>
+                </a:solidFill>
+              </a:ln>
+            </p:spPr>
+            <p:style>
+              <a:lnRef idx="1">
+                <a:schemeClr val="accent1"/>
+              </a:lnRef>
+              <a:fillRef idx="0">
+                <a:schemeClr val="accent1"/>
+              </a:fillRef>
+              <a:effectRef idx="0">
+                <a:schemeClr val="accent1"/>
+              </a:effectRef>
+              <a:fontRef idx="minor">
+                <a:schemeClr val="tx1"/>
+              </a:fontRef>
+            </p:style>
+          </p:cxnSp>
+        </p:grpSp>
+      </p:grpSp>
+      <p:grpSp>
+        <p:nvGrpSpPr>
+          <p:cNvPr id="115" name="Group 114">
+            <a:extLst>
+              <a:ext uri="{FF2B5EF4-FFF2-40B4-BE49-F238E27FC236}">
+                <a16:creationId xmlns:a16="http://schemas.microsoft.com/office/drawing/2014/main" id="{A82E4880-0C55-DF43-B0D2-83907EE42F21}"/>
+              </a:ext>
+            </a:extLst>
+          </p:cNvPr>
+          <p:cNvGrpSpPr/>
+          <p:nvPr/>
+        </p:nvGrpSpPr>
+        <p:grpSpPr>
+          <a:xfrm>
+            <a:off x="979534" y="4940570"/>
+            <a:ext cx="4152424" cy="294517"/>
+            <a:chOff x="1506014" y="1954058"/>
+            <a:chExt cx="4152424" cy="294517"/>
+          </a:xfrm>
+        </p:grpSpPr>
+        <p:grpSp>
+          <p:nvGrpSpPr>
+            <p:cNvPr id="116" name="Group 115">
+              <a:extLst>
+                <a:ext uri="{FF2B5EF4-FFF2-40B4-BE49-F238E27FC236}">
+                  <a16:creationId xmlns:a16="http://schemas.microsoft.com/office/drawing/2014/main" id="{7433F588-61CA-0B40-9B0D-4E41D01CC6C2}"/>
+                </a:ext>
+              </a:extLst>
+            </p:cNvPr>
+            <p:cNvGrpSpPr/>
+            <p:nvPr/>
+          </p:nvGrpSpPr>
+          <p:grpSpPr>
+            <a:xfrm>
+              <a:off x="3467818" y="1954058"/>
+              <a:ext cx="393444" cy="294517"/>
+              <a:chOff x="5329845" y="1105593"/>
+              <a:chExt cx="721820" cy="540327"/>
+            </a:xfrm>
+          </p:grpSpPr>
+          <p:cxnSp>
+            <p:nvCxnSpPr>
+              <p:cNvPr id="163" name="Straight Connector 162">
+                <a:extLst>
+                  <a:ext uri="{FF2B5EF4-FFF2-40B4-BE49-F238E27FC236}">
+                    <a16:creationId xmlns:a16="http://schemas.microsoft.com/office/drawing/2014/main" id="{DDA040D5-FA6B-4442-86F7-63702D0E319E}"/>
+                  </a:ext>
+                </a:extLst>
+              </p:cNvPr>
+              <p:cNvCxnSpPr>
+                <a:cxnSpLocks/>
+              </p:cNvCxnSpPr>
+              <p:nvPr/>
+            </p:nvCxnSpPr>
+            <p:spPr>
+              <a:xfrm>
+                <a:off x="5444836" y="1105593"/>
+                <a:ext cx="0" cy="540327"/>
+              </a:xfrm>
+              <a:prstGeom prst="line">
+                <a:avLst/>
+              </a:prstGeom>
+              <a:ln w="38100">
+                <a:solidFill>
+                  <a:schemeClr val="bg1">
+                    <a:lumMod val="85000"/>
+                  </a:schemeClr>
+                </a:solidFill>
+              </a:ln>
+            </p:spPr>
+            <p:style>
+              <a:lnRef idx="1">
+                <a:schemeClr val="accent1"/>
+              </a:lnRef>
+              <a:fillRef idx="0">
+                <a:schemeClr val="accent1"/>
+              </a:fillRef>
+              <a:effectRef idx="0">
+                <a:schemeClr val="accent1"/>
+              </a:effectRef>
+              <a:fontRef idx="minor">
+                <a:schemeClr val="tx1"/>
+              </a:fontRef>
+            </p:style>
+          </p:cxnSp>
+          <p:cxnSp>
+            <p:nvCxnSpPr>
+              <p:cNvPr id="164" name="Straight Connector 163">
+                <a:extLst>
+                  <a:ext uri="{FF2B5EF4-FFF2-40B4-BE49-F238E27FC236}">
+                    <a16:creationId xmlns:a16="http://schemas.microsoft.com/office/drawing/2014/main" id="{D493F704-B365-4047-BB1B-D30FA870BCEC}"/>
+                  </a:ext>
+                </a:extLst>
+              </p:cNvPr>
+              <p:cNvCxnSpPr>
+                <a:cxnSpLocks/>
+              </p:cNvCxnSpPr>
+              <p:nvPr/>
+            </p:nvCxnSpPr>
+            <p:spPr>
+              <a:xfrm>
+                <a:off x="5597236" y="1105593"/>
+                <a:ext cx="0" cy="540327"/>
+              </a:xfrm>
+              <a:prstGeom prst="line">
+                <a:avLst/>
+              </a:prstGeom>
+              <a:ln w="38100">
+                <a:solidFill>
+                  <a:schemeClr val="bg1">
+                    <a:lumMod val="85000"/>
+                  </a:schemeClr>
+                </a:solidFill>
+              </a:ln>
+            </p:spPr>
+            <p:style>
+              <a:lnRef idx="1">
+                <a:schemeClr val="accent1"/>
+              </a:lnRef>
+              <a:fillRef idx="0">
+                <a:schemeClr val="accent1"/>
+              </a:fillRef>
+              <a:effectRef idx="0">
+                <a:schemeClr val="accent1"/>
+              </a:effectRef>
+              <a:fontRef idx="minor">
+                <a:schemeClr val="tx1"/>
+              </a:fontRef>
+            </p:style>
+          </p:cxnSp>
+          <p:cxnSp>
+            <p:nvCxnSpPr>
+              <p:cNvPr id="165" name="Straight Connector 164">
+                <a:extLst>
+                  <a:ext uri="{FF2B5EF4-FFF2-40B4-BE49-F238E27FC236}">
+                    <a16:creationId xmlns:a16="http://schemas.microsoft.com/office/drawing/2014/main" id="{07B7EEC6-C85A-6542-9561-3659DE8E9077}"/>
+                  </a:ext>
+                </a:extLst>
+              </p:cNvPr>
+              <p:cNvCxnSpPr>
+                <a:cxnSpLocks/>
+              </p:cNvCxnSpPr>
+              <p:nvPr/>
+            </p:nvCxnSpPr>
+            <p:spPr>
+              <a:xfrm>
+                <a:off x="5749636" y="1105593"/>
+                <a:ext cx="0" cy="540327"/>
+              </a:xfrm>
+              <a:prstGeom prst="line">
+                <a:avLst/>
+              </a:prstGeom>
+              <a:ln w="38100">
+                <a:solidFill>
+                  <a:schemeClr val="bg1">
+                    <a:lumMod val="85000"/>
+                  </a:schemeClr>
+                </a:solidFill>
+              </a:ln>
+            </p:spPr>
+            <p:style>
+              <a:lnRef idx="1">
+                <a:schemeClr val="accent1"/>
+              </a:lnRef>
+              <a:fillRef idx="0">
+                <a:schemeClr val="accent1"/>
+              </a:fillRef>
+              <a:effectRef idx="0">
+                <a:schemeClr val="accent1"/>
+              </a:effectRef>
+              <a:fontRef idx="minor">
+                <a:schemeClr val="tx1"/>
+              </a:fontRef>
+            </p:style>
+          </p:cxnSp>
+          <p:cxnSp>
+            <p:nvCxnSpPr>
+              <p:cNvPr id="166" name="Straight Connector 165">
+                <a:extLst>
+                  <a:ext uri="{FF2B5EF4-FFF2-40B4-BE49-F238E27FC236}">
+                    <a16:creationId xmlns:a16="http://schemas.microsoft.com/office/drawing/2014/main" id="{D52FF5DB-9CBD-0640-B62A-67AA2F1EA9B0}"/>
+                  </a:ext>
+                </a:extLst>
+              </p:cNvPr>
+              <p:cNvCxnSpPr>
+                <a:cxnSpLocks/>
+              </p:cNvCxnSpPr>
+              <p:nvPr/>
+            </p:nvCxnSpPr>
+            <p:spPr>
+              <a:xfrm>
+                <a:off x="5902036" y="1105593"/>
+                <a:ext cx="0" cy="540327"/>
+              </a:xfrm>
+              <a:prstGeom prst="line">
+                <a:avLst/>
+              </a:prstGeom>
+              <a:ln w="38100">
+                <a:solidFill>
+                  <a:schemeClr val="bg1">
+                    <a:lumMod val="85000"/>
+                  </a:schemeClr>
+                </a:solidFill>
+              </a:ln>
+            </p:spPr>
+            <p:style>
+              <a:lnRef idx="1">
+                <a:schemeClr val="accent1"/>
+              </a:lnRef>
+              <a:fillRef idx="0">
+                <a:schemeClr val="accent1"/>
+              </a:fillRef>
+              <a:effectRef idx="0">
+                <a:schemeClr val="accent1"/>
+              </a:effectRef>
+              <a:fontRef idx="minor">
+                <a:schemeClr val="tx1"/>
+              </a:fontRef>
+            </p:style>
+          </p:cxnSp>
+          <p:cxnSp>
+            <p:nvCxnSpPr>
+              <p:cNvPr id="167" name="Straight Connector 166">
+                <a:extLst>
+                  <a:ext uri="{FF2B5EF4-FFF2-40B4-BE49-F238E27FC236}">
+                    <a16:creationId xmlns:a16="http://schemas.microsoft.com/office/drawing/2014/main" id="{9093929B-7B33-394D-A033-199C68227D41}"/>
+                  </a:ext>
+                </a:extLst>
+              </p:cNvPr>
+              <p:cNvCxnSpPr>
+                <a:cxnSpLocks/>
+              </p:cNvCxnSpPr>
+              <p:nvPr/>
+            </p:nvCxnSpPr>
+            <p:spPr>
+              <a:xfrm flipH="1">
+                <a:off x="5329845" y="1215444"/>
+                <a:ext cx="721820" cy="430476"/>
+              </a:xfrm>
+              <a:prstGeom prst="line">
+                <a:avLst/>
+              </a:prstGeom>
+              <a:ln w="38100">
+                <a:solidFill>
+                  <a:schemeClr val="bg1">
+                    <a:lumMod val="85000"/>
+                  </a:schemeClr>
+                </a:solidFill>
+              </a:ln>
+            </p:spPr>
+            <p:style>
+              <a:lnRef idx="1">
+                <a:schemeClr val="accent1"/>
+              </a:lnRef>
+              <a:fillRef idx="0">
+                <a:schemeClr val="accent1"/>
+              </a:fillRef>
+              <a:effectRef idx="0">
+                <a:schemeClr val="accent1"/>
+              </a:effectRef>
+              <a:fontRef idx="minor">
+                <a:schemeClr val="tx1"/>
+              </a:fontRef>
+            </p:style>
+          </p:cxnSp>
+        </p:grpSp>
+        <p:grpSp>
+          <p:nvGrpSpPr>
+            <p:cNvPr id="117" name="Group 116">
+              <a:extLst>
+                <a:ext uri="{FF2B5EF4-FFF2-40B4-BE49-F238E27FC236}">
+                  <a16:creationId xmlns:a16="http://schemas.microsoft.com/office/drawing/2014/main" id="{B939062C-EF26-814A-BBEA-EF4A2F042E63}"/>
+                </a:ext>
+              </a:extLst>
+            </p:cNvPr>
+            <p:cNvGrpSpPr/>
+            <p:nvPr/>
+          </p:nvGrpSpPr>
+          <p:grpSpPr>
+            <a:xfrm>
+              <a:off x="3958269" y="1954058"/>
+              <a:ext cx="393444" cy="294517"/>
+              <a:chOff x="5329845" y="1105593"/>
+              <a:chExt cx="721820" cy="540327"/>
+            </a:xfrm>
+          </p:grpSpPr>
+          <p:cxnSp>
+            <p:nvCxnSpPr>
+              <p:cNvPr id="158" name="Straight Connector 157">
+                <a:extLst>
+                  <a:ext uri="{FF2B5EF4-FFF2-40B4-BE49-F238E27FC236}">
+                    <a16:creationId xmlns:a16="http://schemas.microsoft.com/office/drawing/2014/main" id="{C33B3CF3-5CF6-144A-A155-AC054FDDC045}"/>
+                  </a:ext>
+                </a:extLst>
+              </p:cNvPr>
+              <p:cNvCxnSpPr>
+                <a:cxnSpLocks/>
+              </p:cNvCxnSpPr>
+              <p:nvPr/>
+            </p:nvCxnSpPr>
+            <p:spPr>
+              <a:xfrm>
+                <a:off x="5444836" y="1105593"/>
+                <a:ext cx="0" cy="540327"/>
+              </a:xfrm>
+              <a:prstGeom prst="line">
+                <a:avLst/>
+              </a:prstGeom>
+              <a:ln w="38100">
+                <a:solidFill>
+                  <a:schemeClr val="bg1">
+                    <a:lumMod val="85000"/>
+                  </a:schemeClr>
+                </a:solidFill>
+              </a:ln>
+            </p:spPr>
+            <p:style>
+              <a:lnRef idx="1">
+                <a:schemeClr val="accent1"/>
+              </a:lnRef>
+              <a:fillRef idx="0">
+                <a:schemeClr val="accent1"/>
+              </a:fillRef>
+              <a:effectRef idx="0">
+                <a:schemeClr val="accent1"/>
+              </a:effectRef>
+              <a:fontRef idx="minor">
+                <a:schemeClr val="tx1"/>
+              </a:fontRef>
+            </p:style>
+          </p:cxnSp>
+          <p:cxnSp>
+            <p:nvCxnSpPr>
+              <p:cNvPr id="159" name="Straight Connector 158">
+                <a:extLst>
+                  <a:ext uri="{FF2B5EF4-FFF2-40B4-BE49-F238E27FC236}">
+                    <a16:creationId xmlns:a16="http://schemas.microsoft.com/office/drawing/2014/main" id="{BF6813C1-B183-7E40-B0FD-2F977966C28A}"/>
+                  </a:ext>
+                </a:extLst>
+              </p:cNvPr>
+              <p:cNvCxnSpPr>
+                <a:cxnSpLocks/>
+              </p:cNvCxnSpPr>
+              <p:nvPr/>
+            </p:nvCxnSpPr>
+            <p:spPr>
+              <a:xfrm>
+                <a:off x="5597236" y="1105593"/>
+                <a:ext cx="0" cy="540327"/>
+              </a:xfrm>
+              <a:prstGeom prst="line">
+                <a:avLst/>
+              </a:prstGeom>
+              <a:ln w="38100">
+                <a:solidFill>
+                  <a:schemeClr val="bg1">
+                    <a:lumMod val="85000"/>
+                  </a:schemeClr>
+                </a:solidFill>
+              </a:ln>
+            </p:spPr>
+            <p:style>
+              <a:lnRef idx="1">
+                <a:schemeClr val="accent1"/>
+              </a:lnRef>
+              <a:fillRef idx="0">
+                <a:schemeClr val="accent1"/>
+              </a:fillRef>
+              <a:effectRef idx="0">
+                <a:schemeClr val="accent1"/>
+              </a:effectRef>
+              <a:fontRef idx="minor">
+                <a:schemeClr val="tx1"/>
+              </a:fontRef>
+            </p:style>
+          </p:cxnSp>
+          <p:cxnSp>
+            <p:nvCxnSpPr>
+              <p:cNvPr id="160" name="Straight Connector 159">
+                <a:extLst>
+                  <a:ext uri="{FF2B5EF4-FFF2-40B4-BE49-F238E27FC236}">
+                    <a16:creationId xmlns:a16="http://schemas.microsoft.com/office/drawing/2014/main" id="{663C3AC9-0015-1347-914A-9F412D06DDE6}"/>
+                  </a:ext>
+                </a:extLst>
+              </p:cNvPr>
+              <p:cNvCxnSpPr>
+                <a:cxnSpLocks/>
+              </p:cNvCxnSpPr>
+              <p:nvPr/>
+            </p:nvCxnSpPr>
+            <p:spPr>
+              <a:xfrm>
+                <a:off x="5749636" y="1105593"/>
+                <a:ext cx="0" cy="540327"/>
+              </a:xfrm>
+              <a:prstGeom prst="line">
+                <a:avLst/>
+              </a:prstGeom>
+              <a:ln w="38100">
+                <a:solidFill>
+                  <a:schemeClr val="bg1">
+                    <a:lumMod val="85000"/>
+                  </a:schemeClr>
+                </a:solidFill>
+              </a:ln>
+            </p:spPr>
+            <p:style>
+              <a:lnRef idx="1">
+                <a:schemeClr val="accent1"/>
+              </a:lnRef>
+              <a:fillRef idx="0">
+                <a:schemeClr val="accent1"/>
+              </a:fillRef>
+              <a:effectRef idx="0">
+                <a:schemeClr val="accent1"/>
+              </a:effectRef>
+              <a:fontRef idx="minor">
+                <a:schemeClr val="tx1"/>
+              </a:fontRef>
+            </p:style>
+          </p:cxnSp>
+          <p:cxnSp>
+            <p:nvCxnSpPr>
+              <p:cNvPr id="161" name="Straight Connector 160">
+                <a:extLst>
+                  <a:ext uri="{FF2B5EF4-FFF2-40B4-BE49-F238E27FC236}">
+                    <a16:creationId xmlns:a16="http://schemas.microsoft.com/office/drawing/2014/main" id="{B832E653-76C2-F241-BBC0-F7995991DBF4}"/>
+                  </a:ext>
+                </a:extLst>
+              </p:cNvPr>
+              <p:cNvCxnSpPr>
+                <a:cxnSpLocks/>
+              </p:cNvCxnSpPr>
+              <p:nvPr/>
+            </p:nvCxnSpPr>
+            <p:spPr>
+              <a:xfrm>
+                <a:off x="5902036" y="1105593"/>
+                <a:ext cx="0" cy="540327"/>
+              </a:xfrm>
+              <a:prstGeom prst="line">
+                <a:avLst/>
+              </a:prstGeom>
+              <a:ln w="38100">
+                <a:solidFill>
+                  <a:schemeClr val="bg1">
+                    <a:lumMod val="85000"/>
+                  </a:schemeClr>
+                </a:solidFill>
+              </a:ln>
+            </p:spPr>
+            <p:style>
+              <a:lnRef idx="1">
+                <a:schemeClr val="accent1"/>
+              </a:lnRef>
+              <a:fillRef idx="0">
+                <a:schemeClr val="accent1"/>
+              </a:fillRef>
+              <a:effectRef idx="0">
+                <a:schemeClr val="accent1"/>
+              </a:effectRef>
+              <a:fontRef idx="minor">
+                <a:schemeClr val="tx1"/>
+              </a:fontRef>
+            </p:style>
+          </p:cxnSp>
+          <p:cxnSp>
+            <p:nvCxnSpPr>
+              <p:cNvPr id="162" name="Straight Connector 161">
+                <a:extLst>
+                  <a:ext uri="{FF2B5EF4-FFF2-40B4-BE49-F238E27FC236}">
+                    <a16:creationId xmlns:a16="http://schemas.microsoft.com/office/drawing/2014/main" id="{8873ADE3-5243-3C4A-B771-EA682AEF26DF}"/>
+                  </a:ext>
+                </a:extLst>
+              </p:cNvPr>
+              <p:cNvCxnSpPr>
+                <a:cxnSpLocks/>
+              </p:cNvCxnSpPr>
+              <p:nvPr/>
+            </p:nvCxnSpPr>
+            <p:spPr>
+              <a:xfrm flipH="1">
+                <a:off x="5329845" y="1215444"/>
+                <a:ext cx="721820" cy="430476"/>
+              </a:xfrm>
+              <a:prstGeom prst="line">
+                <a:avLst/>
+              </a:prstGeom>
+              <a:ln w="38100">
+                <a:solidFill>
+                  <a:schemeClr val="bg1">
+                    <a:lumMod val="85000"/>
+                  </a:schemeClr>
+                </a:solidFill>
+              </a:ln>
+            </p:spPr>
+            <p:style>
+              <a:lnRef idx="1">
+                <a:schemeClr val="accent1"/>
+              </a:lnRef>
+              <a:fillRef idx="0">
+                <a:schemeClr val="accent1"/>
+              </a:fillRef>
+              <a:effectRef idx="0">
+                <a:schemeClr val="accent1"/>
+              </a:effectRef>
+              <a:fontRef idx="minor">
+                <a:schemeClr val="tx1"/>
+              </a:fontRef>
+            </p:style>
+          </p:cxnSp>
+        </p:grpSp>
+        <p:grpSp>
+          <p:nvGrpSpPr>
+            <p:cNvPr id="118" name="Group 117">
+              <a:extLst>
+                <a:ext uri="{FF2B5EF4-FFF2-40B4-BE49-F238E27FC236}">
+                  <a16:creationId xmlns:a16="http://schemas.microsoft.com/office/drawing/2014/main" id="{E98B03C8-868A-B940-BE69-A47F8AEA4D28}"/>
+                </a:ext>
+              </a:extLst>
+            </p:cNvPr>
+            <p:cNvGrpSpPr/>
+            <p:nvPr/>
+          </p:nvGrpSpPr>
+          <p:grpSpPr>
+            <a:xfrm>
+              <a:off x="4448720" y="1954058"/>
+              <a:ext cx="393444" cy="294517"/>
+              <a:chOff x="5329845" y="1105593"/>
+              <a:chExt cx="721820" cy="540327"/>
+            </a:xfrm>
+          </p:grpSpPr>
+          <p:cxnSp>
+            <p:nvCxnSpPr>
+              <p:cNvPr id="153" name="Straight Connector 152">
+                <a:extLst>
+                  <a:ext uri="{FF2B5EF4-FFF2-40B4-BE49-F238E27FC236}">
+                    <a16:creationId xmlns:a16="http://schemas.microsoft.com/office/drawing/2014/main" id="{EF7DAB1C-4446-0E42-B05A-5BE2DFA33084}"/>
+                  </a:ext>
+                </a:extLst>
+              </p:cNvPr>
+              <p:cNvCxnSpPr>
+                <a:cxnSpLocks/>
+              </p:cNvCxnSpPr>
+              <p:nvPr/>
+            </p:nvCxnSpPr>
+            <p:spPr>
+              <a:xfrm>
+                <a:off x="5444836" y="1105593"/>
+                <a:ext cx="0" cy="540327"/>
+              </a:xfrm>
+              <a:prstGeom prst="line">
+                <a:avLst/>
+              </a:prstGeom>
+              <a:ln w="38100">
+                <a:solidFill>
+                  <a:schemeClr val="bg1">
+                    <a:lumMod val="85000"/>
+                  </a:schemeClr>
+                </a:solidFill>
+              </a:ln>
+            </p:spPr>
+            <p:style>
+              <a:lnRef idx="1">
+                <a:schemeClr val="accent1"/>
+              </a:lnRef>
+              <a:fillRef idx="0">
+                <a:schemeClr val="accent1"/>
+              </a:fillRef>
+              <a:effectRef idx="0">
+                <a:schemeClr val="accent1"/>
+              </a:effectRef>
+              <a:fontRef idx="minor">
+                <a:schemeClr val="tx1"/>
+              </a:fontRef>
+            </p:style>
+          </p:cxnSp>
+          <p:cxnSp>
+            <p:nvCxnSpPr>
+              <p:cNvPr id="154" name="Straight Connector 153">
+                <a:extLst>
+                  <a:ext uri="{FF2B5EF4-FFF2-40B4-BE49-F238E27FC236}">
+                    <a16:creationId xmlns:a16="http://schemas.microsoft.com/office/drawing/2014/main" id="{721B0BE7-5215-DF4E-BEAA-28567C008F54}"/>
+                  </a:ext>
+                </a:extLst>
+              </p:cNvPr>
+              <p:cNvCxnSpPr>
+                <a:cxnSpLocks/>
+              </p:cNvCxnSpPr>
+              <p:nvPr/>
+            </p:nvCxnSpPr>
+            <p:spPr>
+              <a:xfrm>
+                <a:off x="5597236" y="1105593"/>
+                <a:ext cx="0" cy="540327"/>
+              </a:xfrm>
+              <a:prstGeom prst="line">
+                <a:avLst/>
+              </a:prstGeom>
+              <a:ln w="38100">
+                <a:solidFill>
+                  <a:schemeClr val="bg1">
+                    <a:lumMod val="85000"/>
+                  </a:schemeClr>
+                </a:solidFill>
+              </a:ln>
+            </p:spPr>
+            <p:style>
+              <a:lnRef idx="1">
+                <a:schemeClr val="accent1"/>
+              </a:lnRef>
+              <a:fillRef idx="0">
+                <a:schemeClr val="accent1"/>
+              </a:fillRef>
+              <a:effectRef idx="0">
+                <a:schemeClr val="accent1"/>
+              </a:effectRef>
+              <a:fontRef idx="minor">
+                <a:schemeClr val="tx1"/>
+              </a:fontRef>
+            </p:style>
+          </p:cxnSp>
+          <p:cxnSp>
+            <p:nvCxnSpPr>
+              <p:cNvPr id="155" name="Straight Connector 154">
+                <a:extLst>
+                  <a:ext uri="{FF2B5EF4-FFF2-40B4-BE49-F238E27FC236}">
+                    <a16:creationId xmlns:a16="http://schemas.microsoft.com/office/drawing/2014/main" id="{98AA34DD-B984-9B4B-B858-7691452ACEE7}"/>
+                  </a:ext>
+                </a:extLst>
+              </p:cNvPr>
+              <p:cNvCxnSpPr>
+                <a:cxnSpLocks/>
+              </p:cNvCxnSpPr>
+              <p:nvPr/>
+            </p:nvCxnSpPr>
+            <p:spPr>
+              <a:xfrm>
+                <a:off x="5749636" y="1105593"/>
+                <a:ext cx="0" cy="540327"/>
+              </a:xfrm>
+              <a:prstGeom prst="line">
+                <a:avLst/>
+              </a:prstGeom>
+              <a:ln w="38100">
+                <a:solidFill>
+                  <a:schemeClr val="bg1">
+                    <a:lumMod val="85000"/>
+                  </a:schemeClr>
+                </a:solidFill>
+              </a:ln>
+            </p:spPr>
+            <p:style>
+              <a:lnRef idx="1">
+                <a:schemeClr val="accent1"/>
+              </a:lnRef>
+              <a:fillRef idx="0">
+                <a:schemeClr val="accent1"/>
+              </a:fillRef>
+              <a:effectRef idx="0">
+                <a:schemeClr val="accent1"/>
+              </a:effectRef>
+              <a:fontRef idx="minor">
+                <a:schemeClr val="tx1"/>
+              </a:fontRef>
+            </p:style>
+          </p:cxnSp>
+          <p:cxnSp>
+            <p:nvCxnSpPr>
+              <p:cNvPr id="156" name="Straight Connector 155">
+                <a:extLst>
+                  <a:ext uri="{FF2B5EF4-FFF2-40B4-BE49-F238E27FC236}">
+                    <a16:creationId xmlns:a16="http://schemas.microsoft.com/office/drawing/2014/main" id="{6C7F5003-54F2-7B43-846F-D690D3430A03}"/>
+                  </a:ext>
+                </a:extLst>
+              </p:cNvPr>
+              <p:cNvCxnSpPr>
+                <a:cxnSpLocks/>
+              </p:cNvCxnSpPr>
+              <p:nvPr/>
+            </p:nvCxnSpPr>
+            <p:spPr>
+              <a:xfrm>
+                <a:off x="5902036" y="1105593"/>
+                <a:ext cx="0" cy="540327"/>
+              </a:xfrm>
+              <a:prstGeom prst="line">
+                <a:avLst/>
+              </a:prstGeom>
+              <a:ln w="38100">
+                <a:solidFill>
+                  <a:schemeClr val="bg1">
+                    <a:lumMod val="85000"/>
+                  </a:schemeClr>
+                </a:solidFill>
+              </a:ln>
+            </p:spPr>
+            <p:style>
+              <a:lnRef idx="1">
+                <a:schemeClr val="accent1"/>
+              </a:lnRef>
+              <a:fillRef idx="0">
+                <a:schemeClr val="accent1"/>
+              </a:fillRef>
+              <a:effectRef idx="0">
+                <a:schemeClr val="accent1"/>
+              </a:effectRef>
+              <a:fontRef idx="minor">
+                <a:schemeClr val="tx1"/>
+              </a:fontRef>
+            </p:style>
+          </p:cxnSp>
+          <p:cxnSp>
+            <p:nvCxnSpPr>
+              <p:cNvPr id="157" name="Straight Connector 156">
+                <a:extLst>
+                  <a:ext uri="{FF2B5EF4-FFF2-40B4-BE49-F238E27FC236}">
+                    <a16:creationId xmlns:a16="http://schemas.microsoft.com/office/drawing/2014/main" id="{5DC95734-2703-9949-9219-8E03CBB11043}"/>
+                  </a:ext>
+                </a:extLst>
+              </p:cNvPr>
+              <p:cNvCxnSpPr>
+                <a:cxnSpLocks/>
+              </p:cNvCxnSpPr>
+              <p:nvPr/>
+            </p:nvCxnSpPr>
+            <p:spPr>
+              <a:xfrm flipH="1">
+                <a:off x="5329845" y="1215444"/>
+                <a:ext cx="721820" cy="430476"/>
+              </a:xfrm>
+              <a:prstGeom prst="line">
+                <a:avLst/>
+              </a:prstGeom>
+              <a:ln w="38100">
+                <a:solidFill>
+                  <a:schemeClr val="bg1">
+                    <a:lumMod val="85000"/>
+                  </a:schemeClr>
+                </a:solidFill>
+              </a:ln>
+            </p:spPr>
+            <p:style>
+              <a:lnRef idx="1">
+                <a:schemeClr val="accent1"/>
+              </a:lnRef>
+              <a:fillRef idx="0">
+                <a:schemeClr val="accent1"/>
+              </a:fillRef>
+              <a:effectRef idx="0">
+                <a:schemeClr val="accent1"/>
+              </a:effectRef>
+              <a:fontRef idx="minor">
+                <a:schemeClr val="tx1"/>
+              </a:fontRef>
+            </p:style>
+          </p:cxnSp>
+        </p:grpSp>
+        <p:grpSp>
+          <p:nvGrpSpPr>
+            <p:cNvPr id="119" name="Group 118">
+              <a:extLst>
+                <a:ext uri="{FF2B5EF4-FFF2-40B4-BE49-F238E27FC236}">
+                  <a16:creationId xmlns:a16="http://schemas.microsoft.com/office/drawing/2014/main" id="{2903E311-1353-7347-A0D2-D6C4440D8921}"/>
+                </a:ext>
+              </a:extLst>
+            </p:cNvPr>
+            <p:cNvGrpSpPr/>
+            <p:nvPr/>
+          </p:nvGrpSpPr>
+          <p:grpSpPr>
+            <a:xfrm>
+              <a:off x="2486916" y="1954058"/>
+              <a:ext cx="393444" cy="294517"/>
+              <a:chOff x="5329845" y="1105593"/>
+              <a:chExt cx="721820" cy="540327"/>
+            </a:xfrm>
+          </p:grpSpPr>
+          <p:cxnSp>
+            <p:nvCxnSpPr>
+              <p:cNvPr id="148" name="Straight Connector 147">
+                <a:extLst>
+                  <a:ext uri="{FF2B5EF4-FFF2-40B4-BE49-F238E27FC236}">
+                    <a16:creationId xmlns:a16="http://schemas.microsoft.com/office/drawing/2014/main" id="{73142725-2F4E-3F41-AB2E-F178A173AA4D}"/>
+                  </a:ext>
+                </a:extLst>
+              </p:cNvPr>
+              <p:cNvCxnSpPr>
+                <a:cxnSpLocks/>
+              </p:cNvCxnSpPr>
+              <p:nvPr/>
+            </p:nvCxnSpPr>
+            <p:spPr>
+              <a:xfrm>
+                <a:off x="5444836" y="1105593"/>
+                <a:ext cx="0" cy="540327"/>
+              </a:xfrm>
+              <a:prstGeom prst="line">
+                <a:avLst/>
+              </a:prstGeom>
+              <a:ln w="38100">
+                <a:solidFill>
+                  <a:schemeClr val="bg1">
+                    <a:lumMod val="85000"/>
+                  </a:schemeClr>
+                </a:solidFill>
+              </a:ln>
+            </p:spPr>
+            <p:style>
+              <a:lnRef idx="1">
+                <a:schemeClr val="accent1"/>
+              </a:lnRef>
+              <a:fillRef idx="0">
+                <a:schemeClr val="accent1"/>
+              </a:fillRef>
+              <a:effectRef idx="0">
+                <a:schemeClr val="accent1"/>
+              </a:effectRef>
+              <a:fontRef idx="minor">
+                <a:schemeClr val="tx1"/>
+              </a:fontRef>
+            </p:style>
+          </p:cxnSp>
+          <p:cxnSp>
+            <p:nvCxnSpPr>
+              <p:cNvPr id="149" name="Straight Connector 148">
+                <a:extLst>
+                  <a:ext uri="{FF2B5EF4-FFF2-40B4-BE49-F238E27FC236}">
+                    <a16:creationId xmlns:a16="http://schemas.microsoft.com/office/drawing/2014/main" id="{B137535C-067D-9844-A71A-E09233E3F7B6}"/>
+                  </a:ext>
+                </a:extLst>
+              </p:cNvPr>
+              <p:cNvCxnSpPr>
+                <a:cxnSpLocks/>
+              </p:cNvCxnSpPr>
+              <p:nvPr/>
+            </p:nvCxnSpPr>
+            <p:spPr>
+              <a:xfrm>
+                <a:off x="5597236" y="1105593"/>
+                <a:ext cx="0" cy="540327"/>
+              </a:xfrm>
+              <a:prstGeom prst="line">
+                <a:avLst/>
+              </a:prstGeom>
+              <a:ln w="38100">
+                <a:solidFill>
+                  <a:schemeClr val="bg1">
+                    <a:lumMod val="85000"/>
+                  </a:schemeClr>
+                </a:solidFill>
+              </a:ln>
+            </p:spPr>
+            <p:style>
+              <a:lnRef idx="1">
+                <a:schemeClr val="accent1"/>
+              </a:lnRef>
+              <a:fillRef idx="0">
+                <a:schemeClr val="accent1"/>
+              </a:fillRef>
+              <a:effectRef idx="0">
+                <a:schemeClr val="accent1"/>
+              </a:effectRef>
+              <a:fontRef idx="minor">
+                <a:schemeClr val="tx1"/>
+              </a:fontRef>
+            </p:style>
+          </p:cxnSp>
+          <p:cxnSp>
+            <p:nvCxnSpPr>
+              <p:cNvPr id="150" name="Straight Connector 149">
+                <a:extLst>
+                  <a:ext uri="{FF2B5EF4-FFF2-40B4-BE49-F238E27FC236}">
+                    <a16:creationId xmlns:a16="http://schemas.microsoft.com/office/drawing/2014/main" id="{023B39E3-F182-B345-94D8-79385F863717}"/>
+                  </a:ext>
+                </a:extLst>
+              </p:cNvPr>
+              <p:cNvCxnSpPr>
+                <a:cxnSpLocks/>
+              </p:cNvCxnSpPr>
+              <p:nvPr/>
+            </p:nvCxnSpPr>
+            <p:spPr>
+              <a:xfrm>
+                <a:off x="5749636" y="1105593"/>
+                <a:ext cx="0" cy="540327"/>
+              </a:xfrm>
+              <a:prstGeom prst="line">
+                <a:avLst/>
+              </a:prstGeom>
+              <a:ln w="38100">
+                <a:solidFill>
+                  <a:schemeClr val="bg1">
+                    <a:lumMod val="85000"/>
+                  </a:schemeClr>
+                </a:solidFill>
+              </a:ln>
+            </p:spPr>
+            <p:style>
+              <a:lnRef idx="1">
+                <a:schemeClr val="accent1"/>
+              </a:lnRef>
+              <a:fillRef idx="0">
+                <a:schemeClr val="accent1"/>
+              </a:fillRef>
+              <a:effectRef idx="0">
+                <a:schemeClr val="accent1"/>
+              </a:effectRef>
+              <a:fontRef idx="minor">
+                <a:schemeClr val="tx1"/>
+              </a:fontRef>
+            </p:style>
+          </p:cxnSp>
+          <p:cxnSp>
+            <p:nvCxnSpPr>
+              <p:cNvPr id="151" name="Straight Connector 150">
+                <a:extLst>
+                  <a:ext uri="{FF2B5EF4-FFF2-40B4-BE49-F238E27FC236}">
+                    <a16:creationId xmlns:a16="http://schemas.microsoft.com/office/drawing/2014/main" id="{6178DA92-DB66-A14A-99AA-44B34B64FC41}"/>
+                  </a:ext>
+                </a:extLst>
+              </p:cNvPr>
+              <p:cNvCxnSpPr>
+                <a:cxnSpLocks/>
+              </p:cNvCxnSpPr>
+              <p:nvPr/>
+            </p:nvCxnSpPr>
+            <p:spPr>
+              <a:xfrm>
+                <a:off x="5902036" y="1105593"/>
+                <a:ext cx="0" cy="540327"/>
+              </a:xfrm>
+              <a:prstGeom prst="line">
+                <a:avLst/>
+              </a:prstGeom>
+              <a:ln w="38100">
+                <a:solidFill>
+                  <a:schemeClr val="bg1">
+                    <a:lumMod val="85000"/>
+                  </a:schemeClr>
+                </a:solidFill>
+              </a:ln>
+            </p:spPr>
+            <p:style>
+              <a:lnRef idx="1">
+                <a:schemeClr val="accent1"/>
+              </a:lnRef>
+              <a:fillRef idx="0">
+                <a:schemeClr val="accent1"/>
+              </a:fillRef>
+              <a:effectRef idx="0">
+                <a:schemeClr val="accent1"/>
+              </a:effectRef>
+              <a:fontRef idx="minor">
+                <a:schemeClr val="tx1"/>
+              </a:fontRef>
+            </p:style>
+          </p:cxnSp>
+          <p:cxnSp>
+            <p:nvCxnSpPr>
+              <p:cNvPr id="152" name="Straight Connector 151">
+                <a:extLst>
+                  <a:ext uri="{FF2B5EF4-FFF2-40B4-BE49-F238E27FC236}">
+                    <a16:creationId xmlns:a16="http://schemas.microsoft.com/office/drawing/2014/main" id="{B53871A4-920F-8646-ADB5-6A94197750D5}"/>
+                  </a:ext>
+                </a:extLst>
+              </p:cNvPr>
+              <p:cNvCxnSpPr>
+                <a:cxnSpLocks/>
+              </p:cNvCxnSpPr>
+              <p:nvPr/>
+            </p:nvCxnSpPr>
+            <p:spPr>
+              <a:xfrm flipH="1">
+                <a:off x="5329845" y="1215444"/>
+                <a:ext cx="721820" cy="430476"/>
+              </a:xfrm>
+              <a:prstGeom prst="line">
+                <a:avLst/>
+              </a:prstGeom>
+              <a:ln w="38100">
+                <a:solidFill>
+                  <a:schemeClr val="bg1">
+                    <a:lumMod val="85000"/>
+                  </a:schemeClr>
+                </a:solidFill>
+              </a:ln>
+            </p:spPr>
+            <p:style>
+              <a:lnRef idx="1">
+                <a:schemeClr val="accent1"/>
+              </a:lnRef>
+              <a:fillRef idx="0">
+                <a:schemeClr val="accent1"/>
+              </a:fillRef>
+              <a:effectRef idx="0">
+                <a:schemeClr val="accent1"/>
+              </a:effectRef>
+              <a:fontRef idx="minor">
+                <a:schemeClr val="tx1"/>
+              </a:fontRef>
+            </p:style>
+          </p:cxnSp>
+        </p:grpSp>
+        <p:grpSp>
+          <p:nvGrpSpPr>
+            <p:cNvPr id="120" name="Group 119">
+              <a:extLst>
+                <a:ext uri="{FF2B5EF4-FFF2-40B4-BE49-F238E27FC236}">
+                  <a16:creationId xmlns:a16="http://schemas.microsoft.com/office/drawing/2014/main" id="{B3429F48-4B72-384E-98C9-A751A189FE4E}"/>
+                </a:ext>
+              </a:extLst>
+            </p:cNvPr>
+            <p:cNvGrpSpPr/>
+            <p:nvPr/>
+          </p:nvGrpSpPr>
+          <p:grpSpPr>
+            <a:xfrm>
+              <a:off x="1996465" y="1954058"/>
+              <a:ext cx="393444" cy="294517"/>
+              <a:chOff x="5329845" y="1105593"/>
+              <a:chExt cx="721820" cy="540327"/>
+            </a:xfrm>
+          </p:grpSpPr>
+          <p:cxnSp>
+            <p:nvCxnSpPr>
+              <p:cNvPr id="143" name="Straight Connector 142">
+                <a:extLst>
+                  <a:ext uri="{FF2B5EF4-FFF2-40B4-BE49-F238E27FC236}">
+                    <a16:creationId xmlns:a16="http://schemas.microsoft.com/office/drawing/2014/main" id="{309C8F05-D7A7-E648-9CF3-B91AE2172CFA}"/>
+                  </a:ext>
+                </a:extLst>
+              </p:cNvPr>
+              <p:cNvCxnSpPr>
+                <a:cxnSpLocks/>
+              </p:cNvCxnSpPr>
+              <p:nvPr/>
+            </p:nvCxnSpPr>
+            <p:spPr>
+              <a:xfrm>
+                <a:off x="5444836" y="1105593"/>
+                <a:ext cx="0" cy="540327"/>
+              </a:xfrm>
+              <a:prstGeom prst="line">
+                <a:avLst/>
+              </a:prstGeom>
+              <a:ln w="38100">
+                <a:solidFill>
+                  <a:schemeClr val="bg1">
+                    <a:lumMod val="85000"/>
+                  </a:schemeClr>
+                </a:solidFill>
+              </a:ln>
+            </p:spPr>
+            <p:style>
+              <a:lnRef idx="1">
+                <a:schemeClr val="accent1"/>
+              </a:lnRef>
+              <a:fillRef idx="0">
+                <a:schemeClr val="accent1"/>
+              </a:fillRef>
+              <a:effectRef idx="0">
+                <a:schemeClr val="accent1"/>
+              </a:effectRef>
+              <a:fontRef idx="minor">
+                <a:schemeClr val="tx1"/>
+              </a:fontRef>
+            </p:style>
+          </p:cxnSp>
+          <p:cxnSp>
+            <p:nvCxnSpPr>
+              <p:cNvPr id="144" name="Straight Connector 143">
+                <a:extLst>
+                  <a:ext uri="{FF2B5EF4-FFF2-40B4-BE49-F238E27FC236}">
+                    <a16:creationId xmlns:a16="http://schemas.microsoft.com/office/drawing/2014/main" id="{F7658305-FD52-D84A-90A2-E1DEECF8D6FC}"/>
+                  </a:ext>
+                </a:extLst>
+              </p:cNvPr>
+              <p:cNvCxnSpPr>
+                <a:cxnSpLocks/>
+              </p:cNvCxnSpPr>
+              <p:nvPr/>
+            </p:nvCxnSpPr>
+            <p:spPr>
+              <a:xfrm>
+                <a:off x="5597236" y="1105593"/>
+                <a:ext cx="0" cy="540327"/>
+              </a:xfrm>
+              <a:prstGeom prst="line">
+                <a:avLst/>
+              </a:prstGeom>
+              <a:ln w="38100">
+                <a:solidFill>
+                  <a:schemeClr val="bg1">
+                    <a:lumMod val="85000"/>
+                  </a:schemeClr>
+                </a:solidFill>
+              </a:ln>
+            </p:spPr>
+            <p:style>
+              <a:lnRef idx="1">
+                <a:schemeClr val="accent1"/>
+              </a:lnRef>
+              <a:fillRef idx="0">
+                <a:schemeClr val="accent1"/>
+              </a:fillRef>
+              <a:effectRef idx="0">
+                <a:schemeClr val="accent1"/>
+              </a:effectRef>
+              <a:fontRef idx="minor">
+                <a:schemeClr val="tx1"/>
+              </a:fontRef>
+            </p:style>
+          </p:cxnSp>
+          <p:cxnSp>
+            <p:nvCxnSpPr>
+              <p:cNvPr id="145" name="Straight Connector 144">
+                <a:extLst>
+                  <a:ext uri="{FF2B5EF4-FFF2-40B4-BE49-F238E27FC236}">
+                    <a16:creationId xmlns:a16="http://schemas.microsoft.com/office/drawing/2014/main" id="{C5B24825-9299-A94C-85B4-372C1A2C359B}"/>
+                  </a:ext>
+                </a:extLst>
+              </p:cNvPr>
+              <p:cNvCxnSpPr>
+                <a:cxnSpLocks/>
+              </p:cNvCxnSpPr>
+              <p:nvPr/>
+            </p:nvCxnSpPr>
+            <p:spPr>
+              <a:xfrm>
+                <a:off x="5749636" y="1105593"/>
+                <a:ext cx="0" cy="540327"/>
+              </a:xfrm>
+              <a:prstGeom prst="line">
+                <a:avLst/>
+              </a:prstGeom>
+              <a:ln w="38100">
+                <a:solidFill>
+                  <a:schemeClr val="bg1">
+                    <a:lumMod val="85000"/>
+                  </a:schemeClr>
+                </a:solidFill>
+              </a:ln>
+            </p:spPr>
+            <p:style>
+              <a:lnRef idx="1">
+                <a:schemeClr val="accent1"/>
+              </a:lnRef>
+              <a:fillRef idx="0">
+                <a:schemeClr val="accent1"/>
+              </a:fillRef>
+              <a:effectRef idx="0">
+                <a:schemeClr val="accent1"/>
+              </a:effectRef>
+              <a:fontRef idx="minor">
+                <a:schemeClr val="tx1"/>
+              </a:fontRef>
+            </p:style>
+          </p:cxnSp>
+          <p:cxnSp>
+            <p:nvCxnSpPr>
+              <p:cNvPr id="146" name="Straight Connector 145">
+                <a:extLst>
+                  <a:ext uri="{FF2B5EF4-FFF2-40B4-BE49-F238E27FC236}">
+                    <a16:creationId xmlns:a16="http://schemas.microsoft.com/office/drawing/2014/main" id="{08522293-9590-AC4D-B174-DFB48C55A0E6}"/>
+                  </a:ext>
+                </a:extLst>
+              </p:cNvPr>
+              <p:cNvCxnSpPr>
+                <a:cxnSpLocks/>
+              </p:cNvCxnSpPr>
+              <p:nvPr/>
+            </p:nvCxnSpPr>
+            <p:spPr>
+              <a:xfrm>
+                <a:off x="5902036" y="1105593"/>
+                <a:ext cx="0" cy="540327"/>
+              </a:xfrm>
+              <a:prstGeom prst="line">
+                <a:avLst/>
+              </a:prstGeom>
+              <a:ln w="38100">
+                <a:solidFill>
+                  <a:schemeClr val="bg1">
+                    <a:lumMod val="85000"/>
+                  </a:schemeClr>
+                </a:solidFill>
+              </a:ln>
+            </p:spPr>
+            <p:style>
+              <a:lnRef idx="1">
+                <a:schemeClr val="accent1"/>
+              </a:lnRef>
+              <a:fillRef idx="0">
+                <a:schemeClr val="accent1"/>
+              </a:fillRef>
+              <a:effectRef idx="0">
+                <a:schemeClr val="accent1"/>
+              </a:effectRef>
+              <a:fontRef idx="minor">
+                <a:schemeClr val="tx1"/>
+              </a:fontRef>
+            </p:style>
+          </p:cxnSp>
+          <p:cxnSp>
+            <p:nvCxnSpPr>
+              <p:cNvPr id="147" name="Straight Connector 146">
+                <a:extLst>
+                  <a:ext uri="{FF2B5EF4-FFF2-40B4-BE49-F238E27FC236}">
+                    <a16:creationId xmlns:a16="http://schemas.microsoft.com/office/drawing/2014/main" id="{054BF6C9-7A9D-7C47-83B8-5AA81666AF54}"/>
+                  </a:ext>
+                </a:extLst>
+              </p:cNvPr>
+              <p:cNvCxnSpPr>
+                <a:cxnSpLocks/>
+              </p:cNvCxnSpPr>
+              <p:nvPr/>
+            </p:nvCxnSpPr>
+            <p:spPr>
+              <a:xfrm flipH="1">
+                <a:off x="5329845" y="1215444"/>
+                <a:ext cx="721820" cy="430476"/>
+              </a:xfrm>
+              <a:prstGeom prst="line">
+                <a:avLst/>
+              </a:prstGeom>
+              <a:ln w="38100">
+                <a:solidFill>
+                  <a:schemeClr val="bg1">
+                    <a:lumMod val="85000"/>
+                  </a:schemeClr>
+                </a:solidFill>
+              </a:ln>
+            </p:spPr>
+            <p:style>
+              <a:lnRef idx="1">
+                <a:schemeClr val="accent1"/>
+              </a:lnRef>
+              <a:fillRef idx="0">
+                <a:schemeClr val="accent1"/>
+              </a:fillRef>
+              <a:effectRef idx="0">
+                <a:schemeClr val="accent1"/>
+              </a:effectRef>
+              <a:fontRef idx="minor">
+                <a:schemeClr val="tx1"/>
+              </a:fontRef>
+            </p:style>
+          </p:cxnSp>
+        </p:grpSp>
+        <p:grpSp>
+          <p:nvGrpSpPr>
+            <p:cNvPr id="121" name="Group 120">
+              <a:extLst>
+                <a:ext uri="{FF2B5EF4-FFF2-40B4-BE49-F238E27FC236}">
+                  <a16:creationId xmlns:a16="http://schemas.microsoft.com/office/drawing/2014/main" id="{66BEAE02-4F32-3B4B-8A5F-520B37CDBFD1}"/>
+                </a:ext>
+              </a:extLst>
+            </p:cNvPr>
+            <p:cNvGrpSpPr/>
+            <p:nvPr/>
+          </p:nvGrpSpPr>
+          <p:grpSpPr>
+            <a:xfrm>
+              <a:off x="1506014" y="1954058"/>
+              <a:ext cx="393444" cy="294517"/>
+              <a:chOff x="5329845" y="1105593"/>
+              <a:chExt cx="721820" cy="540327"/>
+            </a:xfrm>
+          </p:grpSpPr>
+          <p:cxnSp>
+            <p:nvCxnSpPr>
+              <p:cNvPr id="138" name="Straight Connector 137">
+                <a:extLst>
+                  <a:ext uri="{FF2B5EF4-FFF2-40B4-BE49-F238E27FC236}">
+                    <a16:creationId xmlns:a16="http://schemas.microsoft.com/office/drawing/2014/main" id="{6C720926-3DA9-8947-A418-C290271B311C}"/>
+                  </a:ext>
+                </a:extLst>
+              </p:cNvPr>
+              <p:cNvCxnSpPr>
+                <a:cxnSpLocks/>
+              </p:cNvCxnSpPr>
+              <p:nvPr/>
+            </p:nvCxnSpPr>
+            <p:spPr>
+              <a:xfrm>
+                <a:off x="5444836" y="1105593"/>
+                <a:ext cx="0" cy="540327"/>
+              </a:xfrm>
+              <a:prstGeom prst="line">
+                <a:avLst/>
+              </a:prstGeom>
+              <a:ln w="38100">
+                <a:solidFill>
+                  <a:schemeClr val="bg1">
+                    <a:lumMod val="85000"/>
+                  </a:schemeClr>
+                </a:solidFill>
+              </a:ln>
+            </p:spPr>
+            <p:style>
+              <a:lnRef idx="1">
+                <a:schemeClr val="accent1"/>
+              </a:lnRef>
+              <a:fillRef idx="0">
+                <a:schemeClr val="accent1"/>
+              </a:fillRef>
+              <a:effectRef idx="0">
+                <a:schemeClr val="accent1"/>
+              </a:effectRef>
+              <a:fontRef idx="minor">
+                <a:schemeClr val="tx1"/>
+              </a:fontRef>
+            </p:style>
+          </p:cxnSp>
+          <p:cxnSp>
+            <p:nvCxnSpPr>
+              <p:cNvPr id="139" name="Straight Connector 138">
+                <a:extLst>
+                  <a:ext uri="{FF2B5EF4-FFF2-40B4-BE49-F238E27FC236}">
+                    <a16:creationId xmlns:a16="http://schemas.microsoft.com/office/drawing/2014/main" id="{5C514A47-E281-C64A-B20A-93EF4DF10326}"/>
+                  </a:ext>
+                </a:extLst>
+              </p:cNvPr>
+              <p:cNvCxnSpPr>
+                <a:cxnSpLocks/>
+              </p:cNvCxnSpPr>
+              <p:nvPr/>
+            </p:nvCxnSpPr>
+            <p:spPr>
+              <a:xfrm>
+                <a:off x="5597236" y="1105593"/>
+                <a:ext cx="0" cy="540327"/>
+              </a:xfrm>
+              <a:prstGeom prst="line">
+                <a:avLst/>
+              </a:prstGeom>
+              <a:ln w="38100">
+                <a:solidFill>
+                  <a:schemeClr val="bg1">
+                    <a:lumMod val="85000"/>
+                  </a:schemeClr>
+                </a:solidFill>
+              </a:ln>
+            </p:spPr>
+            <p:style>
+              <a:lnRef idx="1">
+                <a:schemeClr val="accent1"/>
+              </a:lnRef>
+              <a:fillRef idx="0">
+                <a:schemeClr val="accent1"/>
+              </a:fillRef>
+              <a:effectRef idx="0">
+                <a:schemeClr val="accent1"/>
+              </a:effectRef>
+              <a:fontRef idx="minor">
+                <a:schemeClr val="tx1"/>
+              </a:fontRef>
+            </p:style>
+          </p:cxnSp>
+          <p:cxnSp>
+            <p:nvCxnSpPr>
+              <p:cNvPr id="140" name="Straight Connector 139">
+                <a:extLst>
+                  <a:ext uri="{FF2B5EF4-FFF2-40B4-BE49-F238E27FC236}">
+                    <a16:creationId xmlns:a16="http://schemas.microsoft.com/office/drawing/2014/main" id="{B7A92201-8682-2946-9026-A7DF2A6429C4}"/>
+                  </a:ext>
+                </a:extLst>
+              </p:cNvPr>
+              <p:cNvCxnSpPr>
+                <a:cxnSpLocks/>
+              </p:cNvCxnSpPr>
+              <p:nvPr/>
+            </p:nvCxnSpPr>
+            <p:spPr>
+              <a:xfrm>
+                <a:off x="5749636" y="1105593"/>
+                <a:ext cx="0" cy="540327"/>
+              </a:xfrm>
+              <a:prstGeom prst="line">
+                <a:avLst/>
+              </a:prstGeom>
+              <a:ln w="38100">
+                <a:solidFill>
+                  <a:schemeClr val="bg1">
+                    <a:lumMod val="85000"/>
+                  </a:schemeClr>
+                </a:solidFill>
+              </a:ln>
+            </p:spPr>
+            <p:style>
+              <a:lnRef idx="1">
+                <a:schemeClr val="accent1"/>
+              </a:lnRef>
+              <a:fillRef idx="0">
+                <a:schemeClr val="accent1"/>
+              </a:fillRef>
+              <a:effectRef idx="0">
+                <a:schemeClr val="accent1"/>
+              </a:effectRef>
+              <a:fontRef idx="minor">
+                <a:schemeClr val="tx1"/>
+              </a:fontRef>
+            </p:style>
+          </p:cxnSp>
+          <p:cxnSp>
+            <p:nvCxnSpPr>
+              <p:cNvPr id="141" name="Straight Connector 140">
+                <a:extLst>
+                  <a:ext uri="{FF2B5EF4-FFF2-40B4-BE49-F238E27FC236}">
+                    <a16:creationId xmlns:a16="http://schemas.microsoft.com/office/drawing/2014/main" id="{59505EFC-20CB-F94A-8686-1ED34DE12A4C}"/>
+                  </a:ext>
+                </a:extLst>
+              </p:cNvPr>
+              <p:cNvCxnSpPr>
+                <a:cxnSpLocks/>
+              </p:cNvCxnSpPr>
+              <p:nvPr/>
+            </p:nvCxnSpPr>
+            <p:spPr>
+              <a:xfrm>
+                <a:off x="5902036" y="1105593"/>
+                <a:ext cx="0" cy="540327"/>
+              </a:xfrm>
+              <a:prstGeom prst="line">
+                <a:avLst/>
+              </a:prstGeom>
+              <a:ln w="38100">
+                <a:solidFill>
+                  <a:schemeClr val="bg1">
+                    <a:lumMod val="85000"/>
+                  </a:schemeClr>
+                </a:solidFill>
+              </a:ln>
+            </p:spPr>
+            <p:style>
+              <a:lnRef idx="1">
+                <a:schemeClr val="accent1"/>
+              </a:lnRef>
+              <a:fillRef idx="0">
+                <a:schemeClr val="accent1"/>
+              </a:fillRef>
+              <a:effectRef idx="0">
+                <a:schemeClr val="accent1"/>
+              </a:effectRef>
+              <a:fontRef idx="minor">
+                <a:schemeClr val="tx1"/>
+              </a:fontRef>
+            </p:style>
+          </p:cxnSp>
+          <p:cxnSp>
+            <p:nvCxnSpPr>
+              <p:cNvPr id="142" name="Straight Connector 141">
+                <a:extLst>
+                  <a:ext uri="{FF2B5EF4-FFF2-40B4-BE49-F238E27FC236}">
+                    <a16:creationId xmlns:a16="http://schemas.microsoft.com/office/drawing/2014/main" id="{7C0DF588-657C-AC45-B740-F71B23D4F1B6}"/>
+                  </a:ext>
+                </a:extLst>
+              </p:cNvPr>
+              <p:cNvCxnSpPr>
+                <a:cxnSpLocks/>
+              </p:cNvCxnSpPr>
+              <p:nvPr/>
+            </p:nvCxnSpPr>
+            <p:spPr>
+              <a:xfrm flipH="1">
+                <a:off x="5329845" y="1215444"/>
+                <a:ext cx="721820" cy="430476"/>
+              </a:xfrm>
+              <a:prstGeom prst="line">
+                <a:avLst/>
+              </a:prstGeom>
+              <a:ln w="38100">
+                <a:solidFill>
+                  <a:schemeClr val="bg1">
+                    <a:lumMod val="85000"/>
+                  </a:schemeClr>
+                </a:solidFill>
+              </a:ln>
+            </p:spPr>
+            <p:style>
+              <a:lnRef idx="1">
+                <a:schemeClr val="accent1"/>
+              </a:lnRef>
+              <a:fillRef idx="0">
+                <a:schemeClr val="accent1"/>
+              </a:fillRef>
+              <a:effectRef idx="0">
+                <a:schemeClr val="accent1"/>
+              </a:effectRef>
+              <a:fontRef idx="minor">
+                <a:schemeClr val="tx1"/>
+              </a:fontRef>
+            </p:style>
+          </p:cxnSp>
+        </p:grpSp>
+        <p:grpSp>
+          <p:nvGrpSpPr>
+            <p:cNvPr id="122" name="Group 121">
+              <a:extLst>
+                <a:ext uri="{FF2B5EF4-FFF2-40B4-BE49-F238E27FC236}">
+                  <a16:creationId xmlns:a16="http://schemas.microsoft.com/office/drawing/2014/main" id="{9F961150-E914-DD4D-A7ED-0B01C21B16F5}"/>
+                </a:ext>
+              </a:extLst>
+            </p:cNvPr>
+            <p:cNvGrpSpPr/>
+            <p:nvPr/>
+          </p:nvGrpSpPr>
+          <p:grpSpPr>
+            <a:xfrm>
+              <a:off x="4939171" y="1954058"/>
+              <a:ext cx="393444" cy="294517"/>
+              <a:chOff x="5329845" y="1105593"/>
+              <a:chExt cx="721820" cy="540327"/>
+            </a:xfrm>
+          </p:grpSpPr>
+          <p:cxnSp>
+            <p:nvCxnSpPr>
+              <p:cNvPr id="133" name="Straight Connector 132">
+                <a:extLst>
+                  <a:ext uri="{FF2B5EF4-FFF2-40B4-BE49-F238E27FC236}">
+                    <a16:creationId xmlns:a16="http://schemas.microsoft.com/office/drawing/2014/main" id="{F98501F2-3189-D54B-A268-73EA37DF5945}"/>
+                  </a:ext>
+                </a:extLst>
+              </p:cNvPr>
+              <p:cNvCxnSpPr>
+                <a:cxnSpLocks/>
+              </p:cNvCxnSpPr>
+              <p:nvPr/>
+            </p:nvCxnSpPr>
+            <p:spPr>
+              <a:xfrm>
+                <a:off x="5444836" y="1105593"/>
+                <a:ext cx="0" cy="540327"/>
+              </a:xfrm>
+              <a:prstGeom prst="line">
+                <a:avLst/>
+              </a:prstGeom>
+              <a:ln w="38100">
+                <a:solidFill>
+                  <a:schemeClr val="bg1">
+                    <a:lumMod val="85000"/>
+                  </a:schemeClr>
+                </a:solidFill>
+              </a:ln>
+            </p:spPr>
+            <p:style>
+              <a:lnRef idx="1">
+                <a:schemeClr val="accent1"/>
+              </a:lnRef>
+              <a:fillRef idx="0">
+                <a:schemeClr val="accent1"/>
+              </a:fillRef>
+              <a:effectRef idx="0">
+                <a:schemeClr val="accent1"/>
+              </a:effectRef>
+              <a:fontRef idx="minor">
+                <a:schemeClr val="tx1"/>
+              </a:fontRef>
+            </p:style>
+          </p:cxnSp>
+          <p:cxnSp>
+            <p:nvCxnSpPr>
+              <p:cNvPr id="134" name="Straight Connector 133">
+                <a:extLst>
+                  <a:ext uri="{FF2B5EF4-FFF2-40B4-BE49-F238E27FC236}">
+                    <a16:creationId xmlns:a16="http://schemas.microsoft.com/office/drawing/2014/main" id="{3DA62D93-51AF-4C48-9139-01256F4285E1}"/>
+                  </a:ext>
+                </a:extLst>
+              </p:cNvPr>
+              <p:cNvCxnSpPr>
+                <a:cxnSpLocks/>
+              </p:cNvCxnSpPr>
+              <p:nvPr/>
+            </p:nvCxnSpPr>
+            <p:spPr>
+              <a:xfrm>
+                <a:off x="5597236" y="1105593"/>
+                <a:ext cx="0" cy="540327"/>
+              </a:xfrm>
+              <a:prstGeom prst="line">
+                <a:avLst/>
+              </a:prstGeom>
+              <a:ln w="38100">
+                <a:solidFill>
+                  <a:schemeClr val="bg1">
+                    <a:lumMod val="85000"/>
+                  </a:schemeClr>
+                </a:solidFill>
+              </a:ln>
+            </p:spPr>
+            <p:style>
+              <a:lnRef idx="1">
+                <a:schemeClr val="accent1"/>
+              </a:lnRef>
+              <a:fillRef idx="0">
+                <a:schemeClr val="accent1"/>
+              </a:fillRef>
+              <a:effectRef idx="0">
+                <a:schemeClr val="accent1"/>
+              </a:effectRef>
+              <a:fontRef idx="minor">
+                <a:schemeClr val="tx1"/>
+              </a:fontRef>
+            </p:style>
+          </p:cxnSp>
+          <p:cxnSp>
+            <p:nvCxnSpPr>
+              <p:cNvPr id="135" name="Straight Connector 134">
+                <a:extLst>
+                  <a:ext uri="{FF2B5EF4-FFF2-40B4-BE49-F238E27FC236}">
+                    <a16:creationId xmlns:a16="http://schemas.microsoft.com/office/drawing/2014/main" id="{CF708BAF-D2A0-7645-A197-A14D5E99367E}"/>
+                  </a:ext>
+                </a:extLst>
+              </p:cNvPr>
+              <p:cNvCxnSpPr>
+                <a:cxnSpLocks/>
+              </p:cNvCxnSpPr>
+              <p:nvPr/>
+            </p:nvCxnSpPr>
+            <p:spPr>
+              <a:xfrm>
+                <a:off x="5749636" y="1105593"/>
+                <a:ext cx="0" cy="540327"/>
+              </a:xfrm>
+              <a:prstGeom prst="line">
+                <a:avLst/>
+              </a:prstGeom>
+              <a:ln w="38100">
+                <a:solidFill>
+                  <a:schemeClr val="bg1">
+                    <a:lumMod val="85000"/>
+                  </a:schemeClr>
+                </a:solidFill>
+              </a:ln>
+            </p:spPr>
+            <p:style>
+              <a:lnRef idx="1">
+                <a:schemeClr val="accent1"/>
+              </a:lnRef>
+              <a:fillRef idx="0">
+                <a:schemeClr val="accent1"/>
+              </a:fillRef>
+              <a:effectRef idx="0">
+                <a:schemeClr val="accent1"/>
+              </a:effectRef>
+              <a:fontRef idx="minor">
+                <a:schemeClr val="tx1"/>
+              </a:fontRef>
+            </p:style>
+          </p:cxnSp>
+          <p:cxnSp>
+            <p:nvCxnSpPr>
+              <p:cNvPr id="136" name="Straight Connector 135">
+                <a:extLst>
+                  <a:ext uri="{FF2B5EF4-FFF2-40B4-BE49-F238E27FC236}">
+                    <a16:creationId xmlns:a16="http://schemas.microsoft.com/office/drawing/2014/main" id="{1F5BB3DB-565A-2F46-AAD3-1EED582D7B4C}"/>
+                  </a:ext>
+                </a:extLst>
+              </p:cNvPr>
+              <p:cNvCxnSpPr>
+                <a:cxnSpLocks/>
+              </p:cNvCxnSpPr>
+              <p:nvPr/>
+            </p:nvCxnSpPr>
+            <p:spPr>
+              <a:xfrm>
+                <a:off x="5902036" y="1105593"/>
+                <a:ext cx="0" cy="540327"/>
+              </a:xfrm>
+              <a:prstGeom prst="line">
+                <a:avLst/>
+              </a:prstGeom>
+              <a:ln w="38100">
+                <a:solidFill>
+                  <a:schemeClr val="bg1">
+                    <a:lumMod val="85000"/>
+                  </a:schemeClr>
+                </a:solidFill>
+              </a:ln>
+            </p:spPr>
+            <p:style>
+              <a:lnRef idx="1">
+                <a:schemeClr val="accent1"/>
+              </a:lnRef>
+              <a:fillRef idx="0">
+                <a:schemeClr val="accent1"/>
+              </a:fillRef>
+              <a:effectRef idx="0">
+                <a:schemeClr val="accent1"/>
+              </a:effectRef>
+              <a:fontRef idx="minor">
+                <a:schemeClr val="tx1"/>
+              </a:fontRef>
+            </p:style>
+          </p:cxnSp>
+          <p:cxnSp>
+            <p:nvCxnSpPr>
+              <p:cNvPr id="137" name="Straight Connector 136">
+                <a:extLst>
+                  <a:ext uri="{FF2B5EF4-FFF2-40B4-BE49-F238E27FC236}">
+                    <a16:creationId xmlns:a16="http://schemas.microsoft.com/office/drawing/2014/main" id="{BE702153-E2A3-EE4F-95D7-5AC30EF7BA56}"/>
+                  </a:ext>
+                </a:extLst>
+              </p:cNvPr>
+              <p:cNvCxnSpPr>
+                <a:cxnSpLocks/>
+              </p:cNvCxnSpPr>
+              <p:nvPr/>
+            </p:nvCxnSpPr>
+            <p:spPr>
+              <a:xfrm flipH="1">
+                <a:off x="5329845" y="1215444"/>
+                <a:ext cx="721820" cy="430476"/>
+              </a:xfrm>
+              <a:prstGeom prst="line">
+                <a:avLst/>
+              </a:prstGeom>
+              <a:ln w="38100">
+                <a:solidFill>
+                  <a:schemeClr val="bg1">
+                    <a:lumMod val="85000"/>
+                  </a:schemeClr>
+                </a:solidFill>
+              </a:ln>
+            </p:spPr>
+            <p:style>
+              <a:lnRef idx="1">
+                <a:schemeClr val="accent1"/>
+              </a:lnRef>
+              <a:fillRef idx="0">
+                <a:schemeClr val="accent1"/>
+              </a:fillRef>
+              <a:effectRef idx="0">
+                <a:schemeClr val="accent1"/>
+              </a:effectRef>
+              <a:fontRef idx="minor">
+                <a:schemeClr val="tx1"/>
+              </a:fontRef>
+            </p:style>
+          </p:cxnSp>
+        </p:grpSp>
+        <p:grpSp>
+          <p:nvGrpSpPr>
+            <p:cNvPr id="123" name="Group 122">
+              <a:extLst>
+                <a:ext uri="{FF2B5EF4-FFF2-40B4-BE49-F238E27FC236}">
+                  <a16:creationId xmlns:a16="http://schemas.microsoft.com/office/drawing/2014/main" id="{544400CA-C24F-C142-AC23-1AC8DE3BFA21}"/>
+                </a:ext>
+              </a:extLst>
+            </p:cNvPr>
+            <p:cNvGrpSpPr/>
+            <p:nvPr/>
+          </p:nvGrpSpPr>
+          <p:grpSpPr>
+            <a:xfrm>
+              <a:off x="5492300" y="1954058"/>
+              <a:ext cx="166138" cy="294517"/>
+              <a:chOff x="5492300" y="1391798"/>
+              <a:chExt cx="166138" cy="294517"/>
+            </a:xfrm>
+          </p:grpSpPr>
+          <p:cxnSp>
+            <p:nvCxnSpPr>
+              <p:cNvPr id="130" name="Straight Connector 129">
+                <a:extLst>
+                  <a:ext uri="{FF2B5EF4-FFF2-40B4-BE49-F238E27FC236}">
+                    <a16:creationId xmlns:a16="http://schemas.microsoft.com/office/drawing/2014/main" id="{E40C98F4-9345-2C43-A282-4B42267E95A9}"/>
+                  </a:ext>
+                </a:extLst>
+              </p:cNvPr>
+              <p:cNvCxnSpPr>
+                <a:cxnSpLocks/>
+              </p:cNvCxnSpPr>
+              <p:nvPr/>
+            </p:nvCxnSpPr>
+            <p:spPr>
+              <a:xfrm>
+                <a:off x="5492300" y="1391798"/>
+                <a:ext cx="0" cy="294517"/>
+              </a:xfrm>
+              <a:prstGeom prst="line">
+                <a:avLst/>
+              </a:prstGeom>
+              <a:ln w="38100">
+                <a:solidFill>
+                  <a:schemeClr val="bg1">
+                    <a:lumMod val="85000"/>
+                  </a:schemeClr>
+                </a:solidFill>
+              </a:ln>
+            </p:spPr>
+            <p:style>
+              <a:lnRef idx="1">
+                <a:schemeClr val="accent1"/>
+              </a:lnRef>
+              <a:fillRef idx="0">
+                <a:schemeClr val="accent1"/>
+              </a:fillRef>
+              <a:effectRef idx="0">
+                <a:schemeClr val="accent1"/>
+              </a:effectRef>
+              <a:fontRef idx="minor">
+                <a:schemeClr val="tx1"/>
+              </a:fontRef>
+            </p:style>
+          </p:cxnSp>
+          <p:cxnSp>
+            <p:nvCxnSpPr>
+              <p:cNvPr id="131" name="Straight Connector 130">
+                <a:extLst>
+                  <a:ext uri="{FF2B5EF4-FFF2-40B4-BE49-F238E27FC236}">
+                    <a16:creationId xmlns:a16="http://schemas.microsoft.com/office/drawing/2014/main" id="{853C8B93-02F3-5440-A080-71D70AA52960}"/>
+                  </a:ext>
+                </a:extLst>
+              </p:cNvPr>
+              <p:cNvCxnSpPr>
+                <a:cxnSpLocks/>
+              </p:cNvCxnSpPr>
+              <p:nvPr/>
+            </p:nvCxnSpPr>
+            <p:spPr>
+              <a:xfrm>
+                <a:off x="5575369" y="1391798"/>
+                <a:ext cx="0" cy="294517"/>
+              </a:xfrm>
+              <a:prstGeom prst="line">
+                <a:avLst/>
+              </a:prstGeom>
+              <a:ln w="38100">
+                <a:solidFill>
+                  <a:schemeClr val="bg1">
+                    <a:lumMod val="85000"/>
+                  </a:schemeClr>
+                </a:solidFill>
+              </a:ln>
+            </p:spPr>
+            <p:style>
+              <a:lnRef idx="1">
+                <a:schemeClr val="accent1"/>
+              </a:lnRef>
+              <a:fillRef idx="0">
+                <a:schemeClr val="accent1"/>
+              </a:fillRef>
+              <a:effectRef idx="0">
+                <a:schemeClr val="accent1"/>
+              </a:effectRef>
+              <a:fontRef idx="minor">
+                <a:schemeClr val="tx1"/>
+              </a:fontRef>
+            </p:style>
+          </p:cxnSp>
+          <p:cxnSp>
+            <p:nvCxnSpPr>
+              <p:cNvPr id="132" name="Straight Connector 131">
+                <a:extLst>
+                  <a:ext uri="{FF2B5EF4-FFF2-40B4-BE49-F238E27FC236}">
+                    <a16:creationId xmlns:a16="http://schemas.microsoft.com/office/drawing/2014/main" id="{67F52DAD-21F4-AD4A-9E6A-F0DAC4CB8DD9}"/>
+                  </a:ext>
+                </a:extLst>
+              </p:cNvPr>
+              <p:cNvCxnSpPr>
+                <a:cxnSpLocks/>
+              </p:cNvCxnSpPr>
+              <p:nvPr/>
+            </p:nvCxnSpPr>
+            <p:spPr>
+              <a:xfrm>
+                <a:off x="5658438" y="1391798"/>
+                <a:ext cx="0" cy="294517"/>
+              </a:xfrm>
+              <a:prstGeom prst="line">
+                <a:avLst/>
+              </a:prstGeom>
+              <a:ln w="38100">
+                <a:solidFill>
+                  <a:schemeClr val="bg1">
+                    <a:lumMod val="85000"/>
+                  </a:schemeClr>
+                </a:solidFill>
+              </a:ln>
+            </p:spPr>
+            <p:style>
+              <a:lnRef idx="1">
+                <a:schemeClr val="accent1"/>
+              </a:lnRef>
+              <a:fillRef idx="0">
+                <a:schemeClr val="accent1"/>
+              </a:fillRef>
+              <a:effectRef idx="0">
+                <a:schemeClr val="accent1"/>
+              </a:effectRef>
+              <a:fontRef idx="minor">
+                <a:schemeClr val="tx1"/>
+              </a:fontRef>
+            </p:style>
+          </p:cxnSp>
+        </p:grpSp>
+        <p:grpSp>
+          <p:nvGrpSpPr>
+            <p:cNvPr id="124" name="Group 123">
+              <a:extLst>
+                <a:ext uri="{FF2B5EF4-FFF2-40B4-BE49-F238E27FC236}">
+                  <a16:creationId xmlns:a16="http://schemas.microsoft.com/office/drawing/2014/main" id="{C1B64175-30E6-CC4E-8104-806D69FC480C}"/>
+                </a:ext>
+              </a:extLst>
+            </p:cNvPr>
+            <p:cNvGrpSpPr/>
+            <p:nvPr/>
+          </p:nvGrpSpPr>
+          <p:grpSpPr>
+            <a:xfrm>
+              <a:off x="2977367" y="1954058"/>
+              <a:ext cx="393444" cy="294517"/>
+              <a:chOff x="5329845" y="1105593"/>
+              <a:chExt cx="721820" cy="540327"/>
+            </a:xfrm>
+          </p:grpSpPr>
+          <p:cxnSp>
+            <p:nvCxnSpPr>
+              <p:cNvPr id="125" name="Straight Connector 124">
+                <a:extLst>
+                  <a:ext uri="{FF2B5EF4-FFF2-40B4-BE49-F238E27FC236}">
+                    <a16:creationId xmlns:a16="http://schemas.microsoft.com/office/drawing/2014/main" id="{F0D4FEEA-5B23-3243-99A7-8D5862A2EE88}"/>
+                  </a:ext>
+                </a:extLst>
+              </p:cNvPr>
+              <p:cNvCxnSpPr>
+                <a:cxnSpLocks/>
+              </p:cNvCxnSpPr>
+              <p:nvPr/>
+            </p:nvCxnSpPr>
+            <p:spPr>
+              <a:xfrm>
+                <a:off x="5444836" y="1105593"/>
+                <a:ext cx="0" cy="540327"/>
+              </a:xfrm>
+              <a:prstGeom prst="line">
+                <a:avLst/>
+              </a:prstGeom>
+              <a:ln w="38100">
+                <a:solidFill>
+                  <a:schemeClr val="bg1">
+                    <a:lumMod val="85000"/>
+                  </a:schemeClr>
+                </a:solidFill>
+              </a:ln>
+            </p:spPr>
+            <p:style>
+              <a:lnRef idx="1">
+                <a:schemeClr val="accent1"/>
+              </a:lnRef>
+              <a:fillRef idx="0">
+                <a:schemeClr val="accent1"/>
+              </a:fillRef>
+              <a:effectRef idx="0">
+                <a:schemeClr val="accent1"/>
+              </a:effectRef>
+              <a:fontRef idx="minor">
+                <a:schemeClr val="tx1"/>
+              </a:fontRef>
+            </p:style>
+          </p:cxnSp>
+          <p:cxnSp>
+            <p:nvCxnSpPr>
+              <p:cNvPr id="126" name="Straight Connector 125">
+                <a:extLst>
+                  <a:ext uri="{FF2B5EF4-FFF2-40B4-BE49-F238E27FC236}">
+                    <a16:creationId xmlns:a16="http://schemas.microsoft.com/office/drawing/2014/main" id="{663746BB-9DF8-7447-B4D4-5BDE08402433}"/>
+                  </a:ext>
+                </a:extLst>
+              </p:cNvPr>
+              <p:cNvCxnSpPr>
+                <a:cxnSpLocks/>
+              </p:cNvCxnSpPr>
+              <p:nvPr/>
+            </p:nvCxnSpPr>
+            <p:spPr>
+              <a:xfrm>
+                <a:off x="5597236" y="1105593"/>
+                <a:ext cx="0" cy="540327"/>
+              </a:xfrm>
+              <a:prstGeom prst="line">
+                <a:avLst/>
+              </a:prstGeom>
+              <a:ln w="38100">
+                <a:solidFill>
+                  <a:schemeClr val="bg1">
+                    <a:lumMod val="85000"/>
+                  </a:schemeClr>
+                </a:solidFill>
+              </a:ln>
+            </p:spPr>
+            <p:style>
+              <a:lnRef idx="1">
+                <a:schemeClr val="accent1"/>
+              </a:lnRef>
+              <a:fillRef idx="0">
+                <a:schemeClr val="accent1"/>
+              </a:fillRef>
+              <a:effectRef idx="0">
+                <a:schemeClr val="accent1"/>
+              </a:effectRef>
+              <a:fontRef idx="minor">
+                <a:schemeClr val="tx1"/>
+              </a:fontRef>
+            </p:style>
+          </p:cxnSp>
+          <p:cxnSp>
+            <p:nvCxnSpPr>
+              <p:cNvPr id="127" name="Straight Connector 126">
+                <a:extLst>
+                  <a:ext uri="{FF2B5EF4-FFF2-40B4-BE49-F238E27FC236}">
+                    <a16:creationId xmlns:a16="http://schemas.microsoft.com/office/drawing/2014/main" id="{648B2AA1-3555-F94B-B348-FE4FC518B802}"/>
+                  </a:ext>
+                </a:extLst>
+              </p:cNvPr>
+              <p:cNvCxnSpPr>
+                <a:cxnSpLocks/>
+              </p:cNvCxnSpPr>
+              <p:nvPr/>
+            </p:nvCxnSpPr>
+            <p:spPr>
+              <a:xfrm>
+                <a:off x="5749636" y="1105593"/>
+                <a:ext cx="0" cy="540327"/>
+              </a:xfrm>
+              <a:prstGeom prst="line">
+                <a:avLst/>
+              </a:prstGeom>
+              <a:ln w="38100">
+                <a:solidFill>
+                  <a:schemeClr val="bg1">
+                    <a:lumMod val="85000"/>
+                  </a:schemeClr>
+                </a:solidFill>
+              </a:ln>
+            </p:spPr>
+            <p:style>
+              <a:lnRef idx="1">
+                <a:schemeClr val="accent1"/>
+              </a:lnRef>
+              <a:fillRef idx="0">
+                <a:schemeClr val="accent1"/>
+              </a:fillRef>
+              <a:effectRef idx="0">
+                <a:schemeClr val="accent1"/>
+              </a:effectRef>
+              <a:fontRef idx="minor">
+                <a:schemeClr val="tx1"/>
+              </a:fontRef>
+            </p:style>
+          </p:cxnSp>
+          <p:cxnSp>
+            <p:nvCxnSpPr>
+              <p:cNvPr id="128" name="Straight Connector 127">
+                <a:extLst>
+                  <a:ext uri="{FF2B5EF4-FFF2-40B4-BE49-F238E27FC236}">
+                    <a16:creationId xmlns:a16="http://schemas.microsoft.com/office/drawing/2014/main" id="{00649765-DBCD-C541-9E69-0AB1543923D8}"/>
+                  </a:ext>
+                </a:extLst>
+              </p:cNvPr>
+              <p:cNvCxnSpPr>
+                <a:cxnSpLocks/>
+              </p:cNvCxnSpPr>
+              <p:nvPr/>
+            </p:nvCxnSpPr>
+            <p:spPr>
+              <a:xfrm>
+                <a:off x="5902036" y="1105593"/>
+                <a:ext cx="0" cy="540327"/>
+              </a:xfrm>
+              <a:prstGeom prst="line">
+                <a:avLst/>
+              </a:prstGeom>
+              <a:ln w="38100">
+                <a:solidFill>
+                  <a:schemeClr val="bg1">
+                    <a:lumMod val="85000"/>
+                  </a:schemeClr>
+                </a:solidFill>
+              </a:ln>
+            </p:spPr>
+            <p:style>
+              <a:lnRef idx="1">
+                <a:schemeClr val="accent1"/>
+              </a:lnRef>
+              <a:fillRef idx="0">
+                <a:schemeClr val="accent1"/>
+              </a:fillRef>
+              <a:effectRef idx="0">
+                <a:schemeClr val="accent1"/>
+              </a:effectRef>
+              <a:fontRef idx="minor">
+                <a:schemeClr val="tx1"/>
+              </a:fontRef>
+            </p:style>
+          </p:cxnSp>
+          <p:cxnSp>
+            <p:nvCxnSpPr>
+              <p:cNvPr id="129" name="Straight Connector 128">
+                <a:extLst>
+                  <a:ext uri="{FF2B5EF4-FFF2-40B4-BE49-F238E27FC236}">
+                    <a16:creationId xmlns:a16="http://schemas.microsoft.com/office/drawing/2014/main" id="{81FD88AA-147D-C44F-A0F9-0379E3498523}"/>
+                  </a:ext>
+                </a:extLst>
+              </p:cNvPr>
+              <p:cNvCxnSpPr>
+                <a:cxnSpLocks/>
+              </p:cNvCxnSpPr>
+              <p:nvPr/>
+            </p:nvCxnSpPr>
+            <p:spPr>
+              <a:xfrm flipH="1">
+                <a:off x="5329845" y="1215444"/>
+                <a:ext cx="721820" cy="430476"/>
+              </a:xfrm>
+              <a:prstGeom prst="line">
+                <a:avLst/>
+              </a:prstGeom>
+              <a:ln w="38100">
+                <a:solidFill>
+                  <a:schemeClr val="bg1">
+                    <a:lumMod val="85000"/>
+                  </a:schemeClr>
+                </a:solidFill>
+              </a:ln>
+            </p:spPr>
+            <p:style>
+              <a:lnRef idx="1">
+                <a:schemeClr val="accent1"/>
+              </a:lnRef>
+              <a:fillRef idx="0">
+                <a:schemeClr val="accent1"/>
+              </a:fillRef>
+              <a:effectRef idx="0">
+                <a:schemeClr val="accent1"/>
+              </a:effectRef>
+              <a:fontRef idx="minor">
+                <a:schemeClr val="tx1"/>
+              </a:fontRef>
+            </p:style>
+          </p:cxnSp>
+        </p:grpSp>
+      </p:grpSp>
+      <p:pic>
+        <p:nvPicPr>
+          <p:cNvPr id="3" name="Picture 2">
+            <a:extLst>
+              <a:ext uri="{FF2B5EF4-FFF2-40B4-BE49-F238E27FC236}">
+                <a16:creationId xmlns:a16="http://schemas.microsoft.com/office/drawing/2014/main" id="{B15A4AFD-2F7F-2D4D-99A7-E41B2F69CA72}"/>
+              </a:ext>
+            </a:extLst>
+          </p:cNvPr>
+          <p:cNvPicPr>
+            <a:picLocks noChangeAspect="1"/>
+          </p:cNvPicPr>
+          <p:nvPr/>
+        </p:nvPicPr>
+        <p:blipFill>
+          <a:blip r:embed="rId2"/>
+          <a:stretch>
+            <a:fillRect/>
+          </a:stretch>
+        </p:blipFill>
+        <p:spPr>
+          <a:xfrm>
+            <a:off x="2961837" y="4026412"/>
+            <a:ext cx="3147566" cy="693214"/>
+          </a:xfrm>
+          <a:prstGeom prst="rect">
+            <a:avLst/>
+          </a:prstGeom>
+        </p:spPr>
+      </p:pic>
+      <p:pic>
+        <p:nvPicPr>
+          <p:cNvPr id="5" name="Picture 4">
+            <a:extLst>
+              <a:ext uri="{FF2B5EF4-FFF2-40B4-BE49-F238E27FC236}">
+                <a16:creationId xmlns:a16="http://schemas.microsoft.com/office/drawing/2014/main" id="{A69A3265-A57B-CA44-9259-D6C13122EE26}"/>
+              </a:ext>
+            </a:extLst>
+          </p:cNvPr>
+          <p:cNvPicPr>
+            <a:picLocks noChangeAspect="1"/>
+          </p:cNvPicPr>
+          <p:nvPr/>
+        </p:nvPicPr>
+        <p:blipFill>
+          <a:blip r:embed="rId3"/>
+          <a:stretch>
+            <a:fillRect/>
+          </a:stretch>
+        </p:blipFill>
+        <p:spPr>
+          <a:xfrm>
+            <a:off x="2951335" y="2112235"/>
+            <a:ext cx="2274085" cy="708231"/>
+          </a:xfrm>
+          <a:prstGeom prst="rect">
+            <a:avLst/>
+          </a:prstGeom>
+        </p:spPr>
+      </p:pic>
+      <p:cxnSp>
+        <p:nvCxnSpPr>
+          <p:cNvPr id="206" name="Straight Connector 205">
+            <a:extLst>
+              <a:ext uri="{FF2B5EF4-FFF2-40B4-BE49-F238E27FC236}">
+                <a16:creationId xmlns:a16="http://schemas.microsoft.com/office/drawing/2014/main" id="{25CA6A69-7AAC-F247-8723-3CCCB62355A0}"/>
+              </a:ext>
+            </a:extLst>
+          </p:cNvPr>
+          <p:cNvCxnSpPr>
+            <a:cxnSpLocks/>
+          </p:cNvCxnSpPr>
+          <p:nvPr/>
+        </p:nvCxnSpPr>
+        <p:spPr>
+          <a:xfrm>
+            <a:off x="2707462" y="6092775"/>
+            <a:ext cx="0" cy="1600975"/>
+          </a:xfrm>
+          <a:prstGeom prst="line">
+            <a:avLst/>
+          </a:prstGeom>
+          <a:ln>
+            <a:solidFill>
+              <a:schemeClr val="tx1"/>
+            </a:solidFill>
+          </a:ln>
+        </p:spPr>
+        <p:style>
+          <a:lnRef idx="1">
+            <a:schemeClr val="accent1"/>
+          </a:lnRef>
+          <a:fillRef idx="0">
+            <a:schemeClr val="accent1"/>
+          </a:fillRef>
+          <a:effectRef idx="0">
+            <a:schemeClr val="accent1"/>
+          </a:effectRef>
+          <a:fontRef idx="minor">
+            <a:schemeClr val="tx1"/>
+          </a:fontRef>
+        </p:style>
+      </p:cxnSp>
+      <p:sp>
+        <p:nvSpPr>
+          <p:cNvPr id="7" name="TextBox 6">
+            <a:extLst>
+              <a:ext uri="{FF2B5EF4-FFF2-40B4-BE49-F238E27FC236}">
+                <a16:creationId xmlns:a16="http://schemas.microsoft.com/office/drawing/2014/main" id="{E8CB4F8C-E2F1-7C46-B6C1-30C9322ECE8A}"/>
+              </a:ext>
+            </a:extLst>
+          </p:cNvPr>
+          <p:cNvSpPr txBox="1"/>
+          <p:nvPr/>
+        </p:nvSpPr>
+        <p:spPr>
+          <a:xfrm>
+            <a:off x="922713" y="8159931"/>
+            <a:ext cx="5128952" cy="830997"/>
+          </a:xfrm>
+          <a:prstGeom prst="rect">
+            <a:avLst/>
+          </a:prstGeom>
+          <a:noFill/>
+        </p:spPr>
+        <p:txBody>
+          <a:bodyPr wrap="square" rtlCol="0">
+            <a:spAutoFit/>
+          </a:bodyPr>
+          <a:lstStyle/>
+          <a:p>
+            <a:pPr algn="r"/>
+            <a:r>
+              <a:rPr lang="en-GB" sz="1200" dirty="0"/>
+              <a:t>We hope you enjoyed this class as much as we enjoy teaching it.</a:t>
+            </a:r>
+          </a:p>
+          <a:p>
+            <a:pPr algn="r"/>
+            <a:r>
+              <a:rPr lang="en-GB" sz="1200" dirty="0"/>
+              <a:t>Please ping us if you ever need help.</a:t>
+            </a:r>
+          </a:p>
+          <a:p>
+            <a:pPr algn="r"/>
+            <a:r>
+              <a:rPr lang="en-GB" sz="1200" dirty="0"/>
+              <a:t>llewellyn.falco@gmail.com</a:t>
+            </a:r>
+          </a:p>
+          <a:p>
+            <a:pPr algn="r"/>
+            <a:r>
+              <a:rPr lang="en-GB" sz="1200" dirty="0"/>
+              <a:t>clare@claremacrae.co.uk</a:t>
+            </a:r>
+          </a:p>
+        </p:txBody>
+      </p:sp>
     </p:spTree>
     <p:extLst>
       <p:ext uri="{BB962C8B-B14F-4D97-AF65-F5344CB8AC3E}">

--- a/Homework Printouts.pptx
+++ b/Homework Printouts.pptx
@@ -9332,7 +9332,7 @@
         </p:nvSpPr>
         <p:spPr>
           <a:xfrm>
-            <a:off x="922713" y="2074982"/>
+            <a:off x="800787" y="2074982"/>
             <a:ext cx="5128952" cy="369332"/>
           </a:xfrm>
           <a:prstGeom prst="rect">
@@ -9415,7 +9415,7 @@
         </p:nvSpPr>
         <p:spPr>
           <a:xfrm>
-            <a:off x="922713" y="961270"/>
+            <a:off x="800787" y="961270"/>
             <a:ext cx="5128952" cy="369332"/>
           </a:xfrm>
           <a:prstGeom prst="rect">
@@ -9450,7 +9450,7 @@
         </p:nvSpPr>
         <p:spPr>
           <a:xfrm>
-            <a:off x="3586103" y="1078278"/>
+            <a:off x="3464177" y="1078278"/>
             <a:ext cx="169830" cy="169830"/>
           </a:xfrm>
           <a:prstGeom prst="rect">
@@ -9502,7 +9502,7 @@
         </p:nvSpPr>
         <p:spPr>
           <a:xfrm>
-            <a:off x="3533820" y="952957"/>
+            <a:off x="3411894" y="952957"/>
             <a:ext cx="490451" cy="369332"/>
           </a:xfrm>
           <a:prstGeom prst="rect">
@@ -9543,7 +9543,7 @@
         </p:nvSpPr>
         <p:spPr>
           <a:xfrm>
-            <a:off x="922713" y="1374927"/>
+            <a:off x="800787" y="1374927"/>
             <a:ext cx="5128952" cy="369332"/>
           </a:xfrm>
           <a:prstGeom prst="rect">
@@ -9578,7 +9578,7 @@
         </p:nvSpPr>
         <p:spPr>
           <a:xfrm>
-            <a:off x="3586103" y="1491935"/>
+            <a:off x="3464177" y="1491935"/>
             <a:ext cx="169830" cy="169830"/>
           </a:xfrm>
           <a:prstGeom prst="rect">
@@ -9630,7 +9630,7 @@
         </p:nvSpPr>
         <p:spPr>
           <a:xfrm>
-            <a:off x="3533820" y="1366614"/>
+            <a:off x="3411894" y="1366614"/>
             <a:ext cx="490451" cy="369332"/>
           </a:xfrm>
           <a:prstGeom prst="rect">
@@ -9671,7 +9671,7 @@
         </p:nvSpPr>
         <p:spPr>
           <a:xfrm>
-            <a:off x="922713" y="4060225"/>
+            <a:off x="800787" y="4060225"/>
             <a:ext cx="5128952" cy="369332"/>
           </a:xfrm>
           <a:prstGeom prst="rect">
@@ -9706,7 +9706,7 @@
         </p:nvSpPr>
         <p:spPr>
           <a:xfrm>
-            <a:off x="922713" y="5758279"/>
+            <a:off x="800787" y="5758279"/>
             <a:ext cx="5128952" cy="369332"/>
           </a:xfrm>
           <a:prstGeom prst="rect">
@@ -9741,7 +9741,7 @@
         </p:nvGrpSpPr>
         <p:grpSpPr>
           <a:xfrm>
-            <a:off x="979535" y="6215995"/>
+            <a:off x="857609" y="6215995"/>
             <a:ext cx="5212260" cy="1475471"/>
             <a:chOff x="633452" y="3182336"/>
             <a:chExt cx="5734097" cy="1475471"/>
@@ -9776,16 +9776,6 @@
             <a:lstStyle/>
             <a:p>
               <a:r>
-                <a:rPr lang="en-GB" sz="1200" dirty="0" err="1">
-                  <a:solidFill>
-                    <a:schemeClr val="bg1">
-                      <a:lumMod val="75000"/>
-                    </a:schemeClr>
-                  </a:solidFill>
-                </a:rPr>
-                <a:t>getReport</a:t>
-              </a:r>
-              <a:r>
                 <a:rPr lang="en-GB" sz="1200" dirty="0">
                   <a:solidFill>
                     <a:schemeClr val="bg1">
@@ -9793,7 +9783,7 @@
                     </a:schemeClr>
                   </a:solidFill>
                 </a:rPr>
-                <a:t>()           		Scrubbed dates</a:t>
+                <a:t>getReport()           		Scrubbed dates</a:t>
               </a:r>
             </a:p>
           </p:txBody>
@@ -10063,7 +10053,7 @@
         </p:nvGrpSpPr>
         <p:grpSpPr>
           <a:xfrm>
-            <a:off x="1031264" y="3030142"/>
+            <a:off x="909338" y="3030142"/>
             <a:ext cx="4152424" cy="294517"/>
             <a:chOff x="1506014" y="1954058"/>
             <a:chExt cx="4152424" cy="294517"/>
@@ -12208,7 +12198,7 @@
         </p:nvGrpSpPr>
         <p:grpSpPr>
           <a:xfrm>
-            <a:off x="979534" y="4940570"/>
+            <a:off x="857608" y="4940570"/>
             <a:ext cx="4152424" cy="294517"/>
             <a:chOff x="1506014" y="1954058"/>
             <a:chExt cx="4152424" cy="294517"/>
@@ -14361,7 +14351,7 @@
         </p:blipFill>
         <p:spPr>
           <a:xfrm>
-            <a:off x="2961837" y="4026412"/>
+            <a:off x="2839911" y="4026412"/>
             <a:ext cx="3147566" cy="693214"/>
           </a:xfrm>
           <a:prstGeom prst="rect">
@@ -14391,7 +14381,7 @@
         </p:blipFill>
         <p:spPr>
           <a:xfrm>
-            <a:off x="2951335" y="2112235"/>
+            <a:off x="2829409" y="2112235"/>
             <a:ext cx="2274085" cy="708231"/>
           </a:xfrm>
           <a:prstGeom prst="rect">
@@ -14415,7 +14405,7 @@
         </p:nvCxnSpPr>
         <p:spPr>
           <a:xfrm>
-            <a:off x="2707462" y="6092775"/>
+            <a:off x="2585536" y="6092775"/>
             <a:ext cx="0" cy="1600975"/>
           </a:xfrm>
           <a:prstGeom prst="line">
@@ -14456,8 +14446,8 @@
         </p:nvSpPr>
         <p:spPr>
           <a:xfrm>
-            <a:off x="922713" y="8159931"/>
-            <a:ext cx="5128952" cy="830997"/>
+            <a:off x="1038191" y="8182730"/>
+            <a:ext cx="5128952" cy="738664"/>
           </a:xfrm>
           <a:prstGeom prst="rect">
             <a:avLst/>
@@ -14472,29 +14462,95 @@
           <a:p>
             <a:pPr algn="r"/>
             <a:r>
-              <a:rPr lang="en-GB" sz="1200" dirty="0"/>
+              <a:rPr lang="en-GB" sz="1050" dirty="0">
+                <a:solidFill>
+                  <a:schemeClr val="tx1">
+                    <a:lumMod val="65000"/>
+                    <a:lumOff val="35000"/>
+                  </a:schemeClr>
+                </a:solidFill>
+                <a:latin typeface="Cavolini" panose="020B0604020202020204" pitchFamily="34" charset="0"/>
+                <a:cs typeface="Cavolini" panose="020B0604020202020204" pitchFamily="34" charset="0"/>
+              </a:rPr>
               <a:t>We hope you enjoyed this class as much as we enjoy teaching it.</a:t>
             </a:r>
           </a:p>
           <a:p>
             <a:pPr algn="r"/>
             <a:r>
-              <a:rPr lang="en-GB" sz="1200" dirty="0"/>
+              <a:rPr lang="en-GB" sz="1050" dirty="0">
+                <a:solidFill>
+                  <a:schemeClr val="tx1">
+                    <a:lumMod val="65000"/>
+                    <a:lumOff val="35000"/>
+                  </a:schemeClr>
+                </a:solidFill>
+                <a:latin typeface="Cavolini" panose="020B0604020202020204" pitchFamily="34" charset="0"/>
+                <a:cs typeface="Cavolini" panose="020B0604020202020204" pitchFamily="34" charset="0"/>
+              </a:rPr>
               <a:t>Please ping us if you ever need help.</a:t>
             </a:r>
           </a:p>
           <a:p>
             <a:pPr algn="r"/>
             <a:r>
-              <a:rPr lang="en-GB" sz="1200" dirty="0"/>
-              <a:t>llewellyn.falco@gmail.com</a:t>
+              <a:rPr lang="en-GB" sz="1050" dirty="0">
+                <a:solidFill>
+                  <a:schemeClr val="tx1">
+                    <a:lumMod val="95000"/>
+                    <a:lumOff val="5000"/>
+                  </a:schemeClr>
+                </a:solidFill>
+                <a:latin typeface="Verdana" panose="020B0604030504040204" pitchFamily="34" charset="0"/>
+                <a:ea typeface="Verdana" panose="020B0604030504040204" pitchFamily="34" charset="0"/>
+                <a:cs typeface="Verdana" panose="020B0604030504040204" pitchFamily="34" charset="0"/>
+              </a:rPr>
+              <a:t>llewellyn</a:t>
+            </a:r>
+            <a:r>
+              <a:rPr lang="en-GB" sz="1050" dirty="0">
+                <a:solidFill>
+                  <a:schemeClr val="tx1">
+                    <a:lumMod val="65000"/>
+                    <a:lumOff val="35000"/>
+                  </a:schemeClr>
+                </a:solidFill>
+                <a:latin typeface="Verdana" panose="020B0604030504040204" pitchFamily="34" charset="0"/>
+                <a:ea typeface="Verdana" panose="020B0604030504040204" pitchFamily="34" charset="0"/>
+                <a:cs typeface="Verdana" panose="020B0604030504040204" pitchFamily="34" charset="0"/>
+              </a:rPr>
+              <a:t>.falco@gmail.com</a:t>
             </a:r>
           </a:p>
           <a:p>
             <a:pPr algn="r"/>
             <a:r>
-              <a:rPr lang="en-GB" sz="1200" dirty="0"/>
-              <a:t>clare@claremacrae.co.uk</a:t>
+              <a:rPr lang="en-GB" sz="1050" dirty="0">
+                <a:solidFill>
+                  <a:schemeClr val="tx1">
+                    <a:lumMod val="95000"/>
+                    <a:lumOff val="5000"/>
+                  </a:schemeClr>
+                </a:solidFill>
+                <a:latin typeface="Verdana" panose="020B0604030504040204" pitchFamily="34" charset="0"/>
+                <a:ea typeface="Verdana" panose="020B0604030504040204" pitchFamily="34" charset="0"/>
+                <a:cs typeface="Verdana" panose="020B0604030504040204" pitchFamily="34" charset="0"/>
+              </a:rPr>
+              <a:t>clare</a:t>
+            </a:r>
+            <a:r>
+              <a:rPr lang="en-GB" sz="1050" dirty="0">
+                <a:solidFill>
+                  <a:schemeClr val="tx1">
+                    <a:lumMod val="65000"/>
+                    <a:lumOff val="35000"/>
+                  </a:schemeClr>
+                </a:solidFill>
+                <a:latin typeface="Verdana" panose="020B0604030504040204" pitchFamily="34" charset="0"/>
+                <a:ea typeface="Verdana" panose="020B0604030504040204" pitchFamily="34" charset="0"/>
+                <a:cs typeface="Verdana" panose="020B0604030504040204" pitchFamily="34" charset="0"/>
+              </a:rPr>
+              <a:t>@claremacrae.co.uk</a:t>
             </a:r>
           </a:p>
         </p:txBody>

--- a/Homework Printouts.pptx
+++ b/Homework Printouts.pptx
@@ -246,7 +246,7 @@
           <a:p>
             <a:fld id="{9BAD008B-C58F-DC47-9BDF-ACF9484DF185}" type="datetimeFigureOut">
               <a:rPr lang="en-GB" smtClean="0"/>
-              <a:t>23/11/2020</a:t>
+              <a:t>26/11/2020</a:t>
             </a:fld>
             <a:endParaRPr lang="en-GB"/>
           </a:p>
@@ -416,7 +416,7 @@
           <a:p>
             <a:fld id="{9BAD008B-C58F-DC47-9BDF-ACF9484DF185}" type="datetimeFigureOut">
               <a:rPr lang="en-GB" smtClean="0"/>
-              <a:t>23/11/2020</a:t>
+              <a:t>26/11/2020</a:t>
             </a:fld>
             <a:endParaRPr lang="en-GB"/>
           </a:p>
@@ -596,7 +596,7 @@
           <a:p>
             <a:fld id="{9BAD008B-C58F-DC47-9BDF-ACF9484DF185}" type="datetimeFigureOut">
               <a:rPr lang="en-GB" smtClean="0"/>
-              <a:t>23/11/2020</a:t>
+              <a:t>26/11/2020</a:t>
             </a:fld>
             <a:endParaRPr lang="en-GB"/>
           </a:p>
@@ -766,7 +766,7 @@
           <a:p>
             <a:fld id="{9BAD008B-C58F-DC47-9BDF-ACF9484DF185}" type="datetimeFigureOut">
               <a:rPr lang="en-GB" smtClean="0"/>
-              <a:t>23/11/2020</a:t>
+              <a:t>26/11/2020</a:t>
             </a:fld>
             <a:endParaRPr lang="en-GB"/>
           </a:p>
@@ -1010,7 +1010,7 @@
           <a:p>
             <a:fld id="{9BAD008B-C58F-DC47-9BDF-ACF9484DF185}" type="datetimeFigureOut">
               <a:rPr lang="en-GB" smtClean="0"/>
-              <a:t>23/11/2020</a:t>
+              <a:t>26/11/2020</a:t>
             </a:fld>
             <a:endParaRPr lang="en-GB"/>
           </a:p>
@@ -1242,7 +1242,7 @@
           <a:p>
             <a:fld id="{9BAD008B-C58F-DC47-9BDF-ACF9484DF185}" type="datetimeFigureOut">
               <a:rPr lang="en-GB" smtClean="0"/>
-              <a:t>23/11/2020</a:t>
+              <a:t>26/11/2020</a:t>
             </a:fld>
             <a:endParaRPr lang="en-GB"/>
           </a:p>
@@ -1609,7 +1609,7 @@
           <a:p>
             <a:fld id="{9BAD008B-C58F-DC47-9BDF-ACF9484DF185}" type="datetimeFigureOut">
               <a:rPr lang="en-GB" smtClean="0"/>
-              <a:t>23/11/2020</a:t>
+              <a:t>26/11/2020</a:t>
             </a:fld>
             <a:endParaRPr lang="en-GB"/>
           </a:p>
@@ -1727,7 +1727,7 @@
           <a:p>
             <a:fld id="{9BAD008B-C58F-DC47-9BDF-ACF9484DF185}" type="datetimeFigureOut">
               <a:rPr lang="en-GB" smtClean="0"/>
-              <a:t>23/11/2020</a:t>
+              <a:t>26/11/2020</a:t>
             </a:fld>
             <a:endParaRPr lang="en-GB"/>
           </a:p>
@@ -1822,7 +1822,7 @@
           <a:p>
             <a:fld id="{9BAD008B-C58F-DC47-9BDF-ACF9484DF185}" type="datetimeFigureOut">
               <a:rPr lang="en-GB" smtClean="0"/>
-              <a:t>23/11/2020</a:t>
+              <a:t>26/11/2020</a:t>
             </a:fld>
             <a:endParaRPr lang="en-GB"/>
           </a:p>
@@ -2099,7 +2099,7 @@
           <a:p>
             <a:fld id="{9BAD008B-C58F-DC47-9BDF-ACF9484DF185}" type="datetimeFigureOut">
               <a:rPr lang="en-GB" smtClean="0"/>
-              <a:t>23/11/2020</a:t>
+              <a:t>26/11/2020</a:t>
             </a:fld>
             <a:endParaRPr lang="en-GB"/>
           </a:p>
@@ -2356,7 +2356,7 @@
           <a:p>
             <a:fld id="{9BAD008B-C58F-DC47-9BDF-ACF9484DF185}" type="datetimeFigureOut">
               <a:rPr lang="en-GB" smtClean="0"/>
-              <a:t>23/11/2020</a:t>
+              <a:t>26/11/2020</a:t>
             </a:fld>
             <a:endParaRPr lang="en-GB"/>
           </a:p>
@@ -2569,7 +2569,7 @@
           <a:p>
             <a:fld id="{9BAD008B-C58F-DC47-9BDF-ACF9484DF185}" type="datetimeFigureOut">
               <a:rPr lang="en-GB" smtClean="0"/>
-              <a:t>23/11/2020</a:t>
+              <a:t>26/11/2020</a:t>
             </a:fld>
             <a:endParaRPr lang="en-GB"/>
           </a:p>
@@ -5768,7 +5768,7 @@
         <p:spPr>
           <a:xfrm>
             <a:off x="223069" y="207820"/>
-            <a:ext cx="3344185" cy="584775"/>
+            <a:ext cx="3352777" cy="430887"/>
           </a:xfrm>
           <a:prstGeom prst="rect">
             <a:avLst/>
@@ -5791,12 +5791,6 @@
             <a:r>
               <a:rPr lang="en-GB" sz="1000" dirty="0"/>
               <a:t>Week 1 Observation Homework</a:t>
-            </a:r>
-          </a:p>
-          <a:p>
-            <a:r>
-              <a:rPr lang="en-GB" sz="1000" dirty="0"/>
-              <a:t>November 2020</a:t>
             </a:r>
           </a:p>
         </p:txBody>
@@ -6175,6 +6169,36 @@
           </a:p>
         </p:txBody>
       </p:sp>
+      <p:pic>
+        <p:nvPicPr>
+          <p:cNvPr id="3" name="Picture 2">
+            <a:extLst>
+              <a:ext uri="{FF2B5EF4-FFF2-40B4-BE49-F238E27FC236}">
+                <a16:creationId xmlns:a16="http://schemas.microsoft.com/office/drawing/2014/main" id="{4B8904C0-F23C-D946-A831-27D7C259320B}"/>
+              </a:ext>
+            </a:extLst>
+          </p:cNvPr>
+          <p:cNvPicPr>
+            <a:picLocks noChangeAspect="1"/>
+          </p:cNvPicPr>
+          <p:nvPr/>
+        </p:nvPicPr>
+        <p:blipFill>
+          <a:blip r:embed="rId2"/>
+          <a:stretch>
+            <a:fillRect/>
+          </a:stretch>
+        </p:blipFill>
+        <p:spPr>
+          <a:xfrm>
+            <a:off x="4349871" y="220817"/>
+            <a:ext cx="1965487" cy="1232690"/>
+          </a:xfrm>
+          <a:prstGeom prst="rect">
+            <a:avLst/>
+          </a:prstGeom>
+        </p:spPr>
+      </p:pic>
     </p:spTree>
     <p:extLst>
       <p:ext uri="{BB962C8B-B14F-4D97-AF65-F5344CB8AC3E}">
@@ -6798,7 +6822,7 @@
         <p:spPr>
           <a:xfrm>
             <a:off x="223069" y="207820"/>
-            <a:ext cx="3344185" cy="584775"/>
+            <a:ext cx="3352777" cy="430887"/>
           </a:xfrm>
           <a:prstGeom prst="rect">
             <a:avLst/>
@@ -6821,12 +6845,6 @@
             <a:r>
               <a:rPr lang="en-GB" sz="1000" dirty="0"/>
               <a:t>Week 2 Observation Homework</a:t>
-            </a:r>
-          </a:p>
-          <a:p>
-            <a:r>
-              <a:rPr lang="en-GB" sz="1000" dirty="0"/>
-              <a:t>November 2020</a:t>
             </a:r>
           </a:p>
         </p:txBody>
@@ -8370,7 +8388,7 @@
         <p:spPr>
           <a:xfrm>
             <a:off x="223069" y="207820"/>
-            <a:ext cx="3344185" cy="584775"/>
+            <a:ext cx="3352777" cy="430887"/>
           </a:xfrm>
           <a:prstGeom prst="rect">
             <a:avLst/>
@@ -8393,12 +8411,6 @@
             <a:r>
               <a:rPr lang="en-GB" sz="1000" dirty="0"/>
               <a:t>Week 3 Observation Homework</a:t>
-            </a:r>
-          </a:p>
-          <a:p>
-            <a:r>
-              <a:rPr lang="en-GB" sz="1000" dirty="0"/>
-              <a:t>November 2020</a:t>
             </a:r>
           </a:p>
         </p:txBody>
@@ -9368,7 +9380,7 @@
         <p:spPr>
           <a:xfrm>
             <a:off x="223069" y="207820"/>
-            <a:ext cx="3344185" cy="584775"/>
+            <a:ext cx="3352777" cy="430887"/>
           </a:xfrm>
           <a:prstGeom prst="rect">
             <a:avLst/>
@@ -9391,12 +9403,6 @@
             <a:r>
               <a:rPr lang="en-GB" sz="1000" dirty="0"/>
               <a:t>Week 4 Observation Homework</a:t>
-            </a:r>
-          </a:p>
-          <a:p>
-            <a:r>
-              <a:rPr lang="en-GB" sz="1000" dirty="0"/>
-              <a:t>November 2020</a:t>
             </a:r>
           </a:p>
         </p:txBody>
